--- a/files/documentation/presentation/Final_Presentation_Alexandru_Olteanu.pptx
+++ b/files/documentation/presentation/Final_Presentation_Alexandru_Olteanu.pptx
@@ -5,13 +5,19 @@
     <p:sldMasterId id="2147483768" r:id="rId1"/>
   </p:sldMasterIdLst>
   <p:notesMasterIdLst>
-    <p:notesMasterId r:id="rId6"/>
+    <p:notesMasterId r:id="rId12"/>
   </p:notesMasterIdLst>
   <p:sldIdLst>
     <p:sldId id="256" r:id="rId2"/>
     <p:sldId id="259" r:id="rId3"/>
-    <p:sldId id="268" r:id="rId4"/>
-    <p:sldId id="270" r:id="rId5"/>
+    <p:sldId id="271" r:id="rId4"/>
+    <p:sldId id="272" r:id="rId5"/>
+    <p:sldId id="273" r:id="rId6"/>
+    <p:sldId id="274" r:id="rId7"/>
+    <p:sldId id="277" r:id="rId8"/>
+    <p:sldId id="275" r:id="rId9"/>
+    <p:sldId id="276" r:id="rId10"/>
+    <p:sldId id="270" r:id="rId11"/>
   </p:sldIdLst>
   <p:sldSz cx="13004800" cy="9753600"/>
   <p:notesSz cx="6858000" cy="9144000"/>
@@ -415,7 +421,7 @@
     </p:spTree>
     <p:extLst>
       <p:ext uri="{BB962C8B-B14F-4D97-AF65-F5344CB8AC3E}">
-        <p14:creationId xmlns:p14="http://schemas.microsoft.com/office/powerpoint/2010/main" val="1141579842"/>
+        <p14:creationId xmlns:p14="http://schemas.microsoft.com/office/powerpoint/2010/main" val="3323318878"/>
       </p:ext>
     </p:extLst>
   </p:cSld>
@@ -426,6 +432,372 @@
 </file>
 
 <file path=ppt/notesSlides/notesSlide3.xml><?xml version="1.0" encoding="utf-8"?>
+<p:notes xmlns:a="http://schemas.openxmlformats.org/drawingml/2006/main" xmlns:r="http://schemas.openxmlformats.org/officeDocument/2006/relationships" xmlns:p="http://schemas.openxmlformats.org/presentationml/2006/main">
+  <p:cSld>
+    <p:spTree>
+      <p:nvGrpSpPr>
+        <p:cNvPr id="1" name=""/>
+        <p:cNvGrpSpPr/>
+        <p:nvPr/>
+      </p:nvGrpSpPr>
+      <p:grpSpPr>
+        <a:xfrm>
+          <a:off x="0" y="0"/>
+          <a:ext cx="0" cy="0"/>
+          <a:chOff x="0" y="0"/>
+          <a:chExt cx="0" cy="0"/>
+        </a:xfrm>
+      </p:grpSpPr>
+      <p:sp>
+        <p:nvSpPr>
+          <p:cNvPr id="2" name="Slide Image Placeholder 1"/>
+          <p:cNvSpPr>
+            <a:spLocks noGrp="1" noRot="1" noChangeAspect="1"/>
+          </p:cNvSpPr>
+          <p:nvPr>
+            <p:ph type="sldImg"/>
+          </p:nvPr>
+        </p:nvSpPr>
+        <p:spPr/>
+      </p:sp>
+      <p:sp>
+        <p:nvSpPr>
+          <p:cNvPr id="3" name="Notes Placeholder 2"/>
+          <p:cNvSpPr>
+            <a:spLocks noGrp="1"/>
+          </p:cNvSpPr>
+          <p:nvPr>
+            <p:ph type="body" idx="1"/>
+          </p:nvPr>
+        </p:nvSpPr>
+        <p:spPr/>
+        <p:txBody>
+          <a:bodyPr/>
+          <a:lstStyle/>
+          <a:p>
+            <a:endParaRPr lang="en-US" dirty="0"/>
+          </a:p>
+        </p:txBody>
+      </p:sp>
+    </p:spTree>
+    <p:extLst>
+      <p:ext uri="{BB962C8B-B14F-4D97-AF65-F5344CB8AC3E}">
+        <p14:creationId xmlns:p14="http://schemas.microsoft.com/office/powerpoint/2010/main" val="1916527137"/>
+      </p:ext>
+    </p:extLst>
+  </p:cSld>
+  <p:clrMapOvr>
+    <a:masterClrMapping/>
+  </p:clrMapOvr>
+</p:notes>
+</file>
+
+<file path=ppt/notesSlides/notesSlide4.xml><?xml version="1.0" encoding="utf-8"?>
+<p:notes xmlns:a="http://schemas.openxmlformats.org/drawingml/2006/main" xmlns:r="http://schemas.openxmlformats.org/officeDocument/2006/relationships" xmlns:p="http://schemas.openxmlformats.org/presentationml/2006/main">
+  <p:cSld>
+    <p:spTree>
+      <p:nvGrpSpPr>
+        <p:cNvPr id="1" name=""/>
+        <p:cNvGrpSpPr/>
+        <p:nvPr/>
+      </p:nvGrpSpPr>
+      <p:grpSpPr>
+        <a:xfrm>
+          <a:off x="0" y="0"/>
+          <a:ext cx="0" cy="0"/>
+          <a:chOff x="0" y="0"/>
+          <a:chExt cx="0" cy="0"/>
+        </a:xfrm>
+      </p:grpSpPr>
+      <p:sp>
+        <p:nvSpPr>
+          <p:cNvPr id="2" name="Slide Image Placeholder 1"/>
+          <p:cNvSpPr>
+            <a:spLocks noGrp="1" noRot="1" noChangeAspect="1"/>
+          </p:cNvSpPr>
+          <p:nvPr>
+            <p:ph type="sldImg"/>
+          </p:nvPr>
+        </p:nvSpPr>
+        <p:spPr/>
+      </p:sp>
+      <p:sp>
+        <p:nvSpPr>
+          <p:cNvPr id="3" name="Notes Placeholder 2"/>
+          <p:cNvSpPr>
+            <a:spLocks noGrp="1"/>
+          </p:cNvSpPr>
+          <p:nvPr>
+            <p:ph type="body" idx="1"/>
+          </p:nvPr>
+        </p:nvSpPr>
+        <p:spPr/>
+        <p:txBody>
+          <a:bodyPr/>
+          <a:lstStyle/>
+          <a:p>
+            <a:endParaRPr lang="en-US" dirty="0"/>
+          </a:p>
+        </p:txBody>
+      </p:sp>
+    </p:spTree>
+    <p:extLst>
+      <p:ext uri="{BB962C8B-B14F-4D97-AF65-F5344CB8AC3E}">
+        <p14:creationId xmlns:p14="http://schemas.microsoft.com/office/powerpoint/2010/main" val="1835450895"/>
+      </p:ext>
+    </p:extLst>
+  </p:cSld>
+  <p:clrMapOvr>
+    <a:masterClrMapping/>
+  </p:clrMapOvr>
+</p:notes>
+</file>
+
+<file path=ppt/notesSlides/notesSlide5.xml><?xml version="1.0" encoding="utf-8"?>
+<p:notes xmlns:a="http://schemas.openxmlformats.org/drawingml/2006/main" xmlns:r="http://schemas.openxmlformats.org/officeDocument/2006/relationships" xmlns:p="http://schemas.openxmlformats.org/presentationml/2006/main">
+  <p:cSld>
+    <p:spTree>
+      <p:nvGrpSpPr>
+        <p:cNvPr id="1" name=""/>
+        <p:cNvGrpSpPr/>
+        <p:nvPr/>
+      </p:nvGrpSpPr>
+      <p:grpSpPr>
+        <a:xfrm>
+          <a:off x="0" y="0"/>
+          <a:ext cx="0" cy="0"/>
+          <a:chOff x="0" y="0"/>
+          <a:chExt cx="0" cy="0"/>
+        </a:xfrm>
+      </p:grpSpPr>
+      <p:sp>
+        <p:nvSpPr>
+          <p:cNvPr id="2" name="Slide Image Placeholder 1"/>
+          <p:cNvSpPr>
+            <a:spLocks noGrp="1" noRot="1" noChangeAspect="1"/>
+          </p:cNvSpPr>
+          <p:nvPr>
+            <p:ph type="sldImg"/>
+          </p:nvPr>
+        </p:nvSpPr>
+        <p:spPr/>
+      </p:sp>
+      <p:sp>
+        <p:nvSpPr>
+          <p:cNvPr id="3" name="Notes Placeholder 2"/>
+          <p:cNvSpPr>
+            <a:spLocks noGrp="1"/>
+          </p:cNvSpPr>
+          <p:nvPr>
+            <p:ph type="body" idx="1"/>
+          </p:nvPr>
+        </p:nvSpPr>
+        <p:spPr/>
+        <p:txBody>
+          <a:bodyPr/>
+          <a:lstStyle/>
+          <a:p>
+            <a:endParaRPr lang="en-US" dirty="0"/>
+          </a:p>
+        </p:txBody>
+      </p:sp>
+    </p:spTree>
+    <p:extLst>
+      <p:ext uri="{BB962C8B-B14F-4D97-AF65-F5344CB8AC3E}">
+        <p14:creationId xmlns:p14="http://schemas.microsoft.com/office/powerpoint/2010/main" val="2469988350"/>
+      </p:ext>
+    </p:extLst>
+  </p:cSld>
+  <p:clrMapOvr>
+    <a:masterClrMapping/>
+  </p:clrMapOvr>
+</p:notes>
+</file>
+
+<file path=ppt/notesSlides/notesSlide6.xml><?xml version="1.0" encoding="utf-8"?>
+<p:notes xmlns:a="http://schemas.openxmlformats.org/drawingml/2006/main" xmlns:r="http://schemas.openxmlformats.org/officeDocument/2006/relationships" xmlns:p="http://schemas.openxmlformats.org/presentationml/2006/main">
+  <p:cSld>
+    <p:spTree>
+      <p:nvGrpSpPr>
+        <p:cNvPr id="1" name=""/>
+        <p:cNvGrpSpPr/>
+        <p:nvPr/>
+      </p:nvGrpSpPr>
+      <p:grpSpPr>
+        <a:xfrm>
+          <a:off x="0" y="0"/>
+          <a:ext cx="0" cy="0"/>
+          <a:chOff x="0" y="0"/>
+          <a:chExt cx="0" cy="0"/>
+        </a:xfrm>
+      </p:grpSpPr>
+      <p:sp>
+        <p:nvSpPr>
+          <p:cNvPr id="2" name="Slide Image Placeholder 1"/>
+          <p:cNvSpPr>
+            <a:spLocks noGrp="1" noRot="1" noChangeAspect="1"/>
+          </p:cNvSpPr>
+          <p:nvPr>
+            <p:ph type="sldImg"/>
+          </p:nvPr>
+        </p:nvSpPr>
+        <p:spPr/>
+      </p:sp>
+      <p:sp>
+        <p:nvSpPr>
+          <p:cNvPr id="3" name="Notes Placeholder 2"/>
+          <p:cNvSpPr>
+            <a:spLocks noGrp="1"/>
+          </p:cNvSpPr>
+          <p:nvPr>
+            <p:ph type="body" idx="1"/>
+          </p:nvPr>
+        </p:nvSpPr>
+        <p:spPr/>
+        <p:txBody>
+          <a:bodyPr/>
+          <a:lstStyle/>
+          <a:p>
+            <a:endParaRPr lang="en-US" dirty="0"/>
+          </a:p>
+        </p:txBody>
+      </p:sp>
+    </p:spTree>
+    <p:extLst>
+      <p:ext uri="{BB962C8B-B14F-4D97-AF65-F5344CB8AC3E}">
+        <p14:creationId xmlns:p14="http://schemas.microsoft.com/office/powerpoint/2010/main" val="1073139725"/>
+      </p:ext>
+    </p:extLst>
+  </p:cSld>
+  <p:clrMapOvr>
+    <a:masterClrMapping/>
+  </p:clrMapOvr>
+</p:notes>
+</file>
+
+<file path=ppt/notesSlides/notesSlide7.xml><?xml version="1.0" encoding="utf-8"?>
+<p:notes xmlns:a="http://schemas.openxmlformats.org/drawingml/2006/main" xmlns:r="http://schemas.openxmlformats.org/officeDocument/2006/relationships" xmlns:p="http://schemas.openxmlformats.org/presentationml/2006/main">
+  <p:cSld>
+    <p:spTree>
+      <p:nvGrpSpPr>
+        <p:cNvPr id="1" name=""/>
+        <p:cNvGrpSpPr/>
+        <p:nvPr/>
+      </p:nvGrpSpPr>
+      <p:grpSpPr>
+        <a:xfrm>
+          <a:off x="0" y="0"/>
+          <a:ext cx="0" cy="0"/>
+          <a:chOff x="0" y="0"/>
+          <a:chExt cx="0" cy="0"/>
+        </a:xfrm>
+      </p:grpSpPr>
+      <p:sp>
+        <p:nvSpPr>
+          <p:cNvPr id="2" name="Slide Image Placeholder 1"/>
+          <p:cNvSpPr>
+            <a:spLocks noGrp="1" noRot="1" noChangeAspect="1"/>
+          </p:cNvSpPr>
+          <p:nvPr>
+            <p:ph type="sldImg"/>
+          </p:nvPr>
+        </p:nvSpPr>
+        <p:spPr/>
+      </p:sp>
+      <p:sp>
+        <p:nvSpPr>
+          <p:cNvPr id="3" name="Notes Placeholder 2"/>
+          <p:cNvSpPr>
+            <a:spLocks noGrp="1"/>
+          </p:cNvSpPr>
+          <p:nvPr>
+            <p:ph type="body" idx="1"/>
+          </p:nvPr>
+        </p:nvSpPr>
+        <p:spPr/>
+        <p:txBody>
+          <a:bodyPr/>
+          <a:lstStyle/>
+          <a:p>
+            <a:endParaRPr lang="en-US" dirty="0"/>
+          </a:p>
+        </p:txBody>
+      </p:sp>
+    </p:spTree>
+    <p:extLst>
+      <p:ext uri="{BB962C8B-B14F-4D97-AF65-F5344CB8AC3E}">
+        <p14:creationId xmlns:p14="http://schemas.microsoft.com/office/powerpoint/2010/main" val="1557594977"/>
+      </p:ext>
+    </p:extLst>
+  </p:cSld>
+  <p:clrMapOvr>
+    <a:masterClrMapping/>
+  </p:clrMapOvr>
+</p:notes>
+</file>
+
+<file path=ppt/notesSlides/notesSlide8.xml><?xml version="1.0" encoding="utf-8"?>
+<p:notes xmlns:a="http://schemas.openxmlformats.org/drawingml/2006/main" xmlns:r="http://schemas.openxmlformats.org/officeDocument/2006/relationships" xmlns:p="http://schemas.openxmlformats.org/presentationml/2006/main">
+  <p:cSld>
+    <p:spTree>
+      <p:nvGrpSpPr>
+        <p:cNvPr id="1" name=""/>
+        <p:cNvGrpSpPr/>
+        <p:nvPr/>
+      </p:nvGrpSpPr>
+      <p:grpSpPr>
+        <a:xfrm>
+          <a:off x="0" y="0"/>
+          <a:ext cx="0" cy="0"/>
+          <a:chOff x="0" y="0"/>
+          <a:chExt cx="0" cy="0"/>
+        </a:xfrm>
+      </p:grpSpPr>
+      <p:sp>
+        <p:nvSpPr>
+          <p:cNvPr id="2" name="Slide Image Placeholder 1"/>
+          <p:cNvSpPr>
+            <a:spLocks noGrp="1" noRot="1" noChangeAspect="1"/>
+          </p:cNvSpPr>
+          <p:nvPr>
+            <p:ph type="sldImg"/>
+          </p:nvPr>
+        </p:nvSpPr>
+        <p:spPr/>
+      </p:sp>
+      <p:sp>
+        <p:nvSpPr>
+          <p:cNvPr id="3" name="Notes Placeholder 2"/>
+          <p:cNvSpPr>
+            <a:spLocks noGrp="1"/>
+          </p:cNvSpPr>
+          <p:nvPr>
+            <p:ph type="body" idx="1"/>
+          </p:nvPr>
+        </p:nvSpPr>
+        <p:spPr/>
+        <p:txBody>
+          <a:bodyPr/>
+          <a:lstStyle/>
+          <a:p>
+            <a:endParaRPr lang="en-US" dirty="0"/>
+          </a:p>
+        </p:txBody>
+      </p:sp>
+    </p:spTree>
+    <p:extLst>
+      <p:ext uri="{BB962C8B-B14F-4D97-AF65-F5344CB8AC3E}">
+        <p14:creationId xmlns:p14="http://schemas.microsoft.com/office/powerpoint/2010/main" val="602848739"/>
+      </p:ext>
+    </p:extLst>
+  </p:cSld>
+  <p:clrMapOvr>
+    <a:masterClrMapping/>
+  </p:clrMapOvr>
+</p:notes>
+</file>
+
+<file path=ppt/notesSlides/notesSlide9.xml><?xml version="1.0" encoding="utf-8"?>
 <p:notes xmlns:a="http://schemas.openxmlformats.org/drawingml/2006/main" xmlns:r="http://schemas.openxmlformats.org/officeDocument/2006/relationships" xmlns:p="http://schemas.openxmlformats.org/presentationml/2006/main">
   <p:cSld>
     <p:spTree>
@@ -625,7 +997,7 @@
           <a:p>
             <a:fld id="{48A87A34-81AB-432B-8DAE-1953F412C126}" type="datetimeFigureOut">
               <a:rPr lang="en-US" smtClean="0"/>
-              <a:t>6/27/2024</a:t>
+              <a:t>6/29/2024</a:t>
             </a:fld>
             <a:endParaRPr lang="en-US" dirty="0"/>
           </a:p>
@@ -868,7 +1240,7 @@
           <a:p>
             <a:fld id="{48A87A34-81AB-432B-8DAE-1953F412C126}" type="datetimeFigureOut">
               <a:rPr lang="en-US" smtClean="0"/>
-              <a:t>6/27/2024</a:t>
+              <a:t>6/29/2024</a:t>
             </a:fld>
             <a:endParaRPr lang="en-US" dirty="0"/>
           </a:p>
@@ -1053,7 +1425,7 @@
           <a:p>
             <a:fld id="{48A87A34-81AB-432B-8DAE-1953F412C126}" type="datetimeFigureOut">
               <a:rPr lang="en-US" smtClean="0"/>
-              <a:t>6/27/2024</a:t>
+              <a:t>6/29/2024</a:t>
             </a:fld>
             <a:endParaRPr lang="en-US" dirty="0"/>
           </a:p>
@@ -1431,7 +1803,7 @@
           <a:p>
             <a:fld id="{48A87A34-81AB-432B-8DAE-1953F412C126}" type="datetimeFigureOut">
               <a:rPr lang="en-US" smtClean="0"/>
-              <a:t>6/27/2024</a:t>
+              <a:t>6/29/2024</a:t>
             </a:fld>
             <a:endParaRPr lang="en-US" dirty="0"/>
           </a:p>
@@ -1711,7 +2083,7 @@
           <a:p>
             <a:fld id="{48A87A34-81AB-432B-8DAE-1953F412C126}" type="datetimeFigureOut">
               <a:rPr lang="en-US" smtClean="0"/>
-              <a:t>6/27/2024</a:t>
+              <a:t>6/29/2024</a:t>
             </a:fld>
             <a:endParaRPr lang="en-US" dirty="0"/>
           </a:p>
@@ -1980,7 +2352,7 @@
           <a:p>
             <a:fld id="{48A87A34-81AB-432B-8DAE-1953F412C126}" type="datetimeFigureOut">
               <a:rPr lang="en-US" smtClean="0"/>
-              <a:t>6/27/2024</a:t>
+              <a:t>6/29/2024</a:t>
             </a:fld>
             <a:endParaRPr lang="en-US" dirty="0"/>
           </a:p>
@@ -2428,7 +2800,7 @@
           <a:p>
             <a:fld id="{48A87A34-81AB-432B-8DAE-1953F412C126}" type="datetimeFigureOut">
               <a:rPr lang="en-US" smtClean="0"/>
-              <a:t>6/27/2024</a:t>
+              <a:t>6/29/2024</a:t>
             </a:fld>
             <a:endParaRPr lang="en-US" dirty="0"/>
           </a:p>
@@ -2578,7 +2950,7 @@
           <a:p>
             <a:fld id="{48A87A34-81AB-432B-8DAE-1953F412C126}" type="datetimeFigureOut">
               <a:rPr lang="en-US" smtClean="0"/>
-              <a:t>6/27/2024</a:t>
+              <a:t>6/29/2024</a:t>
             </a:fld>
             <a:endParaRPr lang="en-US" dirty="0"/>
           </a:p>
@@ -2674,7 +3046,7 @@
           <a:p>
             <a:fld id="{48A87A34-81AB-432B-8DAE-1953F412C126}" type="datetimeFigureOut">
               <a:rPr lang="en-US" smtClean="0"/>
-              <a:t>6/27/2024</a:t>
+              <a:t>6/29/2024</a:t>
             </a:fld>
             <a:endParaRPr lang="en-US" dirty="0"/>
           </a:p>
@@ -2927,7 +3299,7 @@
           <a:p>
             <a:fld id="{48A87A34-81AB-432B-8DAE-1953F412C126}" type="datetimeFigureOut">
               <a:rPr lang="en-US" smtClean="0"/>
-              <a:t>6/27/2024</a:t>
+              <a:t>6/29/2024</a:t>
             </a:fld>
             <a:endParaRPr lang="en-US" dirty="0"/>
           </a:p>
@@ -3374,7 +3746,7 @@
             <a:fld id="{48A87A34-81AB-432B-8DAE-1953F412C126}" type="datetimeFigureOut">
               <a:rPr lang="en-US" smtClean="0"/>
               <a:pPr/>
-              <a:t>6/27/2024</a:t>
+              <a:t>6/29/2024</a:t>
             </a:fld>
             <a:endParaRPr lang="en-US" dirty="0"/>
           </a:p>
@@ -3740,7 +4112,7 @@
             <a:fld id="{48A87A34-81AB-432B-8DAE-1953F412C126}" type="datetimeFigureOut">
               <a:rPr lang="en-US" smtClean="0"/>
               <a:pPr/>
-              <a:t>6/27/2024</a:t>
+              <a:t>6/29/2024</a:t>
             </a:fld>
             <a:endParaRPr lang="en-US" dirty="0"/>
           </a:p>
@@ -4252,7 +4624,7 @@
           </a:ln>
           <a:extLst>
             <a:ext uri="{C572A759-6A51-4108-AA02-DFA0A04FC94B}">
-              <ma14:wrappingTextBoxFlag xmlns="" xmlns:ma14="http://schemas.microsoft.com/office/mac/drawingml/2011/main" val="1"/>
+              <ma14:wrappingTextBoxFlag xmlns:ma14="http://schemas.microsoft.com/office/mac/drawingml/2011/main" xmlns="" val="1"/>
             </a:ext>
           </a:extLst>
         </p:spPr>
@@ -4487,6 +4859,196 @@
 </p:sld>
 </file>
 
+<file path=ppt/slides/slide10.xml><?xml version="1.0" encoding="utf-8"?>
+<p:sld xmlns:a="http://schemas.openxmlformats.org/drawingml/2006/main" xmlns:r="http://schemas.openxmlformats.org/officeDocument/2006/relationships" xmlns:p="http://schemas.openxmlformats.org/presentationml/2006/main">
+  <p:cSld>
+    <p:spTree>
+      <p:nvGrpSpPr>
+        <p:cNvPr id="1" name=""/>
+        <p:cNvGrpSpPr/>
+        <p:nvPr/>
+      </p:nvGrpSpPr>
+      <p:grpSpPr>
+        <a:xfrm>
+          <a:off x="0" y="0"/>
+          <a:ext cx="0" cy="0"/>
+          <a:chOff x="0" y="0"/>
+          <a:chExt cx="0" cy="0"/>
+        </a:xfrm>
+      </p:grpSpPr>
+      <p:sp>
+        <p:nvSpPr>
+          <p:cNvPr id="2" name="Shape 98">
+            <a:extLst>
+              <a:ext uri="{FF2B5EF4-FFF2-40B4-BE49-F238E27FC236}">
+                <a16:creationId xmlns:a16="http://schemas.microsoft.com/office/drawing/2014/main" id="{21735BE9-99D2-6680-D18E-E29D0C7142D5}"/>
+              </a:ext>
+            </a:extLst>
+          </p:cNvPr>
+          <p:cNvSpPr/>
+          <p:nvPr/>
+        </p:nvSpPr>
+        <p:spPr>
+          <a:xfrm>
+            <a:off x="1270000" y="3342055"/>
+            <a:ext cx="10464800" cy="1846659"/>
+          </a:xfrm>
+          <a:prstGeom prst="rect">
+            <a:avLst/>
+          </a:prstGeom>
+          <a:ln w="12700">
+            <a:miter lim="400000"/>
+          </a:ln>
+          <a:extLst>
+            <a:ext uri="{C572A759-6A51-4108-AA02-DFA0A04FC94B}">
+              <ma14:wrappingTextBoxFlag xmlns="" xmlns:ma14="http://schemas.microsoft.com/office/mac/drawingml/2011/main" val="1"/>
+            </a:ext>
+          </a:extLst>
+        </p:spPr>
+        <p:txBody>
+          <a:bodyPr lIns="0" tIns="0" rIns="0" bIns="0" anchor="ctr">
+            <a:spAutoFit/>
+          </a:bodyPr>
+          <a:lstStyle>
+            <a:lvl1pPr>
+              <a:defRPr sz="5000"/>
+            </a:lvl1pPr>
+          </a:lstStyle>
+          <a:p>
+            <a:pPr lvl="0" algn="ctr">
+              <a:defRPr sz="1800"/>
+            </a:pPr>
+            <a:r>
+              <a:rPr lang="en-US" sz="6000" dirty="0" err="1">
+                <a:latin typeface="Calibri" panose="020F0502020204030204" pitchFamily="34" charset="0"/>
+                <a:cs typeface="Calibri" panose="020F0502020204030204" pitchFamily="34" charset="0"/>
+              </a:rPr>
+              <a:t>Mulțumesc</a:t>
+            </a:r>
+            <a:r>
+              <a:rPr lang="en-US" sz="6000" dirty="0">
+                <a:latin typeface="Calibri" panose="020F0502020204030204" pitchFamily="34" charset="0"/>
+                <a:cs typeface="Calibri" panose="020F0502020204030204" pitchFamily="34" charset="0"/>
+              </a:rPr>
+              <a:t> </a:t>
+            </a:r>
+            <a:r>
+              <a:rPr lang="en-US" sz="6000" dirty="0" err="1">
+                <a:latin typeface="Calibri" panose="020F0502020204030204" pitchFamily="34" charset="0"/>
+                <a:cs typeface="Calibri" panose="020F0502020204030204" pitchFamily="34" charset="0"/>
+              </a:rPr>
+              <a:t>pentru</a:t>
+            </a:r>
+            <a:r>
+              <a:rPr lang="en-US" sz="6000" dirty="0">
+                <a:latin typeface="Calibri" panose="020F0502020204030204" pitchFamily="34" charset="0"/>
+                <a:cs typeface="Calibri" panose="020F0502020204030204" pitchFamily="34" charset="0"/>
+              </a:rPr>
+              <a:t> </a:t>
+            </a:r>
+            <a:r>
+              <a:rPr lang="en-US" sz="6000" dirty="0" err="1">
+                <a:latin typeface="Calibri" panose="020F0502020204030204" pitchFamily="34" charset="0"/>
+                <a:cs typeface="Calibri" panose="020F0502020204030204" pitchFamily="34" charset="0"/>
+              </a:rPr>
+              <a:t>atenția</a:t>
+            </a:r>
+            <a:r>
+              <a:rPr lang="en-US" sz="6000" dirty="0">
+                <a:latin typeface="Calibri" panose="020F0502020204030204" pitchFamily="34" charset="0"/>
+                <a:cs typeface="Calibri" panose="020F0502020204030204" pitchFamily="34" charset="0"/>
+              </a:rPr>
+              <a:t> </a:t>
+            </a:r>
+            <a:r>
+              <a:rPr lang="en-US" sz="6000" dirty="0" err="1">
+                <a:latin typeface="Calibri" panose="020F0502020204030204" pitchFamily="34" charset="0"/>
+                <a:cs typeface="Calibri" panose="020F0502020204030204" pitchFamily="34" charset="0"/>
+              </a:rPr>
+              <a:t>acordată</a:t>
+            </a:r>
+            <a:endParaRPr sz="6000" dirty="0">
+              <a:latin typeface="Calibri" panose="020F0502020204030204" pitchFamily="34" charset="0"/>
+              <a:cs typeface="Calibri" panose="020F0502020204030204" pitchFamily="34" charset="0"/>
+            </a:endParaRPr>
+          </a:p>
+        </p:txBody>
+      </p:sp>
+      <p:sp>
+        <p:nvSpPr>
+          <p:cNvPr id="4" name="Shape 97">
+            <a:extLst>
+              <a:ext uri="{FF2B5EF4-FFF2-40B4-BE49-F238E27FC236}">
+                <a16:creationId xmlns:a16="http://schemas.microsoft.com/office/drawing/2014/main" id="{527062A4-E490-3D56-D6B3-8BF049CF0135}"/>
+              </a:ext>
+            </a:extLst>
+          </p:cNvPr>
+          <p:cNvSpPr/>
+          <p:nvPr/>
+        </p:nvSpPr>
+        <p:spPr>
+          <a:xfrm>
+            <a:off x="1270000" y="8016154"/>
+            <a:ext cx="10464800" cy="1107996"/>
+          </a:xfrm>
+          <a:prstGeom prst="rect">
+            <a:avLst/>
+          </a:prstGeom>
+          <a:ln w="12700">
+            <a:miter lim="400000"/>
+          </a:ln>
+          <a:extLst>
+            <a:ext uri="{C572A759-6A51-4108-AA02-DFA0A04FC94B}">
+              <ma14:wrappingTextBoxFlag xmlns="" xmlns:ma14="http://schemas.microsoft.com/office/mac/drawingml/2011/main" val="1"/>
+            </a:ext>
+          </a:extLst>
+        </p:spPr>
+        <p:txBody>
+          <a:bodyPr lIns="0" tIns="0" rIns="0" bIns="0" anchor="ctr">
+            <a:spAutoFit/>
+          </a:bodyPr>
+          <a:lstStyle/>
+          <a:p>
+            <a:pPr lvl="0">
+              <a:defRPr sz="1800"/>
+            </a:pPr>
+            <a:r>
+              <a:rPr lang="en-US" sz="3600" dirty="0">
+                <a:latin typeface="Calibri" panose="020F0502020204030204" pitchFamily="34" charset="0"/>
+                <a:cs typeface="Calibri" panose="020F0502020204030204" pitchFamily="34" charset="0"/>
+              </a:rPr>
+              <a:t>alexandru.olteanu01@stud.acs.upb.ro</a:t>
+            </a:r>
+            <a:br>
+              <a:rPr lang="en-US" sz="3600" dirty="0">
+                <a:latin typeface="Calibri" panose="020F0502020204030204" pitchFamily="34" charset="0"/>
+                <a:cs typeface="Calibri" panose="020F0502020204030204" pitchFamily="34" charset="0"/>
+              </a:rPr>
+            </a:br>
+            <a:r>
+              <a:rPr sz="3600" dirty="0">
+                <a:latin typeface="Calibri" panose="020F0502020204030204" pitchFamily="34" charset="0"/>
+                <a:cs typeface="Calibri" panose="020F0502020204030204" pitchFamily="34" charset="0"/>
+              </a:rPr>
+              <a:t>cs.pub.ro</a:t>
+            </a:r>
+          </a:p>
+        </p:txBody>
+      </p:sp>
+    </p:spTree>
+    <p:extLst>
+      <p:ext uri="{BB962C8B-B14F-4D97-AF65-F5344CB8AC3E}">
+        <p14:creationId xmlns:p14="http://schemas.microsoft.com/office/powerpoint/2010/main" val="4039068975"/>
+      </p:ext>
+    </p:extLst>
+  </p:cSld>
+  <p:clrMapOvr>
+    <a:masterClrMapping/>
+  </p:clrMapOvr>
+  <p:transition spd="med"/>
+</p:sld>
+</file>
+
 <file path=ppt/slides/slide2.xml><?xml version="1.0" encoding="utf-8"?>
 <p:sld xmlns:a="http://schemas.openxmlformats.org/drawingml/2006/main" xmlns:r="http://schemas.openxmlformats.org/officeDocument/2006/relationships" xmlns:p="http://schemas.openxmlformats.org/presentationml/2006/main">
   <p:cSld>
@@ -4518,8 +5080,8 @@
         </p:nvSpPr>
         <p:spPr>
           <a:xfrm>
-            <a:off x="6023428" y="1059542"/>
-            <a:ext cx="6444343" cy="1015663"/>
+            <a:off x="7113193" y="1072068"/>
+            <a:ext cx="5475465" cy="1015663"/>
           </a:xfrm>
           <a:prstGeom prst="rect">
             <a:avLst/>
@@ -4533,32 +5095,25 @@
           <a:lstStyle/>
           <a:p>
             <a:r>
+              <a:rPr lang="en-US" sz="6000" dirty="0" err="1">
+                <a:latin typeface="Calibri" panose="020F0502020204030204" pitchFamily="34" charset="0"/>
+                <a:cs typeface="Calibri" panose="020F0502020204030204" pitchFamily="34" charset="0"/>
+              </a:rPr>
+              <a:t>Contextul</a:t>
+            </a:r>
+            <a:r>
               <a:rPr lang="en-US" sz="6000" dirty="0">
                 <a:latin typeface="Calibri" panose="020F0502020204030204" pitchFamily="34" charset="0"/>
                 <a:cs typeface="Calibri" panose="020F0502020204030204" pitchFamily="34" charset="0"/>
               </a:rPr>
-              <a:t>Context </a:t>
+              <a:t> </a:t>
             </a:r>
             <a:r>
               <a:rPr lang="en-US" sz="6000" dirty="0" err="1">
                 <a:latin typeface="Calibri" panose="020F0502020204030204" pitchFamily="34" charset="0"/>
                 <a:cs typeface="Calibri" panose="020F0502020204030204" pitchFamily="34" charset="0"/>
               </a:rPr>
-              <a:t>și</a:t>
-            </a:r>
-            <a:r>
-              <a:rPr lang="en-US" sz="6000" dirty="0">
-                <a:latin typeface="Calibri" panose="020F0502020204030204" pitchFamily="34" charset="0"/>
-                <a:cs typeface="Calibri" panose="020F0502020204030204" pitchFamily="34" charset="0"/>
-              </a:rPr>
-              <a:t> </a:t>
-            </a:r>
-            <a:r>
-              <a:rPr lang="en-US" sz="6000" dirty="0" err="1">
-                <a:latin typeface="Calibri" panose="020F0502020204030204" pitchFamily="34" charset="0"/>
-                <a:cs typeface="Calibri" panose="020F0502020204030204" pitchFamily="34" charset="0"/>
-              </a:rPr>
-              <a:t>Problema</a:t>
+              <a:t>lucrării</a:t>
             </a:r>
             <a:endParaRPr lang="en-US" sz="6000" dirty="0">
               <a:latin typeface="Calibri" panose="020F0502020204030204" pitchFamily="34" charset="0"/>
@@ -4581,8 +5136,8 @@
         </p:nvSpPr>
         <p:spPr>
           <a:xfrm>
-            <a:off x="351971" y="2966954"/>
-            <a:ext cx="8893629" cy="3272691"/>
+            <a:off x="453990" y="3054637"/>
+            <a:ext cx="8893629" cy="3416320"/>
           </a:xfrm>
           <a:prstGeom prst="rect">
             <a:avLst/>
@@ -4595,41 +5150,6 @@
           </a:bodyPr>
           <a:lstStyle/>
           <a:p>
-            <a:pPr>
-              <a:spcAft>
-                <a:spcPts val="800"/>
-              </a:spcAft>
-            </a:pPr>
-            <a:r>
-              <a:rPr lang="en-US" sz="4000" dirty="0" err="1">
-                <a:latin typeface="Calibri" panose="020F0502020204030204" pitchFamily="34" charset="0"/>
-                <a:cs typeface="Calibri" panose="020F0502020204030204" pitchFamily="34" charset="0"/>
-              </a:rPr>
-              <a:t>Contextul</a:t>
-            </a:r>
-            <a:r>
-              <a:rPr lang="en-US" sz="4000" dirty="0">
-                <a:latin typeface="Calibri" panose="020F0502020204030204" pitchFamily="34" charset="0"/>
-                <a:cs typeface="Calibri" panose="020F0502020204030204" pitchFamily="34" charset="0"/>
-              </a:rPr>
-              <a:t> </a:t>
-            </a:r>
-            <a:r>
-              <a:rPr lang="en-US" sz="4000" dirty="0" err="1">
-                <a:latin typeface="Calibri" panose="020F0502020204030204" pitchFamily="34" charset="0"/>
-                <a:cs typeface="Calibri" panose="020F0502020204030204" pitchFamily="34" charset="0"/>
-              </a:rPr>
-              <a:t>lucrării</a:t>
-            </a:r>
-            <a:r>
-              <a:rPr lang="en-US" sz="4000" dirty="0">
-                <a:latin typeface="Calibri" panose="020F0502020204030204" pitchFamily="34" charset="0"/>
-                <a:cs typeface="Calibri" panose="020F0502020204030204" pitchFamily="34" charset="0"/>
-              </a:rPr>
-              <a:t>:</a:t>
-            </a:r>
-          </a:p>
-          <a:p>
             <a:pPr marL="571500" indent="-571500">
               <a:spcAft>
                 <a:spcPts val="800"/>
@@ -4642,7 +5162,7 @@
                 <a:latin typeface="Calibri" panose="020F0502020204030204" pitchFamily="34" charset="0"/>
                 <a:cs typeface="Calibri" panose="020F0502020204030204" pitchFamily="34" charset="0"/>
               </a:rPr>
-              <a:t>Creșterea</a:t>
+              <a:t>Importanța</a:t>
             </a:r>
             <a:r>
               <a:rPr lang="en-US" sz="2800" dirty="0">
@@ -4656,7 +5176,7 @@
                 <a:latin typeface="Calibri" panose="020F0502020204030204" pitchFamily="34" charset="0"/>
                 <a:cs typeface="Calibri" panose="020F0502020204030204" pitchFamily="34" charset="0"/>
               </a:rPr>
-              <a:t>importanței</a:t>
+              <a:t>utilizării</a:t>
             </a:r>
             <a:r>
               <a:rPr lang="en-US" sz="2800" dirty="0">
@@ -4670,7 +5190,21 @@
                 <a:latin typeface="Calibri" panose="020F0502020204030204" pitchFamily="34" charset="0"/>
                 <a:cs typeface="Calibri" panose="020F0502020204030204" pitchFamily="34" charset="0"/>
               </a:rPr>
-              <a:t>utilizării</a:t>
+              <a:t>eficiente</a:t>
+            </a:r>
+            <a:r>
+              <a:rPr lang="en-US" sz="2800" dirty="0">
+                <a:latin typeface="Calibri" panose="020F0502020204030204" pitchFamily="34" charset="0"/>
+                <a:cs typeface="Calibri" panose="020F0502020204030204" pitchFamily="34" charset="0"/>
+              </a:rPr>
+              <a:t> a </a:t>
+            </a:r>
+            <a:r>
+              <a:rPr lang="en-US" sz="2800" dirty="0" err="1">
+                <a:latin typeface="Calibri" panose="020F0502020204030204" pitchFamily="34" charset="0"/>
+                <a:cs typeface="Calibri" panose="020F0502020204030204" pitchFamily="34" charset="0"/>
+              </a:rPr>
+              <a:t>resurselor</a:t>
             </a:r>
             <a:r>
               <a:rPr lang="en-US" sz="2800" dirty="0">
@@ -4684,21 +5218,35 @@
                 <a:latin typeface="Calibri" panose="020F0502020204030204" pitchFamily="34" charset="0"/>
                 <a:cs typeface="Calibri" panose="020F0502020204030204" pitchFamily="34" charset="0"/>
               </a:rPr>
-              <a:t>eficiente</a:t>
-            </a:r>
-            <a:r>
-              <a:rPr lang="en-US" sz="2800" dirty="0">
-                <a:latin typeface="Calibri" panose="020F0502020204030204" pitchFamily="34" charset="0"/>
-                <a:cs typeface="Calibri" panose="020F0502020204030204" pitchFamily="34" charset="0"/>
-              </a:rPr>
-              <a:t> a </a:t>
-            </a:r>
-            <a:r>
-              <a:rPr lang="en-US" sz="2800" dirty="0" err="1">
-                <a:latin typeface="Calibri" panose="020F0502020204030204" pitchFamily="34" charset="0"/>
-                <a:cs typeface="Calibri" panose="020F0502020204030204" pitchFamily="34" charset="0"/>
-              </a:rPr>
-              <a:t>resurselor</a:t>
+              <a:t>este</a:t>
+            </a:r>
+            <a:r>
+              <a:rPr lang="en-US" sz="2800" dirty="0">
+                <a:latin typeface="Calibri" panose="020F0502020204030204" pitchFamily="34" charset="0"/>
+                <a:cs typeface="Calibri" panose="020F0502020204030204" pitchFamily="34" charset="0"/>
+              </a:rPr>
+              <a:t> </a:t>
+            </a:r>
+            <a:r>
+              <a:rPr lang="en-US" sz="2800" dirty="0" err="1">
+                <a:latin typeface="Calibri" panose="020F0502020204030204" pitchFamily="34" charset="0"/>
+                <a:cs typeface="Calibri" panose="020F0502020204030204" pitchFamily="34" charset="0"/>
+              </a:rPr>
+              <a:t>în</a:t>
+            </a:r>
+            <a:r>
+              <a:rPr lang="en-US" sz="2800" dirty="0">
+                <a:latin typeface="Calibri" panose="020F0502020204030204" pitchFamily="34" charset="0"/>
+                <a:cs typeface="Calibri" panose="020F0502020204030204" pitchFamily="34" charset="0"/>
+              </a:rPr>
+              <a:t> </a:t>
+            </a:r>
+            <a:r>
+              <a:rPr lang="en-US" sz="2800" dirty="0" err="1">
+                <a:latin typeface="Calibri" panose="020F0502020204030204" pitchFamily="34" charset="0"/>
+                <a:cs typeface="Calibri" panose="020F0502020204030204" pitchFamily="34" charset="0"/>
+              </a:rPr>
+              <a:t>creștere</a:t>
             </a:r>
             <a:endParaRPr lang="en-US" sz="2800" dirty="0">
               <a:latin typeface="Calibri" panose="020F0502020204030204" pitchFamily="34" charset="0"/>
@@ -4718,7 +5266,63 @@
                 <a:latin typeface="Calibri" panose="020F0502020204030204" pitchFamily="34" charset="0"/>
                 <a:cs typeface="Calibri" panose="020F0502020204030204" pitchFamily="34" charset="0"/>
               </a:rPr>
-              <a:t>Îndemnul</a:t>
+              <a:t>Organizațiile</a:t>
+            </a:r>
+            <a:r>
+              <a:rPr lang="en-US" sz="2800" dirty="0">
+                <a:latin typeface="Calibri" panose="020F0502020204030204" pitchFamily="34" charset="0"/>
+                <a:cs typeface="Calibri" panose="020F0502020204030204" pitchFamily="34" charset="0"/>
+              </a:rPr>
+              <a:t> de </a:t>
+            </a:r>
+            <a:r>
+              <a:rPr lang="en-US" sz="2800" dirty="0" err="1">
+                <a:latin typeface="Calibri" panose="020F0502020204030204" pitchFamily="34" charset="0"/>
+                <a:cs typeface="Calibri" panose="020F0502020204030204" pitchFamily="34" charset="0"/>
+              </a:rPr>
+              <a:t>mediu</a:t>
+            </a:r>
+            <a:r>
+              <a:rPr lang="en-US" sz="2800" dirty="0">
+                <a:latin typeface="Calibri" panose="020F0502020204030204" pitchFamily="34" charset="0"/>
+                <a:cs typeface="Calibri" panose="020F0502020204030204" pitchFamily="34" charset="0"/>
+              </a:rPr>
+              <a:t> </a:t>
+            </a:r>
+            <a:r>
+              <a:rPr lang="en-US" sz="2800" dirty="0" err="1">
+                <a:latin typeface="Calibri" panose="020F0502020204030204" pitchFamily="34" charset="0"/>
+                <a:cs typeface="Calibri" panose="020F0502020204030204" pitchFamily="34" charset="0"/>
+              </a:rPr>
+              <a:t>și</a:t>
+            </a:r>
+            <a:r>
+              <a:rPr lang="en-US" sz="2800" dirty="0">
+                <a:latin typeface="Calibri" panose="020F0502020204030204" pitchFamily="34" charset="0"/>
+                <a:cs typeface="Calibri" panose="020F0502020204030204" pitchFamily="34" charset="0"/>
+              </a:rPr>
+              <a:t> </a:t>
+            </a:r>
+            <a:r>
+              <a:rPr lang="en-US" sz="2800" dirty="0" err="1">
+                <a:latin typeface="Calibri" panose="020F0502020204030204" pitchFamily="34" charset="0"/>
+                <a:cs typeface="Calibri" panose="020F0502020204030204" pitchFamily="34" charset="0"/>
+              </a:rPr>
+              <a:t>guvernele</a:t>
+            </a:r>
+            <a:r>
+              <a:rPr lang="en-US" sz="2800" dirty="0">
+                <a:latin typeface="Calibri" panose="020F0502020204030204" pitchFamily="34" charset="0"/>
+                <a:cs typeface="Calibri" panose="020F0502020204030204" pitchFamily="34" charset="0"/>
+              </a:rPr>
+              <a:t> </a:t>
+            </a:r>
+            <a:r>
+              <a:rPr lang="en-US" sz="2800" dirty="0" err="1">
+                <a:latin typeface="Calibri" panose="020F0502020204030204" pitchFamily="34" charset="0"/>
+                <a:cs typeface="Calibri" panose="020F0502020204030204" pitchFamily="34" charset="0"/>
+              </a:rPr>
+              <a:t>îndeamnă</a:t>
             </a:r>
             <a:r>
               <a:rPr lang="en-US" sz="2800" dirty="0">
@@ -4856,14 +5460,14 @@
                 <a:latin typeface="Calibri" panose="020F0502020204030204" pitchFamily="34" charset="0"/>
                 <a:cs typeface="Calibri" panose="020F0502020204030204" pitchFamily="34" charset="0"/>
               </a:rPr>
-              <a:t>Pandemia COVID-19 </a:t>
-            </a:r>
-            <a:r>
-              <a:rPr lang="en-US" sz="2800" dirty="0" err="1">
-                <a:latin typeface="Calibri" panose="020F0502020204030204" pitchFamily="34" charset="0"/>
-                <a:cs typeface="Calibri" panose="020F0502020204030204" pitchFamily="34" charset="0"/>
-              </a:rPr>
-              <a:t>accelerează</a:t>
+              <a:t>Pandemia COVID-19 a </a:t>
+            </a:r>
+            <a:r>
+              <a:rPr lang="en-US" sz="2800" dirty="0" err="1">
+                <a:latin typeface="Calibri" panose="020F0502020204030204" pitchFamily="34" charset="0"/>
+                <a:cs typeface="Calibri" panose="020F0502020204030204" pitchFamily="34" charset="0"/>
+              </a:rPr>
+              <a:t>accelerat</a:t>
             </a:r>
             <a:r>
               <a:rPr lang="en-US" sz="2800" dirty="0">
@@ -4973,8 +5577,8 @@
         </p:blipFill>
         <p:spPr>
           <a:xfrm>
-            <a:off x="5257038" y="5442855"/>
-            <a:ext cx="7747762" cy="4137305"/>
+            <a:off x="5690439" y="5674290"/>
+            <a:ext cx="7314361" cy="3905869"/>
           </a:xfrm>
           <a:prstGeom prst="rect">
             <a:avLst/>
@@ -5021,8 +5625,8 @@
         </p:nvSpPr>
         <p:spPr>
           <a:xfrm>
-            <a:off x="6023428" y="1059542"/>
-            <a:ext cx="6444343" cy="1015663"/>
+            <a:off x="7020599" y="1072068"/>
+            <a:ext cx="5693050" cy="1015663"/>
           </a:xfrm>
           <a:prstGeom prst="rect">
             <a:avLst/>
@@ -5036,32 +5640,25 @@
           <a:lstStyle/>
           <a:p>
             <a:r>
+              <a:rPr lang="en-US" sz="6000" dirty="0" err="1">
+                <a:latin typeface="Calibri" panose="020F0502020204030204" pitchFamily="34" charset="0"/>
+                <a:cs typeface="Calibri" panose="020F0502020204030204" pitchFamily="34" charset="0"/>
+              </a:rPr>
+              <a:t>Probleme</a:t>
+            </a:r>
+            <a:r>
               <a:rPr lang="en-US" sz="6000" dirty="0">
                 <a:latin typeface="Calibri" panose="020F0502020204030204" pitchFamily="34" charset="0"/>
                 <a:cs typeface="Calibri" panose="020F0502020204030204" pitchFamily="34" charset="0"/>
               </a:rPr>
-              <a:t>Context </a:t>
+              <a:t> </a:t>
             </a:r>
             <a:r>
               <a:rPr lang="en-US" sz="6000" dirty="0" err="1">
                 <a:latin typeface="Calibri" panose="020F0502020204030204" pitchFamily="34" charset="0"/>
                 <a:cs typeface="Calibri" panose="020F0502020204030204" pitchFamily="34" charset="0"/>
               </a:rPr>
-              <a:t>și</a:t>
-            </a:r>
-            <a:r>
-              <a:rPr lang="en-US" sz="6000" dirty="0">
-                <a:latin typeface="Calibri" panose="020F0502020204030204" pitchFamily="34" charset="0"/>
-                <a:cs typeface="Calibri" panose="020F0502020204030204" pitchFamily="34" charset="0"/>
-              </a:rPr>
-              <a:t> </a:t>
-            </a:r>
-            <a:r>
-              <a:rPr lang="en-US" sz="6000" dirty="0" err="1">
-                <a:latin typeface="Calibri" panose="020F0502020204030204" pitchFamily="34" charset="0"/>
-                <a:cs typeface="Calibri" panose="020F0502020204030204" pitchFamily="34" charset="0"/>
-              </a:rPr>
-              <a:t>Problema</a:t>
+              <a:t>actuale</a:t>
             </a:r>
             <a:endParaRPr lang="en-US" sz="6000" dirty="0">
               <a:latin typeface="Calibri" panose="020F0502020204030204" pitchFamily="34" charset="0"/>
@@ -5084,8 +5681,8 @@
         </p:nvSpPr>
         <p:spPr>
           <a:xfrm>
-            <a:off x="351971" y="2966954"/>
-            <a:ext cx="8893629" cy="3272691"/>
+            <a:off x="453990" y="3054637"/>
+            <a:ext cx="8893629" cy="2554545"/>
           </a:xfrm>
           <a:prstGeom prst="rect">
             <a:avLst/>
@@ -5098,41 +5695,6 @@
           </a:bodyPr>
           <a:lstStyle/>
           <a:p>
-            <a:pPr>
-              <a:spcAft>
-                <a:spcPts val="800"/>
-              </a:spcAft>
-            </a:pPr>
-            <a:r>
-              <a:rPr lang="en-US" sz="4000" dirty="0" err="1">
-                <a:latin typeface="Calibri" panose="020F0502020204030204" pitchFamily="34" charset="0"/>
-                <a:cs typeface="Calibri" panose="020F0502020204030204" pitchFamily="34" charset="0"/>
-              </a:rPr>
-              <a:t>Probleme</a:t>
-            </a:r>
-            <a:r>
-              <a:rPr lang="en-US" sz="4000" dirty="0">
-                <a:latin typeface="Calibri" panose="020F0502020204030204" pitchFamily="34" charset="0"/>
-                <a:cs typeface="Calibri" panose="020F0502020204030204" pitchFamily="34" charset="0"/>
-              </a:rPr>
-              <a:t> </a:t>
-            </a:r>
-            <a:r>
-              <a:rPr lang="en-US" sz="4000" dirty="0" err="1">
-                <a:latin typeface="Calibri" panose="020F0502020204030204" pitchFamily="34" charset="0"/>
-                <a:cs typeface="Calibri" panose="020F0502020204030204" pitchFamily="34" charset="0"/>
-              </a:rPr>
-              <a:t>actuale</a:t>
-            </a:r>
-            <a:r>
-              <a:rPr lang="en-US" sz="4000" dirty="0">
-                <a:latin typeface="Calibri" panose="020F0502020204030204" pitchFamily="34" charset="0"/>
-                <a:cs typeface="Calibri" panose="020F0502020204030204" pitchFamily="34" charset="0"/>
-              </a:rPr>
-              <a:t>:</a:t>
-            </a:r>
-          </a:p>
-          <a:p>
             <a:pPr marL="571500" indent="-571500">
               <a:spcAft>
                 <a:spcPts val="800"/>
@@ -5496,10 +6058,10 @@
       </p:sp>
       <p:pic>
         <p:nvPicPr>
-          <p:cNvPr id="3" name="Picture 2">
+          <p:cNvPr id="2" name="Picture 1">
             <a:extLst>
               <a:ext uri="{FF2B5EF4-FFF2-40B4-BE49-F238E27FC236}">
-                <a16:creationId xmlns:a16="http://schemas.microsoft.com/office/drawing/2014/main" id="{06B346B0-9B8C-4FD1-5B71-30E22033E5BA}"/>
+                <a16:creationId xmlns:a16="http://schemas.microsoft.com/office/drawing/2014/main" id="{87AF5D0D-4053-9D34-A8F9-6FE9060FED41}"/>
               </a:ext>
             </a:extLst>
           </p:cNvPr>
@@ -5522,8 +6084,8 @@
         </p:blipFill>
         <p:spPr>
           <a:xfrm>
-            <a:off x="7895762" y="4603299"/>
-            <a:ext cx="4572009" cy="4620777"/>
+            <a:off x="7604611" y="4175447"/>
+            <a:ext cx="5109038" cy="5163534"/>
           </a:xfrm>
           <a:prstGeom prst="rect">
             <a:avLst/>
@@ -5533,7 +6095,7 @@
     </p:spTree>
     <p:extLst>
       <p:ext uri="{BB962C8B-B14F-4D97-AF65-F5344CB8AC3E}">
-        <p14:creationId xmlns:p14="http://schemas.microsoft.com/office/powerpoint/2010/main" val="2891111968"/>
+        <p14:creationId xmlns:p14="http://schemas.microsoft.com/office/powerpoint/2010/main" val="4142304106"/>
       </p:ext>
     </p:extLst>
   </p:cSld>
@@ -5563,52 +6125,38 @@
       </p:grpSpPr>
       <p:sp>
         <p:nvSpPr>
-          <p:cNvPr id="2" name="Shape 98">
+          <p:cNvPr id="6" name="TextBox 5">
             <a:extLst>
               <a:ext uri="{FF2B5EF4-FFF2-40B4-BE49-F238E27FC236}">
-                <a16:creationId xmlns:a16="http://schemas.microsoft.com/office/drawing/2014/main" id="{21735BE9-99D2-6680-D18E-E29D0C7142D5}"/>
+                <a16:creationId xmlns:a16="http://schemas.microsoft.com/office/drawing/2014/main" id="{2457A9E0-E12D-4FCD-7232-51073BE0578B}"/>
               </a:ext>
             </a:extLst>
           </p:cNvPr>
-          <p:cNvSpPr/>
+          <p:cNvSpPr txBox="1"/>
           <p:nvPr/>
         </p:nvSpPr>
         <p:spPr>
           <a:xfrm>
-            <a:off x="1270000" y="3342055"/>
-            <a:ext cx="10464800" cy="1846659"/>
+            <a:off x="5888248" y="1059542"/>
+            <a:ext cx="6843585" cy="1015663"/>
           </a:xfrm>
           <a:prstGeom prst="rect">
             <a:avLst/>
           </a:prstGeom>
-          <a:ln w="12700">
-            <a:miter lim="400000"/>
-          </a:ln>
-          <a:extLst>
-            <a:ext uri="{C572A759-6A51-4108-AA02-DFA0A04FC94B}">
-              <ma14:wrappingTextBoxFlag xmlns:ma14="http://schemas.microsoft.com/office/mac/drawingml/2011/main" xmlns="" val="1"/>
-            </a:ext>
-          </a:extLst>
+          <a:noFill/>
         </p:spPr>
         <p:txBody>
-          <a:bodyPr lIns="0" tIns="0" rIns="0" bIns="0" anchor="ctr">
+          <a:bodyPr wrap="square" rtlCol="0">
             <a:spAutoFit/>
           </a:bodyPr>
-          <a:lstStyle>
-            <a:lvl1pPr>
-              <a:defRPr sz="5000"/>
-            </a:lvl1pPr>
-          </a:lstStyle>
-          <a:p>
-            <a:pPr lvl="0" algn="ctr">
-              <a:defRPr sz="1800"/>
-            </a:pPr>
+          <a:lstStyle/>
+          <a:p>
             <a:r>
               <a:rPr lang="en-US" sz="6000" dirty="0" err="1">
                 <a:latin typeface="Calibri" panose="020F0502020204030204" pitchFamily="34" charset="0"/>
                 <a:cs typeface="Calibri" panose="020F0502020204030204" pitchFamily="34" charset="0"/>
               </a:rPr>
-              <a:t>Mulțumesc</a:t>
+              <a:t>Obiective</a:t>
             </a:r>
             <a:r>
               <a:rPr lang="en-US" sz="6000" dirty="0">
@@ -5622,37 +6170,9 @@
                 <a:latin typeface="Calibri" panose="020F0502020204030204" pitchFamily="34" charset="0"/>
                 <a:cs typeface="Calibri" panose="020F0502020204030204" pitchFamily="34" charset="0"/>
               </a:rPr>
-              <a:t>pentru</a:t>
-            </a:r>
-            <a:r>
-              <a:rPr lang="en-US" sz="6000" dirty="0">
-                <a:latin typeface="Calibri" panose="020F0502020204030204" pitchFamily="34" charset="0"/>
-                <a:cs typeface="Calibri" panose="020F0502020204030204" pitchFamily="34" charset="0"/>
-              </a:rPr>
-              <a:t> </a:t>
-            </a:r>
-            <a:r>
-              <a:rPr lang="en-US" sz="6000" dirty="0" err="1">
-                <a:latin typeface="Calibri" panose="020F0502020204030204" pitchFamily="34" charset="0"/>
-                <a:cs typeface="Calibri" panose="020F0502020204030204" pitchFamily="34" charset="0"/>
-              </a:rPr>
-              <a:t>atenția</a:t>
-            </a:r>
-            <a:r>
-              <a:rPr lang="en-US" sz="6000" dirty="0">
-                <a:latin typeface="Calibri" panose="020F0502020204030204" pitchFamily="34" charset="0"/>
-                <a:cs typeface="Calibri" panose="020F0502020204030204" pitchFamily="34" charset="0"/>
-              </a:rPr>
-              <a:t> </a:t>
-            </a:r>
-            <a:r>
-              <a:rPr lang="en-US" sz="6000" dirty="0" err="1">
-                <a:latin typeface="Calibri" panose="020F0502020204030204" pitchFamily="34" charset="0"/>
-                <a:cs typeface="Calibri" panose="020F0502020204030204" pitchFamily="34" charset="0"/>
-              </a:rPr>
-              <a:t>acordată</a:t>
-            </a:r>
-            <a:endParaRPr sz="6000" dirty="0">
+              <a:t>functionale</a:t>
+            </a:r>
+            <a:endParaRPr lang="en-US" sz="6000" dirty="0">
               <a:latin typeface="Calibri" panose="020F0502020204030204" pitchFamily="34" charset="0"/>
               <a:cs typeface="Calibri" panose="020F0502020204030204" pitchFamily="34" charset="0"/>
             </a:endParaRPr>
@@ -5661,69 +6181,2453 @@
       </p:sp>
       <p:sp>
         <p:nvSpPr>
-          <p:cNvPr id="4" name="Shape 97">
+          <p:cNvPr id="8" name="TextBox 7">
             <a:extLst>
               <a:ext uri="{FF2B5EF4-FFF2-40B4-BE49-F238E27FC236}">
-                <a16:creationId xmlns:a16="http://schemas.microsoft.com/office/drawing/2014/main" id="{527062A4-E490-3D56-D6B3-8BF049CF0135}"/>
+                <a16:creationId xmlns:a16="http://schemas.microsoft.com/office/drawing/2014/main" id="{A41766A9-B348-F67A-B2D8-43E90D67FA41}"/>
               </a:ext>
             </a:extLst>
           </p:cNvPr>
-          <p:cNvSpPr/>
+          <p:cNvSpPr txBox="1"/>
           <p:nvPr/>
         </p:nvSpPr>
         <p:spPr>
           <a:xfrm>
-            <a:off x="1270000" y="8016154"/>
-            <a:ext cx="10464800" cy="1107996"/>
+            <a:off x="416412" y="2791590"/>
+            <a:ext cx="8893629" cy="5755422"/>
           </a:xfrm>
           <a:prstGeom prst="rect">
             <a:avLst/>
           </a:prstGeom>
-          <a:ln w="12700">
-            <a:miter lim="400000"/>
-          </a:ln>
-          <a:extLst>
-            <a:ext uri="{C572A759-6A51-4108-AA02-DFA0A04FC94B}">
-              <ma14:wrappingTextBoxFlag xmlns:ma14="http://schemas.microsoft.com/office/mac/drawingml/2011/main" xmlns="" val="1"/>
-            </a:ext>
-          </a:extLst>
+          <a:noFill/>
         </p:spPr>
         <p:txBody>
-          <a:bodyPr lIns="0" tIns="0" rIns="0" bIns="0" anchor="ctr">
+          <a:bodyPr wrap="square">
             <a:spAutoFit/>
           </a:bodyPr>
           <a:lstStyle/>
           <a:p>
-            <a:pPr lvl="0">
-              <a:defRPr sz="1800"/>
+            <a:pPr marL="457200" indent="-457200">
+              <a:spcAft>
+                <a:spcPts val="800"/>
+              </a:spcAft>
+              <a:buFont typeface="Arial" panose="020B0604020202020204" pitchFamily="34" charset="0"/>
+              <a:buChar char="•"/>
             </a:pPr>
             <a:r>
-              <a:rPr lang="en-US" sz="3600" dirty="0">
-                <a:latin typeface="Calibri" panose="020F0502020204030204" pitchFamily="34" charset="0"/>
-                <a:cs typeface="Calibri" panose="020F0502020204030204" pitchFamily="34" charset="0"/>
-              </a:rPr>
-              <a:t>alexandru.olteanu01@stud.acs.upb.ro</a:t>
-            </a:r>
-            <a:br>
-              <a:rPr lang="en-US" sz="3600" dirty="0">
-                <a:latin typeface="Calibri" panose="020F0502020204030204" pitchFamily="34" charset="0"/>
-                <a:cs typeface="Calibri" panose="020F0502020204030204" pitchFamily="34" charset="0"/>
-              </a:rPr>
-            </a:br>
-            <a:r>
-              <a:rPr sz="3600" dirty="0">
-                <a:latin typeface="Calibri" panose="020F0502020204030204" pitchFamily="34" charset="0"/>
-                <a:cs typeface="Calibri" panose="020F0502020204030204" pitchFamily="34" charset="0"/>
-              </a:rPr>
-              <a:t>cs.pub.ro</a:t>
-            </a:r>
+              <a:rPr lang="en-US" sz="2800" dirty="0" err="1">
+                <a:latin typeface="Calibri" panose="020F0502020204030204" pitchFamily="34" charset="0"/>
+                <a:cs typeface="Calibri" panose="020F0502020204030204" pitchFamily="34" charset="0"/>
+              </a:rPr>
+              <a:t>Recomandare</a:t>
+            </a:r>
+            <a:r>
+              <a:rPr lang="en-US" sz="2800" dirty="0">
+                <a:latin typeface="Calibri" panose="020F0502020204030204" pitchFamily="34" charset="0"/>
+                <a:cs typeface="Calibri" panose="020F0502020204030204" pitchFamily="34" charset="0"/>
+              </a:rPr>
+              <a:t> de </a:t>
+            </a:r>
+            <a:r>
+              <a:rPr lang="en-US" sz="2800" dirty="0" err="1">
+                <a:latin typeface="Calibri" panose="020F0502020204030204" pitchFamily="34" charset="0"/>
+                <a:cs typeface="Calibri" panose="020F0502020204030204" pitchFamily="34" charset="0"/>
+              </a:rPr>
+              <a:t>produse</a:t>
+            </a:r>
+            <a:r>
+              <a:rPr lang="en-US" sz="2800" dirty="0">
+                <a:latin typeface="Calibri" panose="020F0502020204030204" pitchFamily="34" charset="0"/>
+                <a:cs typeface="Calibri" panose="020F0502020204030204" pitchFamily="34" charset="0"/>
+              </a:rPr>
+              <a:t> </a:t>
+            </a:r>
+            <a:r>
+              <a:rPr lang="en-US" sz="2800" dirty="0" err="1">
+                <a:latin typeface="Calibri" panose="020F0502020204030204" pitchFamily="34" charset="0"/>
+                <a:cs typeface="Calibri" panose="020F0502020204030204" pitchFamily="34" charset="0"/>
+              </a:rPr>
+              <a:t>ordonate</a:t>
+            </a:r>
+            <a:r>
+              <a:rPr lang="en-US" sz="2800" dirty="0">
+                <a:latin typeface="Calibri" panose="020F0502020204030204" pitchFamily="34" charset="0"/>
+                <a:cs typeface="Calibri" panose="020F0502020204030204" pitchFamily="34" charset="0"/>
+              </a:rPr>
+              <a:t> </a:t>
+            </a:r>
+            <a:r>
+              <a:rPr lang="en-US" sz="2800" dirty="0" err="1">
+                <a:latin typeface="Calibri" panose="020F0502020204030204" pitchFamily="34" charset="0"/>
+                <a:cs typeface="Calibri" panose="020F0502020204030204" pitchFamily="34" charset="0"/>
+              </a:rPr>
+              <a:t>dupa</a:t>
+            </a:r>
+            <a:r>
+              <a:rPr lang="en-US" sz="2800" dirty="0">
+                <a:latin typeface="Calibri" panose="020F0502020204030204" pitchFamily="34" charset="0"/>
+                <a:cs typeface="Calibri" panose="020F0502020204030204" pitchFamily="34" charset="0"/>
+              </a:rPr>
+              <a:t> diverse </a:t>
+            </a:r>
+            <a:r>
+              <a:rPr lang="en-US" sz="2800" dirty="0" err="1">
+                <a:latin typeface="Calibri" panose="020F0502020204030204" pitchFamily="34" charset="0"/>
+                <a:cs typeface="Calibri" panose="020F0502020204030204" pitchFamily="34" charset="0"/>
+              </a:rPr>
+              <a:t>criterii</a:t>
+            </a:r>
+            <a:endParaRPr lang="en-US" sz="2800" dirty="0">
+              <a:latin typeface="Calibri" panose="020F0502020204030204" pitchFamily="34" charset="0"/>
+              <a:cs typeface="Calibri" panose="020F0502020204030204" pitchFamily="34" charset="0"/>
+            </a:endParaRPr>
+          </a:p>
+          <a:p>
+            <a:pPr marL="457200" indent="-457200">
+              <a:spcAft>
+                <a:spcPts val="800"/>
+              </a:spcAft>
+              <a:buFont typeface="Arial" panose="020B0604020202020204" pitchFamily="34" charset="0"/>
+              <a:buChar char="•"/>
+            </a:pPr>
+            <a:r>
+              <a:rPr lang="en-US" sz="2800" dirty="0" err="1">
+                <a:latin typeface="Calibri" panose="020F0502020204030204" pitchFamily="34" charset="0"/>
+                <a:cs typeface="Calibri" panose="020F0502020204030204" pitchFamily="34" charset="0"/>
+              </a:rPr>
+              <a:t>Adaugare</a:t>
+            </a:r>
+            <a:r>
+              <a:rPr lang="en-US" sz="2800" dirty="0">
+                <a:latin typeface="Calibri" panose="020F0502020204030204" pitchFamily="34" charset="0"/>
+                <a:cs typeface="Calibri" panose="020F0502020204030204" pitchFamily="34" charset="0"/>
+              </a:rPr>
+              <a:t> de </a:t>
+            </a:r>
+            <a:r>
+              <a:rPr lang="en-US" sz="2800" dirty="0" err="1">
+                <a:latin typeface="Calibri" panose="020F0502020204030204" pitchFamily="34" charset="0"/>
+                <a:cs typeface="Calibri" panose="020F0502020204030204" pitchFamily="34" charset="0"/>
+              </a:rPr>
+              <a:t>produse</a:t>
+            </a:r>
+            <a:r>
+              <a:rPr lang="en-US" sz="2800" dirty="0">
+                <a:latin typeface="Calibri" panose="020F0502020204030204" pitchFamily="34" charset="0"/>
+                <a:cs typeface="Calibri" panose="020F0502020204030204" pitchFamily="34" charset="0"/>
+              </a:rPr>
+              <a:t> la favorite</a:t>
+            </a:r>
+          </a:p>
+          <a:p>
+            <a:pPr marL="457200" indent="-457200">
+              <a:spcAft>
+                <a:spcPts val="800"/>
+              </a:spcAft>
+              <a:buFont typeface="Arial" panose="020B0604020202020204" pitchFamily="34" charset="0"/>
+              <a:buChar char="•"/>
+            </a:pPr>
+            <a:r>
+              <a:rPr lang="en-US" sz="2800" dirty="0" err="1">
+                <a:latin typeface="Calibri" panose="020F0502020204030204" pitchFamily="34" charset="0"/>
+                <a:cs typeface="Calibri" panose="020F0502020204030204" pitchFamily="34" charset="0"/>
+              </a:rPr>
+              <a:t>Structurarea</a:t>
+            </a:r>
+            <a:r>
+              <a:rPr lang="en-US" sz="2800" dirty="0">
+                <a:latin typeface="Calibri" panose="020F0502020204030204" pitchFamily="34" charset="0"/>
+                <a:cs typeface="Calibri" panose="020F0502020204030204" pitchFamily="34" charset="0"/>
+              </a:rPr>
+              <a:t> </a:t>
+            </a:r>
+            <a:r>
+              <a:rPr lang="en-US" sz="2800" dirty="0" err="1">
+                <a:latin typeface="Calibri" panose="020F0502020204030204" pitchFamily="34" charset="0"/>
+                <a:cs typeface="Calibri" panose="020F0502020204030204" pitchFamily="34" charset="0"/>
+              </a:rPr>
+              <a:t>produselor</a:t>
+            </a:r>
+            <a:r>
+              <a:rPr lang="en-US" sz="2800" dirty="0">
+                <a:latin typeface="Calibri" panose="020F0502020204030204" pitchFamily="34" charset="0"/>
+                <a:cs typeface="Calibri" panose="020F0502020204030204" pitchFamily="34" charset="0"/>
+              </a:rPr>
+              <a:t> in </a:t>
+            </a:r>
+            <a:r>
+              <a:rPr lang="en-US" sz="2800" dirty="0" err="1">
+                <a:latin typeface="Calibri" panose="020F0502020204030204" pitchFamily="34" charset="0"/>
+                <a:cs typeface="Calibri" panose="020F0502020204030204" pitchFamily="34" charset="0"/>
+              </a:rPr>
+              <a:t>subcategorii</a:t>
+            </a:r>
+            <a:endParaRPr lang="en-US" sz="2800" dirty="0">
+              <a:latin typeface="Calibri" panose="020F0502020204030204" pitchFamily="34" charset="0"/>
+              <a:cs typeface="Calibri" panose="020F0502020204030204" pitchFamily="34" charset="0"/>
+            </a:endParaRPr>
+          </a:p>
+          <a:p>
+            <a:pPr marL="457200" indent="-457200">
+              <a:spcAft>
+                <a:spcPts val="800"/>
+              </a:spcAft>
+              <a:buFont typeface="Arial" panose="020B0604020202020204" pitchFamily="34" charset="0"/>
+              <a:buChar char="•"/>
+            </a:pPr>
+            <a:r>
+              <a:rPr lang="en-US" sz="2800" dirty="0" err="1">
+                <a:latin typeface="Calibri" panose="020F0502020204030204" pitchFamily="34" charset="0"/>
+                <a:cs typeface="Calibri" panose="020F0502020204030204" pitchFamily="34" charset="0"/>
+              </a:rPr>
+              <a:t>Obtinerea</a:t>
+            </a:r>
+            <a:r>
+              <a:rPr lang="en-US" sz="2800" dirty="0">
+                <a:latin typeface="Calibri" panose="020F0502020204030204" pitchFamily="34" charset="0"/>
+                <a:cs typeface="Calibri" panose="020F0502020204030204" pitchFamily="34" charset="0"/>
+              </a:rPr>
+              <a:t> </a:t>
+            </a:r>
+            <a:r>
+              <a:rPr lang="en-US" sz="2800" dirty="0" err="1">
+                <a:latin typeface="Calibri" panose="020F0502020204030204" pitchFamily="34" charset="0"/>
+                <a:cs typeface="Calibri" panose="020F0502020204030204" pitchFamily="34" charset="0"/>
+              </a:rPr>
+              <a:t>unor</a:t>
+            </a:r>
+            <a:r>
+              <a:rPr lang="en-US" sz="2800" dirty="0">
+                <a:latin typeface="Calibri" panose="020F0502020204030204" pitchFamily="34" charset="0"/>
+                <a:cs typeface="Calibri" panose="020F0502020204030204" pitchFamily="34" charset="0"/>
+              </a:rPr>
+              <a:t> </a:t>
+            </a:r>
+            <a:r>
+              <a:rPr lang="en-US" sz="2800" dirty="0" err="1">
+                <a:latin typeface="Calibri" panose="020F0502020204030204" pitchFamily="34" charset="0"/>
+                <a:cs typeface="Calibri" panose="020F0502020204030204" pitchFamily="34" charset="0"/>
+              </a:rPr>
+              <a:t>rezultate</a:t>
+            </a:r>
+            <a:r>
+              <a:rPr lang="en-US" sz="2800" dirty="0">
+                <a:latin typeface="Calibri" panose="020F0502020204030204" pitchFamily="34" charset="0"/>
+                <a:cs typeface="Calibri" panose="020F0502020204030204" pitchFamily="34" charset="0"/>
+              </a:rPr>
+              <a:t> </a:t>
+            </a:r>
+            <a:r>
+              <a:rPr lang="en-US" sz="2800" dirty="0" err="1">
+                <a:latin typeface="Calibri" panose="020F0502020204030204" pitchFamily="34" charset="0"/>
+                <a:cs typeface="Calibri" panose="020F0502020204030204" pitchFamily="34" charset="0"/>
+              </a:rPr>
+              <a:t>relevante</a:t>
+            </a:r>
+            <a:r>
+              <a:rPr lang="en-US" sz="2800" dirty="0">
+                <a:latin typeface="Calibri" panose="020F0502020204030204" pitchFamily="34" charset="0"/>
+                <a:cs typeface="Calibri" panose="020F0502020204030204" pitchFamily="34" charset="0"/>
+              </a:rPr>
+              <a:t> la </a:t>
+            </a:r>
+            <a:r>
+              <a:rPr lang="en-US" sz="2800" dirty="0" err="1">
+                <a:latin typeface="Calibri" panose="020F0502020204030204" pitchFamily="34" charset="0"/>
+                <a:cs typeface="Calibri" panose="020F0502020204030204" pitchFamily="34" charset="0"/>
+              </a:rPr>
+              <a:t>cautare</a:t>
+            </a:r>
+            <a:endParaRPr lang="en-US" sz="2800" dirty="0">
+              <a:latin typeface="Calibri" panose="020F0502020204030204" pitchFamily="34" charset="0"/>
+              <a:cs typeface="Calibri" panose="020F0502020204030204" pitchFamily="34" charset="0"/>
+            </a:endParaRPr>
+          </a:p>
+          <a:p>
+            <a:pPr marL="457200" indent="-457200">
+              <a:spcAft>
+                <a:spcPts val="800"/>
+              </a:spcAft>
+              <a:buFont typeface="Arial" panose="020B0604020202020204" pitchFamily="34" charset="0"/>
+              <a:buChar char="•"/>
+            </a:pPr>
+            <a:r>
+              <a:rPr lang="en-US" sz="2800" dirty="0" err="1">
+                <a:latin typeface="Calibri" panose="020F0502020204030204" pitchFamily="34" charset="0"/>
+                <a:cs typeface="Calibri" panose="020F0502020204030204" pitchFamily="34" charset="0"/>
+              </a:rPr>
+              <a:t>Contactarea</a:t>
+            </a:r>
+            <a:r>
+              <a:rPr lang="en-US" sz="2800" dirty="0">
+                <a:latin typeface="Calibri" panose="020F0502020204030204" pitchFamily="34" charset="0"/>
+                <a:cs typeface="Calibri" panose="020F0502020204030204" pitchFamily="34" charset="0"/>
+              </a:rPr>
+              <a:t> live a </a:t>
+            </a:r>
+            <a:r>
+              <a:rPr lang="en-US" sz="2800" dirty="0" err="1">
+                <a:latin typeface="Calibri" panose="020F0502020204030204" pitchFamily="34" charset="0"/>
+                <a:cs typeface="Calibri" panose="020F0502020204030204" pitchFamily="34" charset="0"/>
+              </a:rPr>
+              <a:t>echipei</a:t>
+            </a:r>
+            <a:r>
+              <a:rPr lang="en-US" sz="2800" dirty="0">
+                <a:latin typeface="Calibri" panose="020F0502020204030204" pitchFamily="34" charset="0"/>
+                <a:cs typeface="Calibri" panose="020F0502020204030204" pitchFamily="34" charset="0"/>
+              </a:rPr>
+              <a:t> de support</a:t>
+            </a:r>
+          </a:p>
+          <a:p>
+            <a:pPr marL="457200" indent="-457200">
+              <a:spcAft>
+                <a:spcPts val="800"/>
+              </a:spcAft>
+              <a:buFont typeface="Arial" panose="020B0604020202020204" pitchFamily="34" charset="0"/>
+              <a:buChar char="•"/>
+            </a:pPr>
+            <a:r>
+              <a:rPr lang="en-US" sz="2800" dirty="0" err="1">
+                <a:latin typeface="Calibri" panose="020F0502020204030204" pitchFamily="34" charset="0"/>
+                <a:cs typeface="Calibri" panose="020F0502020204030204" pitchFamily="34" charset="0"/>
+              </a:rPr>
+              <a:t>Actualizarea</a:t>
+            </a:r>
+            <a:r>
+              <a:rPr lang="en-US" sz="2800" dirty="0">
+                <a:latin typeface="Calibri" panose="020F0502020204030204" pitchFamily="34" charset="0"/>
+                <a:cs typeface="Calibri" panose="020F0502020204030204" pitchFamily="34" charset="0"/>
+              </a:rPr>
+              <a:t> </a:t>
+            </a:r>
+            <a:r>
+              <a:rPr lang="en-US" sz="2800" dirty="0" err="1">
+                <a:latin typeface="Calibri" panose="020F0502020204030204" pitchFamily="34" charset="0"/>
+                <a:cs typeface="Calibri" panose="020F0502020204030204" pitchFamily="34" charset="0"/>
+              </a:rPr>
+              <a:t>datelor</a:t>
+            </a:r>
+            <a:r>
+              <a:rPr lang="en-US" sz="2800" dirty="0">
+                <a:latin typeface="Calibri" panose="020F0502020204030204" pitchFamily="34" charset="0"/>
+                <a:cs typeface="Calibri" panose="020F0502020204030204" pitchFamily="34" charset="0"/>
+              </a:rPr>
+              <a:t> </a:t>
+            </a:r>
+            <a:r>
+              <a:rPr lang="en-US" sz="2800" dirty="0" err="1">
+                <a:latin typeface="Calibri" panose="020F0502020204030204" pitchFamily="34" charset="0"/>
+                <a:cs typeface="Calibri" panose="020F0502020204030204" pitchFamily="34" charset="0"/>
+              </a:rPr>
+              <a:t>personale</a:t>
+            </a:r>
+            <a:endParaRPr lang="en-US" sz="2800" dirty="0">
+              <a:latin typeface="Calibri" panose="020F0502020204030204" pitchFamily="34" charset="0"/>
+              <a:cs typeface="Calibri" panose="020F0502020204030204" pitchFamily="34" charset="0"/>
+            </a:endParaRPr>
+          </a:p>
+          <a:p>
+            <a:pPr marL="457200" indent="-457200">
+              <a:spcAft>
+                <a:spcPts val="800"/>
+              </a:spcAft>
+              <a:buFont typeface="Arial" panose="020B0604020202020204" pitchFamily="34" charset="0"/>
+              <a:buChar char="•"/>
+            </a:pPr>
+            <a:r>
+              <a:rPr lang="en-US" sz="2800" dirty="0" err="1">
+                <a:latin typeface="Calibri" panose="020F0502020204030204" pitchFamily="34" charset="0"/>
+                <a:cs typeface="Calibri" panose="020F0502020204030204" pitchFamily="34" charset="0"/>
+              </a:rPr>
+              <a:t>Vizualizarea</a:t>
+            </a:r>
+            <a:r>
+              <a:rPr lang="en-US" sz="2800" dirty="0">
+                <a:latin typeface="Calibri" panose="020F0502020204030204" pitchFamily="34" charset="0"/>
+                <a:cs typeface="Calibri" panose="020F0502020204030204" pitchFamily="34" charset="0"/>
+              </a:rPr>
+              <a:t> </a:t>
+            </a:r>
+            <a:r>
+              <a:rPr lang="en-US" sz="2800" dirty="0" err="1">
+                <a:latin typeface="Calibri" panose="020F0502020204030204" pitchFamily="34" charset="0"/>
+                <a:cs typeface="Calibri" panose="020F0502020204030204" pitchFamily="34" charset="0"/>
+              </a:rPr>
+              <a:t>profilului</a:t>
+            </a:r>
+            <a:r>
+              <a:rPr lang="en-US" sz="2800" dirty="0">
+                <a:latin typeface="Calibri" panose="020F0502020204030204" pitchFamily="34" charset="0"/>
+                <a:cs typeface="Calibri" panose="020F0502020204030204" pitchFamily="34" charset="0"/>
+              </a:rPr>
+              <a:t> </a:t>
+            </a:r>
+            <a:r>
+              <a:rPr lang="en-US" sz="2800" dirty="0" err="1">
+                <a:latin typeface="Calibri" panose="020F0502020204030204" pitchFamily="34" charset="0"/>
+                <a:cs typeface="Calibri" panose="020F0502020204030204" pitchFamily="34" charset="0"/>
+              </a:rPr>
+              <a:t>altor</a:t>
+            </a:r>
+            <a:r>
+              <a:rPr lang="en-US" sz="2800" dirty="0">
+                <a:latin typeface="Calibri" panose="020F0502020204030204" pitchFamily="34" charset="0"/>
+                <a:cs typeface="Calibri" panose="020F0502020204030204" pitchFamily="34" charset="0"/>
+              </a:rPr>
+              <a:t> </a:t>
+            </a:r>
+            <a:r>
+              <a:rPr lang="en-US" sz="2800" dirty="0" err="1">
+                <a:latin typeface="Calibri" panose="020F0502020204030204" pitchFamily="34" charset="0"/>
+                <a:cs typeface="Calibri" panose="020F0502020204030204" pitchFamily="34" charset="0"/>
+              </a:rPr>
+              <a:t>utilizatori</a:t>
+            </a:r>
+            <a:endParaRPr lang="en-US" sz="2800" dirty="0">
+              <a:latin typeface="Calibri" panose="020F0502020204030204" pitchFamily="34" charset="0"/>
+              <a:cs typeface="Calibri" panose="020F0502020204030204" pitchFamily="34" charset="0"/>
+            </a:endParaRPr>
+          </a:p>
+          <a:p>
+            <a:pPr marL="457200" indent="-457200">
+              <a:spcAft>
+                <a:spcPts val="800"/>
+              </a:spcAft>
+              <a:buFont typeface="Arial" panose="020B0604020202020204" pitchFamily="34" charset="0"/>
+              <a:buChar char="•"/>
+            </a:pPr>
+            <a:r>
+              <a:rPr lang="en-US" sz="2800" dirty="0">
+                <a:latin typeface="Calibri" panose="020F0502020204030204" pitchFamily="34" charset="0"/>
+                <a:cs typeface="Calibri" panose="020F0502020204030204" pitchFamily="34" charset="0"/>
+              </a:rPr>
+              <a:t>Logistica </a:t>
+            </a:r>
+            <a:r>
+              <a:rPr lang="en-US" sz="2800" dirty="0" err="1">
+                <a:latin typeface="Calibri" panose="020F0502020204030204" pitchFamily="34" charset="0"/>
+                <a:cs typeface="Calibri" panose="020F0502020204030204" pitchFamily="34" charset="0"/>
+              </a:rPr>
+              <a:t>si</a:t>
+            </a:r>
+            <a:r>
+              <a:rPr lang="en-US" sz="2800" dirty="0">
+                <a:latin typeface="Calibri" panose="020F0502020204030204" pitchFamily="34" charset="0"/>
+                <a:cs typeface="Calibri" panose="020F0502020204030204" pitchFamily="34" charset="0"/>
+              </a:rPr>
+              <a:t> </a:t>
+            </a:r>
+            <a:r>
+              <a:rPr lang="en-US" sz="2800" dirty="0" err="1">
+                <a:latin typeface="Calibri" panose="020F0502020204030204" pitchFamily="34" charset="0"/>
+                <a:cs typeface="Calibri" panose="020F0502020204030204" pitchFamily="34" charset="0"/>
+              </a:rPr>
+              <a:t>drepturi</a:t>
+            </a:r>
+            <a:r>
+              <a:rPr lang="en-US" sz="2800" dirty="0">
+                <a:latin typeface="Calibri" panose="020F0502020204030204" pitchFamily="34" charset="0"/>
+                <a:cs typeface="Calibri" panose="020F0502020204030204" pitchFamily="34" charset="0"/>
+              </a:rPr>
+              <a:t> de </a:t>
+            </a:r>
+            <a:r>
+              <a:rPr lang="en-US" sz="2800" dirty="0" err="1">
+                <a:latin typeface="Calibri" panose="020F0502020204030204" pitchFamily="34" charset="0"/>
+                <a:cs typeface="Calibri" panose="020F0502020204030204" pitchFamily="34" charset="0"/>
+              </a:rPr>
+              <a:t>restrictionare</a:t>
+            </a:r>
+            <a:r>
+              <a:rPr lang="en-US" sz="2800" dirty="0">
+                <a:latin typeface="Calibri" panose="020F0502020204030204" pitchFamily="34" charset="0"/>
+                <a:cs typeface="Calibri" panose="020F0502020204030204" pitchFamily="34" charset="0"/>
+              </a:rPr>
+              <a:t> </a:t>
+            </a:r>
+            <a:r>
+              <a:rPr lang="en-US" sz="2800" dirty="0" err="1">
+                <a:latin typeface="Calibri" panose="020F0502020204030204" pitchFamily="34" charset="0"/>
+                <a:cs typeface="Calibri" panose="020F0502020204030204" pitchFamily="34" charset="0"/>
+              </a:rPr>
+              <a:t>pentru</a:t>
+            </a:r>
+            <a:r>
+              <a:rPr lang="en-US" sz="2800" dirty="0">
+                <a:latin typeface="Calibri" panose="020F0502020204030204" pitchFamily="34" charset="0"/>
+                <a:cs typeface="Calibri" panose="020F0502020204030204" pitchFamily="34" charset="0"/>
+              </a:rPr>
+              <a:t> </a:t>
+            </a:r>
+            <a:r>
+              <a:rPr lang="en-US" sz="2800" dirty="0" err="1">
+                <a:latin typeface="Calibri" panose="020F0502020204030204" pitchFamily="34" charset="0"/>
+                <a:cs typeface="Calibri" panose="020F0502020204030204" pitchFamily="34" charset="0"/>
+              </a:rPr>
+              <a:t>administratori</a:t>
+            </a:r>
+            <a:endParaRPr lang="en-US" sz="2800" dirty="0">
+              <a:latin typeface="Calibri" panose="020F0502020204030204" pitchFamily="34" charset="0"/>
+              <a:cs typeface="Calibri" panose="020F0502020204030204" pitchFamily="34" charset="0"/>
+            </a:endParaRPr>
+          </a:p>
+          <a:p>
+            <a:pPr marL="457200" indent="-457200">
+              <a:spcAft>
+                <a:spcPts val="800"/>
+              </a:spcAft>
+              <a:buFont typeface="Arial" panose="020B0604020202020204" pitchFamily="34" charset="0"/>
+              <a:buChar char="•"/>
+            </a:pPr>
+            <a:endParaRPr lang="en-US" sz="2800" dirty="0">
+              <a:latin typeface="Calibri" panose="020F0502020204030204" pitchFamily="34" charset="0"/>
+              <a:cs typeface="Calibri" panose="020F0502020204030204" pitchFamily="34" charset="0"/>
+            </a:endParaRPr>
+          </a:p>
+          <a:p>
+            <a:pPr marL="457200" indent="-457200">
+              <a:spcAft>
+                <a:spcPts val="800"/>
+              </a:spcAft>
+              <a:buFont typeface="Arial" panose="020B0604020202020204" pitchFamily="34" charset="0"/>
+              <a:buChar char="•"/>
+            </a:pPr>
+            <a:endParaRPr lang="en-US" sz="2800" dirty="0">
+              <a:latin typeface="Calibri" panose="020F0502020204030204" pitchFamily="34" charset="0"/>
+              <a:cs typeface="Calibri" panose="020F0502020204030204" pitchFamily="34" charset="0"/>
+            </a:endParaRPr>
           </a:p>
         </p:txBody>
       </p:sp>
+      <p:sp>
+        <p:nvSpPr>
+          <p:cNvPr id="3" name="TextBox 2">
+            <a:extLst>
+              <a:ext uri="{FF2B5EF4-FFF2-40B4-BE49-F238E27FC236}">
+                <a16:creationId xmlns:a16="http://schemas.microsoft.com/office/drawing/2014/main" id="{AC26E157-ED4D-9C49-CAFB-5A0AB020F3E8}"/>
+              </a:ext>
+            </a:extLst>
+          </p:cNvPr>
+          <p:cNvSpPr txBox="1"/>
+          <p:nvPr/>
+        </p:nvSpPr>
+        <p:spPr>
+          <a:xfrm>
+            <a:off x="416412" y="8285402"/>
+            <a:ext cx="6925486" cy="523220"/>
+          </a:xfrm>
+          <a:prstGeom prst="rect">
+            <a:avLst/>
+          </a:prstGeom>
+          <a:noFill/>
+        </p:spPr>
+        <p:txBody>
+          <a:bodyPr wrap="none" rtlCol="0">
+            <a:spAutoFit/>
+          </a:bodyPr>
+          <a:lstStyle/>
+          <a:p>
+            <a:r>
+              <a:rPr lang="en-US" sz="2800" i="1" dirty="0">
+                <a:solidFill>
+                  <a:srgbClr val="FF0000"/>
+                </a:solidFill>
+                <a:latin typeface="Calibri" panose="020F0502020204030204" pitchFamily="34" charset="0"/>
+                <a:cs typeface="Calibri" panose="020F0502020204030204" pitchFamily="34" charset="0"/>
+              </a:rPr>
+              <a:t>In </a:t>
+            </a:r>
+            <a:r>
+              <a:rPr lang="en-US" sz="2800" i="1" dirty="0" err="1">
+                <a:solidFill>
+                  <a:srgbClr val="FF0000"/>
+                </a:solidFill>
+                <a:latin typeface="Calibri" panose="020F0502020204030204" pitchFamily="34" charset="0"/>
+                <a:cs typeface="Calibri" panose="020F0502020204030204" pitchFamily="34" charset="0"/>
+              </a:rPr>
+              <a:t>curand</a:t>
+            </a:r>
+            <a:r>
+              <a:rPr lang="en-US" sz="2800" i="1" dirty="0">
+                <a:solidFill>
+                  <a:srgbClr val="FF0000"/>
+                </a:solidFill>
+                <a:latin typeface="Calibri" panose="020F0502020204030204" pitchFamily="34" charset="0"/>
+                <a:cs typeface="Calibri" panose="020F0502020204030204" pitchFamily="34" charset="0"/>
+              </a:rPr>
+              <a:t>: </a:t>
+            </a:r>
+            <a:r>
+              <a:rPr lang="en-US" sz="2800" dirty="0" err="1">
+                <a:latin typeface="Calibri" panose="020F0502020204030204" pitchFamily="34" charset="0"/>
+                <a:cs typeface="Calibri" panose="020F0502020204030204" pitchFamily="34" charset="0"/>
+              </a:rPr>
+              <a:t>Sistem</a:t>
+            </a:r>
+            <a:r>
+              <a:rPr lang="en-US" sz="2800" dirty="0">
+                <a:latin typeface="Calibri" panose="020F0502020204030204" pitchFamily="34" charset="0"/>
+                <a:cs typeface="Calibri" panose="020F0502020204030204" pitchFamily="34" charset="0"/>
+              </a:rPr>
+              <a:t> de </a:t>
+            </a:r>
+            <a:r>
+              <a:rPr lang="en-US" sz="2800" dirty="0" err="1">
+                <a:latin typeface="Calibri" panose="020F0502020204030204" pitchFamily="34" charset="0"/>
+                <a:cs typeface="Calibri" panose="020F0502020204030204" pitchFamily="34" charset="0"/>
+              </a:rPr>
+              <a:t>mesagerie</a:t>
+            </a:r>
+            <a:r>
+              <a:rPr lang="en-US" sz="2800" dirty="0">
+                <a:latin typeface="Calibri" panose="020F0502020204030204" pitchFamily="34" charset="0"/>
+                <a:cs typeface="Calibri" panose="020F0502020204030204" pitchFamily="34" charset="0"/>
+              </a:rPr>
+              <a:t> </a:t>
+            </a:r>
+            <a:r>
+              <a:rPr lang="en-US" sz="2800" dirty="0" err="1">
+                <a:latin typeface="Calibri" panose="020F0502020204030204" pitchFamily="34" charset="0"/>
+                <a:cs typeface="Calibri" panose="020F0502020204030204" pitchFamily="34" charset="0"/>
+              </a:rPr>
+              <a:t>intre</a:t>
+            </a:r>
+            <a:r>
+              <a:rPr lang="en-US" sz="2800" dirty="0">
+                <a:latin typeface="Calibri" panose="020F0502020204030204" pitchFamily="34" charset="0"/>
+                <a:cs typeface="Calibri" panose="020F0502020204030204" pitchFamily="34" charset="0"/>
+              </a:rPr>
+              <a:t> </a:t>
+            </a:r>
+            <a:r>
+              <a:rPr lang="en-US" sz="2800" dirty="0" err="1">
+                <a:latin typeface="Calibri" panose="020F0502020204030204" pitchFamily="34" charset="0"/>
+                <a:cs typeface="Calibri" panose="020F0502020204030204" pitchFamily="34" charset="0"/>
+              </a:rPr>
+              <a:t>utilizatori</a:t>
+            </a:r>
+            <a:endParaRPr lang="en-US" sz="2800" dirty="0">
+              <a:latin typeface="Calibri" panose="020F0502020204030204" pitchFamily="34" charset="0"/>
+              <a:cs typeface="Calibri" panose="020F0502020204030204" pitchFamily="34" charset="0"/>
+            </a:endParaRPr>
+          </a:p>
+        </p:txBody>
+      </p:sp>
+      <p:pic>
+        <p:nvPicPr>
+          <p:cNvPr id="5" name="Picture 4">
+            <a:extLst>
+              <a:ext uri="{FF2B5EF4-FFF2-40B4-BE49-F238E27FC236}">
+                <a16:creationId xmlns:a16="http://schemas.microsoft.com/office/drawing/2014/main" id="{D921E457-9C2D-005A-C98F-E0B069759C1C}"/>
+              </a:ext>
+            </a:extLst>
+          </p:cNvPr>
+          <p:cNvPicPr>
+            <a:picLocks noChangeAspect="1"/>
+          </p:cNvPicPr>
+          <p:nvPr/>
+        </p:nvPicPr>
+        <p:blipFill>
+          <a:blip r:embed="rId3" cstate="print">
+            <a:extLst>
+              <a:ext uri="{28A0092B-C50C-407E-A947-70E740481C1C}">
+                <a14:useLocalDpi xmlns:a14="http://schemas.microsoft.com/office/drawing/2010/main" val="0"/>
+              </a:ext>
+            </a:extLst>
+          </a:blip>
+          <a:stretch>
+            <a:fillRect/>
+          </a:stretch>
+        </p:blipFill>
+        <p:spPr>
+          <a:xfrm>
+            <a:off x="8016379" y="3869973"/>
+            <a:ext cx="4572009" cy="4568961"/>
+          </a:xfrm>
+          <a:prstGeom prst="rect">
+            <a:avLst/>
+          </a:prstGeom>
+        </p:spPr>
+      </p:pic>
     </p:spTree>
     <p:extLst>
       <p:ext uri="{BB962C8B-B14F-4D97-AF65-F5344CB8AC3E}">
-        <p14:creationId xmlns:p14="http://schemas.microsoft.com/office/powerpoint/2010/main" val="4039068975"/>
+        <p14:creationId xmlns:p14="http://schemas.microsoft.com/office/powerpoint/2010/main" val="976757966"/>
+      </p:ext>
+    </p:extLst>
+  </p:cSld>
+  <p:clrMapOvr>
+    <a:masterClrMapping/>
+  </p:clrMapOvr>
+  <p:transition spd="med"/>
+</p:sld>
+</file>
+
+<file path=ppt/slides/slide5.xml><?xml version="1.0" encoding="utf-8"?>
+<p:sld xmlns:a="http://schemas.openxmlformats.org/drawingml/2006/main" xmlns:r="http://schemas.openxmlformats.org/officeDocument/2006/relationships" xmlns:p="http://schemas.openxmlformats.org/presentationml/2006/main">
+  <p:cSld>
+    <p:spTree>
+      <p:nvGrpSpPr>
+        <p:cNvPr id="1" name=""/>
+        <p:cNvGrpSpPr/>
+        <p:nvPr/>
+      </p:nvGrpSpPr>
+      <p:grpSpPr>
+        <a:xfrm>
+          <a:off x="0" y="0"/>
+          <a:ext cx="0" cy="0"/>
+          <a:chOff x="0" y="0"/>
+          <a:chExt cx="0" cy="0"/>
+        </a:xfrm>
+      </p:grpSpPr>
+      <p:sp>
+        <p:nvSpPr>
+          <p:cNvPr id="6" name="TextBox 5">
+            <a:extLst>
+              <a:ext uri="{FF2B5EF4-FFF2-40B4-BE49-F238E27FC236}">
+                <a16:creationId xmlns:a16="http://schemas.microsoft.com/office/drawing/2014/main" id="{2457A9E0-E12D-4FCD-7232-51073BE0578B}"/>
+              </a:ext>
+            </a:extLst>
+          </p:cNvPr>
+          <p:cNvSpPr txBox="1"/>
+          <p:nvPr/>
+        </p:nvSpPr>
+        <p:spPr>
+          <a:xfrm>
+            <a:off x="7105790" y="1034490"/>
+            <a:ext cx="5607859" cy="1015663"/>
+          </a:xfrm>
+          <a:prstGeom prst="rect">
+            <a:avLst/>
+          </a:prstGeom>
+          <a:noFill/>
+        </p:spPr>
+        <p:txBody>
+          <a:bodyPr wrap="square" rtlCol="0">
+            <a:spAutoFit/>
+          </a:bodyPr>
+          <a:lstStyle/>
+          <a:p>
+            <a:r>
+              <a:rPr lang="en-US" sz="6000" dirty="0" err="1">
+                <a:latin typeface="Calibri" panose="020F0502020204030204" pitchFamily="34" charset="0"/>
+                <a:cs typeface="Calibri" panose="020F0502020204030204" pitchFamily="34" charset="0"/>
+              </a:rPr>
+              <a:t>Obiective</a:t>
+            </a:r>
+            <a:r>
+              <a:rPr lang="en-US" sz="6000" dirty="0">
+                <a:latin typeface="Calibri" panose="020F0502020204030204" pitchFamily="34" charset="0"/>
+                <a:cs typeface="Calibri" panose="020F0502020204030204" pitchFamily="34" charset="0"/>
+              </a:rPr>
+              <a:t> </a:t>
+            </a:r>
+            <a:r>
+              <a:rPr lang="en-US" sz="6000" dirty="0" err="1">
+                <a:latin typeface="Calibri" panose="020F0502020204030204" pitchFamily="34" charset="0"/>
+                <a:cs typeface="Calibri" panose="020F0502020204030204" pitchFamily="34" charset="0"/>
+              </a:rPr>
+              <a:t>tehnice</a:t>
+            </a:r>
+            <a:endParaRPr lang="en-US" sz="6000" dirty="0">
+              <a:latin typeface="Calibri" panose="020F0502020204030204" pitchFamily="34" charset="0"/>
+              <a:cs typeface="Calibri" panose="020F0502020204030204" pitchFamily="34" charset="0"/>
+            </a:endParaRPr>
+          </a:p>
+        </p:txBody>
+      </p:sp>
+      <p:sp>
+        <p:nvSpPr>
+          <p:cNvPr id="8" name="TextBox 7">
+            <a:extLst>
+              <a:ext uri="{FF2B5EF4-FFF2-40B4-BE49-F238E27FC236}">
+                <a16:creationId xmlns:a16="http://schemas.microsoft.com/office/drawing/2014/main" id="{A41766A9-B348-F67A-B2D8-43E90D67FA41}"/>
+              </a:ext>
+            </a:extLst>
+          </p:cNvPr>
+          <p:cNvSpPr txBox="1"/>
+          <p:nvPr/>
+        </p:nvSpPr>
+        <p:spPr>
+          <a:xfrm>
+            <a:off x="416412" y="2815907"/>
+            <a:ext cx="8893629" cy="3457357"/>
+          </a:xfrm>
+          <a:prstGeom prst="rect">
+            <a:avLst/>
+          </a:prstGeom>
+          <a:noFill/>
+        </p:spPr>
+        <p:txBody>
+          <a:bodyPr wrap="square">
+            <a:spAutoFit/>
+          </a:bodyPr>
+          <a:lstStyle/>
+          <a:p>
+            <a:pPr marL="457200" indent="-457200">
+              <a:spcAft>
+                <a:spcPts val="800"/>
+              </a:spcAft>
+              <a:buFont typeface="Arial" panose="020B0604020202020204" pitchFamily="34" charset="0"/>
+              <a:buChar char="•"/>
+            </a:pPr>
+            <a:r>
+              <a:rPr lang="en-US" sz="3200" dirty="0" err="1">
+                <a:latin typeface="Calibri" panose="020F0502020204030204" pitchFamily="34" charset="0"/>
+                <a:cs typeface="Calibri" panose="020F0502020204030204" pitchFamily="34" charset="0"/>
+              </a:rPr>
+              <a:t>Autentificare</a:t>
+            </a:r>
+            <a:r>
+              <a:rPr lang="en-US" sz="3200" dirty="0">
+                <a:latin typeface="Calibri" panose="020F0502020204030204" pitchFamily="34" charset="0"/>
+                <a:cs typeface="Calibri" panose="020F0502020204030204" pitchFamily="34" charset="0"/>
+              </a:rPr>
+              <a:t> </a:t>
+            </a:r>
+            <a:r>
+              <a:rPr lang="en-US" sz="3200" dirty="0" err="1">
+                <a:latin typeface="Calibri" panose="020F0502020204030204" pitchFamily="34" charset="0"/>
+                <a:cs typeface="Calibri" panose="020F0502020204030204" pitchFamily="34" charset="0"/>
+              </a:rPr>
+              <a:t>și</a:t>
+            </a:r>
+            <a:r>
+              <a:rPr lang="en-US" sz="3200" dirty="0">
+                <a:latin typeface="Calibri" panose="020F0502020204030204" pitchFamily="34" charset="0"/>
+                <a:cs typeface="Calibri" panose="020F0502020204030204" pitchFamily="34" charset="0"/>
+              </a:rPr>
+              <a:t> </a:t>
+            </a:r>
+            <a:r>
+              <a:rPr lang="en-US" sz="3200" dirty="0" err="1">
+                <a:latin typeface="Calibri" panose="020F0502020204030204" pitchFamily="34" charset="0"/>
+                <a:cs typeface="Calibri" panose="020F0502020204030204" pitchFamily="34" charset="0"/>
+              </a:rPr>
+              <a:t>autorizare</a:t>
+            </a:r>
+            <a:r>
+              <a:rPr lang="en-US" sz="3200" dirty="0">
+                <a:latin typeface="Calibri" panose="020F0502020204030204" pitchFamily="34" charset="0"/>
+                <a:cs typeface="Calibri" panose="020F0502020204030204" pitchFamily="34" charset="0"/>
+              </a:rPr>
+              <a:t> </a:t>
+            </a:r>
+            <a:r>
+              <a:rPr lang="en-US" sz="3200" dirty="0" err="1">
+                <a:latin typeface="Calibri" panose="020F0502020204030204" pitchFamily="34" charset="0"/>
+                <a:cs typeface="Calibri" panose="020F0502020204030204" pitchFamily="34" charset="0"/>
+              </a:rPr>
+              <a:t>sigură</a:t>
+            </a:r>
+            <a:endParaRPr lang="en-US" sz="3200" dirty="0">
+              <a:latin typeface="Calibri" panose="020F0502020204030204" pitchFamily="34" charset="0"/>
+              <a:cs typeface="Calibri" panose="020F0502020204030204" pitchFamily="34" charset="0"/>
+            </a:endParaRPr>
+          </a:p>
+          <a:p>
+            <a:pPr marL="457200" indent="-457200">
+              <a:spcAft>
+                <a:spcPts val="800"/>
+              </a:spcAft>
+              <a:buFont typeface="Arial" panose="020B0604020202020204" pitchFamily="34" charset="0"/>
+              <a:buChar char="•"/>
+            </a:pPr>
+            <a:r>
+              <a:rPr lang="en-US" sz="3200" dirty="0" err="1">
+                <a:latin typeface="Calibri" panose="020F0502020204030204" pitchFamily="34" charset="0"/>
+                <a:cs typeface="Calibri" panose="020F0502020204030204" pitchFamily="34" charset="0"/>
+              </a:rPr>
+              <a:t>Criptarea</a:t>
+            </a:r>
+            <a:r>
+              <a:rPr lang="en-US" sz="3200" dirty="0">
+                <a:latin typeface="Calibri" panose="020F0502020204030204" pitchFamily="34" charset="0"/>
+                <a:cs typeface="Calibri" panose="020F0502020204030204" pitchFamily="34" charset="0"/>
+              </a:rPr>
+              <a:t> </a:t>
+            </a:r>
+            <a:r>
+              <a:rPr lang="en-US" sz="3200" dirty="0" err="1">
+                <a:latin typeface="Calibri" panose="020F0502020204030204" pitchFamily="34" charset="0"/>
+                <a:cs typeface="Calibri" panose="020F0502020204030204" pitchFamily="34" charset="0"/>
+              </a:rPr>
+              <a:t>datelor</a:t>
+            </a:r>
+            <a:r>
+              <a:rPr lang="en-US" sz="3200" dirty="0">
+                <a:latin typeface="Calibri" panose="020F0502020204030204" pitchFamily="34" charset="0"/>
+                <a:cs typeface="Calibri" panose="020F0502020204030204" pitchFamily="34" charset="0"/>
+              </a:rPr>
+              <a:t> private ale </a:t>
+            </a:r>
+            <a:r>
+              <a:rPr lang="en-US" sz="3200" dirty="0" err="1">
+                <a:latin typeface="Calibri" panose="020F0502020204030204" pitchFamily="34" charset="0"/>
+                <a:cs typeface="Calibri" panose="020F0502020204030204" pitchFamily="34" charset="0"/>
+              </a:rPr>
+              <a:t>utilizatorilor</a:t>
+            </a:r>
+            <a:endParaRPr lang="en-US" sz="3200" dirty="0">
+              <a:latin typeface="Calibri" panose="020F0502020204030204" pitchFamily="34" charset="0"/>
+              <a:cs typeface="Calibri" panose="020F0502020204030204" pitchFamily="34" charset="0"/>
+            </a:endParaRPr>
+          </a:p>
+          <a:p>
+            <a:pPr marL="457200" indent="-457200">
+              <a:spcAft>
+                <a:spcPts val="800"/>
+              </a:spcAft>
+              <a:buFont typeface="Arial" panose="020B0604020202020204" pitchFamily="34" charset="0"/>
+              <a:buChar char="•"/>
+            </a:pPr>
+            <a:r>
+              <a:rPr lang="en-US" sz="3200" dirty="0" err="1">
+                <a:latin typeface="Calibri" panose="020F0502020204030204" pitchFamily="34" charset="0"/>
+                <a:cs typeface="Calibri" panose="020F0502020204030204" pitchFamily="34" charset="0"/>
+              </a:rPr>
+              <a:t>Performanta</a:t>
+            </a:r>
+            <a:r>
+              <a:rPr lang="en-US" sz="3200" dirty="0">
+                <a:latin typeface="Calibri" panose="020F0502020204030204" pitchFamily="34" charset="0"/>
+                <a:cs typeface="Calibri" panose="020F0502020204030204" pitchFamily="34" charset="0"/>
+              </a:rPr>
+              <a:t> </a:t>
+            </a:r>
+            <a:r>
+              <a:rPr lang="en-US" sz="3200" dirty="0" err="1">
+                <a:latin typeface="Calibri" panose="020F0502020204030204" pitchFamily="34" charset="0"/>
+                <a:cs typeface="Calibri" panose="020F0502020204030204" pitchFamily="34" charset="0"/>
+              </a:rPr>
+              <a:t>si</a:t>
+            </a:r>
+            <a:r>
+              <a:rPr lang="en-US" sz="3200" dirty="0">
+                <a:latin typeface="Calibri" panose="020F0502020204030204" pitchFamily="34" charset="0"/>
+                <a:cs typeface="Calibri" panose="020F0502020204030204" pitchFamily="34" charset="0"/>
+              </a:rPr>
+              <a:t> </a:t>
+            </a:r>
+            <a:r>
+              <a:rPr lang="en-US" sz="3200" dirty="0" err="1">
+                <a:latin typeface="Calibri" panose="020F0502020204030204" pitchFamily="34" charset="0"/>
+                <a:cs typeface="Calibri" panose="020F0502020204030204" pitchFamily="34" charset="0"/>
+              </a:rPr>
+              <a:t>incarcarea</a:t>
+            </a:r>
+            <a:r>
+              <a:rPr lang="en-US" sz="3200" dirty="0">
+                <a:latin typeface="Calibri" panose="020F0502020204030204" pitchFamily="34" charset="0"/>
+                <a:cs typeface="Calibri" panose="020F0502020204030204" pitchFamily="34" charset="0"/>
+              </a:rPr>
+              <a:t> </a:t>
+            </a:r>
+            <a:r>
+              <a:rPr lang="en-US" sz="3200" dirty="0" err="1">
+                <a:latin typeface="Calibri" panose="020F0502020204030204" pitchFamily="34" charset="0"/>
+                <a:cs typeface="Calibri" panose="020F0502020204030204" pitchFamily="34" charset="0"/>
+              </a:rPr>
+              <a:t>rapida</a:t>
+            </a:r>
+            <a:r>
+              <a:rPr lang="en-US" sz="3200" dirty="0">
+                <a:latin typeface="Calibri" panose="020F0502020204030204" pitchFamily="34" charset="0"/>
+                <a:cs typeface="Calibri" panose="020F0502020204030204" pitchFamily="34" charset="0"/>
+              </a:rPr>
+              <a:t> a </a:t>
+            </a:r>
+            <a:r>
+              <a:rPr lang="en-US" sz="3200" dirty="0" err="1">
+                <a:latin typeface="Calibri" panose="020F0502020204030204" pitchFamily="34" charset="0"/>
+                <a:cs typeface="Calibri" panose="020F0502020204030204" pitchFamily="34" charset="0"/>
+              </a:rPr>
+              <a:t>rezultatelor</a:t>
+            </a:r>
+            <a:endParaRPr lang="en-US" sz="3200" dirty="0">
+              <a:latin typeface="Calibri" panose="020F0502020204030204" pitchFamily="34" charset="0"/>
+              <a:cs typeface="Calibri" panose="020F0502020204030204" pitchFamily="34" charset="0"/>
+            </a:endParaRPr>
+          </a:p>
+          <a:p>
+            <a:pPr marL="457200" indent="-457200">
+              <a:spcAft>
+                <a:spcPts val="800"/>
+              </a:spcAft>
+              <a:buFont typeface="Arial" panose="020B0604020202020204" pitchFamily="34" charset="0"/>
+              <a:buChar char="•"/>
+            </a:pPr>
+            <a:r>
+              <a:rPr lang="en-US" sz="3200" dirty="0">
+                <a:latin typeface="Calibri" panose="020F0502020204030204" pitchFamily="34" charset="0"/>
+                <a:cs typeface="Calibri" panose="020F0502020204030204" pitchFamily="34" charset="0"/>
+              </a:rPr>
+              <a:t>Potential de </a:t>
+            </a:r>
+            <a:r>
+              <a:rPr lang="en-US" sz="3200" dirty="0" err="1">
+                <a:latin typeface="Calibri" panose="020F0502020204030204" pitchFamily="34" charset="0"/>
+                <a:cs typeface="Calibri" panose="020F0502020204030204" pitchFamily="34" charset="0"/>
+              </a:rPr>
+              <a:t>scalabilitate</a:t>
+            </a:r>
+            <a:endParaRPr lang="en-US" sz="3200" dirty="0">
+              <a:latin typeface="Calibri" panose="020F0502020204030204" pitchFamily="34" charset="0"/>
+              <a:cs typeface="Calibri" panose="020F0502020204030204" pitchFamily="34" charset="0"/>
+            </a:endParaRPr>
+          </a:p>
+          <a:p>
+            <a:pPr marL="457200" indent="-457200">
+              <a:spcAft>
+                <a:spcPts val="800"/>
+              </a:spcAft>
+              <a:buFont typeface="Arial" panose="020B0604020202020204" pitchFamily="34" charset="0"/>
+              <a:buChar char="•"/>
+            </a:pPr>
+            <a:r>
+              <a:rPr lang="en-US" sz="3200" dirty="0" err="1">
+                <a:latin typeface="Calibri" panose="020F0502020204030204" pitchFamily="34" charset="0"/>
+                <a:cs typeface="Calibri" panose="020F0502020204030204" pitchFamily="34" charset="0"/>
+              </a:rPr>
+              <a:t>Testarea</a:t>
+            </a:r>
+            <a:r>
+              <a:rPr lang="en-US" sz="3200" dirty="0">
+                <a:latin typeface="Calibri" panose="020F0502020204030204" pitchFamily="34" charset="0"/>
+                <a:cs typeface="Calibri" panose="020F0502020204030204" pitchFamily="34" charset="0"/>
+              </a:rPr>
+              <a:t> </a:t>
+            </a:r>
+            <a:r>
+              <a:rPr lang="en-US" sz="3200" dirty="0" err="1">
+                <a:latin typeface="Calibri" panose="020F0502020204030204" pitchFamily="34" charset="0"/>
+                <a:cs typeface="Calibri" panose="020F0502020204030204" pitchFamily="34" charset="0"/>
+              </a:rPr>
+              <a:t>progresiva</a:t>
+            </a:r>
+            <a:r>
+              <a:rPr lang="en-US" sz="3200" dirty="0">
+                <a:latin typeface="Calibri" panose="020F0502020204030204" pitchFamily="34" charset="0"/>
+                <a:cs typeface="Calibri" panose="020F0502020204030204" pitchFamily="34" charset="0"/>
+              </a:rPr>
+              <a:t> a </a:t>
+            </a:r>
+            <a:r>
+              <a:rPr lang="en-US" sz="3200" dirty="0" err="1">
+                <a:latin typeface="Calibri" panose="020F0502020204030204" pitchFamily="34" charset="0"/>
+                <a:cs typeface="Calibri" panose="020F0502020204030204" pitchFamily="34" charset="0"/>
+              </a:rPr>
+              <a:t>functionalitatilor</a:t>
+            </a:r>
+            <a:r>
+              <a:rPr lang="en-US" sz="3200" dirty="0">
+                <a:latin typeface="Calibri" panose="020F0502020204030204" pitchFamily="34" charset="0"/>
+                <a:cs typeface="Calibri" panose="020F0502020204030204" pitchFamily="34" charset="0"/>
+              </a:rPr>
+              <a:t> de </a:t>
+            </a:r>
+            <a:br>
+              <a:rPr lang="en-US" sz="3200" dirty="0">
+                <a:latin typeface="Calibri" panose="020F0502020204030204" pitchFamily="34" charset="0"/>
+                <a:cs typeface="Calibri" panose="020F0502020204030204" pitchFamily="34" charset="0"/>
+              </a:rPr>
+            </a:br>
+            <a:r>
+              <a:rPr lang="en-US" sz="3200" dirty="0">
+                <a:latin typeface="Calibri" panose="020F0502020204030204" pitchFamily="34" charset="0"/>
+                <a:cs typeface="Calibri" panose="020F0502020204030204" pitchFamily="34" charset="0"/>
+              </a:rPr>
+              <a:t>business</a:t>
+            </a:r>
+          </a:p>
+        </p:txBody>
+      </p:sp>
+      <p:pic>
+        <p:nvPicPr>
+          <p:cNvPr id="5" name="Picture 4">
+            <a:extLst>
+              <a:ext uri="{FF2B5EF4-FFF2-40B4-BE49-F238E27FC236}">
+                <a16:creationId xmlns:a16="http://schemas.microsoft.com/office/drawing/2014/main" id="{D921E457-9C2D-005A-C98F-E0B069759C1C}"/>
+              </a:ext>
+            </a:extLst>
+          </p:cNvPr>
+          <p:cNvPicPr>
+            <a:picLocks noChangeAspect="1"/>
+          </p:cNvPicPr>
+          <p:nvPr/>
+        </p:nvPicPr>
+        <p:blipFill>
+          <a:blip r:embed="rId3" cstate="print">
+            <a:extLst>
+              <a:ext uri="{28A0092B-C50C-407E-A947-70E740481C1C}">
+                <a14:useLocalDpi xmlns:a14="http://schemas.microsoft.com/office/drawing/2010/main" val="0"/>
+              </a:ext>
+            </a:extLst>
+          </a:blip>
+          <a:stretch>
+            <a:fillRect/>
+          </a:stretch>
+        </p:blipFill>
+        <p:spPr>
+          <a:xfrm>
+            <a:off x="8016379" y="3869973"/>
+            <a:ext cx="4572009" cy="4568961"/>
+          </a:xfrm>
+          <a:prstGeom prst="rect">
+            <a:avLst/>
+          </a:prstGeom>
+        </p:spPr>
+      </p:pic>
+    </p:spTree>
+    <p:extLst>
+      <p:ext uri="{BB962C8B-B14F-4D97-AF65-F5344CB8AC3E}">
+        <p14:creationId xmlns:p14="http://schemas.microsoft.com/office/powerpoint/2010/main" val="1518716298"/>
+      </p:ext>
+    </p:extLst>
+  </p:cSld>
+  <p:clrMapOvr>
+    <a:masterClrMapping/>
+  </p:clrMapOvr>
+  <p:transition spd="med"/>
+</p:sld>
+</file>
+
+<file path=ppt/slides/slide6.xml><?xml version="1.0" encoding="utf-8"?>
+<p:sld xmlns:a="http://schemas.openxmlformats.org/drawingml/2006/main" xmlns:r="http://schemas.openxmlformats.org/officeDocument/2006/relationships" xmlns:p="http://schemas.openxmlformats.org/presentationml/2006/main">
+  <p:cSld>
+    <p:spTree>
+      <p:nvGrpSpPr>
+        <p:cNvPr id="1" name=""/>
+        <p:cNvGrpSpPr/>
+        <p:nvPr/>
+      </p:nvGrpSpPr>
+      <p:grpSpPr>
+        <a:xfrm>
+          <a:off x="0" y="0"/>
+          <a:ext cx="0" cy="0"/>
+          <a:chOff x="0" y="0"/>
+          <a:chExt cx="0" cy="0"/>
+        </a:xfrm>
+      </p:grpSpPr>
+      <p:sp>
+        <p:nvSpPr>
+          <p:cNvPr id="6" name="TextBox 5">
+            <a:extLst>
+              <a:ext uri="{FF2B5EF4-FFF2-40B4-BE49-F238E27FC236}">
+                <a16:creationId xmlns:a16="http://schemas.microsoft.com/office/drawing/2014/main" id="{2457A9E0-E12D-4FCD-7232-51073BE0578B}"/>
+              </a:ext>
+            </a:extLst>
+          </p:cNvPr>
+          <p:cNvSpPr txBox="1"/>
+          <p:nvPr/>
+        </p:nvSpPr>
+        <p:spPr>
+          <a:xfrm>
+            <a:off x="1723949" y="1059542"/>
+            <a:ext cx="11027546" cy="1015663"/>
+          </a:xfrm>
+          <a:prstGeom prst="rect">
+            <a:avLst/>
+          </a:prstGeom>
+          <a:noFill/>
+        </p:spPr>
+        <p:txBody>
+          <a:bodyPr wrap="square" rtlCol="0">
+            <a:spAutoFit/>
+          </a:bodyPr>
+          <a:lstStyle/>
+          <a:p>
+            <a:r>
+              <a:rPr lang="en-US" sz="6000" dirty="0">
+                <a:latin typeface="Calibri" panose="020F0502020204030204" pitchFamily="34" charset="0"/>
+                <a:cs typeface="Calibri" panose="020F0502020204030204" pitchFamily="34" charset="0"/>
+              </a:rPr>
+              <a:t>Solutia </a:t>
+            </a:r>
+            <a:r>
+              <a:rPr lang="en-US" sz="6000" dirty="0" err="1">
+                <a:latin typeface="Calibri" panose="020F0502020204030204" pitchFamily="34" charset="0"/>
+                <a:cs typeface="Calibri" panose="020F0502020204030204" pitchFamily="34" charset="0"/>
+              </a:rPr>
+              <a:t>propusa</a:t>
+            </a:r>
+            <a:r>
+              <a:rPr lang="en-US" sz="6000" dirty="0">
+                <a:latin typeface="Calibri" panose="020F0502020204030204" pitchFamily="34" charset="0"/>
+                <a:cs typeface="Calibri" panose="020F0502020204030204" pitchFamily="34" charset="0"/>
+              </a:rPr>
+              <a:t>: </a:t>
+            </a:r>
+            <a:r>
+              <a:rPr lang="en-US" sz="6000" dirty="0" err="1">
+                <a:latin typeface="Calibri" panose="020F0502020204030204" pitchFamily="34" charset="0"/>
+                <a:cs typeface="Calibri" panose="020F0502020204030204" pitchFamily="34" charset="0"/>
+              </a:rPr>
+              <a:t>Tehnologii</a:t>
+            </a:r>
+            <a:r>
+              <a:rPr lang="en-US" sz="6000" dirty="0">
+                <a:latin typeface="Calibri" panose="020F0502020204030204" pitchFamily="34" charset="0"/>
+                <a:cs typeface="Calibri" panose="020F0502020204030204" pitchFamily="34" charset="0"/>
+              </a:rPr>
+              <a:t> </a:t>
+            </a:r>
+            <a:r>
+              <a:rPr lang="en-US" sz="6000" dirty="0" err="1">
+                <a:latin typeface="Calibri" panose="020F0502020204030204" pitchFamily="34" charset="0"/>
+                <a:cs typeface="Calibri" panose="020F0502020204030204" pitchFamily="34" charset="0"/>
+              </a:rPr>
+              <a:t>folosite</a:t>
+            </a:r>
+            <a:endParaRPr lang="en-US" sz="6000" dirty="0">
+              <a:latin typeface="Calibri" panose="020F0502020204030204" pitchFamily="34" charset="0"/>
+              <a:cs typeface="Calibri" panose="020F0502020204030204" pitchFamily="34" charset="0"/>
+            </a:endParaRPr>
+          </a:p>
+        </p:txBody>
+      </p:sp>
+      <p:sp>
+        <p:nvSpPr>
+          <p:cNvPr id="8" name="TextBox 7">
+            <a:extLst>
+              <a:ext uri="{FF2B5EF4-FFF2-40B4-BE49-F238E27FC236}">
+                <a16:creationId xmlns:a16="http://schemas.microsoft.com/office/drawing/2014/main" id="{A41766A9-B348-F67A-B2D8-43E90D67FA41}"/>
+              </a:ext>
+            </a:extLst>
+          </p:cNvPr>
+          <p:cNvSpPr txBox="1"/>
+          <p:nvPr/>
+        </p:nvSpPr>
+        <p:spPr>
+          <a:xfrm>
+            <a:off x="2685015" y="3049105"/>
+            <a:ext cx="3817385" cy="5170646"/>
+          </a:xfrm>
+          <a:prstGeom prst="rect">
+            <a:avLst/>
+          </a:prstGeom>
+          <a:noFill/>
+        </p:spPr>
+        <p:txBody>
+          <a:bodyPr wrap="square">
+            <a:spAutoFit/>
+          </a:bodyPr>
+          <a:lstStyle/>
+          <a:p>
+            <a:pPr>
+              <a:spcAft>
+                <a:spcPts val="3600"/>
+              </a:spcAft>
+            </a:pPr>
+            <a:r>
+              <a:rPr lang="en-US" sz="6000" dirty="0">
+                <a:latin typeface="Calibri" panose="020F0502020204030204" pitchFamily="34" charset="0"/>
+                <a:cs typeface="Calibri" panose="020F0502020204030204" pitchFamily="34" charset="0"/>
+              </a:rPr>
+              <a:t>React.js</a:t>
+            </a:r>
+          </a:p>
+          <a:p>
+            <a:pPr>
+              <a:spcAft>
+                <a:spcPts val="3600"/>
+              </a:spcAft>
+            </a:pPr>
+            <a:r>
+              <a:rPr lang="en-US" sz="6000" dirty="0">
+                <a:latin typeface="Calibri" panose="020F0502020204030204" pitchFamily="34" charset="0"/>
+                <a:cs typeface="Calibri" panose="020F0502020204030204" pitchFamily="34" charset="0"/>
+              </a:rPr>
+              <a:t>Firebase</a:t>
+            </a:r>
+          </a:p>
+          <a:p>
+            <a:pPr>
+              <a:spcAft>
+                <a:spcPts val="3600"/>
+              </a:spcAft>
+            </a:pPr>
+            <a:r>
+              <a:rPr lang="en-US" sz="6000" dirty="0">
+                <a:latin typeface="Calibri" panose="020F0502020204030204" pitchFamily="34" charset="0"/>
+                <a:cs typeface="Calibri" panose="020F0502020204030204" pitchFamily="34" charset="0"/>
+              </a:rPr>
+              <a:t>Spring Boot</a:t>
+            </a:r>
+          </a:p>
+          <a:p>
+            <a:pPr>
+              <a:spcAft>
+                <a:spcPts val="3600"/>
+              </a:spcAft>
+            </a:pPr>
+            <a:r>
+              <a:rPr lang="en-US" sz="6000" dirty="0">
+                <a:latin typeface="Calibri" panose="020F0502020204030204" pitchFamily="34" charset="0"/>
+                <a:cs typeface="Calibri" panose="020F0502020204030204" pitchFamily="34" charset="0"/>
+              </a:rPr>
+              <a:t>PostgreSQL</a:t>
+            </a:r>
+          </a:p>
+        </p:txBody>
+      </p:sp>
+      <p:pic>
+        <p:nvPicPr>
+          <p:cNvPr id="7" name="Picture 6">
+            <a:extLst>
+              <a:ext uri="{FF2B5EF4-FFF2-40B4-BE49-F238E27FC236}">
+                <a16:creationId xmlns:a16="http://schemas.microsoft.com/office/drawing/2014/main" id="{7A5FB524-6E65-EEE1-6426-9B3DAAE8E3E1}"/>
+              </a:ext>
+            </a:extLst>
+          </p:cNvPr>
+          <p:cNvPicPr>
+            <a:picLocks noChangeAspect="1"/>
+          </p:cNvPicPr>
+          <p:nvPr/>
+        </p:nvPicPr>
+        <p:blipFill>
+          <a:blip r:embed="rId3" cstate="print">
+            <a:extLst>
+              <a:ext uri="{28A0092B-C50C-407E-A947-70E740481C1C}">
+                <a14:useLocalDpi xmlns:a14="http://schemas.microsoft.com/office/drawing/2010/main" val="0"/>
+              </a:ext>
+            </a:extLst>
+          </a:blip>
+          <a:stretch>
+            <a:fillRect/>
+          </a:stretch>
+        </p:blipFill>
+        <p:spPr>
+          <a:xfrm>
+            <a:off x="1365687" y="2999411"/>
+            <a:ext cx="1319328" cy="1319328"/>
+          </a:xfrm>
+          <a:prstGeom prst="rect">
+            <a:avLst/>
+          </a:prstGeom>
+        </p:spPr>
+      </p:pic>
+      <p:pic>
+        <p:nvPicPr>
+          <p:cNvPr id="14" name="Picture 13">
+            <a:extLst>
+              <a:ext uri="{FF2B5EF4-FFF2-40B4-BE49-F238E27FC236}">
+                <a16:creationId xmlns:a16="http://schemas.microsoft.com/office/drawing/2014/main" id="{611E61ED-1803-B1D7-880E-D5E75079D46A}"/>
+              </a:ext>
+            </a:extLst>
+          </p:cNvPr>
+          <p:cNvPicPr>
+            <a:picLocks noChangeAspect="1"/>
+          </p:cNvPicPr>
+          <p:nvPr/>
+        </p:nvPicPr>
+        <p:blipFill>
+          <a:blip r:embed="rId4">
+            <a:extLst>
+              <a:ext uri="{28A0092B-C50C-407E-A947-70E740481C1C}">
+                <a14:useLocalDpi xmlns:a14="http://schemas.microsoft.com/office/drawing/2010/main" val="0"/>
+              </a:ext>
+            </a:extLst>
+          </a:blip>
+          <a:stretch>
+            <a:fillRect/>
+          </a:stretch>
+        </p:blipFill>
+        <p:spPr>
+          <a:xfrm>
+            <a:off x="1467289" y="4318739"/>
+            <a:ext cx="1116121" cy="1116121"/>
+          </a:xfrm>
+          <a:prstGeom prst="rect">
+            <a:avLst/>
+          </a:prstGeom>
+        </p:spPr>
+      </p:pic>
+      <p:pic>
+        <p:nvPicPr>
+          <p:cNvPr id="20" name="Picture 19">
+            <a:extLst>
+              <a:ext uri="{FF2B5EF4-FFF2-40B4-BE49-F238E27FC236}">
+                <a16:creationId xmlns:a16="http://schemas.microsoft.com/office/drawing/2014/main" id="{6FDD4A57-4C86-FBE1-1573-94A7CA2CD776}"/>
+              </a:ext>
+            </a:extLst>
+          </p:cNvPr>
+          <p:cNvPicPr>
+            <a:picLocks noChangeAspect="1"/>
+          </p:cNvPicPr>
+          <p:nvPr/>
+        </p:nvPicPr>
+        <p:blipFill>
+          <a:blip r:embed="rId5" cstate="print">
+            <a:extLst>
+              <a:ext uri="{28A0092B-C50C-407E-A947-70E740481C1C}">
+                <a14:useLocalDpi xmlns:a14="http://schemas.microsoft.com/office/drawing/2010/main" val="0"/>
+              </a:ext>
+            </a:extLst>
+          </a:blip>
+          <a:stretch>
+            <a:fillRect/>
+          </a:stretch>
+        </p:blipFill>
+        <p:spPr>
+          <a:xfrm>
+            <a:off x="483023" y="5229886"/>
+            <a:ext cx="3084654" cy="2128411"/>
+          </a:xfrm>
+          <a:prstGeom prst="rect">
+            <a:avLst/>
+          </a:prstGeom>
+        </p:spPr>
+      </p:pic>
+      <p:pic>
+        <p:nvPicPr>
+          <p:cNvPr id="22" name="Picture 21">
+            <a:extLst>
+              <a:ext uri="{FF2B5EF4-FFF2-40B4-BE49-F238E27FC236}">
+                <a16:creationId xmlns:a16="http://schemas.microsoft.com/office/drawing/2014/main" id="{6DE207AA-B805-8050-F85F-EF520A5B23C0}"/>
+              </a:ext>
+            </a:extLst>
+          </p:cNvPr>
+          <p:cNvPicPr>
+            <a:picLocks noChangeAspect="1"/>
+          </p:cNvPicPr>
+          <p:nvPr/>
+        </p:nvPicPr>
+        <p:blipFill>
+          <a:blip r:embed="rId6">
+            <a:extLst>
+              <a:ext uri="{28A0092B-C50C-407E-A947-70E740481C1C}">
+                <a14:useLocalDpi xmlns:a14="http://schemas.microsoft.com/office/drawing/2010/main" val="0"/>
+              </a:ext>
+            </a:extLst>
+          </a:blip>
+          <a:stretch>
+            <a:fillRect/>
+          </a:stretch>
+        </p:blipFill>
+        <p:spPr>
+          <a:xfrm>
+            <a:off x="1467290" y="7213207"/>
+            <a:ext cx="1116121" cy="1151634"/>
+          </a:xfrm>
+          <a:prstGeom prst="rect">
+            <a:avLst/>
+          </a:prstGeom>
+        </p:spPr>
+      </p:pic>
+    </p:spTree>
+    <p:extLst>
+      <p:ext uri="{BB962C8B-B14F-4D97-AF65-F5344CB8AC3E}">
+        <p14:creationId xmlns:p14="http://schemas.microsoft.com/office/powerpoint/2010/main" val="2772925611"/>
+      </p:ext>
+    </p:extLst>
+  </p:cSld>
+  <p:clrMapOvr>
+    <a:masterClrMapping/>
+  </p:clrMapOvr>
+  <p:transition spd="med"/>
+</p:sld>
+</file>
+
+<file path=ppt/slides/slide7.xml><?xml version="1.0" encoding="utf-8"?>
+<p:sld xmlns:a="http://schemas.openxmlformats.org/drawingml/2006/main" xmlns:r="http://schemas.openxmlformats.org/officeDocument/2006/relationships" xmlns:p="http://schemas.openxmlformats.org/presentationml/2006/main">
+  <p:cSld>
+    <p:spTree>
+      <p:nvGrpSpPr>
+        <p:cNvPr id="1" name=""/>
+        <p:cNvGrpSpPr/>
+        <p:nvPr/>
+      </p:nvGrpSpPr>
+      <p:grpSpPr>
+        <a:xfrm>
+          <a:off x="0" y="0"/>
+          <a:ext cx="0" cy="0"/>
+          <a:chOff x="0" y="0"/>
+          <a:chExt cx="0" cy="0"/>
+        </a:xfrm>
+      </p:grpSpPr>
+      <p:sp>
+        <p:nvSpPr>
+          <p:cNvPr id="6" name="TextBox 5">
+            <a:extLst>
+              <a:ext uri="{FF2B5EF4-FFF2-40B4-BE49-F238E27FC236}">
+                <a16:creationId xmlns:a16="http://schemas.microsoft.com/office/drawing/2014/main" id="{2457A9E0-E12D-4FCD-7232-51073BE0578B}"/>
+              </a:ext>
+            </a:extLst>
+          </p:cNvPr>
+          <p:cNvSpPr txBox="1"/>
+          <p:nvPr/>
+        </p:nvSpPr>
+        <p:spPr>
+          <a:xfrm>
+            <a:off x="3452540" y="1070037"/>
+            <a:ext cx="9399163" cy="1015663"/>
+          </a:xfrm>
+          <a:prstGeom prst="rect">
+            <a:avLst/>
+          </a:prstGeom>
+          <a:noFill/>
+        </p:spPr>
+        <p:txBody>
+          <a:bodyPr wrap="square" rtlCol="0">
+            <a:spAutoFit/>
+          </a:bodyPr>
+          <a:lstStyle/>
+          <a:p>
+            <a:r>
+              <a:rPr lang="en-US" sz="6000" dirty="0">
+                <a:latin typeface="Calibri" panose="020F0502020204030204" pitchFamily="34" charset="0"/>
+                <a:cs typeface="Calibri" panose="020F0502020204030204" pitchFamily="34" charset="0"/>
+              </a:rPr>
+              <a:t>Solutia </a:t>
+            </a:r>
+            <a:r>
+              <a:rPr lang="en-US" sz="6000" dirty="0" err="1">
+                <a:latin typeface="Calibri" panose="020F0502020204030204" pitchFamily="34" charset="0"/>
+                <a:cs typeface="Calibri" panose="020F0502020204030204" pitchFamily="34" charset="0"/>
+              </a:rPr>
+              <a:t>propusa</a:t>
+            </a:r>
+            <a:r>
+              <a:rPr lang="en-US" sz="6000" dirty="0">
+                <a:latin typeface="Calibri" panose="020F0502020204030204" pitchFamily="34" charset="0"/>
+                <a:cs typeface="Calibri" panose="020F0502020204030204" pitchFamily="34" charset="0"/>
+              </a:rPr>
+              <a:t>: </a:t>
+            </a:r>
+            <a:r>
+              <a:rPr lang="en-US" sz="6000" dirty="0" err="1">
+                <a:latin typeface="Calibri" panose="020F0502020204030204" pitchFamily="34" charset="0"/>
+                <a:cs typeface="Calibri" panose="020F0502020204030204" pitchFamily="34" charset="0"/>
+              </a:rPr>
+              <a:t>Autentificare</a:t>
+            </a:r>
+            <a:endParaRPr lang="en-US" sz="6000" dirty="0">
+              <a:latin typeface="Calibri" panose="020F0502020204030204" pitchFamily="34" charset="0"/>
+              <a:cs typeface="Calibri" panose="020F0502020204030204" pitchFamily="34" charset="0"/>
+            </a:endParaRPr>
+          </a:p>
+        </p:txBody>
+      </p:sp>
+    </p:spTree>
+    <p:extLst>
+      <p:ext uri="{BB962C8B-B14F-4D97-AF65-F5344CB8AC3E}">
+        <p14:creationId xmlns:p14="http://schemas.microsoft.com/office/powerpoint/2010/main" val="1115280280"/>
+      </p:ext>
+    </p:extLst>
+  </p:cSld>
+  <p:clrMapOvr>
+    <a:masterClrMapping/>
+  </p:clrMapOvr>
+  <p:transition spd="med"/>
+</p:sld>
+</file>
+
+<file path=ppt/slides/slide8.xml><?xml version="1.0" encoding="utf-8"?>
+<p:sld xmlns:a="http://schemas.openxmlformats.org/drawingml/2006/main" xmlns:r="http://schemas.openxmlformats.org/officeDocument/2006/relationships" xmlns:p="http://schemas.openxmlformats.org/presentationml/2006/main">
+  <p:cSld>
+    <p:spTree>
+      <p:nvGrpSpPr>
+        <p:cNvPr id="1" name=""/>
+        <p:cNvGrpSpPr/>
+        <p:nvPr/>
+      </p:nvGrpSpPr>
+      <p:grpSpPr>
+        <a:xfrm>
+          <a:off x="0" y="0"/>
+          <a:ext cx="0" cy="0"/>
+          <a:chOff x="0" y="0"/>
+          <a:chExt cx="0" cy="0"/>
+        </a:xfrm>
+      </p:grpSpPr>
+      <p:sp>
+        <p:nvSpPr>
+          <p:cNvPr id="6" name="TextBox 5">
+            <a:extLst>
+              <a:ext uri="{FF2B5EF4-FFF2-40B4-BE49-F238E27FC236}">
+                <a16:creationId xmlns:a16="http://schemas.microsoft.com/office/drawing/2014/main" id="{2457A9E0-E12D-4FCD-7232-51073BE0578B}"/>
+              </a:ext>
+            </a:extLst>
+          </p:cNvPr>
+          <p:cNvSpPr txBox="1"/>
+          <p:nvPr/>
+        </p:nvSpPr>
+        <p:spPr>
+          <a:xfrm>
+            <a:off x="3452540" y="1070037"/>
+            <a:ext cx="9399163" cy="1015663"/>
+          </a:xfrm>
+          <a:prstGeom prst="rect">
+            <a:avLst/>
+          </a:prstGeom>
+          <a:noFill/>
+        </p:spPr>
+        <p:txBody>
+          <a:bodyPr wrap="square" rtlCol="0">
+            <a:spAutoFit/>
+          </a:bodyPr>
+          <a:lstStyle/>
+          <a:p>
+            <a:r>
+              <a:rPr lang="en-US" sz="6000" dirty="0">
+                <a:latin typeface="Calibri" panose="020F0502020204030204" pitchFamily="34" charset="0"/>
+                <a:cs typeface="Calibri" panose="020F0502020204030204" pitchFamily="34" charset="0"/>
+              </a:rPr>
+              <a:t>Solutia </a:t>
+            </a:r>
+            <a:r>
+              <a:rPr lang="en-US" sz="6000" dirty="0" err="1">
+                <a:latin typeface="Calibri" panose="020F0502020204030204" pitchFamily="34" charset="0"/>
+                <a:cs typeface="Calibri" panose="020F0502020204030204" pitchFamily="34" charset="0"/>
+              </a:rPr>
+              <a:t>propusa</a:t>
+            </a:r>
+            <a:r>
+              <a:rPr lang="en-US" sz="6000" dirty="0">
+                <a:latin typeface="Calibri" panose="020F0502020204030204" pitchFamily="34" charset="0"/>
+                <a:cs typeface="Calibri" panose="020F0502020204030204" pitchFamily="34" charset="0"/>
+              </a:rPr>
+              <a:t>: </a:t>
+            </a:r>
+            <a:r>
+              <a:rPr lang="en-US" sz="6000" dirty="0" err="1">
+                <a:latin typeface="Calibri" panose="020F0502020204030204" pitchFamily="34" charset="0"/>
+                <a:cs typeface="Calibri" panose="020F0502020204030204" pitchFamily="34" charset="0"/>
+              </a:rPr>
+              <a:t>Microservicii</a:t>
+            </a:r>
+            <a:endParaRPr lang="en-US" sz="6000" dirty="0">
+              <a:latin typeface="Calibri" panose="020F0502020204030204" pitchFamily="34" charset="0"/>
+              <a:cs typeface="Calibri" panose="020F0502020204030204" pitchFamily="34" charset="0"/>
+            </a:endParaRPr>
+          </a:p>
+        </p:txBody>
+      </p:sp>
+      <p:sp>
+        <p:nvSpPr>
+          <p:cNvPr id="3" name="TextBox 2">
+            <a:extLst>
+              <a:ext uri="{FF2B5EF4-FFF2-40B4-BE49-F238E27FC236}">
+                <a16:creationId xmlns:a16="http://schemas.microsoft.com/office/drawing/2014/main" id="{614A49C1-7641-E3E0-D67D-5B5CBB29EE67}"/>
+              </a:ext>
+            </a:extLst>
+          </p:cNvPr>
+          <p:cNvSpPr txBox="1"/>
+          <p:nvPr/>
+        </p:nvSpPr>
+        <p:spPr>
+          <a:xfrm>
+            <a:off x="660574" y="3339984"/>
+            <a:ext cx="11890506" cy="4401205"/>
+          </a:xfrm>
+          <a:prstGeom prst="rect">
+            <a:avLst/>
+          </a:prstGeom>
+          <a:noFill/>
+        </p:spPr>
+        <p:txBody>
+          <a:bodyPr wrap="square">
+            <a:spAutoFit/>
+          </a:bodyPr>
+          <a:lstStyle/>
+          <a:p>
+            <a:r>
+              <a:rPr lang="en-US" sz="2800" dirty="0" err="1">
+                <a:latin typeface="Calibri" panose="020F0502020204030204" pitchFamily="34" charset="0"/>
+                <a:cs typeface="Calibri" panose="020F0502020204030204" pitchFamily="34" charset="0"/>
+              </a:rPr>
+              <a:t>În</a:t>
+            </a:r>
+            <a:r>
+              <a:rPr lang="en-US" sz="2800" dirty="0">
+                <a:latin typeface="Calibri" panose="020F0502020204030204" pitchFamily="34" charset="0"/>
+                <a:cs typeface="Calibri" panose="020F0502020204030204" pitchFamily="34" charset="0"/>
+              </a:rPr>
+              <a:t> </a:t>
+            </a:r>
+            <a:r>
+              <a:rPr lang="en-US" sz="2800" dirty="0" err="1">
+                <a:latin typeface="Calibri" panose="020F0502020204030204" pitchFamily="34" charset="0"/>
+                <a:cs typeface="Calibri" panose="020F0502020204030204" pitchFamily="34" charset="0"/>
+              </a:rPr>
+              <a:t>cadrul</a:t>
+            </a:r>
+            <a:r>
+              <a:rPr lang="en-US" sz="2800" dirty="0">
+                <a:latin typeface="Calibri" panose="020F0502020204030204" pitchFamily="34" charset="0"/>
+                <a:cs typeface="Calibri" panose="020F0502020204030204" pitchFamily="34" charset="0"/>
+              </a:rPr>
+              <a:t> </a:t>
+            </a:r>
+            <a:r>
+              <a:rPr lang="en-US" sz="2800" dirty="0" err="1">
+                <a:latin typeface="Calibri" panose="020F0502020204030204" pitchFamily="34" charset="0"/>
+                <a:cs typeface="Calibri" panose="020F0502020204030204" pitchFamily="34" charset="0"/>
+              </a:rPr>
+              <a:t>aplicației</a:t>
+            </a:r>
+            <a:r>
+              <a:rPr lang="en-US" sz="2800" dirty="0">
+                <a:latin typeface="Calibri" panose="020F0502020204030204" pitchFamily="34" charset="0"/>
+                <a:cs typeface="Calibri" panose="020F0502020204030204" pitchFamily="34" charset="0"/>
+              </a:rPr>
+              <a:t> am ales </a:t>
+            </a:r>
+            <a:r>
+              <a:rPr lang="en-US" sz="2800" dirty="0" err="1">
+                <a:latin typeface="Calibri" panose="020F0502020204030204" pitchFamily="34" charset="0"/>
+                <a:cs typeface="Calibri" panose="020F0502020204030204" pitchFamily="34" charset="0"/>
+              </a:rPr>
+              <a:t>să</a:t>
+            </a:r>
+            <a:r>
+              <a:rPr lang="en-US" sz="2800" dirty="0">
+                <a:latin typeface="Calibri" panose="020F0502020204030204" pitchFamily="34" charset="0"/>
+                <a:cs typeface="Calibri" panose="020F0502020204030204" pitchFamily="34" charset="0"/>
+              </a:rPr>
+              <a:t> </a:t>
+            </a:r>
+            <a:r>
+              <a:rPr lang="en-US" sz="2800" dirty="0" err="1">
+                <a:latin typeface="Calibri" panose="020F0502020204030204" pitchFamily="34" charset="0"/>
+                <a:cs typeface="Calibri" panose="020F0502020204030204" pitchFamily="34" charset="0"/>
+              </a:rPr>
+              <a:t>dezvolt</a:t>
+            </a:r>
+            <a:r>
+              <a:rPr lang="en-US" sz="2800" dirty="0">
+                <a:latin typeface="Calibri" panose="020F0502020204030204" pitchFamily="34" charset="0"/>
+                <a:cs typeface="Calibri" panose="020F0502020204030204" pitchFamily="34" charset="0"/>
+              </a:rPr>
+              <a:t> o </a:t>
+            </a:r>
+            <a:r>
+              <a:rPr lang="en-US" sz="2800" dirty="0" err="1">
+                <a:latin typeface="Calibri" panose="020F0502020204030204" pitchFamily="34" charset="0"/>
+                <a:cs typeface="Calibri" panose="020F0502020204030204" pitchFamily="34" charset="0"/>
+              </a:rPr>
+              <a:t>arhitectură</a:t>
+            </a:r>
+            <a:r>
+              <a:rPr lang="en-US" sz="2800" dirty="0">
+                <a:latin typeface="Calibri" panose="020F0502020204030204" pitchFamily="34" charset="0"/>
+                <a:cs typeface="Calibri" panose="020F0502020204030204" pitchFamily="34" charset="0"/>
+              </a:rPr>
+              <a:t> </a:t>
+            </a:r>
+            <a:r>
+              <a:rPr lang="en-US" sz="2800" dirty="0" err="1">
+                <a:latin typeface="Calibri" panose="020F0502020204030204" pitchFamily="34" charset="0"/>
+                <a:cs typeface="Calibri" panose="020F0502020204030204" pitchFamily="34" charset="0"/>
+              </a:rPr>
+              <a:t>bazată</a:t>
+            </a:r>
+            <a:r>
+              <a:rPr lang="en-US" sz="2800" dirty="0">
+                <a:latin typeface="Calibri" panose="020F0502020204030204" pitchFamily="34" charset="0"/>
+                <a:cs typeface="Calibri" panose="020F0502020204030204" pitchFamily="34" charset="0"/>
+              </a:rPr>
+              <a:t> pe </a:t>
+            </a:r>
+            <a:r>
+              <a:rPr lang="en-US" sz="2800" dirty="0" err="1">
+                <a:latin typeface="Calibri" panose="020F0502020204030204" pitchFamily="34" charset="0"/>
+                <a:cs typeface="Calibri" panose="020F0502020204030204" pitchFamily="34" charset="0"/>
+              </a:rPr>
+              <a:t>microservicii</a:t>
+            </a:r>
+            <a:r>
+              <a:rPr lang="en-US" sz="2800" dirty="0">
+                <a:latin typeface="Calibri" panose="020F0502020204030204" pitchFamily="34" charset="0"/>
+                <a:cs typeface="Calibri" panose="020F0502020204030204" pitchFamily="34" charset="0"/>
+              </a:rPr>
+              <a:t>, </a:t>
+            </a:r>
+            <a:r>
+              <a:rPr lang="en-US" sz="2800" dirty="0" err="1">
+                <a:latin typeface="Calibri" panose="020F0502020204030204" pitchFamily="34" charset="0"/>
+                <a:cs typeface="Calibri" panose="020F0502020204030204" pitchFamily="34" charset="0"/>
+              </a:rPr>
+              <a:t>arhitectură</a:t>
+            </a:r>
+            <a:r>
+              <a:rPr lang="en-US" sz="2800" dirty="0">
+                <a:latin typeface="Calibri" panose="020F0502020204030204" pitchFamily="34" charset="0"/>
+                <a:cs typeface="Calibri" panose="020F0502020204030204" pitchFamily="34" charset="0"/>
+              </a:rPr>
+              <a:t> </a:t>
+            </a:r>
+            <a:r>
+              <a:rPr lang="en-US" sz="2800" dirty="0" err="1">
+                <a:latin typeface="Calibri" panose="020F0502020204030204" pitchFamily="34" charset="0"/>
+                <a:cs typeface="Calibri" panose="020F0502020204030204" pitchFamily="34" charset="0"/>
+              </a:rPr>
+              <a:t>ce</a:t>
+            </a:r>
+            <a:r>
+              <a:rPr lang="en-US" sz="2800" dirty="0">
+                <a:latin typeface="Calibri" panose="020F0502020204030204" pitchFamily="34" charset="0"/>
+                <a:cs typeface="Calibri" panose="020F0502020204030204" pitchFamily="34" charset="0"/>
+              </a:rPr>
+              <a:t> </a:t>
+            </a:r>
+            <a:r>
+              <a:rPr lang="en-US" sz="2800" dirty="0" err="1">
+                <a:latin typeface="Calibri" panose="020F0502020204030204" pitchFamily="34" charset="0"/>
+                <a:cs typeface="Calibri" panose="020F0502020204030204" pitchFamily="34" charset="0"/>
+              </a:rPr>
+              <a:t>favorizează</a:t>
+            </a:r>
+            <a:r>
+              <a:rPr lang="en-US" sz="2800" dirty="0">
+                <a:latin typeface="Calibri" panose="020F0502020204030204" pitchFamily="34" charset="0"/>
+                <a:cs typeface="Calibri" panose="020F0502020204030204" pitchFamily="34" charset="0"/>
+              </a:rPr>
+              <a:t> </a:t>
+            </a:r>
+            <a:r>
+              <a:rPr lang="en-US" sz="2800" dirty="0" err="1">
+                <a:latin typeface="Calibri" panose="020F0502020204030204" pitchFamily="34" charset="0"/>
+                <a:cs typeface="Calibri" panose="020F0502020204030204" pitchFamily="34" charset="0"/>
+              </a:rPr>
+              <a:t>scalarea</a:t>
+            </a:r>
+            <a:r>
+              <a:rPr lang="en-US" sz="2800" dirty="0">
+                <a:latin typeface="Calibri" panose="020F0502020204030204" pitchFamily="34" charset="0"/>
+                <a:cs typeface="Calibri" panose="020F0502020204030204" pitchFamily="34" charset="0"/>
+              </a:rPr>
+              <a:t> pe </a:t>
+            </a:r>
+            <a:r>
+              <a:rPr lang="en-US" sz="2800" dirty="0" err="1">
+                <a:latin typeface="Calibri" panose="020F0502020204030204" pitchFamily="34" charset="0"/>
+                <a:cs typeface="Calibri" panose="020F0502020204030204" pitchFamily="34" charset="0"/>
+              </a:rPr>
+              <a:t>orizontală</a:t>
+            </a:r>
+            <a:r>
+              <a:rPr lang="en-US" sz="2800" dirty="0">
+                <a:latin typeface="Calibri" panose="020F0502020204030204" pitchFamily="34" charset="0"/>
+                <a:cs typeface="Calibri" panose="020F0502020204030204" pitchFamily="34" charset="0"/>
+              </a:rPr>
+              <a:t> </a:t>
+            </a:r>
+            <a:r>
+              <a:rPr lang="en-US" sz="2800" dirty="0" err="1">
+                <a:latin typeface="Calibri" panose="020F0502020204030204" pitchFamily="34" charset="0"/>
+                <a:cs typeface="Calibri" panose="020F0502020204030204" pitchFamily="34" charset="0"/>
+              </a:rPr>
+              <a:t>și</a:t>
+            </a:r>
+            <a:r>
+              <a:rPr lang="en-US" sz="2800" dirty="0">
+                <a:latin typeface="Calibri" panose="020F0502020204030204" pitchFamily="34" charset="0"/>
+                <a:cs typeface="Calibri" panose="020F0502020204030204" pitchFamily="34" charset="0"/>
+              </a:rPr>
+              <a:t> </a:t>
+            </a:r>
+            <a:r>
+              <a:rPr lang="en-US" sz="2800" dirty="0" err="1">
+                <a:latin typeface="Calibri" panose="020F0502020204030204" pitchFamily="34" charset="0"/>
+                <a:cs typeface="Calibri" panose="020F0502020204030204" pitchFamily="34" charset="0"/>
+              </a:rPr>
+              <a:t>menținerea</a:t>
+            </a:r>
+            <a:r>
+              <a:rPr lang="en-US" sz="2800" dirty="0">
+                <a:latin typeface="Calibri" panose="020F0502020204030204" pitchFamily="34" charset="0"/>
+                <a:cs typeface="Calibri" panose="020F0502020204030204" pitchFamily="34" charset="0"/>
+              </a:rPr>
+              <a:t> </a:t>
+            </a:r>
+            <a:r>
+              <a:rPr lang="en-US" sz="2800" dirty="0" err="1">
+                <a:latin typeface="Calibri" panose="020F0502020204030204" pitchFamily="34" charset="0"/>
+                <a:cs typeface="Calibri" panose="020F0502020204030204" pitchFamily="34" charset="0"/>
+              </a:rPr>
+              <a:t>funcționalităților</a:t>
+            </a:r>
+            <a:r>
+              <a:rPr lang="en-US" sz="2800" dirty="0">
+                <a:latin typeface="Calibri" panose="020F0502020204030204" pitchFamily="34" charset="0"/>
+                <a:cs typeface="Calibri" panose="020F0502020204030204" pitchFamily="34" charset="0"/>
+              </a:rPr>
+              <a:t> </a:t>
+            </a:r>
+            <a:r>
+              <a:rPr lang="en-US" sz="2800" dirty="0" err="1">
+                <a:latin typeface="Calibri" panose="020F0502020204030204" pitchFamily="34" charset="0"/>
+                <a:cs typeface="Calibri" panose="020F0502020204030204" pitchFamily="34" charset="0"/>
+              </a:rPr>
+              <a:t>majore</a:t>
+            </a:r>
+            <a:r>
+              <a:rPr lang="en-US" sz="2800" dirty="0">
+                <a:latin typeface="Calibri" panose="020F0502020204030204" pitchFamily="34" charset="0"/>
+                <a:cs typeface="Calibri" panose="020F0502020204030204" pitchFamily="34" charset="0"/>
+              </a:rPr>
+              <a:t> de business </a:t>
+            </a:r>
+            <a:r>
+              <a:rPr lang="en-US" sz="2800" dirty="0" err="1">
+                <a:latin typeface="Calibri" panose="020F0502020204030204" pitchFamily="34" charset="0"/>
+                <a:cs typeface="Calibri" panose="020F0502020204030204" pitchFamily="34" charset="0"/>
+              </a:rPr>
+              <a:t>independente</a:t>
+            </a:r>
+            <a:r>
+              <a:rPr lang="en-US" sz="2800" dirty="0">
+                <a:latin typeface="Calibri" panose="020F0502020204030204" pitchFamily="34" charset="0"/>
+                <a:cs typeface="Calibri" panose="020F0502020204030204" pitchFamily="34" charset="0"/>
+              </a:rPr>
+              <a:t>.</a:t>
+            </a:r>
+          </a:p>
+          <a:p>
+            <a:r>
+              <a:rPr lang="en-US" sz="2800" dirty="0" err="1">
+                <a:latin typeface="Calibri" panose="020F0502020204030204" pitchFamily="34" charset="0"/>
+                <a:cs typeface="Calibri" panose="020F0502020204030204" pitchFamily="34" charset="0"/>
+              </a:rPr>
+              <a:t>Cateva</a:t>
+            </a:r>
+            <a:r>
+              <a:rPr lang="en-US" sz="2800" dirty="0">
+                <a:latin typeface="Calibri" panose="020F0502020204030204" pitchFamily="34" charset="0"/>
+                <a:cs typeface="Calibri" panose="020F0502020204030204" pitchFamily="34" charset="0"/>
+              </a:rPr>
+              <a:t> </a:t>
+            </a:r>
+            <a:r>
+              <a:rPr lang="en-US" sz="2800" dirty="0" err="1">
+                <a:latin typeface="Calibri" panose="020F0502020204030204" pitchFamily="34" charset="0"/>
+                <a:cs typeface="Calibri" panose="020F0502020204030204" pitchFamily="34" charset="0"/>
+              </a:rPr>
+              <a:t>avantaje</a:t>
+            </a:r>
+            <a:r>
+              <a:rPr lang="en-US" sz="2800" dirty="0">
+                <a:latin typeface="Calibri" panose="020F0502020204030204" pitchFamily="34" charset="0"/>
+                <a:cs typeface="Calibri" panose="020F0502020204030204" pitchFamily="34" charset="0"/>
+              </a:rPr>
+              <a:t>:</a:t>
+            </a:r>
+          </a:p>
+          <a:p>
+            <a:pPr marL="457200" indent="-457200">
+              <a:buFont typeface="Arial" panose="020B0604020202020204" pitchFamily="34" charset="0"/>
+              <a:buChar char="•"/>
+            </a:pPr>
+            <a:r>
+              <a:rPr lang="en-US" sz="2800" dirty="0" err="1">
+                <a:latin typeface="Calibri" panose="020F0502020204030204" pitchFamily="34" charset="0"/>
+                <a:cs typeface="Calibri" panose="020F0502020204030204" pitchFamily="34" charset="0"/>
+              </a:rPr>
+              <a:t>Fiecare</a:t>
+            </a:r>
+            <a:r>
+              <a:rPr lang="en-US" sz="2800" dirty="0">
+                <a:latin typeface="Calibri" panose="020F0502020204030204" pitchFamily="34" charset="0"/>
+                <a:cs typeface="Calibri" panose="020F0502020204030204" pitchFamily="34" charset="0"/>
+              </a:rPr>
+              <a:t> </a:t>
+            </a:r>
+            <a:r>
+              <a:rPr lang="en-US" sz="2800" dirty="0" err="1">
+                <a:latin typeface="Calibri" panose="020F0502020204030204" pitchFamily="34" charset="0"/>
+                <a:cs typeface="Calibri" panose="020F0502020204030204" pitchFamily="34" charset="0"/>
+              </a:rPr>
+              <a:t>microserviciu</a:t>
+            </a:r>
+            <a:r>
+              <a:rPr lang="en-US" sz="2800" dirty="0">
+                <a:latin typeface="Calibri" panose="020F0502020204030204" pitchFamily="34" charset="0"/>
+                <a:cs typeface="Calibri" panose="020F0502020204030204" pitchFamily="34" charset="0"/>
+              </a:rPr>
+              <a:t> </a:t>
+            </a:r>
+            <a:r>
+              <a:rPr lang="en-US" sz="2800" dirty="0" err="1">
+                <a:latin typeface="Calibri" panose="020F0502020204030204" pitchFamily="34" charset="0"/>
+                <a:cs typeface="Calibri" panose="020F0502020204030204" pitchFamily="34" charset="0"/>
+              </a:rPr>
+              <a:t>poate</a:t>
+            </a:r>
+            <a:r>
+              <a:rPr lang="en-US" sz="2800" dirty="0">
+                <a:latin typeface="Calibri" panose="020F0502020204030204" pitchFamily="34" charset="0"/>
+                <a:cs typeface="Calibri" panose="020F0502020204030204" pitchFamily="34" charset="0"/>
+              </a:rPr>
+              <a:t> fi </a:t>
+            </a:r>
+            <a:r>
+              <a:rPr lang="en-US" sz="2800" dirty="0" err="1">
+                <a:latin typeface="Calibri" panose="020F0502020204030204" pitchFamily="34" charset="0"/>
+                <a:cs typeface="Calibri" panose="020F0502020204030204" pitchFamily="34" charset="0"/>
+              </a:rPr>
+              <a:t>scalat</a:t>
+            </a:r>
+            <a:r>
+              <a:rPr lang="en-US" sz="2800" dirty="0">
+                <a:latin typeface="Calibri" panose="020F0502020204030204" pitchFamily="34" charset="0"/>
+                <a:cs typeface="Calibri" panose="020F0502020204030204" pitchFamily="34" charset="0"/>
+              </a:rPr>
+              <a:t> independent</a:t>
+            </a:r>
+          </a:p>
+          <a:p>
+            <a:pPr marL="457200" indent="-457200">
+              <a:buFont typeface="Arial" panose="020B0604020202020204" pitchFamily="34" charset="0"/>
+              <a:buChar char="•"/>
+            </a:pPr>
+            <a:r>
+              <a:rPr lang="en-US" sz="2800" dirty="0" err="1">
+                <a:latin typeface="Calibri" panose="020F0502020204030204" pitchFamily="34" charset="0"/>
+                <a:cs typeface="Calibri" panose="020F0502020204030204" pitchFamily="34" charset="0"/>
+              </a:rPr>
+              <a:t>Utilizarea</a:t>
+            </a:r>
+            <a:r>
+              <a:rPr lang="en-US" sz="2800" dirty="0">
+                <a:latin typeface="Calibri" panose="020F0502020204030204" pitchFamily="34" charset="0"/>
+                <a:cs typeface="Calibri" panose="020F0502020204030204" pitchFamily="34" charset="0"/>
+              </a:rPr>
+              <a:t> </a:t>
+            </a:r>
+            <a:r>
+              <a:rPr lang="en-US" sz="2800" dirty="0" err="1">
+                <a:latin typeface="Calibri" panose="020F0502020204030204" pitchFamily="34" charset="0"/>
+                <a:cs typeface="Calibri" panose="020F0502020204030204" pitchFamily="34" charset="0"/>
+              </a:rPr>
+              <a:t>eficienta</a:t>
+            </a:r>
+            <a:r>
+              <a:rPr lang="en-US" sz="2800" dirty="0">
+                <a:latin typeface="Calibri" panose="020F0502020204030204" pitchFamily="34" charset="0"/>
+                <a:cs typeface="Calibri" panose="020F0502020204030204" pitchFamily="34" charset="0"/>
+              </a:rPr>
+              <a:t> a </a:t>
+            </a:r>
+            <a:r>
+              <a:rPr lang="en-US" sz="2800" dirty="0" err="1">
+                <a:latin typeface="Calibri" panose="020F0502020204030204" pitchFamily="34" charset="0"/>
+                <a:cs typeface="Calibri" panose="020F0502020204030204" pitchFamily="34" charset="0"/>
+              </a:rPr>
+              <a:t>resurselor</a:t>
+            </a:r>
+            <a:r>
+              <a:rPr lang="en-US" sz="2800" dirty="0">
+                <a:latin typeface="Calibri" panose="020F0502020204030204" pitchFamily="34" charset="0"/>
+                <a:cs typeface="Calibri" panose="020F0502020204030204" pitchFamily="34" charset="0"/>
+              </a:rPr>
+              <a:t>, </a:t>
+            </a:r>
+            <a:r>
+              <a:rPr lang="en-US" sz="2800" dirty="0" err="1">
+                <a:latin typeface="Calibri" panose="020F0502020204030204" pitchFamily="34" charset="0"/>
+                <a:cs typeface="Calibri" panose="020F0502020204030204" pitchFamily="34" charset="0"/>
+              </a:rPr>
+              <a:t>evitand</a:t>
+            </a:r>
+            <a:r>
+              <a:rPr lang="en-US" sz="2800" dirty="0">
+                <a:latin typeface="Calibri" panose="020F0502020204030204" pitchFamily="34" charset="0"/>
+                <a:cs typeface="Calibri" panose="020F0502020204030204" pitchFamily="34" charset="0"/>
+              </a:rPr>
+              <a:t> </a:t>
+            </a:r>
+            <a:r>
+              <a:rPr lang="en-US" sz="2800" dirty="0" err="1">
+                <a:latin typeface="Calibri" panose="020F0502020204030204" pitchFamily="34" charset="0"/>
+                <a:cs typeface="Calibri" panose="020F0502020204030204" pitchFamily="34" charset="0"/>
+              </a:rPr>
+              <a:t>costurile</a:t>
+            </a:r>
+            <a:endParaRPr lang="en-US" sz="2800" dirty="0">
+              <a:latin typeface="Calibri" panose="020F0502020204030204" pitchFamily="34" charset="0"/>
+              <a:cs typeface="Calibri" panose="020F0502020204030204" pitchFamily="34" charset="0"/>
+            </a:endParaRPr>
+          </a:p>
+          <a:p>
+            <a:pPr marL="457200" indent="-457200">
+              <a:buFont typeface="Arial" panose="020B0604020202020204" pitchFamily="34" charset="0"/>
+              <a:buChar char="•"/>
+            </a:pPr>
+            <a:r>
+              <a:rPr lang="en-US" sz="2800" dirty="0" err="1">
+                <a:latin typeface="Calibri" panose="020F0502020204030204" pitchFamily="34" charset="0"/>
+                <a:cs typeface="Calibri" panose="020F0502020204030204" pitchFamily="34" charset="0"/>
+              </a:rPr>
+              <a:t>Fiecare</a:t>
+            </a:r>
+            <a:r>
+              <a:rPr lang="en-US" sz="2800" dirty="0">
+                <a:latin typeface="Calibri" panose="020F0502020204030204" pitchFamily="34" charset="0"/>
+                <a:cs typeface="Calibri" panose="020F0502020204030204" pitchFamily="34" charset="0"/>
+              </a:rPr>
+              <a:t> </a:t>
+            </a:r>
+            <a:r>
+              <a:rPr lang="en-US" sz="2800" dirty="0" err="1">
+                <a:latin typeface="Calibri" panose="020F0502020204030204" pitchFamily="34" charset="0"/>
+                <a:cs typeface="Calibri" panose="020F0502020204030204" pitchFamily="34" charset="0"/>
+              </a:rPr>
+              <a:t>microserviciu</a:t>
+            </a:r>
+            <a:r>
+              <a:rPr lang="en-US" sz="2800" dirty="0">
+                <a:latin typeface="Calibri" panose="020F0502020204030204" pitchFamily="34" charset="0"/>
+                <a:cs typeface="Calibri" panose="020F0502020204030204" pitchFamily="34" charset="0"/>
+              </a:rPr>
+              <a:t> </a:t>
+            </a:r>
+            <a:r>
+              <a:rPr lang="en-US" sz="2800" dirty="0" err="1">
+                <a:latin typeface="Calibri" panose="020F0502020204030204" pitchFamily="34" charset="0"/>
+                <a:cs typeface="Calibri" panose="020F0502020204030204" pitchFamily="34" charset="0"/>
+              </a:rPr>
+              <a:t>poate</a:t>
+            </a:r>
+            <a:r>
+              <a:rPr lang="en-US" sz="2800" dirty="0">
+                <a:latin typeface="Calibri" panose="020F0502020204030204" pitchFamily="34" charset="0"/>
+                <a:cs typeface="Calibri" panose="020F0502020204030204" pitchFamily="34" charset="0"/>
+              </a:rPr>
+              <a:t> fi </a:t>
+            </a:r>
+            <a:r>
+              <a:rPr lang="en-US" sz="2800" dirty="0" err="1">
+                <a:latin typeface="Calibri" panose="020F0502020204030204" pitchFamily="34" charset="0"/>
+                <a:cs typeface="Calibri" panose="020F0502020204030204" pitchFamily="34" charset="0"/>
+              </a:rPr>
+              <a:t>dezvoltat</a:t>
+            </a:r>
+            <a:r>
+              <a:rPr lang="en-US" sz="2800" dirty="0">
+                <a:latin typeface="Calibri" panose="020F0502020204030204" pitchFamily="34" charset="0"/>
+                <a:cs typeface="Calibri" panose="020F0502020204030204" pitchFamily="34" charset="0"/>
+              </a:rPr>
+              <a:t> cu </a:t>
+            </a:r>
+            <a:r>
+              <a:rPr lang="en-US" sz="2800" dirty="0" err="1">
+                <a:latin typeface="Calibri" panose="020F0502020204030204" pitchFamily="34" charset="0"/>
+                <a:cs typeface="Calibri" panose="020F0502020204030204" pitchFamily="34" charset="0"/>
+              </a:rPr>
+              <a:t>cea</a:t>
+            </a:r>
+            <a:r>
+              <a:rPr lang="en-US" sz="2800" dirty="0">
+                <a:latin typeface="Calibri" panose="020F0502020204030204" pitchFamily="34" charset="0"/>
+                <a:cs typeface="Calibri" panose="020F0502020204030204" pitchFamily="34" charset="0"/>
+              </a:rPr>
+              <a:t> </a:t>
+            </a:r>
+            <a:r>
+              <a:rPr lang="en-US" sz="2800" dirty="0" err="1">
+                <a:latin typeface="Calibri" panose="020F0502020204030204" pitchFamily="34" charset="0"/>
+                <a:cs typeface="Calibri" panose="020F0502020204030204" pitchFamily="34" charset="0"/>
+              </a:rPr>
+              <a:t>mai</a:t>
+            </a:r>
+            <a:r>
+              <a:rPr lang="en-US" sz="2800" dirty="0">
+                <a:latin typeface="Calibri" panose="020F0502020204030204" pitchFamily="34" charset="0"/>
+                <a:cs typeface="Calibri" panose="020F0502020204030204" pitchFamily="34" charset="0"/>
+              </a:rPr>
+              <a:t> </a:t>
+            </a:r>
+            <a:r>
+              <a:rPr lang="en-US" sz="2800" dirty="0" err="1">
+                <a:latin typeface="Calibri" panose="020F0502020204030204" pitchFamily="34" charset="0"/>
+                <a:cs typeface="Calibri" panose="020F0502020204030204" pitchFamily="34" charset="0"/>
+              </a:rPr>
+              <a:t>potrivita</a:t>
+            </a:r>
+            <a:r>
+              <a:rPr lang="en-US" sz="2800" dirty="0">
+                <a:latin typeface="Calibri" panose="020F0502020204030204" pitchFamily="34" charset="0"/>
+                <a:cs typeface="Calibri" panose="020F0502020204030204" pitchFamily="34" charset="0"/>
+              </a:rPr>
+              <a:t> </a:t>
+            </a:r>
+            <a:r>
+              <a:rPr lang="en-US" sz="2800" dirty="0" err="1">
+                <a:latin typeface="Calibri" panose="020F0502020204030204" pitchFamily="34" charset="0"/>
+                <a:cs typeface="Calibri" panose="020F0502020204030204" pitchFamily="34" charset="0"/>
+              </a:rPr>
+              <a:t>tehnologie</a:t>
+            </a:r>
+            <a:r>
+              <a:rPr lang="en-US" sz="2800" dirty="0">
+                <a:latin typeface="Calibri" panose="020F0502020204030204" pitchFamily="34" charset="0"/>
+                <a:cs typeface="Calibri" panose="020F0502020204030204" pitchFamily="34" charset="0"/>
+              </a:rPr>
+              <a:t> </a:t>
+            </a:r>
+            <a:r>
+              <a:rPr lang="en-US" sz="2800" dirty="0" err="1">
+                <a:latin typeface="Calibri" panose="020F0502020204030204" pitchFamily="34" charset="0"/>
+                <a:cs typeface="Calibri" panose="020F0502020204030204" pitchFamily="34" charset="0"/>
+              </a:rPr>
+              <a:t>pentru</a:t>
+            </a:r>
+            <a:r>
+              <a:rPr lang="en-US" sz="2800" dirty="0">
+                <a:latin typeface="Calibri" panose="020F0502020204030204" pitchFamily="34" charset="0"/>
+                <a:cs typeface="Calibri" panose="020F0502020204030204" pitchFamily="34" charset="0"/>
+              </a:rPr>
+              <a:t> </a:t>
+            </a:r>
+            <a:r>
+              <a:rPr lang="en-US" sz="2800" dirty="0" err="1">
+                <a:latin typeface="Calibri" panose="020F0502020204030204" pitchFamily="34" charset="0"/>
+                <a:cs typeface="Calibri" panose="020F0502020204030204" pitchFamily="34" charset="0"/>
+              </a:rPr>
+              <a:t>respectiva</a:t>
+            </a:r>
+            <a:r>
+              <a:rPr lang="en-US" sz="2800" dirty="0">
+                <a:latin typeface="Calibri" panose="020F0502020204030204" pitchFamily="34" charset="0"/>
+                <a:cs typeface="Calibri" panose="020F0502020204030204" pitchFamily="34" charset="0"/>
+              </a:rPr>
+              <a:t> </a:t>
+            </a:r>
+            <a:r>
+              <a:rPr lang="en-US" sz="2800" dirty="0" err="1">
+                <a:latin typeface="Calibri" panose="020F0502020204030204" pitchFamily="34" charset="0"/>
+                <a:cs typeface="Calibri" panose="020F0502020204030204" pitchFamily="34" charset="0"/>
+              </a:rPr>
+              <a:t>functionalitate</a:t>
+            </a:r>
+            <a:endParaRPr lang="en-US" sz="2800" dirty="0">
+              <a:latin typeface="Calibri" panose="020F0502020204030204" pitchFamily="34" charset="0"/>
+              <a:cs typeface="Calibri" panose="020F0502020204030204" pitchFamily="34" charset="0"/>
+            </a:endParaRPr>
+          </a:p>
+          <a:p>
+            <a:pPr marL="457200" indent="-457200">
+              <a:buFont typeface="Arial" panose="020B0604020202020204" pitchFamily="34" charset="0"/>
+              <a:buChar char="•"/>
+            </a:pPr>
+            <a:r>
+              <a:rPr lang="en-US" sz="2800" dirty="0" err="1"/>
+              <a:t>Microserviciile</a:t>
+            </a:r>
+            <a:r>
+              <a:rPr lang="en-US" sz="2800" dirty="0"/>
+              <a:t> pot fi </a:t>
+            </a:r>
+            <a:r>
+              <a:rPr lang="en-US" sz="2800" dirty="0" err="1"/>
+              <a:t>actualizate</a:t>
+            </a:r>
+            <a:r>
+              <a:rPr lang="en-US" sz="2800" dirty="0"/>
+              <a:t> individual</a:t>
+            </a:r>
+            <a:endParaRPr lang="en-US" sz="2800" dirty="0">
+              <a:latin typeface="Calibri" panose="020F0502020204030204" pitchFamily="34" charset="0"/>
+              <a:cs typeface="Calibri" panose="020F0502020204030204" pitchFamily="34" charset="0"/>
+            </a:endParaRPr>
+          </a:p>
+          <a:p>
+            <a:pPr marL="457200" indent="-457200">
+              <a:buFont typeface="Arial" panose="020B0604020202020204" pitchFamily="34" charset="0"/>
+              <a:buChar char="•"/>
+            </a:pPr>
+            <a:r>
+              <a:rPr lang="en-US" sz="2800" dirty="0" err="1">
+                <a:latin typeface="Calibri" panose="020F0502020204030204" pitchFamily="34" charset="0"/>
+                <a:cs typeface="Calibri" panose="020F0502020204030204" pitchFamily="34" charset="0"/>
+              </a:rPr>
+              <a:t>Usor</a:t>
+            </a:r>
+            <a:r>
+              <a:rPr lang="en-US" sz="2800" dirty="0">
+                <a:latin typeface="Calibri" panose="020F0502020204030204" pitchFamily="34" charset="0"/>
+                <a:cs typeface="Calibri" panose="020F0502020204030204" pitchFamily="34" charset="0"/>
+              </a:rPr>
+              <a:t> de </a:t>
+            </a:r>
+            <a:r>
+              <a:rPr lang="en-US" sz="2800" dirty="0" err="1">
+                <a:latin typeface="Calibri" panose="020F0502020204030204" pitchFamily="34" charset="0"/>
+                <a:cs typeface="Calibri" panose="020F0502020204030204" pitchFamily="34" charset="0"/>
+              </a:rPr>
+              <a:t>izolat</a:t>
+            </a:r>
+            <a:r>
+              <a:rPr lang="en-US" sz="2800" dirty="0">
+                <a:latin typeface="Calibri" panose="020F0502020204030204" pitchFamily="34" charset="0"/>
+                <a:cs typeface="Calibri" panose="020F0502020204030204" pitchFamily="34" charset="0"/>
+              </a:rPr>
+              <a:t> </a:t>
+            </a:r>
+            <a:r>
+              <a:rPr lang="en-US" sz="2800" dirty="0" err="1">
+                <a:latin typeface="Calibri" panose="020F0502020204030204" pitchFamily="34" charset="0"/>
+                <a:cs typeface="Calibri" panose="020F0502020204030204" pitchFamily="34" charset="0"/>
+              </a:rPr>
+              <a:t>erorile</a:t>
+            </a:r>
+            <a:endParaRPr lang="en-US" sz="2800" dirty="0">
+              <a:latin typeface="Calibri" panose="020F0502020204030204" pitchFamily="34" charset="0"/>
+              <a:cs typeface="Calibri" panose="020F0502020204030204" pitchFamily="34" charset="0"/>
+            </a:endParaRPr>
+          </a:p>
+        </p:txBody>
+      </p:sp>
+    </p:spTree>
+    <p:extLst>
+      <p:ext uri="{BB962C8B-B14F-4D97-AF65-F5344CB8AC3E}">
+        <p14:creationId xmlns:p14="http://schemas.microsoft.com/office/powerpoint/2010/main" val="3479397719"/>
+      </p:ext>
+    </p:extLst>
+  </p:cSld>
+  <p:clrMapOvr>
+    <a:masterClrMapping/>
+  </p:clrMapOvr>
+  <p:transition spd="med"/>
+</p:sld>
+</file>
+
+<file path=ppt/slides/slide9.xml><?xml version="1.0" encoding="utf-8"?>
+<p:sld xmlns:a="http://schemas.openxmlformats.org/drawingml/2006/main" xmlns:r="http://schemas.openxmlformats.org/officeDocument/2006/relationships" xmlns:p="http://schemas.openxmlformats.org/presentationml/2006/main">
+  <p:cSld>
+    <p:spTree>
+      <p:nvGrpSpPr>
+        <p:cNvPr id="1" name=""/>
+        <p:cNvGrpSpPr/>
+        <p:nvPr/>
+      </p:nvGrpSpPr>
+      <p:grpSpPr>
+        <a:xfrm>
+          <a:off x="0" y="0"/>
+          <a:ext cx="0" cy="0"/>
+          <a:chOff x="0" y="0"/>
+          <a:chExt cx="0" cy="0"/>
+        </a:xfrm>
+      </p:grpSpPr>
+      <p:sp>
+        <p:nvSpPr>
+          <p:cNvPr id="6" name="TextBox 5">
+            <a:extLst>
+              <a:ext uri="{FF2B5EF4-FFF2-40B4-BE49-F238E27FC236}">
+                <a16:creationId xmlns:a16="http://schemas.microsoft.com/office/drawing/2014/main" id="{2457A9E0-E12D-4FCD-7232-51073BE0578B}"/>
+              </a:ext>
+            </a:extLst>
+          </p:cNvPr>
+          <p:cNvSpPr txBox="1"/>
+          <p:nvPr/>
+        </p:nvSpPr>
+        <p:spPr>
+          <a:xfrm>
+            <a:off x="1014609" y="1070037"/>
+            <a:ext cx="11837096" cy="1015663"/>
+          </a:xfrm>
+          <a:prstGeom prst="rect">
+            <a:avLst/>
+          </a:prstGeom>
+          <a:noFill/>
+        </p:spPr>
+        <p:txBody>
+          <a:bodyPr wrap="square" rtlCol="0">
+            <a:spAutoFit/>
+          </a:bodyPr>
+          <a:lstStyle/>
+          <a:p>
+            <a:r>
+              <a:rPr lang="en-US" sz="6000" dirty="0">
+                <a:latin typeface="Calibri" panose="020F0502020204030204" pitchFamily="34" charset="0"/>
+                <a:cs typeface="Calibri" panose="020F0502020204030204" pitchFamily="34" charset="0"/>
+              </a:rPr>
+              <a:t>Solutia </a:t>
+            </a:r>
+            <a:r>
+              <a:rPr lang="en-US" sz="6000" dirty="0" err="1">
+                <a:latin typeface="Calibri" panose="020F0502020204030204" pitchFamily="34" charset="0"/>
+                <a:cs typeface="Calibri" panose="020F0502020204030204" pitchFamily="34" charset="0"/>
+              </a:rPr>
+              <a:t>propusa</a:t>
+            </a:r>
+            <a:r>
+              <a:rPr lang="en-US" sz="6000" dirty="0">
+                <a:latin typeface="Calibri" panose="020F0502020204030204" pitchFamily="34" charset="0"/>
+                <a:cs typeface="Calibri" panose="020F0502020204030204" pitchFamily="34" charset="0"/>
+              </a:rPr>
+              <a:t>: </a:t>
+            </a:r>
+            <a:r>
+              <a:rPr lang="en-US" sz="6000" dirty="0" err="1">
+                <a:latin typeface="Calibri" panose="020F0502020204030204" pitchFamily="34" charset="0"/>
+                <a:cs typeface="Calibri" panose="020F0502020204030204" pitchFamily="34" charset="0"/>
+              </a:rPr>
+              <a:t>Arhitectura</a:t>
+            </a:r>
+            <a:r>
+              <a:rPr lang="en-US" sz="6000" dirty="0">
+                <a:latin typeface="Calibri" panose="020F0502020204030204" pitchFamily="34" charset="0"/>
+                <a:cs typeface="Calibri" panose="020F0502020204030204" pitchFamily="34" charset="0"/>
+              </a:rPr>
+              <a:t> </a:t>
+            </a:r>
+            <a:r>
+              <a:rPr lang="en-US" sz="6000" dirty="0" err="1">
+                <a:latin typeface="Calibri" panose="020F0502020204030204" pitchFamily="34" charset="0"/>
+                <a:cs typeface="Calibri" panose="020F0502020204030204" pitchFamily="34" charset="0"/>
+              </a:rPr>
+              <a:t>aplicatiei</a:t>
+            </a:r>
+            <a:endParaRPr lang="en-US" sz="6000" dirty="0">
+              <a:latin typeface="Calibri" panose="020F0502020204030204" pitchFamily="34" charset="0"/>
+              <a:cs typeface="Calibri" panose="020F0502020204030204" pitchFamily="34" charset="0"/>
+            </a:endParaRPr>
+          </a:p>
+        </p:txBody>
+      </p:sp>
+      <p:pic>
+        <p:nvPicPr>
+          <p:cNvPr id="7" name="Picture 6">
+            <a:extLst>
+              <a:ext uri="{FF2B5EF4-FFF2-40B4-BE49-F238E27FC236}">
+                <a16:creationId xmlns:a16="http://schemas.microsoft.com/office/drawing/2014/main" id="{0EC23B6C-31C1-710B-C27B-B0830377CD7D}"/>
+              </a:ext>
+            </a:extLst>
+          </p:cNvPr>
+          <p:cNvPicPr>
+            <a:picLocks noChangeAspect="1"/>
+          </p:cNvPicPr>
+          <p:nvPr/>
+        </p:nvPicPr>
+        <p:blipFill>
+          <a:blip r:embed="rId3">
+            <a:extLst>
+              <a:ext uri="{28A0092B-C50C-407E-A947-70E740481C1C}">
+                <a14:useLocalDpi xmlns:a14="http://schemas.microsoft.com/office/drawing/2010/main" val="0"/>
+              </a:ext>
+            </a:extLst>
+          </a:blip>
+          <a:srcRect/>
+          <a:stretch/>
+        </p:blipFill>
+        <p:spPr>
+          <a:xfrm>
+            <a:off x="2066789" y="2085700"/>
+            <a:ext cx="8871221" cy="7416923"/>
+          </a:xfrm>
+          <a:prstGeom prst="rect">
+            <a:avLst/>
+          </a:prstGeom>
+        </p:spPr>
+      </p:pic>
+    </p:spTree>
+    <p:extLst>
+      <p:ext uri="{BB962C8B-B14F-4D97-AF65-F5344CB8AC3E}">
+        <p14:creationId xmlns:p14="http://schemas.microsoft.com/office/powerpoint/2010/main" val="2719252633"/>
       </p:ext>
     </p:extLst>
   </p:cSld>

--- a/files/documentation/presentation/Final_Presentation_Alexandru_Olteanu.pptx
+++ b/files/documentation/presentation/Final_Presentation_Alexandru_Olteanu.pptx
@@ -5,7 +5,7 @@
     <p:sldMasterId id="2147483768" r:id="rId1"/>
   </p:sldMasterIdLst>
   <p:notesMasterIdLst>
-    <p:notesMasterId r:id="rId12"/>
+    <p:notesMasterId r:id="rId19"/>
   </p:notesMasterIdLst>
   <p:sldIdLst>
     <p:sldId id="256" r:id="rId2"/>
@@ -17,7 +17,14 @@
     <p:sldId id="277" r:id="rId8"/>
     <p:sldId id="275" r:id="rId9"/>
     <p:sldId id="276" r:id="rId10"/>
-    <p:sldId id="270" r:id="rId11"/>
+    <p:sldId id="278" r:id="rId11"/>
+    <p:sldId id="279" r:id="rId12"/>
+    <p:sldId id="280" r:id="rId13"/>
+    <p:sldId id="281" r:id="rId14"/>
+    <p:sldId id="282" r:id="rId15"/>
+    <p:sldId id="283" r:id="rId16"/>
+    <p:sldId id="284" r:id="rId17"/>
+    <p:sldId id="270" r:id="rId18"/>
   </p:sldIdLst>
   <p:sldSz cx="13004800" cy="9753600"/>
   <p:notesSz cx="6858000" cy="9144000"/>
@@ -370,6 +377,433 @@
 </p:notes>
 </file>
 
+<file path=ppt/notesSlides/notesSlide10.xml><?xml version="1.0" encoding="utf-8"?>
+<p:notes xmlns:a="http://schemas.openxmlformats.org/drawingml/2006/main" xmlns:r="http://schemas.openxmlformats.org/officeDocument/2006/relationships" xmlns:p="http://schemas.openxmlformats.org/presentationml/2006/main">
+  <p:cSld>
+    <p:spTree>
+      <p:nvGrpSpPr>
+        <p:cNvPr id="1" name=""/>
+        <p:cNvGrpSpPr/>
+        <p:nvPr/>
+      </p:nvGrpSpPr>
+      <p:grpSpPr>
+        <a:xfrm>
+          <a:off x="0" y="0"/>
+          <a:ext cx="0" cy="0"/>
+          <a:chOff x="0" y="0"/>
+          <a:chExt cx="0" cy="0"/>
+        </a:xfrm>
+      </p:grpSpPr>
+      <p:sp>
+        <p:nvSpPr>
+          <p:cNvPr id="2" name="Slide Image Placeholder 1"/>
+          <p:cNvSpPr>
+            <a:spLocks noGrp="1" noRot="1" noChangeAspect="1"/>
+          </p:cNvSpPr>
+          <p:nvPr>
+            <p:ph type="sldImg"/>
+          </p:nvPr>
+        </p:nvSpPr>
+        <p:spPr/>
+      </p:sp>
+      <p:sp>
+        <p:nvSpPr>
+          <p:cNvPr id="3" name="Notes Placeholder 2"/>
+          <p:cNvSpPr>
+            <a:spLocks noGrp="1"/>
+          </p:cNvSpPr>
+          <p:nvPr>
+            <p:ph type="body" idx="1"/>
+          </p:nvPr>
+        </p:nvSpPr>
+        <p:spPr/>
+        <p:txBody>
+          <a:bodyPr/>
+          <a:lstStyle/>
+          <a:p>
+            <a:endParaRPr lang="en-US" dirty="0"/>
+          </a:p>
+        </p:txBody>
+      </p:sp>
+    </p:spTree>
+    <p:extLst>
+      <p:ext uri="{BB962C8B-B14F-4D97-AF65-F5344CB8AC3E}">
+        <p14:creationId xmlns:p14="http://schemas.microsoft.com/office/powerpoint/2010/main" val="141534738"/>
+      </p:ext>
+    </p:extLst>
+  </p:cSld>
+  <p:clrMapOvr>
+    <a:masterClrMapping/>
+  </p:clrMapOvr>
+</p:notes>
+</file>
+
+<file path=ppt/notesSlides/notesSlide11.xml><?xml version="1.0" encoding="utf-8"?>
+<p:notes xmlns:a="http://schemas.openxmlformats.org/drawingml/2006/main" xmlns:r="http://schemas.openxmlformats.org/officeDocument/2006/relationships" xmlns:p="http://schemas.openxmlformats.org/presentationml/2006/main">
+  <p:cSld>
+    <p:spTree>
+      <p:nvGrpSpPr>
+        <p:cNvPr id="1" name=""/>
+        <p:cNvGrpSpPr/>
+        <p:nvPr/>
+      </p:nvGrpSpPr>
+      <p:grpSpPr>
+        <a:xfrm>
+          <a:off x="0" y="0"/>
+          <a:ext cx="0" cy="0"/>
+          <a:chOff x="0" y="0"/>
+          <a:chExt cx="0" cy="0"/>
+        </a:xfrm>
+      </p:grpSpPr>
+      <p:sp>
+        <p:nvSpPr>
+          <p:cNvPr id="2" name="Slide Image Placeholder 1"/>
+          <p:cNvSpPr>
+            <a:spLocks noGrp="1" noRot="1" noChangeAspect="1"/>
+          </p:cNvSpPr>
+          <p:nvPr>
+            <p:ph type="sldImg"/>
+          </p:nvPr>
+        </p:nvSpPr>
+        <p:spPr/>
+      </p:sp>
+      <p:sp>
+        <p:nvSpPr>
+          <p:cNvPr id="3" name="Notes Placeholder 2"/>
+          <p:cNvSpPr>
+            <a:spLocks noGrp="1"/>
+          </p:cNvSpPr>
+          <p:nvPr>
+            <p:ph type="body" idx="1"/>
+          </p:nvPr>
+        </p:nvSpPr>
+        <p:spPr/>
+        <p:txBody>
+          <a:bodyPr/>
+          <a:lstStyle/>
+          <a:p>
+            <a:endParaRPr lang="en-US" dirty="0"/>
+          </a:p>
+        </p:txBody>
+      </p:sp>
+    </p:spTree>
+    <p:extLst>
+      <p:ext uri="{BB962C8B-B14F-4D97-AF65-F5344CB8AC3E}">
+        <p14:creationId xmlns:p14="http://schemas.microsoft.com/office/powerpoint/2010/main" val="2618761939"/>
+      </p:ext>
+    </p:extLst>
+  </p:cSld>
+  <p:clrMapOvr>
+    <a:masterClrMapping/>
+  </p:clrMapOvr>
+</p:notes>
+</file>
+
+<file path=ppt/notesSlides/notesSlide12.xml><?xml version="1.0" encoding="utf-8"?>
+<p:notes xmlns:a="http://schemas.openxmlformats.org/drawingml/2006/main" xmlns:r="http://schemas.openxmlformats.org/officeDocument/2006/relationships" xmlns:p="http://schemas.openxmlformats.org/presentationml/2006/main">
+  <p:cSld>
+    <p:spTree>
+      <p:nvGrpSpPr>
+        <p:cNvPr id="1" name=""/>
+        <p:cNvGrpSpPr/>
+        <p:nvPr/>
+      </p:nvGrpSpPr>
+      <p:grpSpPr>
+        <a:xfrm>
+          <a:off x="0" y="0"/>
+          <a:ext cx="0" cy="0"/>
+          <a:chOff x="0" y="0"/>
+          <a:chExt cx="0" cy="0"/>
+        </a:xfrm>
+      </p:grpSpPr>
+      <p:sp>
+        <p:nvSpPr>
+          <p:cNvPr id="2" name="Slide Image Placeholder 1"/>
+          <p:cNvSpPr>
+            <a:spLocks noGrp="1" noRot="1" noChangeAspect="1"/>
+          </p:cNvSpPr>
+          <p:nvPr>
+            <p:ph type="sldImg"/>
+          </p:nvPr>
+        </p:nvSpPr>
+        <p:spPr/>
+      </p:sp>
+      <p:sp>
+        <p:nvSpPr>
+          <p:cNvPr id="3" name="Notes Placeholder 2"/>
+          <p:cNvSpPr>
+            <a:spLocks noGrp="1"/>
+          </p:cNvSpPr>
+          <p:nvPr>
+            <p:ph type="body" idx="1"/>
+          </p:nvPr>
+        </p:nvSpPr>
+        <p:spPr/>
+        <p:txBody>
+          <a:bodyPr/>
+          <a:lstStyle/>
+          <a:p>
+            <a:endParaRPr lang="en-US" dirty="0"/>
+          </a:p>
+        </p:txBody>
+      </p:sp>
+    </p:spTree>
+    <p:extLst>
+      <p:ext uri="{BB962C8B-B14F-4D97-AF65-F5344CB8AC3E}">
+        <p14:creationId xmlns:p14="http://schemas.microsoft.com/office/powerpoint/2010/main" val="274245621"/>
+      </p:ext>
+    </p:extLst>
+  </p:cSld>
+  <p:clrMapOvr>
+    <a:masterClrMapping/>
+  </p:clrMapOvr>
+</p:notes>
+</file>
+
+<file path=ppt/notesSlides/notesSlide13.xml><?xml version="1.0" encoding="utf-8"?>
+<p:notes xmlns:a="http://schemas.openxmlformats.org/drawingml/2006/main" xmlns:r="http://schemas.openxmlformats.org/officeDocument/2006/relationships" xmlns:p="http://schemas.openxmlformats.org/presentationml/2006/main">
+  <p:cSld>
+    <p:spTree>
+      <p:nvGrpSpPr>
+        <p:cNvPr id="1" name=""/>
+        <p:cNvGrpSpPr/>
+        <p:nvPr/>
+      </p:nvGrpSpPr>
+      <p:grpSpPr>
+        <a:xfrm>
+          <a:off x="0" y="0"/>
+          <a:ext cx="0" cy="0"/>
+          <a:chOff x="0" y="0"/>
+          <a:chExt cx="0" cy="0"/>
+        </a:xfrm>
+      </p:grpSpPr>
+      <p:sp>
+        <p:nvSpPr>
+          <p:cNvPr id="2" name="Slide Image Placeholder 1"/>
+          <p:cNvSpPr>
+            <a:spLocks noGrp="1" noRot="1" noChangeAspect="1"/>
+          </p:cNvSpPr>
+          <p:nvPr>
+            <p:ph type="sldImg"/>
+          </p:nvPr>
+        </p:nvSpPr>
+        <p:spPr/>
+      </p:sp>
+      <p:sp>
+        <p:nvSpPr>
+          <p:cNvPr id="3" name="Notes Placeholder 2"/>
+          <p:cNvSpPr>
+            <a:spLocks noGrp="1"/>
+          </p:cNvSpPr>
+          <p:nvPr>
+            <p:ph type="body" idx="1"/>
+          </p:nvPr>
+        </p:nvSpPr>
+        <p:spPr/>
+        <p:txBody>
+          <a:bodyPr/>
+          <a:lstStyle/>
+          <a:p>
+            <a:endParaRPr lang="en-US" dirty="0"/>
+          </a:p>
+        </p:txBody>
+      </p:sp>
+    </p:spTree>
+    <p:extLst>
+      <p:ext uri="{BB962C8B-B14F-4D97-AF65-F5344CB8AC3E}">
+        <p14:creationId xmlns:p14="http://schemas.microsoft.com/office/powerpoint/2010/main" val="2103589325"/>
+      </p:ext>
+    </p:extLst>
+  </p:cSld>
+  <p:clrMapOvr>
+    <a:masterClrMapping/>
+  </p:clrMapOvr>
+</p:notes>
+</file>
+
+<file path=ppt/notesSlides/notesSlide14.xml><?xml version="1.0" encoding="utf-8"?>
+<p:notes xmlns:a="http://schemas.openxmlformats.org/drawingml/2006/main" xmlns:r="http://schemas.openxmlformats.org/officeDocument/2006/relationships" xmlns:p="http://schemas.openxmlformats.org/presentationml/2006/main">
+  <p:cSld>
+    <p:spTree>
+      <p:nvGrpSpPr>
+        <p:cNvPr id="1" name=""/>
+        <p:cNvGrpSpPr/>
+        <p:nvPr/>
+      </p:nvGrpSpPr>
+      <p:grpSpPr>
+        <a:xfrm>
+          <a:off x="0" y="0"/>
+          <a:ext cx="0" cy="0"/>
+          <a:chOff x="0" y="0"/>
+          <a:chExt cx="0" cy="0"/>
+        </a:xfrm>
+      </p:grpSpPr>
+      <p:sp>
+        <p:nvSpPr>
+          <p:cNvPr id="2" name="Slide Image Placeholder 1"/>
+          <p:cNvSpPr>
+            <a:spLocks noGrp="1" noRot="1" noChangeAspect="1"/>
+          </p:cNvSpPr>
+          <p:nvPr>
+            <p:ph type="sldImg"/>
+          </p:nvPr>
+        </p:nvSpPr>
+        <p:spPr/>
+      </p:sp>
+      <p:sp>
+        <p:nvSpPr>
+          <p:cNvPr id="3" name="Notes Placeholder 2"/>
+          <p:cNvSpPr>
+            <a:spLocks noGrp="1"/>
+          </p:cNvSpPr>
+          <p:nvPr>
+            <p:ph type="body" idx="1"/>
+          </p:nvPr>
+        </p:nvSpPr>
+        <p:spPr/>
+        <p:txBody>
+          <a:bodyPr/>
+          <a:lstStyle/>
+          <a:p>
+            <a:endParaRPr lang="en-US" dirty="0"/>
+          </a:p>
+        </p:txBody>
+      </p:sp>
+    </p:spTree>
+    <p:extLst>
+      <p:ext uri="{BB962C8B-B14F-4D97-AF65-F5344CB8AC3E}">
+        <p14:creationId xmlns:p14="http://schemas.microsoft.com/office/powerpoint/2010/main" val="2294674809"/>
+      </p:ext>
+    </p:extLst>
+  </p:cSld>
+  <p:clrMapOvr>
+    <a:masterClrMapping/>
+  </p:clrMapOvr>
+</p:notes>
+</file>
+
+<file path=ppt/notesSlides/notesSlide15.xml><?xml version="1.0" encoding="utf-8"?>
+<p:notes xmlns:a="http://schemas.openxmlformats.org/drawingml/2006/main" xmlns:r="http://schemas.openxmlformats.org/officeDocument/2006/relationships" xmlns:p="http://schemas.openxmlformats.org/presentationml/2006/main">
+  <p:cSld>
+    <p:spTree>
+      <p:nvGrpSpPr>
+        <p:cNvPr id="1" name=""/>
+        <p:cNvGrpSpPr/>
+        <p:nvPr/>
+      </p:nvGrpSpPr>
+      <p:grpSpPr>
+        <a:xfrm>
+          <a:off x="0" y="0"/>
+          <a:ext cx="0" cy="0"/>
+          <a:chOff x="0" y="0"/>
+          <a:chExt cx="0" cy="0"/>
+        </a:xfrm>
+      </p:grpSpPr>
+      <p:sp>
+        <p:nvSpPr>
+          <p:cNvPr id="2" name="Slide Image Placeholder 1"/>
+          <p:cNvSpPr>
+            <a:spLocks noGrp="1" noRot="1" noChangeAspect="1"/>
+          </p:cNvSpPr>
+          <p:nvPr>
+            <p:ph type="sldImg"/>
+          </p:nvPr>
+        </p:nvSpPr>
+        <p:spPr/>
+      </p:sp>
+      <p:sp>
+        <p:nvSpPr>
+          <p:cNvPr id="3" name="Notes Placeholder 2"/>
+          <p:cNvSpPr>
+            <a:spLocks noGrp="1"/>
+          </p:cNvSpPr>
+          <p:nvPr>
+            <p:ph type="body" idx="1"/>
+          </p:nvPr>
+        </p:nvSpPr>
+        <p:spPr/>
+        <p:txBody>
+          <a:bodyPr/>
+          <a:lstStyle/>
+          <a:p>
+            <a:endParaRPr lang="en-US" dirty="0"/>
+          </a:p>
+        </p:txBody>
+      </p:sp>
+    </p:spTree>
+    <p:extLst>
+      <p:ext uri="{BB962C8B-B14F-4D97-AF65-F5344CB8AC3E}">
+        <p14:creationId xmlns:p14="http://schemas.microsoft.com/office/powerpoint/2010/main" val="3696030077"/>
+      </p:ext>
+    </p:extLst>
+  </p:cSld>
+  <p:clrMapOvr>
+    <a:masterClrMapping/>
+  </p:clrMapOvr>
+</p:notes>
+</file>
+
+<file path=ppt/notesSlides/notesSlide16.xml><?xml version="1.0" encoding="utf-8"?>
+<p:notes xmlns:a="http://schemas.openxmlformats.org/drawingml/2006/main" xmlns:r="http://schemas.openxmlformats.org/officeDocument/2006/relationships" xmlns:p="http://schemas.openxmlformats.org/presentationml/2006/main">
+  <p:cSld>
+    <p:spTree>
+      <p:nvGrpSpPr>
+        <p:cNvPr id="1" name=""/>
+        <p:cNvGrpSpPr/>
+        <p:nvPr/>
+      </p:nvGrpSpPr>
+      <p:grpSpPr>
+        <a:xfrm>
+          <a:off x="0" y="0"/>
+          <a:ext cx="0" cy="0"/>
+          <a:chOff x="0" y="0"/>
+          <a:chExt cx="0" cy="0"/>
+        </a:xfrm>
+      </p:grpSpPr>
+      <p:sp>
+        <p:nvSpPr>
+          <p:cNvPr id="2" name="Slide Image Placeholder 1"/>
+          <p:cNvSpPr>
+            <a:spLocks noGrp="1" noRot="1" noChangeAspect="1"/>
+          </p:cNvSpPr>
+          <p:nvPr>
+            <p:ph type="sldImg"/>
+          </p:nvPr>
+        </p:nvSpPr>
+        <p:spPr/>
+      </p:sp>
+      <p:sp>
+        <p:nvSpPr>
+          <p:cNvPr id="3" name="Notes Placeholder 2"/>
+          <p:cNvSpPr>
+            <a:spLocks noGrp="1"/>
+          </p:cNvSpPr>
+          <p:nvPr>
+            <p:ph type="body" idx="1"/>
+          </p:nvPr>
+        </p:nvSpPr>
+        <p:spPr/>
+        <p:txBody>
+          <a:bodyPr/>
+          <a:lstStyle/>
+          <a:p>
+            <a:endParaRPr lang="en-US" dirty="0"/>
+          </a:p>
+        </p:txBody>
+      </p:sp>
+    </p:spTree>
+    <p:extLst>
+      <p:ext uri="{BB962C8B-B14F-4D97-AF65-F5344CB8AC3E}">
+        <p14:creationId xmlns:p14="http://schemas.microsoft.com/office/powerpoint/2010/main" val="4213437082"/>
+      </p:ext>
+    </p:extLst>
+  </p:cSld>
+  <p:clrMapOvr>
+    <a:masterClrMapping/>
+  </p:clrMapOvr>
+</p:notes>
+</file>
+
 <file path=ppt/notesSlides/notesSlide2.xml><?xml version="1.0" encoding="utf-8"?>
 <p:notes xmlns:a="http://schemas.openxmlformats.org/drawingml/2006/main" xmlns:r="http://schemas.openxmlformats.org/officeDocument/2006/relationships" xmlns:p="http://schemas.openxmlformats.org/presentationml/2006/main">
   <p:cSld>
@@ -848,7 +1282,7 @@
     </p:spTree>
     <p:extLst>
       <p:ext uri="{BB962C8B-B14F-4D97-AF65-F5344CB8AC3E}">
-        <p14:creationId xmlns:p14="http://schemas.microsoft.com/office/powerpoint/2010/main" val="4213437082"/>
+        <p14:creationId xmlns:p14="http://schemas.microsoft.com/office/powerpoint/2010/main" val="1861449006"/>
       </p:ext>
     </p:extLst>
   </p:cSld>
@@ -4878,6 +5312,1430 @@
       </p:grpSpPr>
       <p:sp>
         <p:nvSpPr>
+          <p:cNvPr id="6" name="TextBox 5">
+            <a:extLst>
+              <a:ext uri="{FF2B5EF4-FFF2-40B4-BE49-F238E27FC236}">
+                <a16:creationId xmlns:a16="http://schemas.microsoft.com/office/drawing/2014/main" id="{2457A9E0-E12D-4FCD-7232-51073BE0578B}"/>
+              </a:ext>
+            </a:extLst>
+          </p:cNvPr>
+          <p:cNvSpPr txBox="1"/>
+          <p:nvPr/>
+        </p:nvSpPr>
+        <p:spPr>
+          <a:xfrm>
+            <a:off x="1866379" y="1070037"/>
+            <a:ext cx="10835014" cy="1015663"/>
+          </a:xfrm>
+          <a:prstGeom prst="rect">
+            <a:avLst/>
+          </a:prstGeom>
+          <a:noFill/>
+        </p:spPr>
+        <p:txBody>
+          <a:bodyPr wrap="square" rtlCol="0">
+            <a:spAutoFit/>
+          </a:bodyPr>
+          <a:lstStyle/>
+          <a:p>
+            <a:pPr algn="r"/>
+            <a:r>
+              <a:rPr lang="en-US" sz="6000" dirty="0">
+                <a:latin typeface="Calibri" panose="020F0502020204030204" pitchFamily="34" charset="0"/>
+                <a:cs typeface="Calibri" panose="020F0502020204030204" pitchFamily="34" charset="0"/>
+              </a:rPr>
+              <a:t>Solutia </a:t>
+            </a:r>
+            <a:r>
+              <a:rPr lang="en-US" sz="6000" dirty="0" err="1">
+                <a:latin typeface="Calibri" panose="020F0502020204030204" pitchFamily="34" charset="0"/>
+                <a:cs typeface="Calibri" panose="020F0502020204030204" pitchFamily="34" charset="0"/>
+              </a:rPr>
+              <a:t>propusa</a:t>
+            </a:r>
+            <a:r>
+              <a:rPr lang="en-US" sz="6000" dirty="0">
+                <a:latin typeface="Calibri" panose="020F0502020204030204" pitchFamily="34" charset="0"/>
+                <a:cs typeface="Calibri" panose="020F0502020204030204" pitchFamily="34" charset="0"/>
+              </a:rPr>
+              <a:t>: Securitate</a:t>
+            </a:r>
+          </a:p>
+        </p:txBody>
+      </p:sp>
+      <p:sp>
+        <p:nvSpPr>
+          <p:cNvPr id="3" name="TextBox 2">
+            <a:extLst>
+              <a:ext uri="{FF2B5EF4-FFF2-40B4-BE49-F238E27FC236}">
+                <a16:creationId xmlns:a16="http://schemas.microsoft.com/office/drawing/2014/main" id="{3FE03A3A-7F92-EA69-4319-057CE6AD51B1}"/>
+              </a:ext>
+            </a:extLst>
+          </p:cNvPr>
+          <p:cNvSpPr txBox="1"/>
+          <p:nvPr/>
+        </p:nvSpPr>
+        <p:spPr>
+          <a:xfrm>
+            <a:off x="789140" y="2891641"/>
+            <a:ext cx="8229600" cy="3970318"/>
+          </a:xfrm>
+          <a:prstGeom prst="rect">
+            <a:avLst/>
+          </a:prstGeom>
+          <a:noFill/>
+        </p:spPr>
+        <p:txBody>
+          <a:bodyPr wrap="square" rtlCol="0">
+            <a:spAutoFit/>
+          </a:bodyPr>
+          <a:lstStyle/>
+          <a:p>
+            <a:pPr marL="285750" indent="-285750">
+              <a:buFont typeface="Arial" panose="020B0604020202020204" pitchFamily="34" charset="0"/>
+              <a:buChar char="•"/>
+            </a:pPr>
+            <a:r>
+              <a:rPr lang="en-US" sz="2800" dirty="0" err="1">
+                <a:latin typeface="Calibri" panose="020F0502020204030204" pitchFamily="34" charset="0"/>
+                <a:cs typeface="Calibri" panose="020F0502020204030204" pitchFamily="34" charset="0"/>
+              </a:rPr>
+              <a:t>Accesul</a:t>
+            </a:r>
+            <a:r>
+              <a:rPr lang="en-US" sz="2800" dirty="0">
+                <a:latin typeface="Calibri" panose="020F0502020204030204" pitchFamily="34" charset="0"/>
+                <a:cs typeface="Calibri" panose="020F0502020204030204" pitchFamily="34" charset="0"/>
+              </a:rPr>
+              <a:t> la </a:t>
+            </a:r>
+            <a:r>
+              <a:rPr lang="en-US" sz="2800" dirty="0" err="1">
+                <a:latin typeface="Calibri" panose="020F0502020204030204" pitchFamily="34" charset="0"/>
+                <a:cs typeface="Calibri" panose="020F0502020204030204" pitchFamily="34" charset="0"/>
+              </a:rPr>
+              <a:t>anumite</a:t>
+            </a:r>
+            <a:r>
+              <a:rPr lang="en-US" sz="2800" dirty="0">
+                <a:latin typeface="Calibri" panose="020F0502020204030204" pitchFamily="34" charset="0"/>
+                <a:cs typeface="Calibri" panose="020F0502020204030204" pitchFamily="34" charset="0"/>
+              </a:rPr>
+              <a:t> </a:t>
+            </a:r>
+            <a:r>
+              <a:rPr lang="en-US" sz="2800" dirty="0" err="1">
+                <a:latin typeface="Calibri" panose="020F0502020204030204" pitchFamily="34" charset="0"/>
+                <a:cs typeface="Calibri" panose="020F0502020204030204" pitchFamily="34" charset="0"/>
+              </a:rPr>
+              <a:t>resurse</a:t>
+            </a:r>
+            <a:r>
+              <a:rPr lang="en-US" sz="2800" dirty="0">
+                <a:latin typeface="Calibri" panose="020F0502020204030204" pitchFamily="34" charset="0"/>
+                <a:cs typeface="Calibri" panose="020F0502020204030204" pitchFamily="34" charset="0"/>
+              </a:rPr>
+              <a:t> ale </a:t>
+            </a:r>
+            <a:r>
+              <a:rPr lang="en-US" sz="2800" dirty="0" err="1">
+                <a:latin typeface="Calibri" panose="020F0502020204030204" pitchFamily="34" charset="0"/>
+                <a:cs typeface="Calibri" panose="020F0502020204030204" pitchFamily="34" charset="0"/>
+              </a:rPr>
+              <a:t>aplicatiei</a:t>
+            </a:r>
+            <a:r>
+              <a:rPr lang="en-US" sz="2800" dirty="0">
+                <a:latin typeface="Calibri" panose="020F0502020204030204" pitchFamily="34" charset="0"/>
+                <a:cs typeface="Calibri" panose="020F0502020204030204" pitchFamily="34" charset="0"/>
+              </a:rPr>
+              <a:t> pot fi </a:t>
+            </a:r>
+            <a:r>
+              <a:rPr lang="en-US" sz="2800" dirty="0" err="1">
+                <a:latin typeface="Calibri" panose="020F0502020204030204" pitchFamily="34" charset="0"/>
+                <a:cs typeface="Calibri" panose="020F0502020204030204" pitchFamily="34" charset="0"/>
+              </a:rPr>
+              <a:t>facute</a:t>
+            </a:r>
+            <a:r>
+              <a:rPr lang="en-US" sz="2800" dirty="0">
+                <a:latin typeface="Calibri" panose="020F0502020204030204" pitchFamily="34" charset="0"/>
+                <a:cs typeface="Calibri" panose="020F0502020204030204" pitchFamily="34" charset="0"/>
+              </a:rPr>
+              <a:t> </a:t>
+            </a:r>
+            <a:r>
+              <a:rPr lang="en-US" sz="2800" dirty="0" err="1">
+                <a:latin typeface="Calibri" panose="020F0502020204030204" pitchFamily="34" charset="0"/>
+                <a:cs typeface="Calibri" panose="020F0502020204030204" pitchFamily="34" charset="0"/>
+              </a:rPr>
+              <a:t>doar</a:t>
+            </a:r>
+            <a:r>
+              <a:rPr lang="en-US" sz="2800" dirty="0">
+                <a:latin typeface="Calibri" panose="020F0502020204030204" pitchFamily="34" charset="0"/>
+                <a:cs typeface="Calibri" panose="020F0502020204030204" pitchFamily="34" charset="0"/>
+              </a:rPr>
+              <a:t> de </a:t>
+            </a:r>
+            <a:r>
+              <a:rPr lang="en-US" sz="2800" dirty="0" err="1">
+                <a:latin typeface="Calibri" panose="020F0502020204030204" pitchFamily="34" charset="0"/>
+                <a:cs typeface="Calibri" panose="020F0502020204030204" pitchFamily="34" charset="0"/>
+              </a:rPr>
+              <a:t>utilizatorii</a:t>
+            </a:r>
+            <a:r>
+              <a:rPr lang="en-US" sz="2800" dirty="0">
+                <a:latin typeface="Calibri" panose="020F0502020204030204" pitchFamily="34" charset="0"/>
+                <a:cs typeface="Calibri" panose="020F0502020204030204" pitchFamily="34" charset="0"/>
+              </a:rPr>
+              <a:t> cu un </a:t>
+            </a:r>
+            <a:r>
+              <a:rPr lang="en-US" sz="2800" dirty="0" err="1">
+                <a:latin typeface="Calibri" panose="020F0502020204030204" pitchFamily="34" charset="0"/>
+                <a:cs typeface="Calibri" panose="020F0502020204030204" pitchFamily="34" charset="0"/>
+              </a:rPr>
+              <a:t>rol</a:t>
+            </a:r>
+            <a:r>
+              <a:rPr lang="en-US" sz="2800" dirty="0">
+                <a:latin typeface="Calibri" panose="020F0502020204030204" pitchFamily="34" charset="0"/>
+                <a:cs typeface="Calibri" panose="020F0502020204030204" pitchFamily="34" charset="0"/>
+              </a:rPr>
+              <a:t> specific</a:t>
+            </a:r>
+          </a:p>
+          <a:p>
+            <a:pPr marL="285750" indent="-285750">
+              <a:buFont typeface="Arial" panose="020B0604020202020204" pitchFamily="34" charset="0"/>
+              <a:buChar char="•"/>
+            </a:pPr>
+            <a:r>
+              <a:rPr lang="en-US" sz="2800" dirty="0">
+                <a:latin typeface="Calibri" panose="020F0502020204030204" pitchFamily="34" charset="0"/>
+                <a:cs typeface="Calibri" panose="020F0502020204030204" pitchFamily="34" charset="0"/>
+              </a:rPr>
+              <a:t>Parola </a:t>
+            </a:r>
+            <a:r>
+              <a:rPr lang="en-US" sz="2800" dirty="0" err="1">
+                <a:latin typeface="Calibri" panose="020F0502020204030204" pitchFamily="34" charset="0"/>
+                <a:cs typeface="Calibri" panose="020F0502020204030204" pitchFamily="34" charset="0"/>
+              </a:rPr>
+              <a:t>utilizatorului</a:t>
+            </a:r>
+            <a:r>
+              <a:rPr lang="en-US" sz="2800" dirty="0">
+                <a:latin typeface="Calibri" panose="020F0502020204030204" pitchFamily="34" charset="0"/>
+                <a:cs typeface="Calibri" panose="020F0502020204030204" pitchFamily="34" charset="0"/>
+              </a:rPr>
+              <a:t> </a:t>
+            </a:r>
+            <a:r>
+              <a:rPr lang="en-US" sz="2800" dirty="0" err="1">
+                <a:latin typeface="Calibri" panose="020F0502020204030204" pitchFamily="34" charset="0"/>
+                <a:cs typeface="Calibri" panose="020F0502020204030204" pitchFamily="34" charset="0"/>
+              </a:rPr>
+              <a:t>este</a:t>
+            </a:r>
+            <a:r>
+              <a:rPr lang="en-US" sz="2800" dirty="0">
+                <a:latin typeface="Calibri" panose="020F0502020204030204" pitchFamily="34" charset="0"/>
+                <a:cs typeface="Calibri" panose="020F0502020204030204" pitchFamily="34" charset="0"/>
+              </a:rPr>
+              <a:t> </a:t>
+            </a:r>
+            <a:r>
+              <a:rPr lang="en-US" sz="2800" dirty="0" err="1">
+                <a:latin typeface="Calibri" panose="020F0502020204030204" pitchFamily="34" charset="0"/>
+                <a:cs typeface="Calibri" panose="020F0502020204030204" pitchFamily="34" charset="0"/>
+              </a:rPr>
+              <a:t>hashuita</a:t>
+            </a:r>
+            <a:r>
+              <a:rPr lang="en-US" sz="2800" dirty="0">
+                <a:latin typeface="Calibri" panose="020F0502020204030204" pitchFamily="34" charset="0"/>
+                <a:cs typeface="Calibri" panose="020F0502020204030204" pitchFamily="34" charset="0"/>
+              </a:rPr>
+              <a:t> cu </a:t>
+            </a:r>
+            <a:r>
+              <a:rPr lang="en-US" sz="2800" dirty="0" err="1">
+                <a:latin typeface="Calibri" panose="020F0502020204030204" pitchFamily="34" charset="0"/>
+                <a:cs typeface="Calibri" panose="020F0502020204030204" pitchFamily="34" charset="0"/>
+              </a:rPr>
+              <a:t>algoritmul</a:t>
+            </a:r>
+            <a:r>
+              <a:rPr lang="en-US" sz="2800" dirty="0">
+                <a:latin typeface="Calibri" panose="020F0502020204030204" pitchFamily="34" charset="0"/>
+                <a:cs typeface="Calibri" panose="020F0502020204030204" pitchFamily="34" charset="0"/>
+              </a:rPr>
+              <a:t> </a:t>
+            </a:r>
+            <a:r>
+              <a:rPr lang="en-US" sz="2800" dirty="0" err="1">
+                <a:latin typeface="Calibri" panose="020F0502020204030204" pitchFamily="34" charset="0"/>
+                <a:cs typeface="Calibri" panose="020F0502020204030204" pitchFamily="34" charset="0"/>
+              </a:rPr>
+              <a:t>Bcrypt</a:t>
+            </a:r>
+            <a:r>
+              <a:rPr lang="en-US" sz="2800" dirty="0">
+                <a:latin typeface="Calibri" panose="020F0502020204030204" pitchFamily="34" charset="0"/>
+                <a:cs typeface="Calibri" panose="020F0502020204030204" pitchFamily="34" charset="0"/>
+              </a:rPr>
+              <a:t> </a:t>
+            </a:r>
+            <a:r>
+              <a:rPr lang="en-US" sz="2800" dirty="0" err="1">
+                <a:latin typeface="Calibri" panose="020F0502020204030204" pitchFamily="34" charset="0"/>
+                <a:cs typeface="Calibri" panose="020F0502020204030204" pitchFamily="34" charset="0"/>
+              </a:rPr>
+              <a:t>ce</a:t>
+            </a:r>
+            <a:r>
+              <a:rPr lang="en-US" sz="2800" dirty="0">
+                <a:latin typeface="Calibri" panose="020F0502020204030204" pitchFamily="34" charset="0"/>
+                <a:cs typeface="Calibri" panose="020F0502020204030204" pitchFamily="34" charset="0"/>
+              </a:rPr>
+              <a:t> face </a:t>
+            </a:r>
+            <a:r>
+              <a:rPr lang="en-US" sz="2800" dirty="0" err="1">
+                <a:latin typeface="Calibri" panose="020F0502020204030204" pitchFamily="34" charset="0"/>
+                <a:cs typeface="Calibri" panose="020F0502020204030204" pitchFamily="34" charset="0"/>
+              </a:rPr>
+              <a:t>aproape</a:t>
+            </a:r>
+            <a:r>
+              <a:rPr lang="en-US" sz="2800" dirty="0">
+                <a:latin typeface="Calibri" panose="020F0502020204030204" pitchFamily="34" charset="0"/>
+                <a:cs typeface="Calibri" panose="020F0502020204030204" pitchFamily="34" charset="0"/>
+              </a:rPr>
+              <a:t> </a:t>
+            </a:r>
+            <a:r>
+              <a:rPr lang="en-US" sz="2800" dirty="0" err="1">
+                <a:latin typeface="Calibri" panose="020F0502020204030204" pitchFamily="34" charset="0"/>
+                <a:cs typeface="Calibri" panose="020F0502020204030204" pitchFamily="34" charset="0"/>
+              </a:rPr>
+              <a:t>imposibil</a:t>
+            </a:r>
+            <a:r>
+              <a:rPr lang="en-US" sz="2800" dirty="0">
+                <a:latin typeface="Calibri" panose="020F0502020204030204" pitchFamily="34" charset="0"/>
+                <a:cs typeface="Calibri" panose="020F0502020204030204" pitchFamily="34" charset="0"/>
+              </a:rPr>
+              <a:t> </a:t>
+            </a:r>
+            <a:r>
+              <a:rPr lang="en-US" sz="2800" dirty="0" err="1">
+                <a:latin typeface="Calibri" panose="020F0502020204030204" pitchFamily="34" charset="0"/>
+                <a:cs typeface="Calibri" panose="020F0502020204030204" pitchFamily="34" charset="0"/>
+              </a:rPr>
+              <a:t>accesul</a:t>
+            </a:r>
+            <a:r>
+              <a:rPr lang="en-US" sz="2800" dirty="0">
+                <a:latin typeface="Calibri" panose="020F0502020204030204" pitchFamily="34" charset="0"/>
+                <a:cs typeface="Calibri" panose="020F0502020204030204" pitchFamily="34" charset="0"/>
+              </a:rPr>
+              <a:t> </a:t>
+            </a:r>
+            <a:r>
+              <a:rPr lang="en-US" sz="2800" dirty="0" err="1">
+                <a:latin typeface="Calibri" panose="020F0502020204030204" pitchFamily="34" charset="0"/>
+                <a:cs typeface="Calibri" panose="020F0502020204030204" pitchFamily="34" charset="0"/>
+              </a:rPr>
+              <a:t>neautorizat</a:t>
+            </a:r>
+            <a:endParaRPr lang="en-US" sz="2800" dirty="0">
+              <a:latin typeface="Calibri" panose="020F0502020204030204" pitchFamily="34" charset="0"/>
+              <a:cs typeface="Calibri" panose="020F0502020204030204" pitchFamily="34" charset="0"/>
+            </a:endParaRPr>
+          </a:p>
+          <a:p>
+            <a:pPr marL="285750" indent="-285750">
+              <a:buFont typeface="Arial" panose="020B0604020202020204" pitchFamily="34" charset="0"/>
+              <a:buChar char="•"/>
+            </a:pPr>
+            <a:r>
+              <a:rPr lang="en-US" sz="2800" dirty="0" err="1">
+                <a:latin typeface="Calibri" panose="020F0502020204030204" pitchFamily="34" charset="0"/>
+                <a:cs typeface="Calibri" panose="020F0502020204030204" pitchFamily="34" charset="0"/>
+              </a:rPr>
+              <a:t>Mesajele</a:t>
+            </a:r>
+            <a:r>
+              <a:rPr lang="en-US" sz="2800" dirty="0">
+                <a:latin typeface="Calibri" panose="020F0502020204030204" pitchFamily="34" charset="0"/>
+                <a:cs typeface="Calibri" panose="020F0502020204030204" pitchFamily="34" charset="0"/>
+              </a:rPr>
+              <a:t> </a:t>
+            </a:r>
+            <a:r>
+              <a:rPr lang="en-US" sz="2800" dirty="0" err="1">
+                <a:latin typeface="Calibri" panose="020F0502020204030204" pitchFamily="34" charset="0"/>
+                <a:cs typeface="Calibri" panose="020F0502020204030204" pitchFamily="34" charset="0"/>
+              </a:rPr>
+              <a:t>utilizatorilor</a:t>
+            </a:r>
+            <a:r>
+              <a:rPr lang="en-US" sz="2800" dirty="0">
+                <a:latin typeface="Calibri" panose="020F0502020204030204" pitchFamily="34" charset="0"/>
+                <a:cs typeface="Calibri" panose="020F0502020204030204" pitchFamily="34" charset="0"/>
+              </a:rPr>
+              <a:t> </a:t>
+            </a:r>
+            <a:r>
+              <a:rPr lang="en-US" sz="2800" dirty="0" err="1">
+                <a:latin typeface="Calibri" panose="020F0502020204030204" pitchFamily="34" charset="0"/>
+                <a:cs typeface="Calibri" panose="020F0502020204030204" pitchFamily="34" charset="0"/>
+              </a:rPr>
+              <a:t>si</a:t>
+            </a:r>
+            <a:r>
+              <a:rPr lang="en-US" sz="2800" dirty="0">
+                <a:latin typeface="Calibri" panose="020F0502020204030204" pitchFamily="34" charset="0"/>
+                <a:cs typeface="Calibri" panose="020F0502020204030204" pitchFamily="34" charset="0"/>
+              </a:rPr>
+              <a:t> </a:t>
+            </a:r>
+            <a:r>
+              <a:rPr lang="en-US" sz="2800" dirty="0" err="1">
+                <a:latin typeface="Calibri" panose="020F0502020204030204" pitchFamily="34" charset="0"/>
+                <a:cs typeface="Calibri" panose="020F0502020204030204" pitchFamily="34" charset="0"/>
+              </a:rPr>
+              <a:t>orice</a:t>
+            </a:r>
+            <a:r>
+              <a:rPr lang="en-US" sz="2800" dirty="0">
+                <a:latin typeface="Calibri" panose="020F0502020204030204" pitchFamily="34" charset="0"/>
+                <a:cs typeface="Calibri" panose="020F0502020204030204" pitchFamily="34" charset="0"/>
+              </a:rPr>
+              <a:t> </a:t>
+            </a:r>
+            <a:r>
+              <a:rPr lang="en-US" sz="2800" dirty="0" err="1">
+                <a:latin typeface="Calibri" panose="020F0502020204030204" pitchFamily="34" charset="0"/>
+                <a:cs typeface="Calibri" panose="020F0502020204030204" pitchFamily="34" charset="0"/>
+              </a:rPr>
+              <a:t>alte</a:t>
+            </a:r>
+            <a:r>
+              <a:rPr lang="en-US" sz="2800" dirty="0">
+                <a:latin typeface="Calibri" panose="020F0502020204030204" pitchFamily="34" charset="0"/>
+                <a:cs typeface="Calibri" panose="020F0502020204030204" pitchFamily="34" charset="0"/>
+              </a:rPr>
+              <a:t> date private sunt </a:t>
+            </a:r>
+            <a:r>
+              <a:rPr lang="en-US" sz="2800" dirty="0" err="1">
+                <a:latin typeface="Calibri" panose="020F0502020204030204" pitchFamily="34" charset="0"/>
+                <a:cs typeface="Calibri" panose="020F0502020204030204" pitchFamily="34" charset="0"/>
+              </a:rPr>
+              <a:t>criptate</a:t>
+            </a:r>
+            <a:r>
+              <a:rPr lang="en-US" sz="2800" dirty="0">
+                <a:latin typeface="Calibri" panose="020F0502020204030204" pitchFamily="34" charset="0"/>
+                <a:cs typeface="Calibri" panose="020F0502020204030204" pitchFamily="34" charset="0"/>
+              </a:rPr>
+              <a:t>.</a:t>
+            </a:r>
+          </a:p>
+          <a:p>
+            <a:pPr marL="285750" indent="-285750">
+              <a:buFont typeface="Arial" panose="020B0604020202020204" pitchFamily="34" charset="0"/>
+              <a:buChar char="•"/>
+            </a:pPr>
+            <a:r>
+              <a:rPr lang="en-US" sz="2800" dirty="0" err="1">
+                <a:latin typeface="Calibri" panose="020F0502020204030204" pitchFamily="34" charset="0"/>
+                <a:cs typeface="Calibri" panose="020F0502020204030204" pitchFamily="34" charset="0"/>
+              </a:rPr>
+              <a:t>Backendul</a:t>
+            </a:r>
+            <a:r>
+              <a:rPr lang="en-US" sz="2800" dirty="0">
+                <a:latin typeface="Calibri" panose="020F0502020204030204" pitchFamily="34" charset="0"/>
+                <a:cs typeface="Calibri" panose="020F0502020204030204" pitchFamily="34" charset="0"/>
+              </a:rPr>
+              <a:t> </a:t>
+            </a:r>
+            <a:r>
+              <a:rPr lang="en-US" sz="2800" dirty="0">
+                <a:solidFill>
+                  <a:srgbClr val="FF0000"/>
+                </a:solidFill>
+                <a:latin typeface="Calibri" panose="020F0502020204030204" pitchFamily="34" charset="0"/>
+                <a:cs typeface="Calibri" panose="020F0502020204030204" pitchFamily="34" charset="0"/>
+              </a:rPr>
+              <a:t>NU </a:t>
+            </a:r>
+            <a:r>
+              <a:rPr lang="en-US" sz="2800" dirty="0" err="1">
+                <a:latin typeface="Calibri" panose="020F0502020204030204" pitchFamily="34" charset="0"/>
+                <a:cs typeface="Calibri" panose="020F0502020204030204" pitchFamily="34" charset="0"/>
+              </a:rPr>
+              <a:t>ofera</a:t>
+            </a:r>
+            <a:r>
+              <a:rPr lang="en-US" sz="2800" dirty="0">
+                <a:latin typeface="Calibri" panose="020F0502020204030204" pitchFamily="34" charset="0"/>
+                <a:cs typeface="Calibri" panose="020F0502020204030204" pitchFamily="34" charset="0"/>
+              </a:rPr>
+              <a:t> </a:t>
+            </a:r>
+            <a:r>
+              <a:rPr lang="en-US" sz="2800" dirty="0" err="1">
+                <a:latin typeface="Calibri" panose="020F0502020204030204" pitchFamily="34" charset="0"/>
+                <a:cs typeface="Calibri" panose="020F0502020204030204" pitchFamily="34" charset="0"/>
+              </a:rPr>
+              <a:t>incredere</a:t>
+            </a:r>
+            <a:r>
+              <a:rPr lang="en-US" sz="2800" dirty="0">
+                <a:latin typeface="Calibri" panose="020F0502020204030204" pitchFamily="34" charset="0"/>
+                <a:cs typeface="Calibri" panose="020F0502020204030204" pitchFamily="34" charset="0"/>
+              </a:rPr>
+              <a:t> </a:t>
+            </a:r>
+            <a:r>
+              <a:rPr lang="en-US" sz="2800" dirty="0" err="1">
+                <a:latin typeface="Calibri" panose="020F0502020204030204" pitchFamily="34" charset="0"/>
+                <a:cs typeface="Calibri" panose="020F0502020204030204" pitchFamily="34" charset="0"/>
+              </a:rPr>
+              <a:t>clientilor</a:t>
+            </a:r>
+            <a:r>
+              <a:rPr lang="en-US" sz="2800" dirty="0">
+                <a:latin typeface="Calibri" panose="020F0502020204030204" pitchFamily="34" charset="0"/>
+                <a:cs typeface="Calibri" panose="020F0502020204030204" pitchFamily="34" charset="0"/>
+              </a:rPr>
+              <a:t>, </a:t>
+            </a:r>
+            <a:r>
+              <a:rPr lang="en-US" sz="2800" dirty="0" err="1">
+                <a:latin typeface="Calibri" panose="020F0502020204030204" pitchFamily="34" charset="0"/>
+                <a:cs typeface="Calibri" panose="020F0502020204030204" pitchFamily="34" charset="0"/>
+              </a:rPr>
+              <a:t>identitatea</a:t>
+            </a:r>
+            <a:r>
+              <a:rPr lang="en-US" sz="2800" dirty="0">
+                <a:latin typeface="Calibri" panose="020F0502020204030204" pitchFamily="34" charset="0"/>
+                <a:cs typeface="Calibri" panose="020F0502020204030204" pitchFamily="34" charset="0"/>
+              </a:rPr>
+              <a:t> </a:t>
+            </a:r>
+            <a:r>
+              <a:rPr lang="en-US" sz="2800" dirty="0" err="1">
+                <a:latin typeface="Calibri" panose="020F0502020204030204" pitchFamily="34" charset="0"/>
+                <a:cs typeface="Calibri" panose="020F0502020204030204" pitchFamily="34" charset="0"/>
+              </a:rPr>
+              <a:t>utilizatorului</a:t>
+            </a:r>
+            <a:r>
+              <a:rPr lang="en-US" sz="2800" dirty="0">
+                <a:latin typeface="Calibri" panose="020F0502020204030204" pitchFamily="34" charset="0"/>
+                <a:cs typeface="Calibri" panose="020F0502020204030204" pitchFamily="34" charset="0"/>
+              </a:rPr>
+              <a:t> </a:t>
+            </a:r>
+            <a:r>
+              <a:rPr lang="en-US" sz="2800" dirty="0" err="1">
+                <a:latin typeface="Calibri" panose="020F0502020204030204" pitchFamily="34" charset="0"/>
+                <a:cs typeface="Calibri" panose="020F0502020204030204" pitchFamily="34" charset="0"/>
+              </a:rPr>
+              <a:t>fiind</a:t>
+            </a:r>
+            <a:r>
+              <a:rPr lang="en-US" sz="2800" dirty="0">
+                <a:latin typeface="Calibri" panose="020F0502020204030204" pitchFamily="34" charset="0"/>
+                <a:cs typeface="Calibri" panose="020F0502020204030204" pitchFamily="34" charset="0"/>
+              </a:rPr>
+              <a:t> </a:t>
+            </a:r>
+            <a:r>
+              <a:rPr lang="en-US" sz="2800" dirty="0" err="1">
+                <a:latin typeface="Calibri" panose="020F0502020204030204" pitchFamily="34" charset="0"/>
+                <a:cs typeface="Calibri" panose="020F0502020204030204" pitchFamily="34" charset="0"/>
+              </a:rPr>
+              <a:t>extrasa</a:t>
+            </a:r>
+            <a:r>
+              <a:rPr lang="en-US" sz="2800" dirty="0">
+                <a:latin typeface="Calibri" panose="020F0502020204030204" pitchFamily="34" charset="0"/>
+                <a:cs typeface="Calibri" panose="020F0502020204030204" pitchFamily="34" charset="0"/>
+              </a:rPr>
+              <a:t> pe </a:t>
+            </a:r>
+            <a:r>
+              <a:rPr lang="en-US" sz="2800" dirty="0" err="1">
+                <a:latin typeface="Calibri" panose="020F0502020204030204" pitchFamily="34" charset="0"/>
+                <a:cs typeface="Calibri" panose="020F0502020204030204" pitchFamily="34" charset="0"/>
+              </a:rPr>
+              <a:t>baza</a:t>
+            </a:r>
+            <a:r>
+              <a:rPr lang="en-US" sz="2800" dirty="0">
+                <a:latin typeface="Calibri" panose="020F0502020204030204" pitchFamily="34" charset="0"/>
+                <a:cs typeface="Calibri" panose="020F0502020204030204" pitchFamily="34" charset="0"/>
+              </a:rPr>
+              <a:t> JWT token-</a:t>
+            </a:r>
+            <a:r>
+              <a:rPr lang="en-US" sz="2800" dirty="0" err="1">
+                <a:latin typeface="Calibri" panose="020F0502020204030204" pitchFamily="34" charset="0"/>
+                <a:cs typeface="Calibri" panose="020F0502020204030204" pitchFamily="34" charset="0"/>
+              </a:rPr>
+              <a:t>ului</a:t>
+            </a:r>
+            <a:r>
+              <a:rPr lang="en-US" sz="2800" dirty="0">
+                <a:latin typeface="Calibri" panose="020F0502020204030204" pitchFamily="34" charset="0"/>
+                <a:cs typeface="Calibri" panose="020F0502020204030204" pitchFamily="34" charset="0"/>
+              </a:rPr>
+              <a:t> </a:t>
+            </a:r>
+            <a:r>
+              <a:rPr lang="en-US" sz="2800" dirty="0" err="1">
+                <a:latin typeface="Calibri" panose="020F0502020204030204" pitchFamily="34" charset="0"/>
+                <a:cs typeface="Calibri" panose="020F0502020204030204" pitchFamily="34" charset="0"/>
+              </a:rPr>
+              <a:t>sau</a:t>
+            </a:r>
+            <a:r>
+              <a:rPr lang="en-US" sz="2800" dirty="0">
+                <a:latin typeface="Calibri" panose="020F0502020204030204" pitchFamily="34" charset="0"/>
+                <a:cs typeface="Calibri" panose="020F0502020204030204" pitchFamily="34" charset="0"/>
+              </a:rPr>
+              <a:t> a id-</a:t>
+            </a:r>
+            <a:r>
+              <a:rPr lang="en-US" sz="2800" dirty="0" err="1">
+                <a:latin typeface="Calibri" panose="020F0502020204030204" pitchFamily="34" charset="0"/>
+                <a:cs typeface="Calibri" panose="020F0502020204030204" pitchFamily="34" charset="0"/>
+              </a:rPr>
+              <a:t>ului</a:t>
+            </a:r>
+            <a:r>
+              <a:rPr lang="en-US" sz="2800" dirty="0">
+                <a:latin typeface="Calibri" panose="020F0502020204030204" pitchFamily="34" charset="0"/>
+                <a:cs typeface="Calibri" panose="020F0502020204030204" pitchFamily="34" charset="0"/>
+              </a:rPr>
+              <a:t> de </a:t>
+            </a:r>
+            <a:r>
+              <a:rPr lang="en-US" sz="2800" dirty="0" err="1">
+                <a:latin typeface="Calibri" panose="020F0502020204030204" pitchFamily="34" charset="0"/>
+                <a:cs typeface="Calibri" panose="020F0502020204030204" pitchFamily="34" charset="0"/>
+              </a:rPr>
+              <a:t>sesiune</a:t>
+            </a:r>
+            <a:r>
+              <a:rPr lang="en-US" sz="2800" dirty="0">
+                <a:latin typeface="Calibri" panose="020F0502020204030204" pitchFamily="34" charset="0"/>
+                <a:cs typeface="Calibri" panose="020F0502020204030204" pitchFamily="34" charset="0"/>
+              </a:rPr>
+              <a:t> in </a:t>
+            </a:r>
+            <a:r>
+              <a:rPr lang="en-US" sz="2800" dirty="0" err="1">
+                <a:latin typeface="Calibri" panose="020F0502020204030204" pitchFamily="34" charset="0"/>
+                <a:cs typeface="Calibri" panose="020F0502020204030204" pitchFamily="34" charset="0"/>
+              </a:rPr>
+              <a:t>cazul</a:t>
+            </a:r>
+            <a:r>
+              <a:rPr lang="en-US" sz="2800" dirty="0">
+                <a:latin typeface="Calibri" panose="020F0502020204030204" pitchFamily="34" charset="0"/>
+                <a:cs typeface="Calibri" panose="020F0502020204030204" pitchFamily="34" charset="0"/>
+              </a:rPr>
+              <a:t> </a:t>
+            </a:r>
+            <a:r>
+              <a:rPr lang="en-US" sz="2800" dirty="0" err="1">
+                <a:latin typeface="Calibri" panose="020F0502020204030204" pitchFamily="34" charset="0"/>
+                <a:cs typeface="Calibri" panose="020F0502020204030204" pitchFamily="34" charset="0"/>
+              </a:rPr>
+              <a:t>autentificarii</a:t>
+            </a:r>
+            <a:r>
+              <a:rPr lang="en-US" sz="2800" dirty="0">
+                <a:latin typeface="Calibri" panose="020F0502020204030204" pitchFamily="34" charset="0"/>
+                <a:cs typeface="Calibri" panose="020F0502020204030204" pitchFamily="34" charset="0"/>
+              </a:rPr>
+              <a:t> </a:t>
+            </a:r>
+            <a:r>
+              <a:rPr lang="en-US" sz="2800" dirty="0" err="1">
+                <a:latin typeface="Calibri" panose="020F0502020204030204" pitchFamily="34" charset="0"/>
+                <a:cs typeface="Calibri" panose="020F0502020204030204" pitchFamily="34" charset="0"/>
+              </a:rPr>
+              <a:t>prin</a:t>
+            </a:r>
+            <a:r>
+              <a:rPr lang="en-US" sz="2800" dirty="0">
+                <a:latin typeface="Calibri" panose="020F0502020204030204" pitchFamily="34" charset="0"/>
+                <a:cs typeface="Calibri" panose="020F0502020204030204" pitchFamily="34" charset="0"/>
+              </a:rPr>
+              <a:t> Oauth2</a:t>
+            </a:r>
+            <a:endParaRPr lang="en-US" sz="2800" dirty="0">
+              <a:solidFill>
+                <a:srgbClr val="FF0000"/>
+              </a:solidFill>
+              <a:latin typeface="Calibri" panose="020F0502020204030204" pitchFamily="34" charset="0"/>
+              <a:cs typeface="Calibri" panose="020F0502020204030204" pitchFamily="34" charset="0"/>
+            </a:endParaRPr>
+          </a:p>
+        </p:txBody>
+      </p:sp>
+      <p:pic>
+        <p:nvPicPr>
+          <p:cNvPr id="5" name="Picture 4">
+            <a:extLst>
+              <a:ext uri="{FF2B5EF4-FFF2-40B4-BE49-F238E27FC236}">
+                <a16:creationId xmlns:a16="http://schemas.microsoft.com/office/drawing/2014/main" id="{3D2559F4-FB9C-0F5E-AD62-F7C2482251C3}"/>
+              </a:ext>
+            </a:extLst>
+          </p:cNvPr>
+          <p:cNvPicPr>
+            <a:picLocks noChangeAspect="1"/>
+          </p:cNvPicPr>
+          <p:nvPr/>
+        </p:nvPicPr>
+        <p:blipFill>
+          <a:blip r:embed="rId3" cstate="print">
+            <a:extLst>
+              <a:ext uri="{28A0092B-C50C-407E-A947-70E740481C1C}">
+                <a14:useLocalDpi xmlns:a14="http://schemas.microsoft.com/office/drawing/2010/main" val="0"/>
+              </a:ext>
+            </a:extLst>
+          </a:blip>
+          <a:stretch>
+            <a:fillRect/>
+          </a:stretch>
+        </p:blipFill>
+        <p:spPr>
+          <a:xfrm>
+            <a:off x="8830849" y="5839068"/>
+            <a:ext cx="3870544" cy="3657664"/>
+          </a:xfrm>
+          <a:prstGeom prst="rect">
+            <a:avLst/>
+          </a:prstGeom>
+        </p:spPr>
+      </p:pic>
+    </p:spTree>
+    <p:extLst>
+      <p:ext uri="{BB962C8B-B14F-4D97-AF65-F5344CB8AC3E}">
+        <p14:creationId xmlns:p14="http://schemas.microsoft.com/office/powerpoint/2010/main" val="690345297"/>
+      </p:ext>
+    </p:extLst>
+  </p:cSld>
+  <p:clrMapOvr>
+    <a:masterClrMapping/>
+  </p:clrMapOvr>
+  <p:transition spd="med"/>
+</p:sld>
+</file>
+
+<file path=ppt/slides/slide11.xml><?xml version="1.0" encoding="utf-8"?>
+<p:sld xmlns:a="http://schemas.openxmlformats.org/drawingml/2006/main" xmlns:r="http://schemas.openxmlformats.org/officeDocument/2006/relationships" xmlns:p="http://schemas.openxmlformats.org/presentationml/2006/main">
+  <p:cSld>
+    <p:spTree>
+      <p:nvGrpSpPr>
+        <p:cNvPr id="1" name=""/>
+        <p:cNvGrpSpPr/>
+        <p:nvPr/>
+      </p:nvGrpSpPr>
+      <p:grpSpPr>
+        <a:xfrm>
+          <a:off x="0" y="0"/>
+          <a:ext cx="0" cy="0"/>
+          <a:chOff x="0" y="0"/>
+          <a:chExt cx="0" cy="0"/>
+        </a:xfrm>
+      </p:grpSpPr>
+      <p:sp>
+        <p:nvSpPr>
+          <p:cNvPr id="6" name="TextBox 5">
+            <a:extLst>
+              <a:ext uri="{FF2B5EF4-FFF2-40B4-BE49-F238E27FC236}">
+                <a16:creationId xmlns:a16="http://schemas.microsoft.com/office/drawing/2014/main" id="{2457A9E0-E12D-4FCD-7232-51073BE0578B}"/>
+              </a:ext>
+            </a:extLst>
+          </p:cNvPr>
+          <p:cNvSpPr txBox="1"/>
+          <p:nvPr/>
+        </p:nvSpPr>
+        <p:spPr>
+          <a:xfrm>
+            <a:off x="789140" y="1070037"/>
+            <a:ext cx="11912253" cy="1015663"/>
+          </a:xfrm>
+          <a:prstGeom prst="rect">
+            <a:avLst/>
+          </a:prstGeom>
+          <a:noFill/>
+        </p:spPr>
+        <p:txBody>
+          <a:bodyPr wrap="square" rtlCol="0">
+            <a:spAutoFit/>
+          </a:bodyPr>
+          <a:lstStyle/>
+          <a:p>
+            <a:pPr algn="r"/>
+            <a:r>
+              <a:rPr lang="en-US" sz="6000" dirty="0" err="1">
+                <a:latin typeface="Calibri" panose="020F0502020204030204" pitchFamily="34" charset="0"/>
+                <a:cs typeface="Calibri" panose="020F0502020204030204" pitchFamily="34" charset="0"/>
+              </a:rPr>
+              <a:t>Implementare</a:t>
+            </a:r>
+            <a:r>
+              <a:rPr lang="en-US" sz="6000" dirty="0">
+                <a:latin typeface="Calibri" panose="020F0502020204030204" pitchFamily="34" charset="0"/>
+                <a:cs typeface="Calibri" panose="020F0502020204030204" pitchFamily="34" charset="0"/>
+              </a:rPr>
+              <a:t>: </a:t>
+            </a:r>
+            <a:r>
+              <a:rPr lang="en-US" sz="6000" dirty="0" err="1">
+                <a:latin typeface="Calibri" panose="020F0502020204030204" pitchFamily="34" charset="0"/>
+                <a:cs typeface="Calibri" panose="020F0502020204030204" pitchFamily="34" charset="0"/>
+              </a:rPr>
+              <a:t>Paginarea</a:t>
+            </a:r>
+            <a:r>
+              <a:rPr lang="en-US" sz="6000" dirty="0">
+                <a:latin typeface="Calibri" panose="020F0502020204030204" pitchFamily="34" charset="0"/>
+                <a:cs typeface="Calibri" panose="020F0502020204030204" pitchFamily="34" charset="0"/>
+              </a:rPr>
+              <a:t> </a:t>
+            </a:r>
+            <a:r>
+              <a:rPr lang="en-US" sz="6000" dirty="0" err="1">
+                <a:latin typeface="Calibri" panose="020F0502020204030204" pitchFamily="34" charset="0"/>
+                <a:cs typeface="Calibri" panose="020F0502020204030204" pitchFamily="34" charset="0"/>
+              </a:rPr>
+              <a:t>rezultatelor</a:t>
+            </a:r>
+            <a:endParaRPr lang="en-US" sz="6000" dirty="0">
+              <a:latin typeface="Calibri" panose="020F0502020204030204" pitchFamily="34" charset="0"/>
+              <a:cs typeface="Calibri" panose="020F0502020204030204" pitchFamily="34" charset="0"/>
+            </a:endParaRPr>
+          </a:p>
+        </p:txBody>
+      </p:sp>
+    </p:spTree>
+    <p:extLst>
+      <p:ext uri="{BB962C8B-B14F-4D97-AF65-F5344CB8AC3E}">
+        <p14:creationId xmlns:p14="http://schemas.microsoft.com/office/powerpoint/2010/main" val="3170064499"/>
+      </p:ext>
+    </p:extLst>
+  </p:cSld>
+  <p:clrMapOvr>
+    <a:masterClrMapping/>
+  </p:clrMapOvr>
+  <p:transition spd="med"/>
+</p:sld>
+</file>
+
+<file path=ppt/slides/slide12.xml><?xml version="1.0" encoding="utf-8"?>
+<p:sld xmlns:a="http://schemas.openxmlformats.org/drawingml/2006/main" xmlns:r="http://schemas.openxmlformats.org/officeDocument/2006/relationships" xmlns:p="http://schemas.openxmlformats.org/presentationml/2006/main">
+  <p:cSld>
+    <p:spTree>
+      <p:nvGrpSpPr>
+        <p:cNvPr id="1" name=""/>
+        <p:cNvGrpSpPr/>
+        <p:nvPr/>
+      </p:nvGrpSpPr>
+      <p:grpSpPr>
+        <a:xfrm>
+          <a:off x="0" y="0"/>
+          <a:ext cx="0" cy="0"/>
+          <a:chOff x="0" y="0"/>
+          <a:chExt cx="0" cy="0"/>
+        </a:xfrm>
+      </p:grpSpPr>
+      <p:sp>
+        <p:nvSpPr>
+          <p:cNvPr id="6" name="TextBox 5">
+            <a:extLst>
+              <a:ext uri="{FF2B5EF4-FFF2-40B4-BE49-F238E27FC236}">
+                <a16:creationId xmlns:a16="http://schemas.microsoft.com/office/drawing/2014/main" id="{2457A9E0-E12D-4FCD-7232-51073BE0578B}"/>
+              </a:ext>
+            </a:extLst>
+          </p:cNvPr>
+          <p:cNvSpPr txBox="1"/>
+          <p:nvPr/>
+        </p:nvSpPr>
+        <p:spPr>
+          <a:xfrm>
+            <a:off x="789140" y="1070037"/>
+            <a:ext cx="11912253" cy="1015663"/>
+          </a:xfrm>
+          <a:prstGeom prst="rect">
+            <a:avLst/>
+          </a:prstGeom>
+          <a:noFill/>
+        </p:spPr>
+        <p:txBody>
+          <a:bodyPr wrap="square" rtlCol="0">
+            <a:spAutoFit/>
+          </a:bodyPr>
+          <a:lstStyle/>
+          <a:p>
+            <a:pPr algn="r"/>
+            <a:r>
+              <a:rPr lang="en-US" sz="6000" dirty="0" err="1">
+                <a:latin typeface="Calibri" panose="020F0502020204030204" pitchFamily="34" charset="0"/>
+                <a:cs typeface="Calibri" panose="020F0502020204030204" pitchFamily="34" charset="0"/>
+              </a:rPr>
+              <a:t>Implementare</a:t>
+            </a:r>
+            <a:r>
+              <a:rPr lang="en-US" sz="6000" dirty="0">
+                <a:latin typeface="Calibri" panose="020F0502020204030204" pitchFamily="34" charset="0"/>
+                <a:cs typeface="Calibri" panose="020F0502020204030204" pitchFamily="34" charset="0"/>
+              </a:rPr>
+              <a:t>: </a:t>
+            </a:r>
+            <a:r>
+              <a:rPr lang="en-US" sz="6000" dirty="0" err="1">
+                <a:latin typeface="Calibri" panose="020F0502020204030204" pitchFamily="34" charset="0"/>
+                <a:cs typeface="Calibri" panose="020F0502020204030204" pitchFamily="34" charset="0"/>
+              </a:rPr>
+              <a:t>Cautarea</a:t>
+            </a:r>
+            <a:r>
+              <a:rPr lang="en-US" sz="6000" dirty="0">
+                <a:latin typeface="Calibri" panose="020F0502020204030204" pitchFamily="34" charset="0"/>
+                <a:cs typeface="Calibri" panose="020F0502020204030204" pitchFamily="34" charset="0"/>
+              </a:rPr>
+              <a:t> </a:t>
+            </a:r>
+            <a:r>
+              <a:rPr lang="en-US" sz="6000" dirty="0" err="1">
+                <a:latin typeface="Calibri" panose="020F0502020204030204" pitchFamily="34" charset="0"/>
+                <a:cs typeface="Calibri" panose="020F0502020204030204" pitchFamily="34" charset="0"/>
+              </a:rPr>
+              <a:t>Produselor</a:t>
+            </a:r>
+            <a:endParaRPr lang="en-US" sz="6000" dirty="0">
+              <a:latin typeface="Calibri" panose="020F0502020204030204" pitchFamily="34" charset="0"/>
+              <a:cs typeface="Calibri" panose="020F0502020204030204" pitchFamily="34" charset="0"/>
+            </a:endParaRPr>
+          </a:p>
+        </p:txBody>
+      </p:sp>
+      <p:pic>
+        <p:nvPicPr>
+          <p:cNvPr id="2" name="Picture 1">
+            <a:extLst>
+              <a:ext uri="{FF2B5EF4-FFF2-40B4-BE49-F238E27FC236}">
+                <a16:creationId xmlns:a16="http://schemas.microsoft.com/office/drawing/2014/main" id="{8BCC6CCE-9131-96B0-028C-584DC40B330D}"/>
+              </a:ext>
+            </a:extLst>
+          </p:cNvPr>
+          <p:cNvPicPr>
+            <a:picLocks noChangeAspect="1"/>
+          </p:cNvPicPr>
+          <p:nvPr/>
+        </p:nvPicPr>
+        <p:blipFill>
+          <a:blip r:embed="rId3">
+            <a:extLst>
+              <a:ext uri="{28A0092B-C50C-407E-A947-70E740481C1C}">
+                <a14:useLocalDpi xmlns:a14="http://schemas.microsoft.com/office/drawing/2010/main" val="0"/>
+              </a:ext>
+            </a:extLst>
+          </a:blip>
+          <a:stretch>
+            <a:fillRect/>
+          </a:stretch>
+        </p:blipFill>
+        <p:spPr>
+          <a:xfrm>
+            <a:off x="8240908" y="4876800"/>
+            <a:ext cx="4192188" cy="4204765"/>
+          </a:xfrm>
+          <a:prstGeom prst="rect">
+            <a:avLst/>
+          </a:prstGeom>
+        </p:spPr>
+      </p:pic>
+    </p:spTree>
+    <p:extLst>
+      <p:ext uri="{BB962C8B-B14F-4D97-AF65-F5344CB8AC3E}">
+        <p14:creationId xmlns:p14="http://schemas.microsoft.com/office/powerpoint/2010/main" val="3308997041"/>
+      </p:ext>
+    </p:extLst>
+  </p:cSld>
+  <p:clrMapOvr>
+    <a:masterClrMapping/>
+  </p:clrMapOvr>
+  <p:transition spd="med"/>
+</p:sld>
+</file>
+
+<file path=ppt/slides/slide13.xml><?xml version="1.0" encoding="utf-8"?>
+<p:sld xmlns:a="http://schemas.openxmlformats.org/drawingml/2006/main" xmlns:r="http://schemas.openxmlformats.org/officeDocument/2006/relationships" xmlns:p="http://schemas.openxmlformats.org/presentationml/2006/main">
+  <p:cSld>
+    <p:spTree>
+      <p:nvGrpSpPr>
+        <p:cNvPr id="1" name=""/>
+        <p:cNvGrpSpPr/>
+        <p:nvPr/>
+      </p:nvGrpSpPr>
+      <p:grpSpPr>
+        <a:xfrm>
+          <a:off x="0" y="0"/>
+          <a:ext cx="0" cy="0"/>
+          <a:chOff x="0" y="0"/>
+          <a:chExt cx="0" cy="0"/>
+        </a:xfrm>
+      </p:grpSpPr>
+      <p:sp>
+        <p:nvSpPr>
+          <p:cNvPr id="6" name="TextBox 5">
+            <a:extLst>
+              <a:ext uri="{FF2B5EF4-FFF2-40B4-BE49-F238E27FC236}">
+                <a16:creationId xmlns:a16="http://schemas.microsoft.com/office/drawing/2014/main" id="{2457A9E0-E12D-4FCD-7232-51073BE0578B}"/>
+              </a:ext>
+            </a:extLst>
+          </p:cNvPr>
+          <p:cNvSpPr txBox="1"/>
+          <p:nvPr/>
+        </p:nvSpPr>
+        <p:spPr>
+          <a:xfrm>
+            <a:off x="300626" y="1070037"/>
+            <a:ext cx="12400768" cy="1015663"/>
+          </a:xfrm>
+          <a:prstGeom prst="rect">
+            <a:avLst/>
+          </a:prstGeom>
+          <a:noFill/>
+        </p:spPr>
+        <p:txBody>
+          <a:bodyPr wrap="square" rtlCol="0">
+            <a:spAutoFit/>
+          </a:bodyPr>
+          <a:lstStyle/>
+          <a:p>
+            <a:pPr algn="r"/>
+            <a:r>
+              <a:rPr lang="en-US" sz="6000" dirty="0" err="1">
+                <a:latin typeface="Calibri" panose="020F0502020204030204" pitchFamily="34" charset="0"/>
+                <a:cs typeface="Calibri" panose="020F0502020204030204" pitchFamily="34" charset="0"/>
+              </a:rPr>
+              <a:t>Implementare</a:t>
+            </a:r>
+            <a:r>
+              <a:rPr lang="en-US" sz="6000" dirty="0">
+                <a:latin typeface="Calibri" panose="020F0502020204030204" pitchFamily="34" charset="0"/>
+                <a:cs typeface="Calibri" panose="020F0502020204030204" pitchFamily="34" charset="0"/>
+              </a:rPr>
+              <a:t>: </a:t>
+            </a:r>
+            <a:r>
+              <a:rPr lang="en-US" sz="6000" dirty="0" err="1">
+                <a:latin typeface="Calibri" panose="020F0502020204030204" pitchFamily="34" charset="0"/>
+                <a:cs typeface="Calibri" panose="020F0502020204030204" pitchFamily="34" charset="0"/>
+              </a:rPr>
+              <a:t>Monitorizarea</a:t>
+            </a:r>
+            <a:r>
+              <a:rPr lang="en-US" sz="6000" dirty="0">
+                <a:latin typeface="Calibri" panose="020F0502020204030204" pitchFamily="34" charset="0"/>
+                <a:cs typeface="Calibri" panose="020F0502020204030204" pitchFamily="34" charset="0"/>
+              </a:rPr>
+              <a:t> </a:t>
+            </a:r>
+            <a:r>
+              <a:rPr lang="en-US" sz="6000" dirty="0" err="1">
+                <a:latin typeface="Calibri" panose="020F0502020204030204" pitchFamily="34" charset="0"/>
+                <a:cs typeface="Calibri" panose="020F0502020204030204" pitchFamily="34" charset="0"/>
+              </a:rPr>
+              <a:t>actiunior</a:t>
+            </a:r>
+            <a:endParaRPr lang="en-US" sz="6000" dirty="0">
+              <a:latin typeface="Calibri" panose="020F0502020204030204" pitchFamily="34" charset="0"/>
+              <a:cs typeface="Calibri" panose="020F0502020204030204" pitchFamily="34" charset="0"/>
+            </a:endParaRPr>
+          </a:p>
+        </p:txBody>
+      </p:sp>
+    </p:spTree>
+    <p:extLst>
+      <p:ext uri="{BB962C8B-B14F-4D97-AF65-F5344CB8AC3E}">
+        <p14:creationId xmlns:p14="http://schemas.microsoft.com/office/powerpoint/2010/main" val="93202040"/>
+      </p:ext>
+    </p:extLst>
+  </p:cSld>
+  <p:clrMapOvr>
+    <a:masterClrMapping/>
+  </p:clrMapOvr>
+  <p:transition spd="med"/>
+</p:sld>
+</file>
+
+<file path=ppt/slides/slide14.xml><?xml version="1.0" encoding="utf-8"?>
+<p:sld xmlns:a="http://schemas.openxmlformats.org/drawingml/2006/main" xmlns:r="http://schemas.openxmlformats.org/officeDocument/2006/relationships" xmlns:p="http://schemas.openxmlformats.org/presentationml/2006/main">
+  <p:cSld>
+    <p:spTree>
+      <p:nvGrpSpPr>
+        <p:cNvPr id="1" name=""/>
+        <p:cNvGrpSpPr/>
+        <p:nvPr/>
+      </p:nvGrpSpPr>
+      <p:grpSpPr>
+        <a:xfrm>
+          <a:off x="0" y="0"/>
+          <a:ext cx="0" cy="0"/>
+          <a:chOff x="0" y="0"/>
+          <a:chExt cx="0" cy="0"/>
+        </a:xfrm>
+      </p:grpSpPr>
+      <p:sp>
+        <p:nvSpPr>
+          <p:cNvPr id="6" name="TextBox 5">
+            <a:extLst>
+              <a:ext uri="{FF2B5EF4-FFF2-40B4-BE49-F238E27FC236}">
+                <a16:creationId xmlns:a16="http://schemas.microsoft.com/office/drawing/2014/main" id="{2457A9E0-E12D-4FCD-7232-51073BE0578B}"/>
+              </a:ext>
+            </a:extLst>
+          </p:cNvPr>
+          <p:cNvSpPr txBox="1"/>
+          <p:nvPr/>
+        </p:nvSpPr>
+        <p:spPr>
+          <a:xfrm>
+            <a:off x="300626" y="1070037"/>
+            <a:ext cx="12400768" cy="1015663"/>
+          </a:xfrm>
+          <a:prstGeom prst="rect">
+            <a:avLst/>
+          </a:prstGeom>
+          <a:noFill/>
+        </p:spPr>
+        <p:txBody>
+          <a:bodyPr wrap="square" rtlCol="0">
+            <a:spAutoFit/>
+          </a:bodyPr>
+          <a:lstStyle/>
+          <a:p>
+            <a:pPr algn="r"/>
+            <a:r>
+              <a:rPr lang="en-US" sz="6000" dirty="0" err="1">
+                <a:latin typeface="Calibri" panose="020F0502020204030204" pitchFamily="34" charset="0"/>
+                <a:cs typeface="Calibri" panose="020F0502020204030204" pitchFamily="34" charset="0"/>
+              </a:rPr>
+              <a:t>Implementare</a:t>
+            </a:r>
+            <a:r>
+              <a:rPr lang="en-US" sz="6000" dirty="0">
+                <a:latin typeface="Calibri" panose="020F0502020204030204" pitchFamily="34" charset="0"/>
+                <a:cs typeface="Calibri" panose="020F0502020204030204" pitchFamily="34" charset="0"/>
+              </a:rPr>
+              <a:t>: </a:t>
+            </a:r>
+            <a:r>
+              <a:rPr lang="en-US" sz="6000" dirty="0" err="1">
+                <a:latin typeface="Calibri" panose="020F0502020204030204" pitchFamily="34" charset="0"/>
+                <a:cs typeface="Calibri" panose="020F0502020204030204" pitchFamily="34" charset="0"/>
+              </a:rPr>
+              <a:t>Tratarea</a:t>
+            </a:r>
+            <a:r>
+              <a:rPr lang="en-US" sz="6000" dirty="0">
+                <a:latin typeface="Calibri" panose="020F0502020204030204" pitchFamily="34" charset="0"/>
+                <a:cs typeface="Calibri" panose="020F0502020204030204" pitchFamily="34" charset="0"/>
+              </a:rPr>
+              <a:t> </a:t>
+            </a:r>
+            <a:r>
+              <a:rPr lang="en-US" sz="6000" dirty="0" err="1">
+                <a:latin typeface="Calibri" panose="020F0502020204030204" pitchFamily="34" charset="0"/>
+                <a:cs typeface="Calibri" panose="020F0502020204030204" pitchFamily="34" charset="0"/>
+              </a:rPr>
+              <a:t>erorilor</a:t>
+            </a:r>
+            <a:endParaRPr lang="en-US" sz="6000" dirty="0">
+              <a:latin typeface="Calibri" panose="020F0502020204030204" pitchFamily="34" charset="0"/>
+              <a:cs typeface="Calibri" panose="020F0502020204030204" pitchFamily="34" charset="0"/>
+            </a:endParaRPr>
+          </a:p>
+        </p:txBody>
+      </p:sp>
+      <p:pic>
+        <p:nvPicPr>
+          <p:cNvPr id="3" name="Picture 2">
+            <a:extLst>
+              <a:ext uri="{FF2B5EF4-FFF2-40B4-BE49-F238E27FC236}">
+                <a16:creationId xmlns:a16="http://schemas.microsoft.com/office/drawing/2014/main" id="{C3B1D3CD-8AFF-5CE6-B652-F4D4304E0842}"/>
+              </a:ext>
+            </a:extLst>
+          </p:cNvPr>
+          <p:cNvPicPr>
+            <a:picLocks noChangeAspect="1"/>
+          </p:cNvPicPr>
+          <p:nvPr/>
+        </p:nvPicPr>
+        <p:blipFill>
+          <a:blip r:embed="rId3" cstate="print">
+            <a:extLst>
+              <a:ext uri="{28A0092B-C50C-407E-A947-70E740481C1C}">
+                <a14:useLocalDpi xmlns:a14="http://schemas.microsoft.com/office/drawing/2010/main" val="0"/>
+              </a:ext>
+            </a:extLst>
+          </a:blip>
+          <a:stretch>
+            <a:fillRect/>
+          </a:stretch>
+        </p:blipFill>
+        <p:spPr>
+          <a:xfrm>
+            <a:off x="9124512" y="5407066"/>
+            <a:ext cx="3048006" cy="3048006"/>
+          </a:xfrm>
+          <a:prstGeom prst="rect">
+            <a:avLst/>
+          </a:prstGeom>
+        </p:spPr>
+      </p:pic>
+    </p:spTree>
+    <p:extLst>
+      <p:ext uri="{BB962C8B-B14F-4D97-AF65-F5344CB8AC3E}">
+        <p14:creationId xmlns:p14="http://schemas.microsoft.com/office/powerpoint/2010/main" val="3302789631"/>
+      </p:ext>
+    </p:extLst>
+  </p:cSld>
+  <p:clrMapOvr>
+    <a:masterClrMapping/>
+  </p:clrMapOvr>
+  <p:transition spd="med"/>
+</p:sld>
+</file>
+
+<file path=ppt/slides/slide15.xml><?xml version="1.0" encoding="utf-8"?>
+<p:sld xmlns:a="http://schemas.openxmlformats.org/drawingml/2006/main" xmlns:r="http://schemas.openxmlformats.org/officeDocument/2006/relationships" xmlns:p="http://schemas.openxmlformats.org/presentationml/2006/main">
+  <p:cSld>
+    <p:spTree>
+      <p:nvGrpSpPr>
+        <p:cNvPr id="1" name=""/>
+        <p:cNvGrpSpPr/>
+        <p:nvPr/>
+      </p:nvGrpSpPr>
+      <p:grpSpPr>
+        <a:xfrm>
+          <a:off x="0" y="0"/>
+          <a:ext cx="0" cy="0"/>
+          <a:chOff x="0" y="0"/>
+          <a:chExt cx="0" cy="0"/>
+        </a:xfrm>
+      </p:grpSpPr>
+      <p:sp>
+        <p:nvSpPr>
+          <p:cNvPr id="6" name="TextBox 5">
+            <a:extLst>
+              <a:ext uri="{FF2B5EF4-FFF2-40B4-BE49-F238E27FC236}">
+                <a16:creationId xmlns:a16="http://schemas.microsoft.com/office/drawing/2014/main" id="{2457A9E0-E12D-4FCD-7232-51073BE0578B}"/>
+              </a:ext>
+            </a:extLst>
+          </p:cNvPr>
+          <p:cNvSpPr txBox="1"/>
+          <p:nvPr/>
+        </p:nvSpPr>
+        <p:spPr>
+          <a:xfrm>
+            <a:off x="300626" y="1070037"/>
+            <a:ext cx="12400768" cy="1015663"/>
+          </a:xfrm>
+          <a:prstGeom prst="rect">
+            <a:avLst/>
+          </a:prstGeom>
+          <a:noFill/>
+        </p:spPr>
+        <p:txBody>
+          <a:bodyPr wrap="square" rtlCol="0">
+            <a:spAutoFit/>
+          </a:bodyPr>
+          <a:lstStyle/>
+          <a:p>
+            <a:pPr algn="r"/>
+            <a:r>
+              <a:rPr lang="en-US" sz="6000" dirty="0" err="1">
+                <a:latin typeface="Calibri" panose="020F0502020204030204" pitchFamily="34" charset="0"/>
+                <a:cs typeface="Calibri" panose="020F0502020204030204" pitchFamily="34" charset="0"/>
+              </a:rPr>
+              <a:t>Performanta</a:t>
+            </a:r>
+            <a:endParaRPr lang="en-US" sz="6000" dirty="0">
+              <a:latin typeface="Calibri" panose="020F0502020204030204" pitchFamily="34" charset="0"/>
+              <a:cs typeface="Calibri" panose="020F0502020204030204" pitchFamily="34" charset="0"/>
+            </a:endParaRPr>
+          </a:p>
+        </p:txBody>
+      </p:sp>
+    </p:spTree>
+    <p:extLst>
+      <p:ext uri="{BB962C8B-B14F-4D97-AF65-F5344CB8AC3E}">
+        <p14:creationId xmlns:p14="http://schemas.microsoft.com/office/powerpoint/2010/main" val="4272941204"/>
+      </p:ext>
+    </p:extLst>
+  </p:cSld>
+  <p:clrMapOvr>
+    <a:masterClrMapping/>
+  </p:clrMapOvr>
+  <p:transition spd="med"/>
+</p:sld>
+</file>
+
+<file path=ppt/slides/slide16.xml><?xml version="1.0" encoding="utf-8"?>
+<p:sld xmlns:a="http://schemas.openxmlformats.org/drawingml/2006/main" xmlns:r="http://schemas.openxmlformats.org/officeDocument/2006/relationships" xmlns:p="http://schemas.openxmlformats.org/presentationml/2006/main">
+  <p:cSld>
+    <p:spTree>
+      <p:nvGrpSpPr>
+        <p:cNvPr id="1" name=""/>
+        <p:cNvGrpSpPr/>
+        <p:nvPr/>
+      </p:nvGrpSpPr>
+      <p:grpSpPr>
+        <a:xfrm>
+          <a:off x="0" y="0"/>
+          <a:ext cx="0" cy="0"/>
+          <a:chOff x="0" y="0"/>
+          <a:chExt cx="0" cy="0"/>
+        </a:xfrm>
+      </p:grpSpPr>
+      <p:sp>
+        <p:nvSpPr>
+          <p:cNvPr id="6" name="TextBox 5">
+            <a:extLst>
+              <a:ext uri="{FF2B5EF4-FFF2-40B4-BE49-F238E27FC236}">
+                <a16:creationId xmlns:a16="http://schemas.microsoft.com/office/drawing/2014/main" id="{2457A9E0-E12D-4FCD-7232-51073BE0578B}"/>
+              </a:ext>
+            </a:extLst>
+          </p:cNvPr>
+          <p:cNvSpPr txBox="1"/>
+          <p:nvPr/>
+        </p:nvSpPr>
+        <p:spPr>
+          <a:xfrm>
+            <a:off x="300626" y="1070037"/>
+            <a:ext cx="12400768" cy="1015663"/>
+          </a:xfrm>
+          <a:prstGeom prst="rect">
+            <a:avLst/>
+          </a:prstGeom>
+          <a:noFill/>
+        </p:spPr>
+        <p:txBody>
+          <a:bodyPr wrap="square" rtlCol="0">
+            <a:spAutoFit/>
+          </a:bodyPr>
+          <a:lstStyle/>
+          <a:p>
+            <a:pPr algn="r"/>
+            <a:r>
+              <a:rPr lang="en-US" sz="6000" dirty="0" err="1">
+                <a:latin typeface="Calibri" panose="020F0502020204030204" pitchFamily="34" charset="0"/>
+                <a:cs typeface="Calibri" panose="020F0502020204030204" pitchFamily="34" charset="0"/>
+              </a:rPr>
+              <a:t>Concluzii</a:t>
+            </a:r>
+            <a:r>
+              <a:rPr lang="en-US" sz="6000" dirty="0">
+                <a:latin typeface="Calibri" panose="020F0502020204030204" pitchFamily="34" charset="0"/>
+                <a:cs typeface="Calibri" panose="020F0502020204030204" pitchFamily="34" charset="0"/>
+              </a:rPr>
+              <a:t> </a:t>
+            </a:r>
+            <a:r>
+              <a:rPr lang="en-US" sz="6000" dirty="0" err="1">
+                <a:latin typeface="Calibri" panose="020F0502020204030204" pitchFamily="34" charset="0"/>
+                <a:cs typeface="Calibri" panose="020F0502020204030204" pitchFamily="34" charset="0"/>
+              </a:rPr>
+              <a:t>si</a:t>
+            </a:r>
+            <a:r>
+              <a:rPr lang="en-US" sz="6000" dirty="0">
+                <a:latin typeface="Calibri" panose="020F0502020204030204" pitchFamily="34" charset="0"/>
+                <a:cs typeface="Calibri" panose="020F0502020204030204" pitchFamily="34" charset="0"/>
+              </a:rPr>
+              <a:t> </a:t>
+            </a:r>
+            <a:r>
+              <a:rPr lang="en-US" sz="6000" dirty="0" err="1">
+                <a:latin typeface="Calibri" panose="020F0502020204030204" pitchFamily="34" charset="0"/>
+                <a:cs typeface="Calibri" panose="020F0502020204030204" pitchFamily="34" charset="0"/>
+              </a:rPr>
+              <a:t>dezvoltari</a:t>
+            </a:r>
+            <a:r>
+              <a:rPr lang="en-US" sz="6000" dirty="0">
+                <a:latin typeface="Calibri" panose="020F0502020204030204" pitchFamily="34" charset="0"/>
+                <a:cs typeface="Calibri" panose="020F0502020204030204" pitchFamily="34" charset="0"/>
+              </a:rPr>
+              <a:t> </a:t>
+            </a:r>
+            <a:r>
+              <a:rPr lang="en-US" sz="6000" dirty="0" err="1">
+                <a:latin typeface="Calibri" panose="020F0502020204030204" pitchFamily="34" charset="0"/>
+                <a:cs typeface="Calibri" panose="020F0502020204030204" pitchFamily="34" charset="0"/>
+              </a:rPr>
+              <a:t>ulterioare</a:t>
+            </a:r>
+            <a:endParaRPr lang="en-US" sz="6000" dirty="0">
+              <a:latin typeface="Calibri" panose="020F0502020204030204" pitchFamily="34" charset="0"/>
+              <a:cs typeface="Calibri" panose="020F0502020204030204" pitchFamily="34" charset="0"/>
+            </a:endParaRPr>
+          </a:p>
+        </p:txBody>
+      </p:sp>
+    </p:spTree>
+    <p:extLst>
+      <p:ext uri="{BB962C8B-B14F-4D97-AF65-F5344CB8AC3E}">
+        <p14:creationId xmlns:p14="http://schemas.microsoft.com/office/powerpoint/2010/main" val="3249971525"/>
+      </p:ext>
+    </p:extLst>
+  </p:cSld>
+  <p:clrMapOvr>
+    <a:masterClrMapping/>
+  </p:clrMapOvr>
+  <p:transition spd="med"/>
+</p:sld>
+</file>
+
+<file path=ppt/slides/slide17.xml><?xml version="1.0" encoding="utf-8"?>
+<p:sld xmlns:a="http://schemas.openxmlformats.org/drawingml/2006/main" xmlns:r="http://schemas.openxmlformats.org/officeDocument/2006/relationships" xmlns:p="http://schemas.openxmlformats.org/presentationml/2006/main">
+  <p:cSld>
+    <p:spTree>
+      <p:nvGrpSpPr>
+        <p:cNvPr id="1" name=""/>
+        <p:cNvGrpSpPr/>
+        <p:nvPr/>
+      </p:nvGrpSpPr>
+      <p:grpSpPr>
+        <a:xfrm>
+          <a:off x="0" y="0"/>
+          <a:ext cx="0" cy="0"/>
+          <a:chOff x="0" y="0"/>
+          <a:chExt cx="0" cy="0"/>
+        </a:xfrm>
+      </p:grpSpPr>
+      <p:sp>
+        <p:nvSpPr>
           <p:cNvPr id="2" name="Shape 98">
             <a:extLst>
               <a:ext uri="{FF2B5EF4-FFF2-40B4-BE49-F238E27FC236}">
@@ -7711,6 +9569,42 @@
           </a:p>
         </p:txBody>
       </p:sp>
+      <p:pic>
+        <p:nvPicPr>
+          <p:cNvPr id="3" name="Picture 2">
+            <a:extLst>
+              <a:ext uri="{FF2B5EF4-FFF2-40B4-BE49-F238E27FC236}">
+                <a16:creationId xmlns:a16="http://schemas.microsoft.com/office/drawing/2014/main" id="{08F82CE3-4FB2-A98F-838E-A56AD7004661}"/>
+              </a:ext>
+            </a:extLst>
+          </p:cNvPr>
+          <p:cNvPicPr>
+            <a:picLocks noChangeAspect="1"/>
+          </p:cNvPicPr>
+          <p:nvPr/>
+        </p:nvPicPr>
+        <p:blipFill>
+          <a:blip r:embed="rId3" cstate="print">
+            <a:extLst>
+              <a:ext uri="{28A0092B-C50C-407E-A947-70E740481C1C}">
+                <a14:useLocalDpi xmlns:a14="http://schemas.microsoft.com/office/drawing/2010/main" val="0"/>
+              </a:ext>
+            </a:extLst>
+          </a:blip>
+          <a:stretch>
+            <a:fillRect/>
+          </a:stretch>
+        </p:blipFill>
+        <p:spPr>
+          <a:xfrm>
+            <a:off x="9074407" y="6001572"/>
+            <a:ext cx="3048006" cy="1984252"/>
+          </a:xfrm>
+          <a:prstGeom prst="rect">
+            <a:avLst/>
+          </a:prstGeom>
+        </p:spPr>
+      </p:pic>
     </p:spTree>
     <p:extLst>
       <p:ext uri="{BB962C8B-B14F-4D97-AF65-F5344CB8AC3E}">
@@ -8414,25 +10308,33 @@
               <a:buChar char="•"/>
             </a:pPr>
             <a:r>
-              <a:rPr lang="en-US" sz="2800" dirty="0" err="1"/>
+              <a:rPr lang="en-US" sz="2800" dirty="0" err="1">
+                <a:latin typeface="Calibri" panose="020F0502020204030204" pitchFamily="34" charset="0"/>
+                <a:cs typeface="Calibri" panose="020F0502020204030204" pitchFamily="34" charset="0"/>
+              </a:rPr>
               <a:t>Microserviciile</a:t>
             </a:r>
             <a:r>
-              <a:rPr lang="en-US" sz="2800" dirty="0"/>
+              <a:rPr lang="en-US" sz="2800" dirty="0">
+                <a:latin typeface="Calibri" panose="020F0502020204030204" pitchFamily="34" charset="0"/>
+                <a:cs typeface="Calibri" panose="020F0502020204030204" pitchFamily="34" charset="0"/>
+              </a:rPr>
               <a:t> pot fi </a:t>
             </a:r>
             <a:r>
-              <a:rPr lang="en-US" sz="2800" dirty="0" err="1"/>
+              <a:rPr lang="en-US" sz="2800" dirty="0" err="1">
+                <a:latin typeface="Calibri" panose="020F0502020204030204" pitchFamily="34" charset="0"/>
+                <a:cs typeface="Calibri" panose="020F0502020204030204" pitchFamily="34" charset="0"/>
+              </a:rPr>
               <a:t>actualizate</a:t>
             </a:r>
             <a:r>
-              <a:rPr lang="en-US" sz="2800" dirty="0"/>
+              <a:rPr lang="en-US" sz="2800" dirty="0">
+                <a:latin typeface="Calibri" panose="020F0502020204030204" pitchFamily="34" charset="0"/>
+                <a:cs typeface="Calibri" panose="020F0502020204030204" pitchFamily="34" charset="0"/>
+              </a:rPr>
               <a:t> individual</a:t>
             </a:r>
-            <a:endParaRPr lang="en-US" sz="2800" dirty="0">
-              <a:latin typeface="Calibri" panose="020F0502020204030204" pitchFamily="34" charset="0"/>
-              <a:cs typeface="Calibri" panose="020F0502020204030204" pitchFamily="34" charset="0"/>
-            </a:endParaRPr>
           </a:p>
           <a:p>
             <a:pPr marL="457200" indent="-457200">
@@ -8526,7 +10428,7 @@
         </p:nvSpPr>
         <p:spPr>
           <a:xfrm>
-            <a:off x="1014609" y="1070037"/>
+            <a:off x="901875" y="1070037"/>
             <a:ext cx="11837096" cy="1015663"/>
           </a:xfrm>
           <a:prstGeom prst="rect">

--- a/files/documentation/presentation/Final_Presentation_Alexandru_Olteanu.pptx
+++ b/files/documentation/presentation/Final_Presentation_Alexandru_Olteanu.pptx
@@ -1431,7 +1431,7 @@
           <a:p>
             <a:fld id="{48A87A34-81AB-432B-8DAE-1953F412C126}" type="datetimeFigureOut">
               <a:rPr lang="en-US" smtClean="0"/>
-              <a:t>6/29/2024</a:t>
+              <a:t>7/2/2024</a:t>
             </a:fld>
             <a:endParaRPr lang="en-US" dirty="0"/>
           </a:p>
@@ -1674,7 +1674,7 @@
           <a:p>
             <a:fld id="{48A87A34-81AB-432B-8DAE-1953F412C126}" type="datetimeFigureOut">
               <a:rPr lang="en-US" smtClean="0"/>
-              <a:t>6/29/2024</a:t>
+              <a:t>7/2/2024</a:t>
             </a:fld>
             <a:endParaRPr lang="en-US" dirty="0"/>
           </a:p>
@@ -1859,7 +1859,7 @@
           <a:p>
             <a:fld id="{48A87A34-81AB-432B-8DAE-1953F412C126}" type="datetimeFigureOut">
               <a:rPr lang="en-US" smtClean="0"/>
-              <a:t>6/29/2024</a:t>
+              <a:t>7/2/2024</a:t>
             </a:fld>
             <a:endParaRPr lang="en-US" dirty="0"/>
           </a:p>
@@ -2237,7 +2237,7 @@
           <a:p>
             <a:fld id="{48A87A34-81AB-432B-8DAE-1953F412C126}" type="datetimeFigureOut">
               <a:rPr lang="en-US" smtClean="0"/>
-              <a:t>6/29/2024</a:t>
+              <a:t>7/2/2024</a:t>
             </a:fld>
             <a:endParaRPr lang="en-US" dirty="0"/>
           </a:p>
@@ -2517,7 +2517,7 @@
           <a:p>
             <a:fld id="{48A87A34-81AB-432B-8DAE-1953F412C126}" type="datetimeFigureOut">
               <a:rPr lang="en-US" smtClean="0"/>
-              <a:t>6/29/2024</a:t>
+              <a:t>7/2/2024</a:t>
             </a:fld>
             <a:endParaRPr lang="en-US" dirty="0"/>
           </a:p>
@@ -2786,7 +2786,7 @@
           <a:p>
             <a:fld id="{48A87A34-81AB-432B-8DAE-1953F412C126}" type="datetimeFigureOut">
               <a:rPr lang="en-US" smtClean="0"/>
-              <a:t>6/29/2024</a:t>
+              <a:t>7/2/2024</a:t>
             </a:fld>
             <a:endParaRPr lang="en-US" dirty="0"/>
           </a:p>
@@ -3234,7 +3234,7 @@
           <a:p>
             <a:fld id="{48A87A34-81AB-432B-8DAE-1953F412C126}" type="datetimeFigureOut">
               <a:rPr lang="en-US" smtClean="0"/>
-              <a:t>6/29/2024</a:t>
+              <a:t>7/2/2024</a:t>
             </a:fld>
             <a:endParaRPr lang="en-US" dirty="0"/>
           </a:p>
@@ -3384,7 +3384,7 @@
           <a:p>
             <a:fld id="{48A87A34-81AB-432B-8DAE-1953F412C126}" type="datetimeFigureOut">
               <a:rPr lang="en-US" smtClean="0"/>
-              <a:t>6/29/2024</a:t>
+              <a:t>7/2/2024</a:t>
             </a:fld>
             <a:endParaRPr lang="en-US" dirty="0"/>
           </a:p>
@@ -3480,7 +3480,7 @@
           <a:p>
             <a:fld id="{48A87A34-81AB-432B-8DAE-1953F412C126}" type="datetimeFigureOut">
               <a:rPr lang="en-US" smtClean="0"/>
-              <a:t>6/29/2024</a:t>
+              <a:t>7/2/2024</a:t>
             </a:fld>
             <a:endParaRPr lang="en-US" dirty="0"/>
           </a:p>
@@ -3733,7 +3733,7 @@
           <a:p>
             <a:fld id="{48A87A34-81AB-432B-8DAE-1953F412C126}" type="datetimeFigureOut">
               <a:rPr lang="en-US" smtClean="0"/>
-              <a:t>6/29/2024</a:t>
+              <a:t>7/2/2024</a:t>
             </a:fld>
             <a:endParaRPr lang="en-US" dirty="0"/>
           </a:p>
@@ -4180,7 +4180,7 @@
             <a:fld id="{48A87A34-81AB-432B-8DAE-1953F412C126}" type="datetimeFigureOut">
               <a:rPr lang="en-US" smtClean="0"/>
               <a:pPr/>
-              <a:t>6/29/2024</a:t>
+              <a:t>7/2/2024</a:t>
             </a:fld>
             <a:endParaRPr lang="en-US" dirty="0"/>
           </a:p>
@@ -4546,7 +4546,7 @@
             <a:fld id="{48A87A34-81AB-432B-8DAE-1953F412C126}" type="datetimeFigureOut">
               <a:rPr lang="en-US" smtClean="0"/>
               <a:pPr/>
-              <a:t>6/29/2024</a:t>
+              <a:t>7/2/2024</a:t>
             </a:fld>
             <a:endParaRPr lang="en-US" dirty="0"/>
           </a:p>
@@ -6135,6 +6135,459 @@
           </a:p>
         </p:txBody>
       </p:sp>
+      <p:sp>
+        <p:nvSpPr>
+          <p:cNvPr id="2" name="TextBox 1">
+            <a:extLst>
+              <a:ext uri="{FF2B5EF4-FFF2-40B4-BE49-F238E27FC236}">
+                <a16:creationId xmlns:a16="http://schemas.microsoft.com/office/drawing/2014/main" id="{E1B3E9B7-4B6D-A12F-908D-2D50DED6D3DB}"/>
+              </a:ext>
+            </a:extLst>
+          </p:cNvPr>
+          <p:cNvSpPr txBox="1"/>
+          <p:nvPr/>
+        </p:nvSpPr>
+        <p:spPr>
+          <a:xfrm>
+            <a:off x="789140" y="3729087"/>
+            <a:ext cx="11022904" cy="3539430"/>
+          </a:xfrm>
+          <a:prstGeom prst="rect">
+            <a:avLst/>
+          </a:prstGeom>
+          <a:noFill/>
+        </p:spPr>
+        <p:txBody>
+          <a:bodyPr wrap="square" rtlCol="0">
+            <a:spAutoFit/>
+          </a:bodyPr>
+          <a:lstStyle/>
+          <a:p>
+            <a:r>
+              <a:rPr lang="en-US" sz="3200" dirty="0" err="1">
+                <a:latin typeface="Calibri" panose="020F0502020204030204" pitchFamily="34" charset="0"/>
+                <a:cs typeface="Calibri" panose="020F0502020204030204" pitchFamily="34" charset="0"/>
+              </a:rPr>
+              <a:t>Paginarea</a:t>
+            </a:r>
+            <a:r>
+              <a:rPr lang="en-US" sz="3200" dirty="0">
+                <a:latin typeface="Calibri" panose="020F0502020204030204" pitchFamily="34" charset="0"/>
+                <a:cs typeface="Calibri" panose="020F0502020204030204" pitchFamily="34" charset="0"/>
+              </a:rPr>
+              <a:t> </a:t>
+            </a:r>
+            <a:r>
+              <a:rPr lang="en-US" sz="3200" dirty="0" err="1">
+                <a:latin typeface="Calibri" panose="020F0502020204030204" pitchFamily="34" charset="0"/>
+                <a:cs typeface="Calibri" panose="020F0502020204030204" pitchFamily="34" charset="0"/>
+              </a:rPr>
+              <a:t>rezultatelor</a:t>
+            </a:r>
+            <a:r>
+              <a:rPr lang="en-US" sz="3200" dirty="0">
+                <a:latin typeface="Calibri" panose="020F0502020204030204" pitchFamily="34" charset="0"/>
+                <a:cs typeface="Calibri" panose="020F0502020204030204" pitchFamily="34" charset="0"/>
+              </a:rPr>
+              <a:t> in </a:t>
+            </a:r>
+            <a:r>
+              <a:rPr lang="en-US" sz="3200" dirty="0" err="1">
+                <a:latin typeface="Calibri" panose="020F0502020204030204" pitchFamily="34" charset="0"/>
+                <a:cs typeface="Calibri" panose="020F0502020204030204" pitchFamily="34" charset="0"/>
+              </a:rPr>
+              <a:t>toate</a:t>
+            </a:r>
+            <a:r>
+              <a:rPr lang="en-US" sz="3200" dirty="0">
+                <a:latin typeface="Calibri" panose="020F0502020204030204" pitchFamily="34" charset="0"/>
+                <a:cs typeface="Calibri" panose="020F0502020204030204" pitchFamily="34" charset="0"/>
+              </a:rPr>
+              <a:t> flow-urile </a:t>
+            </a:r>
+            <a:r>
+              <a:rPr lang="en-US" sz="3200" dirty="0" err="1">
+                <a:latin typeface="Calibri" panose="020F0502020204030204" pitchFamily="34" charset="0"/>
+                <a:cs typeface="Calibri" panose="020F0502020204030204" pitchFamily="34" charset="0"/>
+              </a:rPr>
+              <a:t>aplicatiei</a:t>
+            </a:r>
+            <a:r>
+              <a:rPr lang="en-US" sz="3200" dirty="0">
+                <a:latin typeface="Calibri" panose="020F0502020204030204" pitchFamily="34" charset="0"/>
+                <a:cs typeface="Calibri" panose="020F0502020204030204" pitchFamily="34" charset="0"/>
+              </a:rPr>
+              <a:t> a </a:t>
+            </a:r>
+            <a:r>
+              <a:rPr lang="en-US" sz="3200" dirty="0" err="1">
+                <a:latin typeface="Calibri" panose="020F0502020204030204" pitchFamily="34" charset="0"/>
+                <a:cs typeface="Calibri" panose="020F0502020204030204" pitchFamily="34" charset="0"/>
+              </a:rPr>
+              <a:t>fost</a:t>
+            </a:r>
+            <a:r>
+              <a:rPr lang="en-US" sz="3200" dirty="0">
+                <a:latin typeface="Calibri" panose="020F0502020204030204" pitchFamily="34" charset="0"/>
+                <a:cs typeface="Calibri" panose="020F0502020204030204" pitchFamily="34" charset="0"/>
+              </a:rPr>
+              <a:t> </a:t>
+            </a:r>
+            <a:r>
+              <a:rPr lang="en-US" sz="3200" dirty="0" err="1">
+                <a:latin typeface="Calibri" panose="020F0502020204030204" pitchFamily="34" charset="0"/>
+                <a:cs typeface="Calibri" panose="020F0502020204030204" pitchFamily="34" charset="0"/>
+              </a:rPr>
+              <a:t>realizata</a:t>
+            </a:r>
+            <a:r>
+              <a:rPr lang="en-US" sz="3200" dirty="0">
+                <a:latin typeface="Calibri" panose="020F0502020204030204" pitchFamily="34" charset="0"/>
+                <a:cs typeface="Calibri" panose="020F0502020204030204" pitchFamily="34" charset="0"/>
+              </a:rPr>
+              <a:t> cu </a:t>
+            </a:r>
+            <a:r>
+              <a:rPr lang="en-US" sz="3200" dirty="0" err="1">
+                <a:latin typeface="Calibri" panose="020F0502020204030204" pitchFamily="34" charset="0"/>
+                <a:cs typeface="Calibri" panose="020F0502020204030204" pitchFamily="34" charset="0"/>
+              </a:rPr>
+              <a:t>ajutorul</a:t>
+            </a:r>
+            <a:r>
+              <a:rPr lang="en-US" sz="3200" dirty="0">
+                <a:latin typeface="Calibri" panose="020F0502020204030204" pitchFamily="34" charset="0"/>
+                <a:cs typeface="Calibri" panose="020F0502020204030204" pitchFamily="34" charset="0"/>
+              </a:rPr>
+              <a:t> </a:t>
+            </a:r>
+            <a:r>
+              <a:rPr lang="en-US" sz="3200" i="1" dirty="0">
+                <a:solidFill>
+                  <a:srgbClr val="FF0000"/>
+                </a:solidFill>
+                <a:latin typeface="Calibri" panose="020F0502020204030204" pitchFamily="34" charset="0"/>
+                <a:cs typeface="Calibri" panose="020F0502020204030204" pitchFamily="34" charset="0"/>
+              </a:rPr>
+              <a:t>Pageable</a:t>
+            </a:r>
+            <a:r>
+              <a:rPr lang="en-US" sz="3200" dirty="0">
+                <a:latin typeface="Calibri" panose="020F0502020204030204" pitchFamily="34" charset="0"/>
+                <a:cs typeface="Calibri" panose="020F0502020204030204" pitchFamily="34" charset="0"/>
+              </a:rPr>
+              <a:t> din Spring </a:t>
+            </a:r>
+            <a:r>
+              <a:rPr lang="en-US" sz="3200" dirty="0" err="1">
+                <a:latin typeface="Calibri" panose="020F0502020204030204" pitchFamily="34" charset="0"/>
+                <a:cs typeface="Calibri" panose="020F0502020204030204" pitchFamily="34" charset="0"/>
+              </a:rPr>
+              <a:t>si</a:t>
+            </a:r>
+            <a:r>
+              <a:rPr lang="en-US" sz="3200" dirty="0">
+                <a:latin typeface="Calibri" panose="020F0502020204030204" pitchFamily="34" charset="0"/>
+                <a:cs typeface="Calibri" panose="020F0502020204030204" pitchFamily="34" charset="0"/>
+              </a:rPr>
+              <a:t> are </a:t>
+            </a:r>
+            <a:r>
+              <a:rPr lang="en-US" sz="3200" dirty="0" err="1">
+                <a:latin typeface="Calibri" panose="020F0502020204030204" pitchFamily="34" charset="0"/>
+                <a:cs typeface="Calibri" panose="020F0502020204030204" pitchFamily="34" charset="0"/>
+              </a:rPr>
+              <a:t>urmatoarele</a:t>
+            </a:r>
+            <a:r>
+              <a:rPr lang="en-US" sz="3200" dirty="0">
+                <a:latin typeface="Calibri" panose="020F0502020204030204" pitchFamily="34" charset="0"/>
+                <a:cs typeface="Calibri" panose="020F0502020204030204" pitchFamily="34" charset="0"/>
+              </a:rPr>
+              <a:t> </a:t>
+            </a:r>
+            <a:r>
+              <a:rPr lang="en-US" sz="3200" dirty="0" err="1">
+                <a:latin typeface="Calibri" panose="020F0502020204030204" pitchFamily="34" charset="0"/>
+                <a:cs typeface="Calibri" panose="020F0502020204030204" pitchFamily="34" charset="0"/>
+              </a:rPr>
+              <a:t>avantaje</a:t>
+            </a:r>
+            <a:r>
+              <a:rPr lang="en-US" sz="3200" dirty="0">
+                <a:latin typeface="Calibri" panose="020F0502020204030204" pitchFamily="34" charset="0"/>
+                <a:cs typeface="Calibri" panose="020F0502020204030204" pitchFamily="34" charset="0"/>
+              </a:rPr>
+              <a:t>:</a:t>
+            </a:r>
+            <a:endParaRPr lang="en-US" sz="3200" i="1" dirty="0">
+              <a:solidFill>
+                <a:srgbClr val="FF0000"/>
+              </a:solidFill>
+              <a:latin typeface="Calibri" panose="020F0502020204030204" pitchFamily="34" charset="0"/>
+              <a:cs typeface="Calibri" panose="020F0502020204030204" pitchFamily="34" charset="0"/>
+            </a:endParaRPr>
+          </a:p>
+          <a:p>
+            <a:pPr marL="285750" indent="-285750">
+              <a:buFont typeface="Arial" panose="020B0604020202020204" pitchFamily="34" charset="0"/>
+              <a:buChar char="•"/>
+            </a:pPr>
+            <a:r>
+              <a:rPr lang="en-US" sz="3200" dirty="0" err="1">
+                <a:latin typeface="Calibri" panose="020F0502020204030204" pitchFamily="34" charset="0"/>
+                <a:cs typeface="Calibri" panose="020F0502020204030204" pitchFamily="34" charset="0"/>
+              </a:rPr>
+              <a:t>Imbunatateste</a:t>
+            </a:r>
+            <a:r>
+              <a:rPr lang="en-US" sz="3200" dirty="0">
+                <a:latin typeface="Calibri" panose="020F0502020204030204" pitchFamily="34" charset="0"/>
+                <a:cs typeface="Calibri" panose="020F0502020204030204" pitchFamily="34" charset="0"/>
+              </a:rPr>
+              <a:t> </a:t>
+            </a:r>
+            <a:r>
+              <a:rPr lang="en-US" sz="3200" dirty="0" err="1">
+                <a:latin typeface="Calibri" panose="020F0502020204030204" pitchFamily="34" charset="0"/>
+                <a:cs typeface="Calibri" panose="020F0502020204030204" pitchFamily="34" charset="0"/>
+              </a:rPr>
+              <a:t>considerabil</a:t>
+            </a:r>
+            <a:r>
+              <a:rPr lang="en-US" sz="3200" dirty="0">
+                <a:latin typeface="Calibri" panose="020F0502020204030204" pitchFamily="34" charset="0"/>
+                <a:cs typeface="Calibri" panose="020F0502020204030204" pitchFamily="34" charset="0"/>
+              </a:rPr>
+              <a:t> </a:t>
+            </a:r>
+            <a:r>
+              <a:rPr lang="en-US" sz="3200" dirty="0" err="1">
+                <a:latin typeface="Calibri" panose="020F0502020204030204" pitchFamily="34" charset="0"/>
+                <a:cs typeface="Calibri" panose="020F0502020204030204" pitchFamily="34" charset="0"/>
+              </a:rPr>
+              <a:t>performanta</a:t>
+            </a:r>
+            <a:endParaRPr lang="en-US" sz="3200" dirty="0">
+              <a:latin typeface="Calibri" panose="020F0502020204030204" pitchFamily="34" charset="0"/>
+              <a:cs typeface="Calibri" panose="020F0502020204030204" pitchFamily="34" charset="0"/>
+            </a:endParaRPr>
+          </a:p>
+          <a:p>
+            <a:pPr marL="285750" indent="-285750">
+              <a:buFont typeface="Arial" panose="020B0604020202020204" pitchFamily="34" charset="0"/>
+              <a:buChar char="•"/>
+            </a:pPr>
+            <a:r>
+              <a:rPr lang="en-US" sz="3200" dirty="0" err="1">
+                <a:latin typeface="Calibri" panose="020F0502020204030204" pitchFamily="34" charset="0"/>
+                <a:cs typeface="Calibri" panose="020F0502020204030204" pitchFamily="34" charset="0"/>
+              </a:rPr>
+              <a:t>Permiterea</a:t>
+            </a:r>
+            <a:r>
+              <a:rPr lang="en-US" sz="3200" dirty="0">
+                <a:latin typeface="Calibri" panose="020F0502020204030204" pitchFamily="34" charset="0"/>
+                <a:cs typeface="Calibri" panose="020F0502020204030204" pitchFamily="34" charset="0"/>
+              </a:rPr>
+              <a:t> </a:t>
+            </a:r>
+            <a:r>
+              <a:rPr lang="en-US" sz="3200" dirty="0" err="1">
+                <a:latin typeface="Calibri" panose="020F0502020204030204" pitchFamily="34" charset="0"/>
+                <a:cs typeface="Calibri" panose="020F0502020204030204" pitchFamily="34" charset="0"/>
+              </a:rPr>
+              <a:t>scalarea</a:t>
+            </a:r>
+            <a:r>
+              <a:rPr lang="en-US" sz="3200" dirty="0">
+                <a:latin typeface="Calibri" panose="020F0502020204030204" pitchFamily="34" charset="0"/>
+                <a:cs typeface="Calibri" panose="020F0502020204030204" pitchFamily="34" charset="0"/>
+              </a:rPr>
+              <a:t> </a:t>
+            </a:r>
+            <a:r>
+              <a:rPr lang="en-US" sz="3200" dirty="0" err="1">
+                <a:latin typeface="Calibri" panose="020F0502020204030204" pitchFamily="34" charset="0"/>
+                <a:cs typeface="Calibri" panose="020F0502020204030204" pitchFamily="34" charset="0"/>
+              </a:rPr>
+              <a:t>dimensiunilor</a:t>
+            </a:r>
+            <a:r>
+              <a:rPr lang="en-US" sz="3200" dirty="0">
+                <a:latin typeface="Calibri" panose="020F0502020204030204" pitchFamily="34" charset="0"/>
+                <a:cs typeface="Calibri" panose="020F0502020204030204" pitchFamily="34" charset="0"/>
+              </a:rPr>
+              <a:t> </a:t>
+            </a:r>
+            <a:r>
+              <a:rPr lang="en-US" sz="3200" dirty="0" err="1">
+                <a:latin typeface="Calibri" panose="020F0502020204030204" pitchFamily="34" charset="0"/>
+                <a:cs typeface="Calibri" panose="020F0502020204030204" pitchFamily="34" charset="0"/>
+              </a:rPr>
+              <a:t>datelor</a:t>
+            </a:r>
+            <a:endParaRPr lang="en-US" sz="3200" dirty="0">
+              <a:latin typeface="Calibri" panose="020F0502020204030204" pitchFamily="34" charset="0"/>
+              <a:cs typeface="Calibri" panose="020F0502020204030204" pitchFamily="34" charset="0"/>
+            </a:endParaRPr>
+          </a:p>
+          <a:p>
+            <a:pPr marL="285750" indent="-285750">
+              <a:buFont typeface="Arial" panose="020B0604020202020204" pitchFamily="34" charset="0"/>
+              <a:buChar char="•"/>
+            </a:pPr>
+            <a:r>
+              <a:rPr lang="en-US" sz="3200" dirty="0">
+                <a:latin typeface="Calibri" panose="020F0502020204030204" pitchFamily="34" charset="0"/>
+                <a:cs typeface="Calibri" panose="020F0502020204030204" pitchFamily="34" charset="0"/>
+              </a:rPr>
+              <a:t>Reduce </a:t>
+            </a:r>
+            <a:r>
+              <a:rPr lang="en-US" sz="3200" dirty="0" err="1">
+                <a:latin typeface="Calibri" panose="020F0502020204030204" pitchFamily="34" charset="0"/>
+                <a:cs typeface="Calibri" panose="020F0502020204030204" pitchFamily="34" charset="0"/>
+              </a:rPr>
+              <a:t>consumul</a:t>
+            </a:r>
+            <a:r>
+              <a:rPr lang="en-US" sz="3200" dirty="0">
+                <a:latin typeface="Calibri" panose="020F0502020204030204" pitchFamily="34" charset="0"/>
+                <a:cs typeface="Calibri" panose="020F0502020204030204" pitchFamily="34" charset="0"/>
+              </a:rPr>
+              <a:t> </a:t>
+            </a:r>
+            <a:r>
+              <a:rPr lang="en-US" sz="3200" dirty="0" err="1">
+                <a:latin typeface="Calibri" panose="020F0502020204030204" pitchFamily="34" charset="0"/>
+                <a:cs typeface="Calibri" panose="020F0502020204030204" pitchFamily="34" charset="0"/>
+              </a:rPr>
+              <a:t>resurselor</a:t>
+            </a:r>
+            <a:r>
+              <a:rPr lang="en-US" sz="3200" dirty="0">
+                <a:latin typeface="Calibri" panose="020F0502020204030204" pitchFamily="34" charset="0"/>
+                <a:cs typeface="Calibri" panose="020F0502020204030204" pitchFamily="34" charset="0"/>
+              </a:rPr>
+              <a:t> in frontend</a:t>
+            </a:r>
+          </a:p>
+          <a:p>
+            <a:pPr marL="285750" indent="-285750">
+              <a:buFont typeface="Arial" panose="020B0604020202020204" pitchFamily="34" charset="0"/>
+              <a:buChar char="•"/>
+            </a:pPr>
+            <a:r>
+              <a:rPr lang="en-US" sz="3200" dirty="0" err="1">
+                <a:latin typeface="Calibri" panose="020F0502020204030204" pitchFamily="34" charset="0"/>
+                <a:cs typeface="Calibri" panose="020F0502020204030204" pitchFamily="34" charset="0"/>
+              </a:rPr>
+              <a:t>Usurinta</a:t>
+            </a:r>
+            <a:r>
+              <a:rPr lang="en-US" sz="3200" dirty="0">
+                <a:latin typeface="Calibri" panose="020F0502020204030204" pitchFamily="34" charset="0"/>
+                <a:cs typeface="Calibri" panose="020F0502020204030204" pitchFamily="34" charset="0"/>
+              </a:rPr>
+              <a:t> in </a:t>
+            </a:r>
+            <a:r>
+              <a:rPr lang="en-US" sz="3200" dirty="0" err="1">
+                <a:latin typeface="Calibri" panose="020F0502020204030204" pitchFamily="34" charset="0"/>
+                <a:cs typeface="Calibri" panose="020F0502020204030204" pitchFamily="34" charset="0"/>
+              </a:rPr>
+              <a:t>implementare</a:t>
+            </a:r>
+            <a:r>
+              <a:rPr lang="en-US" sz="3200" dirty="0">
+                <a:latin typeface="Calibri" panose="020F0502020204030204" pitchFamily="34" charset="0"/>
+                <a:cs typeface="Calibri" panose="020F0502020204030204" pitchFamily="34" charset="0"/>
+              </a:rPr>
+              <a:t> </a:t>
+            </a:r>
+            <a:r>
+              <a:rPr lang="en-US" sz="3200" dirty="0" err="1">
+                <a:latin typeface="Calibri" panose="020F0502020204030204" pitchFamily="34" charset="0"/>
+                <a:cs typeface="Calibri" panose="020F0502020204030204" pitchFamily="34" charset="0"/>
+              </a:rPr>
+              <a:t>si</a:t>
+            </a:r>
+            <a:r>
+              <a:rPr lang="en-US" sz="3200" dirty="0">
+                <a:latin typeface="Calibri" panose="020F0502020204030204" pitchFamily="34" charset="0"/>
+                <a:cs typeface="Calibri" panose="020F0502020204030204" pitchFamily="34" charset="0"/>
+              </a:rPr>
+              <a:t> </a:t>
+            </a:r>
+            <a:r>
+              <a:rPr lang="en-US" sz="3200" dirty="0" err="1">
+                <a:latin typeface="Calibri" panose="020F0502020204030204" pitchFamily="34" charset="0"/>
+                <a:cs typeface="Calibri" panose="020F0502020204030204" pitchFamily="34" charset="0"/>
+              </a:rPr>
+              <a:t>trimitere</a:t>
+            </a:r>
+            <a:r>
+              <a:rPr lang="en-US" sz="3200" dirty="0">
+                <a:latin typeface="Calibri" panose="020F0502020204030204" pitchFamily="34" charset="0"/>
+                <a:cs typeface="Calibri" panose="020F0502020204030204" pitchFamily="34" charset="0"/>
+              </a:rPr>
+              <a:t> a </a:t>
+            </a:r>
+            <a:r>
+              <a:rPr lang="en-US" sz="3200" dirty="0" err="1">
+                <a:latin typeface="Calibri" panose="020F0502020204030204" pitchFamily="34" charset="0"/>
+                <a:cs typeface="Calibri" panose="020F0502020204030204" pitchFamily="34" charset="0"/>
+              </a:rPr>
+              <a:t>datelor</a:t>
+            </a:r>
+            <a:r>
+              <a:rPr lang="en-US" sz="3200" dirty="0">
+                <a:latin typeface="Calibri" panose="020F0502020204030204" pitchFamily="34" charset="0"/>
+                <a:cs typeface="Calibri" panose="020F0502020204030204" pitchFamily="34" charset="0"/>
+              </a:rPr>
+              <a:t> </a:t>
+            </a:r>
+            <a:r>
+              <a:rPr lang="en-US" sz="3200" dirty="0" err="1">
+                <a:latin typeface="Calibri" panose="020F0502020204030204" pitchFamily="34" charset="0"/>
+                <a:cs typeface="Calibri" panose="020F0502020204030204" pitchFamily="34" charset="0"/>
+              </a:rPr>
+              <a:t>necesare</a:t>
+            </a:r>
+            <a:r>
+              <a:rPr lang="en-US" sz="3200" dirty="0">
+                <a:latin typeface="Calibri" panose="020F0502020204030204" pitchFamily="34" charset="0"/>
+                <a:cs typeface="Calibri" panose="020F0502020204030204" pitchFamily="34" charset="0"/>
+              </a:rPr>
+              <a:t> </a:t>
+            </a:r>
+            <a:r>
+              <a:rPr lang="en-US" sz="3200" dirty="0" err="1">
+                <a:latin typeface="Calibri" panose="020F0502020204030204" pitchFamily="34" charset="0"/>
+                <a:cs typeface="Calibri" panose="020F0502020204030204" pitchFamily="34" charset="0"/>
+              </a:rPr>
+              <a:t>catre</a:t>
+            </a:r>
+            <a:r>
+              <a:rPr lang="en-US" sz="3200" dirty="0">
+                <a:latin typeface="Calibri" panose="020F0502020204030204" pitchFamily="34" charset="0"/>
+                <a:cs typeface="Calibri" panose="020F0502020204030204" pitchFamily="34" charset="0"/>
+              </a:rPr>
+              <a:t> </a:t>
+            </a:r>
+          </a:p>
+          <a:p>
+            <a:r>
+              <a:rPr lang="en-US" sz="3200" dirty="0">
+                <a:latin typeface="Calibri" panose="020F0502020204030204" pitchFamily="34" charset="0"/>
+                <a:cs typeface="Calibri" panose="020F0502020204030204" pitchFamily="34" charset="0"/>
+              </a:rPr>
+              <a:t>frontend</a:t>
+            </a:r>
+          </a:p>
+        </p:txBody>
+      </p:sp>
     </p:spTree>
     <p:extLst>
       <p:ext uri="{BB962C8B-B14F-4D97-AF65-F5344CB8AC3E}">
@@ -6265,7 +6718,7 @@
         </p:blipFill>
         <p:spPr>
           <a:xfrm>
-            <a:off x="8240908" y="4876800"/>
+            <a:off x="8616689" y="5027112"/>
             <a:ext cx="4192188" cy="4204765"/>
           </a:xfrm>
           <a:prstGeom prst="rect">
@@ -6273,6 +6726,809 @@
           </a:prstGeom>
         </p:spPr>
       </p:pic>
+      <p:sp>
+        <p:nvSpPr>
+          <p:cNvPr id="3" name="TextBox 2">
+            <a:extLst>
+              <a:ext uri="{FF2B5EF4-FFF2-40B4-BE49-F238E27FC236}">
+                <a16:creationId xmlns:a16="http://schemas.microsoft.com/office/drawing/2014/main" id="{93558807-8CA6-C8CF-C56E-8EFC41130AB0}"/>
+              </a:ext>
+            </a:extLst>
+          </p:cNvPr>
+          <p:cNvSpPr txBox="1"/>
+          <p:nvPr/>
+        </p:nvSpPr>
+        <p:spPr>
+          <a:xfrm>
+            <a:off x="584230" y="3115311"/>
+            <a:ext cx="11022904" cy="4832092"/>
+          </a:xfrm>
+          <a:prstGeom prst="rect">
+            <a:avLst/>
+          </a:prstGeom>
+          <a:noFill/>
+        </p:spPr>
+        <p:txBody>
+          <a:bodyPr wrap="square" rtlCol="0">
+            <a:spAutoFit/>
+          </a:bodyPr>
+          <a:lstStyle/>
+          <a:p>
+            <a:r>
+              <a:rPr lang="en-US" sz="2800" dirty="0" err="1">
+                <a:latin typeface="Calibri" panose="020F0502020204030204" pitchFamily="34" charset="0"/>
+                <a:cs typeface="Calibri" panose="020F0502020204030204" pitchFamily="34" charset="0"/>
+              </a:rPr>
+              <a:t>Functionalitatea</a:t>
+            </a:r>
+            <a:r>
+              <a:rPr lang="en-US" sz="2800" dirty="0">
+                <a:latin typeface="Calibri" panose="020F0502020204030204" pitchFamily="34" charset="0"/>
+                <a:cs typeface="Calibri" panose="020F0502020204030204" pitchFamily="34" charset="0"/>
+              </a:rPr>
+              <a:t> de </a:t>
+            </a:r>
+            <a:r>
+              <a:rPr lang="en-US" sz="2800" dirty="0" err="1">
+                <a:latin typeface="Calibri" panose="020F0502020204030204" pitchFamily="34" charset="0"/>
+                <a:cs typeface="Calibri" panose="020F0502020204030204" pitchFamily="34" charset="0"/>
+              </a:rPr>
+              <a:t>cautare</a:t>
+            </a:r>
+            <a:r>
+              <a:rPr lang="en-US" sz="2800" dirty="0">
+                <a:latin typeface="Calibri" panose="020F0502020204030204" pitchFamily="34" charset="0"/>
+                <a:cs typeface="Calibri" panose="020F0502020204030204" pitchFamily="34" charset="0"/>
+              </a:rPr>
+              <a:t> a </a:t>
+            </a:r>
+            <a:r>
+              <a:rPr lang="en-US" sz="2800" dirty="0" err="1">
+                <a:latin typeface="Calibri" panose="020F0502020204030204" pitchFamily="34" charset="0"/>
+                <a:cs typeface="Calibri" panose="020F0502020204030204" pitchFamily="34" charset="0"/>
+              </a:rPr>
+              <a:t>produselor</a:t>
+            </a:r>
+            <a:r>
+              <a:rPr lang="en-US" sz="2800" dirty="0">
+                <a:latin typeface="Calibri" panose="020F0502020204030204" pitchFamily="34" charset="0"/>
+                <a:cs typeface="Calibri" panose="020F0502020204030204" pitchFamily="34" charset="0"/>
+              </a:rPr>
+              <a:t> a </a:t>
+            </a:r>
+            <a:r>
+              <a:rPr lang="en-US" sz="2800" dirty="0" err="1">
+                <a:latin typeface="Calibri" panose="020F0502020204030204" pitchFamily="34" charset="0"/>
+                <a:cs typeface="Calibri" panose="020F0502020204030204" pitchFamily="34" charset="0"/>
+              </a:rPr>
+              <a:t>fost</a:t>
+            </a:r>
+            <a:r>
+              <a:rPr lang="en-US" sz="2800" dirty="0">
+                <a:latin typeface="Calibri" panose="020F0502020204030204" pitchFamily="34" charset="0"/>
+                <a:cs typeface="Calibri" panose="020F0502020204030204" pitchFamily="34" charset="0"/>
+              </a:rPr>
+              <a:t> </a:t>
+            </a:r>
+            <a:r>
+              <a:rPr lang="en-US" sz="2800" dirty="0" err="1">
+                <a:latin typeface="Calibri" panose="020F0502020204030204" pitchFamily="34" charset="0"/>
+                <a:cs typeface="Calibri" panose="020F0502020204030204" pitchFamily="34" charset="0"/>
+              </a:rPr>
+              <a:t>implementata</a:t>
+            </a:r>
+            <a:r>
+              <a:rPr lang="en-US" sz="2800" dirty="0">
+                <a:latin typeface="Calibri" panose="020F0502020204030204" pitchFamily="34" charset="0"/>
+                <a:cs typeface="Calibri" panose="020F0502020204030204" pitchFamily="34" charset="0"/>
+              </a:rPr>
+              <a:t> </a:t>
+            </a:r>
+            <a:r>
+              <a:rPr lang="en-US" sz="2800" dirty="0" err="1">
+                <a:latin typeface="Calibri" panose="020F0502020204030204" pitchFamily="34" charset="0"/>
+                <a:cs typeface="Calibri" panose="020F0502020204030204" pitchFamily="34" charset="0"/>
+              </a:rPr>
+              <a:t>folosind</a:t>
+            </a:r>
+            <a:r>
+              <a:rPr lang="en-US" sz="2800" dirty="0">
+                <a:latin typeface="Calibri" panose="020F0502020204030204" pitchFamily="34" charset="0"/>
+                <a:cs typeface="Calibri" panose="020F0502020204030204" pitchFamily="34" charset="0"/>
+              </a:rPr>
+              <a:t> </a:t>
+            </a:r>
+            <a:r>
+              <a:rPr lang="en-US" sz="2800" dirty="0" err="1">
+                <a:latin typeface="Calibri" panose="020F0502020204030204" pitchFamily="34" charset="0"/>
+                <a:cs typeface="Calibri" panose="020F0502020204030204" pitchFamily="34" charset="0"/>
+              </a:rPr>
+              <a:t>libraria</a:t>
+            </a:r>
+            <a:r>
+              <a:rPr lang="en-US" sz="2800" dirty="0">
+                <a:latin typeface="Calibri" panose="020F0502020204030204" pitchFamily="34" charset="0"/>
+                <a:cs typeface="Calibri" panose="020F0502020204030204" pitchFamily="34" charset="0"/>
+              </a:rPr>
+              <a:t> </a:t>
+            </a:r>
+            <a:r>
+              <a:rPr lang="en-US" sz="2800" i="1" dirty="0">
+                <a:solidFill>
+                  <a:srgbClr val="FF0000"/>
+                </a:solidFill>
+                <a:latin typeface="Calibri" panose="020F0502020204030204" pitchFamily="34" charset="0"/>
+                <a:cs typeface="Calibri" panose="020F0502020204030204" pitchFamily="34" charset="0"/>
+              </a:rPr>
+              <a:t>Lucene</a:t>
+            </a:r>
+            <a:r>
+              <a:rPr lang="en-US" sz="2800" dirty="0">
+                <a:latin typeface="Calibri" panose="020F0502020204030204" pitchFamily="34" charset="0"/>
+                <a:cs typeface="Calibri" panose="020F0502020204030204" pitchFamily="34" charset="0"/>
+              </a:rPr>
+              <a:t>,</a:t>
+            </a:r>
+            <a:r>
+              <a:rPr lang="en-US" sz="2800" i="1" dirty="0">
+                <a:solidFill>
+                  <a:srgbClr val="FF0000"/>
+                </a:solidFill>
+                <a:latin typeface="Calibri" panose="020F0502020204030204" pitchFamily="34" charset="0"/>
+                <a:cs typeface="Calibri" panose="020F0502020204030204" pitchFamily="34" charset="0"/>
+              </a:rPr>
+              <a:t> </a:t>
+            </a:r>
+            <a:r>
+              <a:rPr lang="en-US" sz="2800" dirty="0" err="1">
+                <a:latin typeface="Calibri" panose="020F0502020204030204" pitchFamily="34" charset="0"/>
+                <a:cs typeface="Calibri" panose="020F0502020204030204" pitchFamily="34" charset="0"/>
+              </a:rPr>
+              <a:t>bazata</a:t>
+            </a:r>
+            <a:r>
+              <a:rPr lang="en-US" sz="2800" dirty="0">
+                <a:latin typeface="Calibri" panose="020F0502020204030204" pitchFamily="34" charset="0"/>
+                <a:cs typeface="Calibri" panose="020F0502020204030204" pitchFamily="34" charset="0"/>
+              </a:rPr>
+              <a:t> pe </a:t>
+            </a:r>
+            <a:r>
+              <a:rPr lang="en-US" sz="2800" dirty="0" err="1">
+                <a:latin typeface="Calibri" panose="020F0502020204030204" pitchFamily="34" charset="0"/>
+                <a:cs typeface="Calibri" panose="020F0502020204030204" pitchFamily="34" charset="0"/>
+              </a:rPr>
+              <a:t>algoritmul</a:t>
+            </a:r>
+            <a:r>
+              <a:rPr lang="en-US" sz="2800" dirty="0">
+                <a:latin typeface="Calibri" panose="020F0502020204030204" pitchFamily="34" charset="0"/>
+                <a:cs typeface="Calibri" panose="020F0502020204030204" pitchFamily="34" charset="0"/>
+              </a:rPr>
+              <a:t> de </a:t>
+            </a:r>
+            <a:r>
+              <a:rPr lang="en-US" sz="2800" dirty="0" err="1">
+                <a:latin typeface="Calibri" panose="020F0502020204030204" pitchFamily="34" charset="0"/>
+                <a:cs typeface="Calibri" panose="020F0502020204030204" pitchFamily="34" charset="0"/>
+              </a:rPr>
+              <a:t>distanta</a:t>
+            </a:r>
+            <a:r>
+              <a:rPr lang="en-US" sz="2800" dirty="0">
+                <a:latin typeface="Calibri" panose="020F0502020204030204" pitchFamily="34" charset="0"/>
+                <a:cs typeface="Calibri" panose="020F0502020204030204" pitchFamily="34" charset="0"/>
+              </a:rPr>
+              <a:t> </a:t>
+            </a:r>
+            <a:r>
+              <a:rPr lang="en-US" sz="2800" dirty="0" err="1">
+                <a:latin typeface="Calibri" panose="020F0502020204030204" pitchFamily="34" charset="0"/>
+                <a:cs typeface="Calibri" panose="020F0502020204030204" pitchFamily="34" charset="0"/>
+              </a:rPr>
+              <a:t>Levenshtein</a:t>
+            </a:r>
+            <a:r>
+              <a:rPr lang="en-US" sz="2800" dirty="0">
+                <a:latin typeface="Calibri" panose="020F0502020204030204" pitchFamily="34" charset="0"/>
+                <a:cs typeface="Calibri" panose="020F0502020204030204" pitchFamily="34" charset="0"/>
+              </a:rPr>
+              <a:t>.</a:t>
+            </a:r>
+            <a:r>
+              <a:rPr lang="en-US" sz="2800" i="1" dirty="0">
+                <a:solidFill>
+                  <a:srgbClr val="FF0000"/>
+                </a:solidFill>
+                <a:latin typeface="Calibri" panose="020F0502020204030204" pitchFamily="34" charset="0"/>
+                <a:cs typeface="Calibri" panose="020F0502020204030204" pitchFamily="34" charset="0"/>
+              </a:rPr>
+              <a:t> </a:t>
+            </a:r>
+            <a:r>
+              <a:rPr lang="en-US" sz="2800" dirty="0">
+                <a:latin typeface="Calibri" panose="020F0502020204030204" pitchFamily="34" charset="0"/>
+                <a:cs typeface="Calibri" panose="020F0502020204030204" pitchFamily="34" charset="0"/>
+              </a:rPr>
+              <a:t>Ce ne </a:t>
+            </a:r>
+            <a:r>
+              <a:rPr lang="en-US" sz="2800" dirty="0" err="1">
+                <a:latin typeface="Calibri" panose="020F0502020204030204" pitchFamily="34" charset="0"/>
+                <a:cs typeface="Calibri" panose="020F0502020204030204" pitchFamily="34" charset="0"/>
+              </a:rPr>
+              <a:t>este</a:t>
+            </a:r>
+            <a:r>
+              <a:rPr lang="en-US" sz="2800" dirty="0">
+                <a:latin typeface="Calibri" panose="020F0502020204030204" pitchFamily="34" charset="0"/>
+                <a:cs typeface="Calibri" panose="020F0502020204030204" pitchFamily="34" charset="0"/>
+              </a:rPr>
+              <a:t> </a:t>
+            </a:r>
+            <a:r>
+              <a:rPr lang="en-US" sz="2800" dirty="0" err="1">
+                <a:latin typeface="Calibri" panose="020F0502020204030204" pitchFamily="34" charset="0"/>
+                <a:cs typeface="Calibri" panose="020F0502020204030204" pitchFamily="34" charset="0"/>
+              </a:rPr>
+              <a:t>oferit</a:t>
+            </a:r>
+            <a:r>
+              <a:rPr lang="en-US" sz="2800" dirty="0">
+                <a:latin typeface="Calibri" panose="020F0502020204030204" pitchFamily="34" charset="0"/>
+                <a:cs typeface="Calibri" panose="020F0502020204030204" pitchFamily="34" charset="0"/>
+              </a:rPr>
+              <a:t>?</a:t>
+            </a:r>
+          </a:p>
+          <a:p>
+            <a:pPr marL="457200" indent="-457200">
+              <a:buFont typeface="Arial" panose="020B0604020202020204" pitchFamily="34" charset="0"/>
+              <a:buChar char="•"/>
+            </a:pPr>
+            <a:r>
+              <a:rPr lang="en-US" sz="2800" dirty="0">
+                <a:latin typeface="Calibri" panose="020F0502020204030204" pitchFamily="34" charset="0"/>
+                <a:cs typeface="Calibri" panose="020F0502020204030204" pitchFamily="34" charset="0"/>
+              </a:rPr>
+              <a:t>O </a:t>
+            </a:r>
+            <a:r>
+              <a:rPr lang="en-US" sz="2800" dirty="0" err="1">
+                <a:latin typeface="Calibri" panose="020F0502020204030204" pitchFamily="34" charset="0"/>
+                <a:cs typeface="Calibri" panose="020F0502020204030204" pitchFamily="34" charset="0"/>
+              </a:rPr>
+              <a:t>librarie</a:t>
+            </a:r>
+            <a:r>
+              <a:rPr lang="en-US" sz="2800" dirty="0">
+                <a:latin typeface="Calibri" panose="020F0502020204030204" pitchFamily="34" charset="0"/>
+                <a:cs typeface="Calibri" panose="020F0502020204030204" pitchFamily="34" charset="0"/>
+              </a:rPr>
+              <a:t> </a:t>
+            </a:r>
+            <a:r>
+              <a:rPr lang="en-US" sz="2800" dirty="0" err="1">
+                <a:latin typeface="Calibri" panose="020F0502020204030204" pitchFamily="34" charset="0"/>
+                <a:cs typeface="Calibri" panose="020F0502020204030204" pitchFamily="34" charset="0"/>
+              </a:rPr>
+              <a:t>actuala</a:t>
+            </a:r>
+            <a:r>
+              <a:rPr lang="en-US" sz="2800" dirty="0">
+                <a:latin typeface="Calibri" panose="020F0502020204030204" pitchFamily="34" charset="0"/>
+                <a:cs typeface="Calibri" panose="020F0502020204030204" pitchFamily="34" charset="0"/>
+              </a:rPr>
+              <a:t> </a:t>
+            </a:r>
+            <a:r>
+              <a:rPr lang="en-US" sz="2800" dirty="0" err="1">
+                <a:latin typeface="Calibri" panose="020F0502020204030204" pitchFamily="34" charset="0"/>
+                <a:cs typeface="Calibri" panose="020F0502020204030204" pitchFamily="34" charset="0"/>
+              </a:rPr>
+              <a:t>folosita</a:t>
+            </a:r>
+            <a:r>
+              <a:rPr lang="en-US" sz="2800" dirty="0">
+                <a:latin typeface="Calibri" panose="020F0502020204030204" pitchFamily="34" charset="0"/>
+                <a:cs typeface="Calibri" panose="020F0502020204030204" pitchFamily="34" charset="0"/>
+              </a:rPr>
+              <a:t> de </a:t>
+            </a:r>
+            <a:r>
+              <a:rPr lang="en-US" sz="2800" dirty="0" err="1">
+                <a:latin typeface="Calibri" panose="020F0502020204030204" pitchFamily="34" charset="0"/>
+                <a:cs typeface="Calibri" panose="020F0502020204030204" pitchFamily="34" charset="0"/>
+              </a:rPr>
+              <a:t>motoare</a:t>
+            </a:r>
+            <a:r>
+              <a:rPr lang="en-US" sz="2800" dirty="0">
+                <a:latin typeface="Calibri" panose="020F0502020204030204" pitchFamily="34" charset="0"/>
+                <a:cs typeface="Calibri" panose="020F0502020204030204" pitchFamily="34" charset="0"/>
+              </a:rPr>
+              <a:t> de </a:t>
+            </a:r>
+            <a:r>
+              <a:rPr lang="en-US" sz="2800" dirty="0" err="1">
+                <a:latin typeface="Calibri" panose="020F0502020204030204" pitchFamily="34" charset="0"/>
+                <a:cs typeface="Calibri" panose="020F0502020204030204" pitchFamily="34" charset="0"/>
+              </a:rPr>
+              <a:t>cautare</a:t>
+            </a:r>
+            <a:r>
+              <a:rPr lang="en-US" sz="2800" dirty="0">
+                <a:latin typeface="Calibri" panose="020F0502020204030204" pitchFamily="34" charset="0"/>
+                <a:cs typeface="Calibri" panose="020F0502020204030204" pitchFamily="34" charset="0"/>
+              </a:rPr>
+              <a:t> </a:t>
+            </a:r>
+            <a:r>
+              <a:rPr lang="en-US" sz="2800" dirty="0" err="1">
+                <a:latin typeface="Calibri" panose="020F0502020204030204" pitchFamily="34" charset="0"/>
+                <a:cs typeface="Calibri" panose="020F0502020204030204" pitchFamily="34" charset="0"/>
+              </a:rPr>
+              <a:t>populare</a:t>
+            </a:r>
+            <a:r>
+              <a:rPr lang="en-US" sz="2800" dirty="0">
+                <a:latin typeface="Calibri" panose="020F0502020204030204" pitchFamily="34" charset="0"/>
+                <a:cs typeface="Calibri" panose="020F0502020204030204" pitchFamily="34" charset="0"/>
+              </a:rPr>
+              <a:t> precum</a:t>
+            </a:r>
+          </a:p>
+          <a:p>
+            <a:r>
+              <a:rPr lang="en-US" sz="2800" dirty="0">
+                <a:latin typeface="Calibri" panose="020F0502020204030204" pitchFamily="34" charset="0"/>
+                <a:cs typeface="Calibri" panose="020F0502020204030204" pitchFamily="34" charset="0"/>
+              </a:rPr>
+              <a:t>Elasticsearch </a:t>
+            </a:r>
+            <a:r>
+              <a:rPr lang="en-US" sz="2800" dirty="0" err="1">
+                <a:latin typeface="Calibri" panose="020F0502020204030204" pitchFamily="34" charset="0"/>
+                <a:cs typeface="Calibri" panose="020F0502020204030204" pitchFamily="34" charset="0"/>
+              </a:rPr>
+              <a:t>si</a:t>
+            </a:r>
+            <a:r>
+              <a:rPr lang="en-US" sz="2800" dirty="0">
+                <a:latin typeface="Calibri" panose="020F0502020204030204" pitchFamily="34" charset="0"/>
+                <a:cs typeface="Calibri" panose="020F0502020204030204" pitchFamily="34" charset="0"/>
+              </a:rPr>
+              <a:t> Apache </a:t>
+            </a:r>
+            <a:r>
+              <a:rPr lang="en-US" sz="2800" dirty="0" err="1">
+                <a:latin typeface="Calibri" panose="020F0502020204030204" pitchFamily="34" charset="0"/>
+                <a:cs typeface="Calibri" panose="020F0502020204030204" pitchFamily="34" charset="0"/>
+              </a:rPr>
+              <a:t>Solr</a:t>
+            </a:r>
+            <a:r>
+              <a:rPr lang="en-US" sz="2800" dirty="0">
+                <a:latin typeface="Calibri" panose="020F0502020204030204" pitchFamily="34" charset="0"/>
+                <a:cs typeface="Calibri" panose="020F0502020204030204" pitchFamily="34" charset="0"/>
+              </a:rPr>
+              <a:t>.</a:t>
+            </a:r>
+          </a:p>
+          <a:p>
+            <a:pPr marL="457200" indent="-457200">
+              <a:buFont typeface="Arial" panose="020B0604020202020204" pitchFamily="34" charset="0"/>
+              <a:buChar char="•"/>
+            </a:pPr>
+            <a:r>
+              <a:rPr lang="en-US" sz="2800" dirty="0" err="1">
+                <a:latin typeface="Calibri" panose="020F0502020204030204" pitchFamily="34" charset="0"/>
+                <a:cs typeface="Calibri" panose="020F0502020204030204" pitchFamily="34" charset="0"/>
+              </a:rPr>
+              <a:t>Posibilitatea</a:t>
+            </a:r>
+            <a:r>
+              <a:rPr lang="en-US" sz="2800" dirty="0">
+                <a:latin typeface="Calibri" panose="020F0502020204030204" pitchFamily="34" charset="0"/>
+                <a:cs typeface="Calibri" panose="020F0502020204030204" pitchFamily="34" charset="0"/>
+              </a:rPr>
+              <a:t> de a </a:t>
+            </a:r>
+            <a:r>
+              <a:rPr lang="en-US" sz="2800" dirty="0" err="1">
+                <a:latin typeface="Calibri" panose="020F0502020204030204" pitchFamily="34" charset="0"/>
+                <a:cs typeface="Calibri" panose="020F0502020204030204" pitchFamily="34" charset="0"/>
+              </a:rPr>
+              <a:t>mentine</a:t>
+            </a:r>
+            <a:r>
+              <a:rPr lang="en-US" sz="2800" dirty="0">
+                <a:latin typeface="Calibri" panose="020F0502020204030204" pitchFamily="34" charset="0"/>
+                <a:cs typeface="Calibri" panose="020F0502020204030204" pitchFamily="34" charset="0"/>
+              </a:rPr>
+              <a:t> </a:t>
+            </a:r>
+            <a:r>
+              <a:rPr lang="en-US" sz="2800" dirty="0" err="1">
+                <a:latin typeface="Calibri" panose="020F0502020204030204" pitchFamily="34" charset="0"/>
+                <a:cs typeface="Calibri" panose="020F0502020204030204" pitchFamily="34" charset="0"/>
+              </a:rPr>
+              <a:t>rezultatele</a:t>
+            </a:r>
+            <a:r>
+              <a:rPr lang="en-US" sz="2800" dirty="0">
+                <a:latin typeface="Calibri" panose="020F0502020204030204" pitchFamily="34" charset="0"/>
+                <a:cs typeface="Calibri" panose="020F0502020204030204" pitchFamily="34" charset="0"/>
+              </a:rPr>
+              <a:t> </a:t>
+            </a:r>
+            <a:r>
+              <a:rPr lang="en-US" sz="2800" dirty="0" err="1">
+                <a:latin typeface="Calibri" panose="020F0502020204030204" pitchFamily="34" charset="0"/>
+                <a:cs typeface="Calibri" panose="020F0502020204030204" pitchFamily="34" charset="0"/>
+              </a:rPr>
+              <a:t>indexate</a:t>
+            </a:r>
+            <a:r>
+              <a:rPr lang="en-US" sz="2800" dirty="0">
+                <a:latin typeface="Calibri" panose="020F0502020204030204" pitchFamily="34" charset="0"/>
+                <a:cs typeface="Calibri" panose="020F0502020204030204" pitchFamily="34" charset="0"/>
+              </a:rPr>
+              <a:t> sub forma </a:t>
+            </a:r>
+          </a:p>
+          <a:p>
+            <a:r>
+              <a:rPr lang="en-US" sz="2800" dirty="0" err="1">
+                <a:latin typeface="Calibri" panose="020F0502020204030204" pitchFamily="34" charset="0"/>
+                <a:cs typeface="Calibri" panose="020F0502020204030204" pitchFamily="34" charset="0"/>
+              </a:rPr>
+              <a:t>unor</a:t>
+            </a:r>
+            <a:r>
+              <a:rPr lang="en-US" sz="2800" dirty="0">
+                <a:latin typeface="Calibri" panose="020F0502020204030204" pitchFamily="34" charset="0"/>
+                <a:cs typeface="Calibri" panose="020F0502020204030204" pitchFamily="34" charset="0"/>
+              </a:rPr>
+              <a:t> </a:t>
+            </a:r>
+            <a:r>
+              <a:rPr lang="en-US" sz="2800" dirty="0" err="1">
+                <a:latin typeface="Calibri" panose="020F0502020204030204" pitchFamily="34" charset="0"/>
+                <a:cs typeface="Calibri" panose="020F0502020204030204" pitchFamily="34" charset="0"/>
+              </a:rPr>
+              <a:t>arbori</a:t>
+            </a:r>
+            <a:r>
+              <a:rPr lang="en-US" sz="2800" dirty="0">
+                <a:latin typeface="Calibri" panose="020F0502020204030204" pitchFamily="34" charset="0"/>
+                <a:cs typeface="Calibri" panose="020F0502020204030204" pitchFamily="34" charset="0"/>
+              </a:rPr>
+              <a:t> </a:t>
+            </a:r>
+            <a:r>
+              <a:rPr lang="en-US" sz="2800" dirty="0" err="1">
+                <a:latin typeface="Calibri" panose="020F0502020204030204" pitchFamily="34" charset="0"/>
+                <a:cs typeface="Calibri" panose="020F0502020204030204" pitchFamily="34" charset="0"/>
+              </a:rPr>
+              <a:t>binari</a:t>
+            </a:r>
+            <a:r>
+              <a:rPr lang="en-US" sz="2800" dirty="0">
+                <a:latin typeface="Calibri" panose="020F0502020204030204" pitchFamily="34" charset="0"/>
+                <a:cs typeface="Calibri" panose="020F0502020204030204" pitchFamily="34" charset="0"/>
+              </a:rPr>
+              <a:t> de </a:t>
+            </a:r>
+            <a:r>
+              <a:rPr lang="en-US" sz="2800" dirty="0" err="1">
+                <a:latin typeface="Calibri" panose="020F0502020204030204" pitchFamily="34" charset="0"/>
+                <a:cs typeface="Calibri" panose="020F0502020204030204" pitchFamily="34" charset="0"/>
+              </a:rPr>
+              <a:t>cautare</a:t>
+            </a:r>
+            <a:r>
+              <a:rPr lang="en-US" sz="2800" dirty="0">
+                <a:latin typeface="Calibri" panose="020F0502020204030204" pitchFamily="34" charset="0"/>
+                <a:cs typeface="Calibri" panose="020F0502020204030204" pitchFamily="34" charset="0"/>
+              </a:rPr>
+              <a:t> in </a:t>
+            </a:r>
+            <a:r>
+              <a:rPr lang="en-US" sz="2800" dirty="0" err="1">
+                <a:latin typeface="Calibri" panose="020F0502020204030204" pitchFamily="34" charset="0"/>
+                <a:cs typeface="Calibri" panose="020F0502020204030204" pitchFamily="34" charset="0"/>
+              </a:rPr>
+              <a:t>functie</a:t>
+            </a:r>
+            <a:r>
+              <a:rPr lang="en-US" sz="2800" dirty="0">
+                <a:latin typeface="Calibri" panose="020F0502020204030204" pitchFamily="34" charset="0"/>
+                <a:cs typeface="Calibri" panose="020F0502020204030204" pitchFamily="34" charset="0"/>
+              </a:rPr>
+              <a:t> de metadate </a:t>
+            </a:r>
+            <a:r>
+              <a:rPr lang="en-US" sz="2800" dirty="0" err="1">
+                <a:latin typeface="Calibri" panose="020F0502020204030204" pitchFamily="34" charset="0"/>
+                <a:cs typeface="Calibri" panose="020F0502020204030204" pitchFamily="34" charset="0"/>
+              </a:rPr>
+              <a:t>si</a:t>
+            </a:r>
+            <a:r>
+              <a:rPr lang="en-US" sz="2800" dirty="0">
+                <a:latin typeface="Calibri" panose="020F0502020204030204" pitchFamily="34" charset="0"/>
+                <a:cs typeface="Calibri" panose="020F0502020204030204" pitchFamily="34" charset="0"/>
+              </a:rPr>
+              <a:t> </a:t>
+            </a:r>
+            <a:r>
+              <a:rPr lang="en-US" sz="2800" dirty="0" err="1">
+                <a:latin typeface="Calibri" panose="020F0502020204030204" pitchFamily="34" charset="0"/>
+                <a:cs typeface="Calibri" panose="020F0502020204030204" pitchFamily="34" charset="0"/>
+              </a:rPr>
+              <a:t>scor</a:t>
+            </a:r>
+            <a:endParaRPr lang="en-US" sz="2800" dirty="0">
+              <a:latin typeface="Calibri" panose="020F0502020204030204" pitchFamily="34" charset="0"/>
+              <a:cs typeface="Calibri" panose="020F0502020204030204" pitchFamily="34" charset="0"/>
+            </a:endParaRPr>
+          </a:p>
+          <a:p>
+            <a:pPr marL="457200" indent="-457200">
+              <a:buFont typeface="Arial" panose="020B0604020202020204" pitchFamily="34" charset="0"/>
+              <a:buChar char="•"/>
+            </a:pPr>
+            <a:r>
+              <a:rPr lang="en-US" sz="2800" dirty="0" err="1">
+                <a:latin typeface="Calibri" panose="020F0502020204030204" pitchFamily="34" charset="0"/>
+                <a:cs typeface="Calibri" panose="020F0502020204030204" pitchFamily="34" charset="0"/>
+              </a:rPr>
+              <a:t>Ordonarea</a:t>
+            </a:r>
+            <a:r>
+              <a:rPr lang="en-US" sz="2800" dirty="0">
+                <a:latin typeface="Calibri" panose="020F0502020204030204" pitchFamily="34" charset="0"/>
+                <a:cs typeface="Calibri" panose="020F0502020204030204" pitchFamily="34" charset="0"/>
+              </a:rPr>
+              <a:t> </a:t>
+            </a:r>
+            <a:r>
+              <a:rPr lang="en-US" sz="2800" dirty="0" err="1">
+                <a:latin typeface="Calibri" panose="020F0502020204030204" pitchFamily="34" charset="0"/>
+                <a:cs typeface="Calibri" panose="020F0502020204030204" pitchFamily="34" charset="0"/>
+              </a:rPr>
+              <a:t>rezultatelor</a:t>
+            </a:r>
+            <a:r>
+              <a:rPr lang="en-US" sz="2800" dirty="0">
+                <a:latin typeface="Calibri" panose="020F0502020204030204" pitchFamily="34" charset="0"/>
+                <a:cs typeface="Calibri" panose="020F0502020204030204" pitchFamily="34" charset="0"/>
+              </a:rPr>
+              <a:t> in </a:t>
+            </a:r>
+            <a:r>
+              <a:rPr lang="en-US" sz="2800" dirty="0" err="1">
+                <a:latin typeface="Calibri" panose="020F0502020204030204" pitchFamily="34" charset="0"/>
+                <a:cs typeface="Calibri" panose="020F0502020204030204" pitchFamily="34" charset="0"/>
+              </a:rPr>
+              <a:t>functie</a:t>
+            </a:r>
+            <a:r>
+              <a:rPr lang="en-US" sz="2800" dirty="0">
+                <a:latin typeface="Calibri" panose="020F0502020204030204" pitchFamily="34" charset="0"/>
+                <a:cs typeface="Calibri" panose="020F0502020204030204" pitchFamily="34" charset="0"/>
+              </a:rPr>
+              <a:t> de diverse </a:t>
+            </a:r>
+            <a:r>
+              <a:rPr lang="en-US" sz="2800" dirty="0" err="1">
+                <a:latin typeface="Calibri" panose="020F0502020204030204" pitchFamily="34" charset="0"/>
+                <a:cs typeface="Calibri" panose="020F0502020204030204" pitchFamily="34" charset="0"/>
+              </a:rPr>
+              <a:t>criterii</a:t>
+            </a:r>
+            <a:endParaRPr lang="en-US" sz="2800" dirty="0">
+              <a:latin typeface="Calibri" panose="020F0502020204030204" pitchFamily="34" charset="0"/>
+              <a:cs typeface="Calibri" panose="020F0502020204030204" pitchFamily="34" charset="0"/>
+            </a:endParaRPr>
+          </a:p>
+          <a:p>
+            <a:pPr marL="457200" indent="-457200">
+              <a:buFont typeface="Arial" panose="020B0604020202020204" pitchFamily="34" charset="0"/>
+              <a:buChar char="•"/>
+            </a:pPr>
+            <a:r>
+              <a:rPr lang="en-US" sz="2800" dirty="0" err="1">
+                <a:latin typeface="Calibri" panose="020F0502020204030204" pitchFamily="34" charset="0"/>
+                <a:cs typeface="Calibri" panose="020F0502020204030204" pitchFamily="34" charset="0"/>
+              </a:rPr>
+              <a:t>Asociere</a:t>
+            </a:r>
+            <a:r>
+              <a:rPr lang="en-US" sz="2800" dirty="0">
+                <a:latin typeface="Calibri" panose="020F0502020204030204" pitchFamily="34" charset="0"/>
+                <a:cs typeface="Calibri" panose="020F0502020204030204" pitchFamily="34" charset="0"/>
+              </a:rPr>
+              <a:t> pe </a:t>
+            </a:r>
+            <a:r>
+              <a:rPr lang="en-US" sz="2800" dirty="0" err="1">
+                <a:latin typeface="Calibri" panose="020F0502020204030204" pitchFamily="34" charset="0"/>
+                <a:cs typeface="Calibri" panose="020F0502020204030204" pitchFamily="34" charset="0"/>
+              </a:rPr>
+              <a:t>anumite</a:t>
+            </a:r>
+            <a:r>
+              <a:rPr lang="en-US" sz="2800" dirty="0">
+                <a:latin typeface="Calibri" panose="020F0502020204030204" pitchFamily="34" charset="0"/>
+                <a:cs typeface="Calibri" panose="020F0502020204030204" pitchFamily="34" charset="0"/>
+              </a:rPr>
+              <a:t> </a:t>
+            </a:r>
+            <a:r>
+              <a:rPr lang="en-US" sz="2800" dirty="0" err="1">
+                <a:latin typeface="Calibri" panose="020F0502020204030204" pitchFamily="34" charset="0"/>
+                <a:cs typeface="Calibri" panose="020F0502020204030204" pitchFamily="34" charset="0"/>
+              </a:rPr>
+              <a:t>produse</a:t>
+            </a:r>
+            <a:r>
+              <a:rPr lang="en-US" sz="2800" dirty="0">
+                <a:latin typeface="Calibri" panose="020F0502020204030204" pitchFamily="34" charset="0"/>
+                <a:cs typeface="Calibri" panose="020F0502020204030204" pitchFamily="34" charset="0"/>
+              </a:rPr>
+              <a:t> </a:t>
+            </a:r>
+            <a:r>
+              <a:rPr lang="en-US" sz="2800" dirty="0" err="1">
+                <a:latin typeface="Calibri" panose="020F0502020204030204" pitchFamily="34" charset="0"/>
+                <a:cs typeface="Calibri" panose="020F0502020204030204" pitchFamily="34" charset="0"/>
+              </a:rPr>
+              <a:t>chiar</a:t>
+            </a:r>
+            <a:r>
+              <a:rPr lang="en-US" sz="2800" dirty="0">
+                <a:latin typeface="Calibri" panose="020F0502020204030204" pitchFamily="34" charset="0"/>
+                <a:cs typeface="Calibri" panose="020F0502020204030204" pitchFamily="34" charset="0"/>
+              </a:rPr>
+              <a:t> </a:t>
+            </a:r>
+            <a:r>
+              <a:rPr lang="en-US" sz="2800" dirty="0" err="1">
+                <a:latin typeface="Calibri" panose="020F0502020204030204" pitchFamily="34" charset="0"/>
+                <a:cs typeface="Calibri" panose="020F0502020204030204" pitchFamily="34" charset="0"/>
+              </a:rPr>
+              <a:t>si</a:t>
+            </a:r>
+            <a:r>
+              <a:rPr lang="en-US" sz="2800" dirty="0">
+                <a:latin typeface="Calibri" panose="020F0502020204030204" pitchFamily="34" charset="0"/>
+                <a:cs typeface="Calibri" panose="020F0502020204030204" pitchFamily="34" charset="0"/>
+              </a:rPr>
+              <a:t> la </a:t>
+            </a:r>
+            <a:r>
+              <a:rPr lang="en-US" sz="2800" dirty="0" err="1">
+                <a:latin typeface="Calibri" panose="020F0502020204030204" pitchFamily="34" charset="0"/>
+                <a:cs typeface="Calibri" panose="020F0502020204030204" pitchFamily="34" charset="0"/>
+              </a:rPr>
+              <a:t>scrierea</a:t>
+            </a:r>
+            <a:r>
+              <a:rPr lang="en-US" sz="2800" dirty="0">
+                <a:latin typeface="Calibri" panose="020F0502020204030204" pitchFamily="34" charset="0"/>
+                <a:cs typeface="Calibri" panose="020F0502020204030204" pitchFamily="34" charset="0"/>
+              </a:rPr>
+              <a:t> </a:t>
+            </a:r>
+            <a:r>
+              <a:rPr lang="en-US" sz="2800" dirty="0" err="1">
+                <a:latin typeface="Calibri" panose="020F0502020204030204" pitchFamily="34" charset="0"/>
+                <a:cs typeface="Calibri" panose="020F0502020204030204" pitchFamily="34" charset="0"/>
+              </a:rPr>
+              <a:t>gresita</a:t>
+            </a:r>
+            <a:endParaRPr lang="en-US" sz="2800" dirty="0">
+              <a:latin typeface="Calibri" panose="020F0502020204030204" pitchFamily="34" charset="0"/>
+              <a:cs typeface="Calibri" panose="020F0502020204030204" pitchFamily="34" charset="0"/>
+            </a:endParaRPr>
+          </a:p>
+          <a:p>
+            <a:r>
+              <a:rPr lang="en-US" sz="2800" dirty="0">
+                <a:latin typeface="Calibri" panose="020F0502020204030204" pitchFamily="34" charset="0"/>
+                <a:cs typeface="Calibri" panose="020F0502020204030204" pitchFamily="34" charset="0"/>
+              </a:rPr>
+              <a:t>a </a:t>
+            </a:r>
+            <a:r>
+              <a:rPr lang="en-US" sz="2800" dirty="0" err="1">
+                <a:latin typeface="Calibri" panose="020F0502020204030204" pitchFamily="34" charset="0"/>
+                <a:cs typeface="Calibri" panose="020F0502020204030204" pitchFamily="34" charset="0"/>
+              </a:rPr>
+              <a:t>cuvintelor</a:t>
+            </a:r>
+            <a:r>
+              <a:rPr lang="en-US" sz="2800" dirty="0">
+                <a:latin typeface="Calibri" panose="020F0502020204030204" pitchFamily="34" charset="0"/>
+                <a:cs typeface="Calibri" panose="020F0502020204030204" pitchFamily="34" charset="0"/>
+              </a:rPr>
+              <a:t> </a:t>
+            </a:r>
+            <a:r>
+              <a:rPr lang="en-US" sz="2800" dirty="0" err="1">
+                <a:latin typeface="Calibri" panose="020F0502020204030204" pitchFamily="34" charset="0"/>
+                <a:cs typeface="Calibri" panose="020F0502020204030204" pitchFamily="34" charset="0"/>
+              </a:rPr>
+              <a:t>cheie</a:t>
+            </a:r>
+            <a:r>
+              <a:rPr lang="en-US" sz="2800" dirty="0">
+                <a:latin typeface="Calibri" panose="020F0502020204030204" pitchFamily="34" charset="0"/>
+                <a:cs typeface="Calibri" panose="020F0502020204030204" pitchFamily="34" charset="0"/>
+              </a:rPr>
+              <a:t> de </a:t>
+            </a:r>
+            <a:r>
+              <a:rPr lang="en-US" sz="2800" dirty="0" err="1">
+                <a:latin typeface="Calibri" panose="020F0502020204030204" pitchFamily="34" charset="0"/>
+                <a:cs typeface="Calibri" panose="020F0502020204030204" pitchFamily="34" charset="0"/>
+              </a:rPr>
+              <a:t>cautare</a:t>
+            </a:r>
+            <a:endParaRPr lang="en-US" sz="2800" dirty="0">
+              <a:latin typeface="Calibri" panose="020F0502020204030204" pitchFamily="34" charset="0"/>
+              <a:cs typeface="Calibri" panose="020F0502020204030204" pitchFamily="34" charset="0"/>
+            </a:endParaRPr>
+          </a:p>
+          <a:p>
+            <a:pPr marL="457200" indent="-457200">
+              <a:buFont typeface="Arial" panose="020B0604020202020204" pitchFamily="34" charset="0"/>
+              <a:buChar char="•"/>
+            </a:pPr>
+            <a:r>
+              <a:rPr lang="en-US" sz="2800" dirty="0" err="1">
+                <a:latin typeface="Calibri" panose="020F0502020204030204" pitchFamily="34" charset="0"/>
+                <a:cs typeface="Calibri" panose="020F0502020204030204" pitchFamily="34" charset="0"/>
+              </a:rPr>
+              <a:t>Suporta</a:t>
+            </a:r>
+            <a:r>
+              <a:rPr lang="en-US" sz="2800" dirty="0">
+                <a:latin typeface="Calibri" panose="020F0502020204030204" pitchFamily="34" charset="0"/>
+                <a:cs typeface="Calibri" panose="020F0502020204030204" pitchFamily="34" charset="0"/>
+              </a:rPr>
+              <a:t> </a:t>
+            </a:r>
+            <a:r>
+              <a:rPr lang="en-US" sz="2800" dirty="0" err="1">
+                <a:latin typeface="Calibri" panose="020F0502020204030204" pitchFamily="34" charset="0"/>
+                <a:cs typeface="Calibri" panose="020F0502020204030204" pitchFamily="34" charset="0"/>
+              </a:rPr>
+              <a:t>paginarea</a:t>
+            </a:r>
+            <a:r>
+              <a:rPr lang="en-US" sz="2800" dirty="0">
+                <a:latin typeface="Calibri" panose="020F0502020204030204" pitchFamily="34" charset="0"/>
+                <a:cs typeface="Calibri" panose="020F0502020204030204" pitchFamily="34" charset="0"/>
+              </a:rPr>
+              <a:t> </a:t>
+            </a:r>
+            <a:r>
+              <a:rPr lang="en-US" sz="2800" dirty="0" err="1">
+                <a:latin typeface="Calibri" panose="020F0502020204030204" pitchFamily="34" charset="0"/>
+                <a:cs typeface="Calibri" panose="020F0502020204030204" pitchFamily="34" charset="0"/>
+              </a:rPr>
+              <a:t>rezultatelor</a:t>
+            </a:r>
+            <a:endParaRPr lang="en-US" sz="2800" dirty="0">
+              <a:latin typeface="Calibri" panose="020F0502020204030204" pitchFamily="34" charset="0"/>
+              <a:cs typeface="Calibri" panose="020F0502020204030204" pitchFamily="34" charset="0"/>
+            </a:endParaRPr>
+          </a:p>
+        </p:txBody>
+      </p:sp>
     </p:spTree>
     <p:extLst>
       <p:ext uri="{BB962C8B-B14F-4D97-AF65-F5344CB8AC3E}">
@@ -6587,6 +7843,509 @@
           </a:p>
         </p:txBody>
       </p:sp>
+      <p:sp>
+        <p:nvSpPr>
+          <p:cNvPr id="2" name="TextBox 1">
+            <a:extLst>
+              <a:ext uri="{FF2B5EF4-FFF2-40B4-BE49-F238E27FC236}">
+                <a16:creationId xmlns:a16="http://schemas.microsoft.com/office/drawing/2014/main" id="{84102693-7E0C-BBB7-9E56-F17D267F5F77}"/>
+              </a:ext>
+            </a:extLst>
+          </p:cNvPr>
+          <p:cNvSpPr txBox="1"/>
+          <p:nvPr/>
+        </p:nvSpPr>
+        <p:spPr>
+          <a:xfrm>
+            <a:off x="989558" y="3090259"/>
+            <a:ext cx="11022904" cy="2062103"/>
+          </a:xfrm>
+          <a:prstGeom prst="rect">
+            <a:avLst/>
+          </a:prstGeom>
+          <a:noFill/>
+        </p:spPr>
+        <p:txBody>
+          <a:bodyPr wrap="square" rtlCol="0">
+            <a:spAutoFit/>
+          </a:bodyPr>
+          <a:lstStyle/>
+          <a:p>
+            <a:r>
+              <a:rPr lang="en-US" sz="3200" dirty="0" err="1">
+                <a:latin typeface="Calibri" panose="020F0502020204030204" pitchFamily="34" charset="0"/>
+                <a:cs typeface="Calibri" panose="020F0502020204030204" pitchFamily="34" charset="0"/>
+              </a:rPr>
+              <a:t>Pentru</a:t>
+            </a:r>
+            <a:r>
+              <a:rPr lang="en-US" sz="3200" dirty="0">
+                <a:latin typeface="Calibri" panose="020F0502020204030204" pitchFamily="34" charset="0"/>
+                <a:cs typeface="Calibri" panose="020F0502020204030204" pitchFamily="34" charset="0"/>
+              </a:rPr>
+              <a:t> a </a:t>
+            </a:r>
+            <a:r>
+              <a:rPr lang="en-US" sz="3200" dirty="0" err="1">
+                <a:latin typeface="Calibri" panose="020F0502020204030204" pitchFamily="34" charset="0"/>
+                <a:cs typeface="Calibri" panose="020F0502020204030204" pitchFamily="34" charset="0"/>
+              </a:rPr>
+              <a:t>testa</a:t>
+            </a:r>
+            <a:r>
+              <a:rPr lang="en-US" sz="3200" dirty="0">
+                <a:latin typeface="Calibri" panose="020F0502020204030204" pitchFamily="34" charset="0"/>
+                <a:cs typeface="Calibri" panose="020F0502020204030204" pitchFamily="34" charset="0"/>
+              </a:rPr>
+              <a:t> </a:t>
+            </a:r>
+            <a:r>
+              <a:rPr lang="en-US" sz="3200" dirty="0" err="1">
+                <a:latin typeface="Calibri" panose="020F0502020204030204" pitchFamily="34" charset="0"/>
+                <a:cs typeface="Calibri" panose="020F0502020204030204" pitchFamily="34" charset="0"/>
+              </a:rPr>
+              <a:t>performanta</a:t>
+            </a:r>
+            <a:r>
+              <a:rPr lang="en-US" sz="3200" dirty="0">
+                <a:latin typeface="Calibri" panose="020F0502020204030204" pitchFamily="34" charset="0"/>
+                <a:cs typeface="Calibri" panose="020F0502020204030204" pitchFamily="34" charset="0"/>
+              </a:rPr>
+              <a:t> </a:t>
+            </a:r>
+            <a:r>
+              <a:rPr lang="en-US" sz="3200" dirty="0" err="1">
+                <a:latin typeface="Calibri" panose="020F0502020204030204" pitchFamily="34" charset="0"/>
+                <a:cs typeface="Calibri" panose="020F0502020204030204" pitchFamily="34" charset="0"/>
+              </a:rPr>
+              <a:t>aplicatiei</a:t>
+            </a:r>
+            <a:r>
+              <a:rPr lang="en-US" sz="3200" dirty="0">
+                <a:latin typeface="Calibri" panose="020F0502020204030204" pitchFamily="34" charset="0"/>
+                <a:cs typeface="Calibri" panose="020F0502020204030204" pitchFamily="34" charset="0"/>
+              </a:rPr>
+              <a:t> am </a:t>
+            </a:r>
+            <a:r>
+              <a:rPr lang="en-US" sz="3200" dirty="0" err="1">
+                <a:latin typeface="Calibri" panose="020F0502020204030204" pitchFamily="34" charset="0"/>
+                <a:cs typeface="Calibri" panose="020F0502020204030204" pitchFamily="34" charset="0"/>
+              </a:rPr>
+              <a:t>utilizat</a:t>
+            </a:r>
+            <a:r>
+              <a:rPr lang="en-US" sz="3200" dirty="0">
+                <a:latin typeface="Calibri" panose="020F0502020204030204" pitchFamily="34" charset="0"/>
+                <a:cs typeface="Calibri" panose="020F0502020204030204" pitchFamily="34" charset="0"/>
+              </a:rPr>
+              <a:t> Postman </a:t>
+            </a:r>
+            <a:r>
+              <a:rPr lang="en-US" sz="3200" dirty="0" err="1">
+                <a:latin typeface="Calibri" panose="020F0502020204030204" pitchFamily="34" charset="0"/>
+                <a:cs typeface="Calibri" panose="020F0502020204030204" pitchFamily="34" charset="0"/>
+              </a:rPr>
+              <a:t>si</a:t>
+            </a:r>
+            <a:r>
+              <a:rPr lang="en-US" sz="3200" dirty="0">
+                <a:latin typeface="Calibri" panose="020F0502020204030204" pitchFamily="34" charset="0"/>
+                <a:cs typeface="Calibri" panose="020F0502020204030204" pitchFamily="34" charset="0"/>
+              </a:rPr>
+              <a:t> de </a:t>
+            </a:r>
+            <a:r>
+              <a:rPr lang="en-US" sz="3200" dirty="0" err="1">
+                <a:latin typeface="Calibri" panose="020F0502020204030204" pitchFamily="34" charset="0"/>
+                <a:cs typeface="Calibri" panose="020F0502020204030204" pitchFamily="34" charset="0"/>
+              </a:rPr>
+              <a:t>asemnea</a:t>
+            </a:r>
+            <a:r>
+              <a:rPr lang="en-US" sz="3200" dirty="0">
+                <a:latin typeface="Calibri" panose="020F0502020204030204" pitchFamily="34" charset="0"/>
+                <a:cs typeface="Calibri" panose="020F0502020204030204" pitchFamily="34" charset="0"/>
+              </a:rPr>
+              <a:t> </a:t>
+            </a:r>
+            <a:r>
+              <a:rPr lang="en-US" sz="3200" dirty="0" err="1">
+                <a:latin typeface="Calibri" panose="020F0502020204030204" pitchFamily="34" charset="0"/>
+                <a:cs typeface="Calibri" panose="020F0502020204030204" pitchFamily="34" charset="0"/>
+              </a:rPr>
+              <a:t>monitorizare</a:t>
+            </a:r>
+            <a:r>
+              <a:rPr lang="en-US" sz="3200" dirty="0">
+                <a:latin typeface="Calibri" panose="020F0502020204030204" pitchFamily="34" charset="0"/>
+                <a:cs typeface="Calibri" panose="020F0502020204030204" pitchFamily="34" charset="0"/>
+              </a:rPr>
+              <a:t> din frontend. In </a:t>
+            </a:r>
+            <a:r>
+              <a:rPr lang="en-US" sz="3200" dirty="0" err="1">
+                <a:latin typeface="Calibri" panose="020F0502020204030204" pitchFamily="34" charset="0"/>
+                <a:cs typeface="Calibri" panose="020F0502020204030204" pitchFamily="34" charset="0"/>
+              </a:rPr>
+              <a:t>utilizarea</a:t>
+            </a:r>
+            <a:r>
+              <a:rPr lang="en-US" sz="3200" dirty="0">
+                <a:latin typeface="Calibri" panose="020F0502020204030204" pitchFamily="34" charset="0"/>
+                <a:cs typeface="Calibri" panose="020F0502020204030204" pitchFamily="34" charset="0"/>
+              </a:rPr>
+              <a:t> </a:t>
+            </a:r>
+            <a:r>
+              <a:rPr lang="en-US" sz="3200" dirty="0" err="1">
+                <a:latin typeface="Calibri" panose="020F0502020204030204" pitchFamily="34" charset="0"/>
+                <a:cs typeface="Calibri" panose="020F0502020204030204" pitchFamily="34" charset="0"/>
+              </a:rPr>
+              <a:t>paralela</a:t>
+            </a:r>
+            <a:r>
+              <a:rPr lang="en-US" sz="3200" dirty="0">
+                <a:latin typeface="Calibri" panose="020F0502020204030204" pitchFamily="34" charset="0"/>
+                <a:cs typeface="Calibri" panose="020F0502020204030204" pitchFamily="34" charset="0"/>
+              </a:rPr>
+              <a:t> am </a:t>
+            </a:r>
+            <a:r>
+              <a:rPr lang="en-US" sz="3200" dirty="0" err="1">
+                <a:latin typeface="Calibri" panose="020F0502020204030204" pitchFamily="34" charset="0"/>
+                <a:cs typeface="Calibri" panose="020F0502020204030204" pitchFamily="34" charset="0"/>
+              </a:rPr>
+              <a:t>folosit</a:t>
+            </a:r>
+            <a:r>
+              <a:rPr lang="en-US" sz="3200" dirty="0">
+                <a:latin typeface="Calibri" panose="020F0502020204030204" pitchFamily="34" charset="0"/>
+                <a:cs typeface="Calibri" panose="020F0502020204030204" pitchFamily="34" charset="0"/>
+              </a:rPr>
+              <a:t> </a:t>
+            </a:r>
+            <a:r>
+              <a:rPr lang="en-US" sz="3200" dirty="0" err="1">
+                <a:latin typeface="Calibri" panose="020F0502020204030204" pitchFamily="34" charset="0"/>
+                <a:cs typeface="Calibri" panose="020F0502020204030204" pitchFamily="34" charset="0"/>
+              </a:rPr>
+              <a:t>Jmeter</a:t>
+            </a:r>
+            <a:r>
+              <a:rPr lang="en-US" sz="3200" dirty="0">
+                <a:latin typeface="Calibri" panose="020F0502020204030204" pitchFamily="34" charset="0"/>
+                <a:cs typeface="Calibri" panose="020F0502020204030204" pitchFamily="34" charset="0"/>
+              </a:rPr>
+              <a:t> </a:t>
+            </a:r>
+            <a:r>
+              <a:rPr lang="en-US" sz="3200" dirty="0" err="1">
+                <a:latin typeface="Calibri" panose="020F0502020204030204" pitchFamily="34" charset="0"/>
+                <a:cs typeface="Calibri" panose="020F0502020204030204" pitchFamily="34" charset="0"/>
+              </a:rPr>
+              <a:t>pentru</a:t>
+            </a:r>
+            <a:r>
+              <a:rPr lang="en-US" sz="3200" dirty="0">
+                <a:latin typeface="Calibri" panose="020F0502020204030204" pitchFamily="34" charset="0"/>
+                <a:cs typeface="Calibri" panose="020F0502020204030204" pitchFamily="34" charset="0"/>
+              </a:rPr>
+              <a:t> a </a:t>
+            </a:r>
+            <a:r>
+              <a:rPr lang="en-US" sz="3200" dirty="0" err="1">
+                <a:latin typeface="Calibri" panose="020F0502020204030204" pitchFamily="34" charset="0"/>
+                <a:cs typeface="Calibri" panose="020F0502020204030204" pitchFamily="34" charset="0"/>
+              </a:rPr>
+              <a:t>porni</a:t>
+            </a:r>
+            <a:r>
+              <a:rPr lang="en-US" sz="3200" dirty="0">
+                <a:latin typeface="Calibri" panose="020F0502020204030204" pitchFamily="34" charset="0"/>
+                <a:cs typeface="Calibri" panose="020F0502020204030204" pitchFamily="34" charset="0"/>
+              </a:rPr>
+              <a:t> </a:t>
+            </a:r>
+            <a:r>
+              <a:rPr lang="en-US" sz="3200" dirty="0" err="1">
+                <a:latin typeface="Calibri" panose="020F0502020204030204" pitchFamily="34" charset="0"/>
+                <a:cs typeface="Calibri" panose="020F0502020204030204" pitchFamily="34" charset="0"/>
+              </a:rPr>
+              <a:t>apeluri</a:t>
+            </a:r>
+            <a:r>
+              <a:rPr lang="en-US" sz="3200" dirty="0">
+                <a:latin typeface="Calibri" panose="020F0502020204030204" pitchFamily="34" charset="0"/>
+                <a:cs typeface="Calibri" panose="020F0502020204030204" pitchFamily="34" charset="0"/>
+              </a:rPr>
+              <a:t> </a:t>
+            </a:r>
+            <a:r>
+              <a:rPr lang="en-US" sz="3200" dirty="0" err="1">
+                <a:latin typeface="Calibri" panose="020F0502020204030204" pitchFamily="34" charset="0"/>
+                <a:cs typeface="Calibri" panose="020F0502020204030204" pitchFamily="34" charset="0"/>
+              </a:rPr>
+              <a:t>simultane</a:t>
+            </a:r>
+            <a:r>
+              <a:rPr lang="en-US" sz="3200" dirty="0">
+                <a:latin typeface="Calibri" panose="020F0502020204030204" pitchFamily="34" charset="0"/>
+                <a:cs typeface="Calibri" panose="020F0502020204030204" pitchFamily="34" charset="0"/>
+              </a:rPr>
+              <a:t>.</a:t>
+            </a:r>
+          </a:p>
+          <a:p>
+            <a:endParaRPr lang="en-US" sz="3200" dirty="0">
+              <a:latin typeface="Calibri" panose="020F0502020204030204" pitchFamily="34" charset="0"/>
+              <a:cs typeface="Calibri" panose="020F0502020204030204" pitchFamily="34" charset="0"/>
+            </a:endParaRPr>
+          </a:p>
+        </p:txBody>
+      </p:sp>
+      <p:sp>
+        <p:nvSpPr>
+          <p:cNvPr id="3" name="TextBox 2">
+            <a:extLst>
+              <a:ext uri="{FF2B5EF4-FFF2-40B4-BE49-F238E27FC236}">
+                <a16:creationId xmlns:a16="http://schemas.microsoft.com/office/drawing/2014/main" id="{9E450D14-CA7F-3F4F-D80F-1AEEEB934B64}"/>
+              </a:ext>
+            </a:extLst>
+          </p:cNvPr>
+          <p:cNvSpPr txBox="1"/>
+          <p:nvPr/>
+        </p:nvSpPr>
+        <p:spPr>
+          <a:xfrm>
+            <a:off x="1436000" y="6650287"/>
+            <a:ext cx="5209952" cy="1384995"/>
+          </a:xfrm>
+          <a:prstGeom prst="rect">
+            <a:avLst/>
+          </a:prstGeom>
+          <a:noFill/>
+        </p:spPr>
+        <p:txBody>
+          <a:bodyPr wrap="none" rtlCol="0">
+            <a:spAutoFit/>
+          </a:bodyPr>
+          <a:lstStyle/>
+          <a:p>
+            <a:r>
+              <a:rPr lang="en-US" sz="2800" dirty="0" err="1">
+                <a:latin typeface="Calibri" panose="020F0502020204030204" pitchFamily="34" charset="0"/>
+                <a:cs typeface="Calibri" panose="020F0502020204030204" pitchFamily="34" charset="0"/>
+              </a:rPr>
+              <a:t>Rezultate</a:t>
+            </a:r>
+            <a:r>
+              <a:rPr lang="en-US" sz="2800" dirty="0">
+                <a:latin typeface="Calibri" panose="020F0502020204030204" pitchFamily="34" charset="0"/>
+                <a:cs typeface="Calibri" panose="020F0502020204030204" pitchFamily="34" charset="0"/>
+              </a:rPr>
+              <a:t>:</a:t>
+            </a:r>
+          </a:p>
+          <a:p>
+            <a:pPr marL="457200" indent="-457200">
+              <a:buFont typeface="Arial" panose="020B0604020202020204" pitchFamily="34" charset="0"/>
+              <a:buChar char="•"/>
+            </a:pPr>
+            <a:r>
+              <a:rPr lang="en-US" sz="2800" dirty="0" err="1">
+                <a:latin typeface="Calibri" panose="020F0502020204030204" pitchFamily="34" charset="0"/>
+                <a:cs typeface="Calibri" panose="020F0502020204030204" pitchFamily="34" charset="0"/>
+              </a:rPr>
+              <a:t>Testare</a:t>
+            </a:r>
+            <a:r>
+              <a:rPr lang="en-US" sz="2800" dirty="0">
+                <a:latin typeface="Calibri" panose="020F0502020204030204" pitchFamily="34" charset="0"/>
+                <a:cs typeface="Calibri" panose="020F0502020204030204" pitchFamily="34" charset="0"/>
+              </a:rPr>
+              <a:t> one thread: ≈185ms</a:t>
+            </a:r>
+          </a:p>
+          <a:p>
+            <a:pPr marL="457200" indent="-457200">
+              <a:buFont typeface="Arial" panose="020B0604020202020204" pitchFamily="34" charset="0"/>
+              <a:buChar char="•"/>
+            </a:pPr>
+            <a:r>
+              <a:rPr lang="en-US" sz="2800" dirty="0" err="1">
+                <a:latin typeface="Calibri" panose="020F0502020204030204" pitchFamily="34" charset="0"/>
+                <a:cs typeface="Calibri" panose="020F0502020204030204" pitchFamily="34" charset="0"/>
+              </a:rPr>
+              <a:t>Testare</a:t>
+            </a:r>
+            <a:r>
+              <a:rPr lang="en-US" sz="2800" dirty="0">
+                <a:latin typeface="Calibri" panose="020F0502020204030204" pitchFamily="34" charset="0"/>
+                <a:cs typeface="Calibri" panose="020F0502020204030204" pitchFamily="34" charset="0"/>
+              </a:rPr>
+              <a:t> 100 thread-</a:t>
+            </a:r>
+            <a:r>
+              <a:rPr lang="en-US" sz="2800" dirty="0" err="1">
+                <a:latin typeface="Calibri" panose="020F0502020204030204" pitchFamily="34" charset="0"/>
+                <a:cs typeface="Calibri" panose="020F0502020204030204" pitchFamily="34" charset="0"/>
+              </a:rPr>
+              <a:t>uri</a:t>
+            </a:r>
+            <a:r>
+              <a:rPr lang="en-US" sz="2800" dirty="0">
+                <a:latin typeface="Calibri" panose="020F0502020204030204" pitchFamily="34" charset="0"/>
+                <a:cs typeface="Calibri" panose="020F0502020204030204" pitchFamily="34" charset="0"/>
+              </a:rPr>
+              <a:t>: ≈431ms</a:t>
+            </a:r>
+          </a:p>
+        </p:txBody>
+      </p:sp>
+      <p:sp>
+        <p:nvSpPr>
+          <p:cNvPr id="5" name="TextBox 4">
+            <a:extLst>
+              <a:ext uri="{FF2B5EF4-FFF2-40B4-BE49-F238E27FC236}">
+                <a16:creationId xmlns:a16="http://schemas.microsoft.com/office/drawing/2014/main" id="{41D275E1-B6B6-4383-997F-CFA21E90F29E}"/>
+              </a:ext>
+            </a:extLst>
+          </p:cNvPr>
+          <p:cNvSpPr txBox="1"/>
+          <p:nvPr/>
+        </p:nvSpPr>
+        <p:spPr>
+          <a:xfrm>
+            <a:off x="1436000" y="5152362"/>
+            <a:ext cx="3344449" cy="1384995"/>
+          </a:xfrm>
+          <a:prstGeom prst="rect">
+            <a:avLst/>
+          </a:prstGeom>
+          <a:noFill/>
+        </p:spPr>
+        <p:txBody>
+          <a:bodyPr wrap="square">
+            <a:spAutoFit/>
+          </a:bodyPr>
+          <a:lstStyle/>
+          <a:p>
+            <a:r>
+              <a:rPr lang="en-US" sz="2800" dirty="0" err="1">
+                <a:latin typeface="Calibri" panose="020F0502020204030204" pitchFamily="34" charset="0"/>
+                <a:cs typeface="Calibri" panose="020F0502020204030204" pitchFamily="34" charset="0"/>
+              </a:rPr>
+              <a:t>Dimensiunea</a:t>
+            </a:r>
+            <a:r>
+              <a:rPr lang="en-US" sz="2800" dirty="0">
+                <a:latin typeface="Calibri" panose="020F0502020204030204" pitchFamily="34" charset="0"/>
+                <a:cs typeface="Calibri" panose="020F0502020204030204" pitchFamily="34" charset="0"/>
+              </a:rPr>
+              <a:t> </a:t>
+            </a:r>
+            <a:r>
+              <a:rPr lang="en-US" sz="2800" dirty="0" err="1">
+                <a:latin typeface="Calibri" panose="020F0502020204030204" pitchFamily="34" charset="0"/>
+                <a:cs typeface="Calibri" panose="020F0502020204030204" pitchFamily="34" charset="0"/>
+              </a:rPr>
+              <a:t>datelor</a:t>
+            </a:r>
+            <a:r>
+              <a:rPr lang="en-US" sz="2800" dirty="0">
+                <a:latin typeface="Calibri" panose="020F0502020204030204" pitchFamily="34" charset="0"/>
+                <a:cs typeface="Calibri" panose="020F0502020204030204" pitchFamily="34" charset="0"/>
+              </a:rPr>
+              <a:t>:</a:t>
+            </a:r>
+          </a:p>
+          <a:p>
+            <a:pPr marL="457200" indent="-457200">
+              <a:buFont typeface="Arial" panose="020B0604020202020204" pitchFamily="34" charset="0"/>
+              <a:buChar char="•"/>
+            </a:pPr>
+            <a:r>
+              <a:rPr lang="en-US" sz="2800" dirty="0">
+                <a:latin typeface="Calibri" panose="020F0502020204030204" pitchFamily="34" charset="0"/>
+                <a:cs typeface="Calibri" panose="020F0502020204030204" pitchFamily="34" charset="0"/>
+              </a:rPr>
+              <a:t>45+ </a:t>
+            </a:r>
+            <a:r>
+              <a:rPr lang="en-US" sz="2800" dirty="0" err="1">
+                <a:latin typeface="Calibri" panose="020F0502020204030204" pitchFamily="34" charset="0"/>
+                <a:cs typeface="Calibri" panose="020F0502020204030204" pitchFamily="34" charset="0"/>
+              </a:rPr>
+              <a:t>utilizatori</a:t>
+            </a:r>
+            <a:endParaRPr lang="en-US" sz="2800" dirty="0">
+              <a:latin typeface="Calibri" panose="020F0502020204030204" pitchFamily="34" charset="0"/>
+              <a:cs typeface="Calibri" panose="020F0502020204030204" pitchFamily="34" charset="0"/>
+            </a:endParaRPr>
+          </a:p>
+          <a:p>
+            <a:pPr marL="457200" indent="-457200">
+              <a:buFont typeface="Arial" panose="020B0604020202020204" pitchFamily="34" charset="0"/>
+              <a:buChar char="•"/>
+            </a:pPr>
+            <a:r>
+              <a:rPr lang="en-US" sz="2800" dirty="0">
+                <a:latin typeface="Calibri" panose="020F0502020204030204" pitchFamily="34" charset="0"/>
+                <a:cs typeface="Calibri" panose="020F0502020204030204" pitchFamily="34" charset="0"/>
+              </a:rPr>
+              <a:t>60.000+ </a:t>
+            </a:r>
+            <a:r>
+              <a:rPr lang="en-US" sz="2800" dirty="0" err="1">
+                <a:latin typeface="Calibri" panose="020F0502020204030204" pitchFamily="34" charset="0"/>
+                <a:cs typeface="Calibri" panose="020F0502020204030204" pitchFamily="34" charset="0"/>
+              </a:rPr>
+              <a:t>produse</a:t>
+            </a:r>
+            <a:endParaRPr lang="en-US" sz="2800" dirty="0">
+              <a:latin typeface="Calibri" panose="020F0502020204030204" pitchFamily="34" charset="0"/>
+              <a:cs typeface="Calibri" panose="020F0502020204030204" pitchFamily="34" charset="0"/>
+            </a:endParaRPr>
+          </a:p>
+        </p:txBody>
+      </p:sp>
+      <p:pic>
+        <p:nvPicPr>
+          <p:cNvPr id="9" name="Picture 8">
+            <a:extLst>
+              <a:ext uri="{FF2B5EF4-FFF2-40B4-BE49-F238E27FC236}">
+                <a16:creationId xmlns:a16="http://schemas.microsoft.com/office/drawing/2014/main" id="{755B1D19-FDF1-29FB-4E05-F430F76BF000}"/>
+              </a:ext>
+            </a:extLst>
+          </p:cNvPr>
+          <p:cNvPicPr>
+            <a:picLocks noChangeAspect="1"/>
+          </p:cNvPicPr>
+          <p:nvPr/>
+        </p:nvPicPr>
+        <p:blipFill>
+          <a:blip r:embed="rId3" cstate="print">
+            <a:extLst>
+              <a:ext uri="{28A0092B-C50C-407E-A947-70E740481C1C}">
+                <a14:useLocalDpi xmlns:a14="http://schemas.microsoft.com/office/drawing/2010/main" val="0"/>
+              </a:ext>
+            </a:extLst>
+          </a:blip>
+          <a:stretch>
+            <a:fillRect/>
+          </a:stretch>
+        </p:blipFill>
+        <p:spPr>
+          <a:xfrm>
+            <a:off x="8752044" y="5152362"/>
+            <a:ext cx="3535987" cy="3138084"/>
+          </a:xfrm>
+          <a:prstGeom prst="rect">
+            <a:avLst/>
+          </a:prstGeom>
+        </p:spPr>
+      </p:pic>
     </p:spTree>
     <p:extLst>
       <p:ext uri="{BB962C8B-B14F-4D97-AF65-F5344CB8AC3E}">
@@ -9597,14 +11356,617 @@
         </p:blipFill>
         <p:spPr>
           <a:xfrm>
-            <a:off x="9074407" y="6001572"/>
-            <a:ext cx="3048006" cy="1984252"/>
+            <a:off x="8823887" y="5135671"/>
+            <a:ext cx="3666190" cy="2386690"/>
           </a:xfrm>
           <a:prstGeom prst="rect">
             <a:avLst/>
           </a:prstGeom>
         </p:spPr>
       </p:pic>
+      <p:sp>
+        <p:nvSpPr>
+          <p:cNvPr id="2" name="TextBox 1">
+            <a:extLst>
+              <a:ext uri="{FF2B5EF4-FFF2-40B4-BE49-F238E27FC236}">
+                <a16:creationId xmlns:a16="http://schemas.microsoft.com/office/drawing/2014/main" id="{FC9D79A5-7623-020F-2F6A-EF87B9A91BBD}"/>
+              </a:ext>
+            </a:extLst>
+          </p:cNvPr>
+          <p:cNvSpPr txBox="1"/>
+          <p:nvPr/>
+        </p:nvSpPr>
+        <p:spPr>
+          <a:xfrm>
+            <a:off x="316203" y="2610900"/>
+            <a:ext cx="8893629" cy="6781344"/>
+          </a:xfrm>
+          <a:prstGeom prst="rect">
+            <a:avLst/>
+          </a:prstGeom>
+          <a:noFill/>
+        </p:spPr>
+        <p:txBody>
+          <a:bodyPr wrap="square">
+            <a:spAutoFit/>
+          </a:bodyPr>
+          <a:lstStyle/>
+          <a:p>
+            <a:pPr>
+              <a:spcAft>
+                <a:spcPts val="800"/>
+              </a:spcAft>
+            </a:pPr>
+            <a:r>
+              <a:rPr lang="en-US" sz="2800" dirty="0" err="1">
+                <a:latin typeface="Calibri" panose="020F0502020204030204" pitchFamily="34" charset="0"/>
+                <a:cs typeface="Calibri" panose="020F0502020204030204" pitchFamily="34" charset="0"/>
+              </a:rPr>
+              <a:t>Autentificarea</a:t>
+            </a:r>
+            <a:r>
+              <a:rPr lang="en-US" sz="2800" dirty="0">
+                <a:latin typeface="Calibri" panose="020F0502020204030204" pitchFamily="34" charset="0"/>
+                <a:cs typeface="Calibri" panose="020F0502020204030204" pitchFamily="34" charset="0"/>
+              </a:rPr>
+              <a:t> in </a:t>
+            </a:r>
+            <a:r>
+              <a:rPr lang="en-US" sz="2800" dirty="0" err="1">
+                <a:latin typeface="Calibri" panose="020F0502020204030204" pitchFamily="34" charset="0"/>
+                <a:cs typeface="Calibri" panose="020F0502020204030204" pitchFamily="34" charset="0"/>
+              </a:rPr>
+              <a:t>aplicatie</a:t>
+            </a:r>
+            <a:r>
+              <a:rPr lang="en-US" sz="2800" dirty="0">
+                <a:latin typeface="Calibri" panose="020F0502020204030204" pitchFamily="34" charset="0"/>
+                <a:cs typeface="Calibri" panose="020F0502020204030204" pitchFamily="34" charset="0"/>
+              </a:rPr>
+              <a:t> se </a:t>
+            </a:r>
+            <a:r>
+              <a:rPr lang="en-US" sz="2800" dirty="0" err="1">
+                <a:latin typeface="Calibri" panose="020F0502020204030204" pitchFamily="34" charset="0"/>
+                <a:cs typeface="Calibri" panose="020F0502020204030204" pitchFamily="34" charset="0"/>
+              </a:rPr>
+              <a:t>poate</a:t>
+            </a:r>
+            <a:r>
+              <a:rPr lang="en-US" sz="2800" dirty="0">
+                <a:latin typeface="Calibri" panose="020F0502020204030204" pitchFamily="34" charset="0"/>
+                <a:cs typeface="Calibri" panose="020F0502020204030204" pitchFamily="34" charset="0"/>
+              </a:rPr>
+              <a:t> </a:t>
+            </a:r>
+            <a:r>
+              <a:rPr lang="en-US" sz="2800" dirty="0" err="1">
+                <a:latin typeface="Calibri" panose="020F0502020204030204" pitchFamily="34" charset="0"/>
+                <a:cs typeface="Calibri" panose="020F0502020204030204" pitchFamily="34" charset="0"/>
+              </a:rPr>
+              <a:t>realiza</a:t>
+            </a:r>
+            <a:r>
+              <a:rPr lang="en-US" sz="2800" dirty="0">
+                <a:latin typeface="Calibri" panose="020F0502020204030204" pitchFamily="34" charset="0"/>
+                <a:cs typeface="Calibri" panose="020F0502020204030204" pitchFamily="34" charset="0"/>
+              </a:rPr>
+              <a:t> in </a:t>
+            </a:r>
+            <a:r>
+              <a:rPr lang="en-US" sz="2800" dirty="0" err="1">
+                <a:latin typeface="Calibri" panose="020F0502020204030204" pitchFamily="34" charset="0"/>
+                <a:cs typeface="Calibri" panose="020F0502020204030204" pitchFamily="34" charset="0"/>
+              </a:rPr>
+              <a:t>doua</a:t>
+            </a:r>
+            <a:r>
+              <a:rPr lang="en-US" sz="2800" dirty="0">
+                <a:latin typeface="Calibri" panose="020F0502020204030204" pitchFamily="34" charset="0"/>
+                <a:cs typeface="Calibri" panose="020F0502020204030204" pitchFamily="34" charset="0"/>
+              </a:rPr>
+              <a:t> </a:t>
+            </a:r>
+            <a:r>
+              <a:rPr lang="en-US" sz="2800" dirty="0" err="1">
+                <a:latin typeface="Calibri" panose="020F0502020204030204" pitchFamily="34" charset="0"/>
+                <a:cs typeface="Calibri" panose="020F0502020204030204" pitchFamily="34" charset="0"/>
+              </a:rPr>
+              <a:t>moduri</a:t>
+            </a:r>
+            <a:r>
+              <a:rPr lang="en-US" sz="2800" dirty="0">
+                <a:latin typeface="Calibri" panose="020F0502020204030204" pitchFamily="34" charset="0"/>
+                <a:cs typeface="Calibri" panose="020F0502020204030204" pitchFamily="34" charset="0"/>
+              </a:rPr>
+              <a:t>:</a:t>
+            </a:r>
+          </a:p>
+          <a:p>
+            <a:pPr marL="514350" indent="-514350">
+              <a:spcAft>
+                <a:spcPts val="800"/>
+              </a:spcAft>
+              <a:buFont typeface="+mj-lt"/>
+              <a:buAutoNum type="arabicPeriod"/>
+            </a:pPr>
+            <a:r>
+              <a:rPr lang="en-US" sz="2800" dirty="0">
+                <a:latin typeface="Calibri" panose="020F0502020204030204" pitchFamily="34" charset="0"/>
+                <a:cs typeface="Calibri" panose="020F0502020204030204" pitchFamily="34" charset="0"/>
+              </a:rPr>
+              <a:t>JWT token:</a:t>
+            </a:r>
+          </a:p>
+          <a:p>
+            <a:pPr marL="971550" lvl="1" indent="-514350">
+              <a:spcAft>
+                <a:spcPts val="800"/>
+              </a:spcAft>
+              <a:buFont typeface="Arial" panose="020B0604020202020204" pitchFamily="34" charset="0"/>
+              <a:buChar char="•"/>
+            </a:pPr>
+            <a:r>
+              <a:rPr lang="en-US" sz="2800" dirty="0" err="1">
+                <a:latin typeface="Calibri" panose="020F0502020204030204" pitchFamily="34" charset="0"/>
+                <a:cs typeface="Calibri" panose="020F0502020204030204" pitchFamily="34" charset="0"/>
+              </a:rPr>
+              <a:t>Administrata</a:t>
+            </a:r>
+            <a:r>
+              <a:rPr lang="en-US" sz="2800" dirty="0">
+                <a:latin typeface="Calibri" panose="020F0502020204030204" pitchFamily="34" charset="0"/>
+                <a:cs typeface="Calibri" panose="020F0502020204030204" pitchFamily="34" charset="0"/>
+              </a:rPr>
+              <a:t> in </a:t>
+            </a:r>
+            <a:r>
+              <a:rPr lang="en-US" sz="2800" dirty="0" err="1">
+                <a:latin typeface="Calibri" panose="020F0502020204030204" pitchFamily="34" charset="0"/>
+                <a:cs typeface="Calibri" panose="020F0502020204030204" pitchFamily="34" charset="0"/>
+              </a:rPr>
+              <a:t>intregime</a:t>
+            </a:r>
+            <a:r>
+              <a:rPr lang="en-US" sz="2800" dirty="0">
+                <a:latin typeface="Calibri" panose="020F0502020204030204" pitchFamily="34" charset="0"/>
+                <a:cs typeface="Calibri" panose="020F0502020204030204" pitchFamily="34" charset="0"/>
+              </a:rPr>
+              <a:t> de </a:t>
+            </a:r>
+            <a:r>
+              <a:rPr lang="en-US" sz="2800" dirty="0" err="1">
+                <a:latin typeface="Calibri" panose="020F0502020204030204" pitchFamily="34" charset="0"/>
+                <a:cs typeface="Calibri" panose="020F0502020204030204" pitchFamily="34" charset="0"/>
+              </a:rPr>
+              <a:t>aplicatie</a:t>
+            </a:r>
+            <a:endParaRPr lang="en-US" sz="2800" dirty="0">
+              <a:latin typeface="Calibri" panose="020F0502020204030204" pitchFamily="34" charset="0"/>
+              <a:cs typeface="Calibri" panose="020F0502020204030204" pitchFamily="34" charset="0"/>
+            </a:endParaRPr>
+          </a:p>
+          <a:p>
+            <a:pPr marL="971550" lvl="1" indent="-514350">
+              <a:spcAft>
+                <a:spcPts val="800"/>
+              </a:spcAft>
+              <a:buFont typeface="Arial" panose="020B0604020202020204" pitchFamily="34" charset="0"/>
+              <a:buChar char="•"/>
+            </a:pPr>
+            <a:r>
+              <a:rPr lang="en-US" sz="2800" dirty="0" err="1">
+                <a:latin typeface="Calibri" panose="020F0502020204030204" pitchFamily="34" charset="0"/>
+                <a:cs typeface="Calibri" panose="020F0502020204030204" pitchFamily="34" charset="0"/>
+              </a:rPr>
+              <a:t>Emiterea</a:t>
+            </a:r>
+            <a:r>
+              <a:rPr lang="en-US" sz="2800" dirty="0">
+                <a:latin typeface="Calibri" panose="020F0502020204030204" pitchFamily="34" charset="0"/>
+                <a:cs typeface="Calibri" panose="020F0502020204030204" pitchFamily="34" charset="0"/>
+              </a:rPr>
+              <a:t> </a:t>
+            </a:r>
+            <a:r>
+              <a:rPr lang="en-US" sz="2800" dirty="0" err="1">
+                <a:latin typeface="Calibri" panose="020F0502020204030204" pitchFamily="34" charset="0"/>
+                <a:cs typeface="Calibri" panose="020F0502020204030204" pitchFamily="34" charset="0"/>
+              </a:rPr>
+              <a:t>unui</a:t>
+            </a:r>
+            <a:r>
+              <a:rPr lang="en-US" sz="2800" dirty="0">
+                <a:latin typeface="Calibri" panose="020F0502020204030204" pitchFamily="34" charset="0"/>
+                <a:cs typeface="Calibri" panose="020F0502020204030204" pitchFamily="34" charset="0"/>
+              </a:rPr>
+              <a:t> token </a:t>
+            </a:r>
+            <a:r>
+              <a:rPr lang="en-US" sz="2800" dirty="0" err="1">
+                <a:latin typeface="Calibri" panose="020F0502020204030204" pitchFamily="34" charset="0"/>
+                <a:cs typeface="Calibri" panose="020F0502020204030204" pitchFamily="34" charset="0"/>
+              </a:rPr>
+              <a:t>semnat</a:t>
+            </a:r>
+            <a:r>
+              <a:rPr lang="en-US" sz="2800" dirty="0">
+                <a:latin typeface="Calibri" panose="020F0502020204030204" pitchFamily="34" charset="0"/>
+                <a:cs typeface="Calibri" panose="020F0502020204030204" pitchFamily="34" charset="0"/>
+              </a:rPr>
+              <a:t> </a:t>
+            </a:r>
+            <a:r>
+              <a:rPr lang="en-US" sz="2800" dirty="0" err="1">
+                <a:latin typeface="Calibri" panose="020F0502020204030204" pitchFamily="34" charset="0"/>
+                <a:cs typeface="Calibri" panose="020F0502020204030204" pitchFamily="34" charset="0"/>
+              </a:rPr>
+              <a:t>pentru</a:t>
+            </a:r>
+            <a:r>
+              <a:rPr lang="en-US" sz="2800" dirty="0">
+                <a:latin typeface="Calibri" panose="020F0502020204030204" pitchFamily="34" charset="0"/>
+                <a:cs typeface="Calibri" panose="020F0502020204030204" pitchFamily="34" charset="0"/>
+              </a:rPr>
+              <a:t> </a:t>
+            </a:r>
+            <a:r>
+              <a:rPr lang="en-US" sz="2800" dirty="0" err="1">
+                <a:latin typeface="Calibri" panose="020F0502020204030204" pitchFamily="34" charset="0"/>
+                <a:cs typeface="Calibri" panose="020F0502020204030204" pitchFamily="34" charset="0"/>
+              </a:rPr>
+              <a:t>autentificari</a:t>
+            </a:r>
+            <a:r>
+              <a:rPr lang="en-US" sz="2800" dirty="0">
+                <a:latin typeface="Calibri" panose="020F0502020204030204" pitchFamily="34" charset="0"/>
+                <a:cs typeface="Calibri" panose="020F0502020204030204" pitchFamily="34" charset="0"/>
+              </a:rPr>
+              <a:t> </a:t>
+            </a:r>
+            <a:r>
+              <a:rPr lang="en-US" sz="2800" dirty="0" err="1">
+                <a:latin typeface="Calibri" panose="020F0502020204030204" pitchFamily="34" charset="0"/>
+                <a:cs typeface="Calibri" panose="020F0502020204030204" pitchFamily="34" charset="0"/>
+              </a:rPr>
+              <a:t>viitoare</a:t>
+            </a:r>
+            <a:endParaRPr lang="en-US" sz="2800" dirty="0">
+              <a:latin typeface="Calibri" panose="020F0502020204030204" pitchFamily="34" charset="0"/>
+              <a:cs typeface="Calibri" panose="020F0502020204030204" pitchFamily="34" charset="0"/>
+            </a:endParaRPr>
+          </a:p>
+          <a:p>
+            <a:pPr marL="971550" lvl="1" indent="-514350">
+              <a:spcAft>
+                <a:spcPts val="800"/>
+              </a:spcAft>
+              <a:buFont typeface="Arial" panose="020B0604020202020204" pitchFamily="34" charset="0"/>
+              <a:buChar char="•"/>
+            </a:pPr>
+            <a:r>
+              <a:rPr lang="en-US" sz="2800" dirty="0" err="1">
+                <a:latin typeface="Calibri" panose="020F0502020204030204" pitchFamily="34" charset="0"/>
+                <a:cs typeface="Calibri" panose="020F0502020204030204" pitchFamily="34" charset="0"/>
+              </a:rPr>
+              <a:t>Scalabilitate</a:t>
+            </a:r>
+            <a:r>
+              <a:rPr lang="en-US" sz="2800" dirty="0">
+                <a:latin typeface="Calibri" panose="020F0502020204030204" pitchFamily="34" charset="0"/>
+                <a:cs typeface="Calibri" panose="020F0502020204030204" pitchFamily="34" charset="0"/>
+              </a:rPr>
+              <a:t> </a:t>
+            </a:r>
+            <a:r>
+              <a:rPr lang="en-US" sz="2800" dirty="0" err="1">
+                <a:latin typeface="Calibri" panose="020F0502020204030204" pitchFamily="34" charset="0"/>
+                <a:cs typeface="Calibri" panose="020F0502020204030204" pitchFamily="34" charset="0"/>
+              </a:rPr>
+              <a:t>usoara</a:t>
+            </a:r>
+            <a:endParaRPr lang="en-US" sz="2800" dirty="0">
+              <a:latin typeface="Calibri" panose="020F0502020204030204" pitchFamily="34" charset="0"/>
+              <a:cs typeface="Calibri" panose="020F0502020204030204" pitchFamily="34" charset="0"/>
+            </a:endParaRPr>
+          </a:p>
+          <a:p>
+            <a:pPr marL="514350" indent="-514350">
+              <a:spcAft>
+                <a:spcPts val="800"/>
+              </a:spcAft>
+              <a:buFont typeface="+mj-lt"/>
+              <a:buAutoNum type="arabicPeriod"/>
+            </a:pPr>
+            <a:r>
+              <a:rPr lang="en-US" sz="2800" dirty="0">
+                <a:latin typeface="Calibri" panose="020F0502020204030204" pitchFamily="34" charset="0"/>
+                <a:cs typeface="Calibri" panose="020F0502020204030204" pitchFamily="34" charset="0"/>
+              </a:rPr>
+              <a:t>Oauth2:</a:t>
+            </a:r>
+          </a:p>
+          <a:p>
+            <a:pPr marL="971550" lvl="1" indent="-514350">
+              <a:spcAft>
+                <a:spcPts val="800"/>
+              </a:spcAft>
+              <a:buFont typeface="Arial" panose="020B0604020202020204" pitchFamily="34" charset="0"/>
+              <a:buChar char="•"/>
+            </a:pPr>
+            <a:r>
+              <a:rPr lang="en-US" sz="2800" dirty="0" err="1">
+                <a:latin typeface="Calibri" panose="020F0502020204030204" pitchFamily="34" charset="0"/>
+                <a:cs typeface="Calibri" panose="020F0502020204030204" pitchFamily="34" charset="0"/>
+              </a:rPr>
+              <a:t>Proces</a:t>
+            </a:r>
+            <a:r>
+              <a:rPr lang="en-US" sz="2800" dirty="0">
+                <a:latin typeface="Calibri" panose="020F0502020204030204" pitchFamily="34" charset="0"/>
+                <a:cs typeface="Calibri" panose="020F0502020204030204" pitchFamily="34" charset="0"/>
+              </a:rPr>
+              <a:t> </a:t>
+            </a:r>
+            <a:r>
+              <a:rPr lang="en-US" sz="2800" dirty="0" err="1">
+                <a:latin typeface="Calibri" panose="020F0502020204030204" pitchFamily="34" charset="0"/>
+                <a:cs typeface="Calibri" panose="020F0502020204030204" pitchFamily="34" charset="0"/>
+              </a:rPr>
+              <a:t>mai</a:t>
+            </a:r>
+            <a:r>
+              <a:rPr lang="en-US" sz="2800" dirty="0">
+                <a:latin typeface="Calibri" panose="020F0502020204030204" pitchFamily="34" charset="0"/>
+                <a:cs typeface="Calibri" panose="020F0502020204030204" pitchFamily="34" charset="0"/>
+              </a:rPr>
+              <a:t> </a:t>
+            </a:r>
+            <a:r>
+              <a:rPr lang="en-US" sz="2800" dirty="0" err="1">
+                <a:latin typeface="Calibri" panose="020F0502020204030204" pitchFamily="34" charset="0"/>
+                <a:cs typeface="Calibri" panose="020F0502020204030204" pitchFamily="34" charset="0"/>
+              </a:rPr>
+              <a:t>usor</a:t>
+            </a:r>
+            <a:r>
+              <a:rPr lang="en-US" sz="2800" dirty="0">
+                <a:latin typeface="Calibri" panose="020F0502020204030204" pitchFamily="34" charset="0"/>
+                <a:cs typeface="Calibri" panose="020F0502020204030204" pitchFamily="34" charset="0"/>
+              </a:rPr>
+              <a:t> de </a:t>
+            </a:r>
+            <a:r>
+              <a:rPr lang="en-US" sz="2800" dirty="0" err="1">
+                <a:latin typeface="Calibri" panose="020F0502020204030204" pitchFamily="34" charset="0"/>
+                <a:cs typeface="Calibri" panose="020F0502020204030204" pitchFamily="34" charset="0"/>
+              </a:rPr>
+              <a:t>inregistrare</a:t>
+            </a:r>
+            <a:r>
+              <a:rPr lang="en-US" sz="2800" dirty="0">
+                <a:latin typeface="Calibri" panose="020F0502020204030204" pitchFamily="34" charset="0"/>
+                <a:cs typeface="Calibri" panose="020F0502020204030204" pitchFamily="34" charset="0"/>
+              </a:rPr>
+              <a:t> / </a:t>
+            </a:r>
+            <a:r>
+              <a:rPr lang="en-US" sz="2800" dirty="0" err="1">
+                <a:latin typeface="Calibri" panose="020F0502020204030204" pitchFamily="34" charset="0"/>
+                <a:cs typeface="Calibri" panose="020F0502020204030204" pitchFamily="34" charset="0"/>
+              </a:rPr>
+              <a:t>autentificare</a:t>
+            </a:r>
+            <a:endParaRPr lang="en-US" sz="2800" dirty="0">
+              <a:latin typeface="Calibri" panose="020F0502020204030204" pitchFamily="34" charset="0"/>
+              <a:cs typeface="Calibri" panose="020F0502020204030204" pitchFamily="34" charset="0"/>
+            </a:endParaRPr>
+          </a:p>
+          <a:p>
+            <a:pPr marL="971550" lvl="1" indent="-514350">
+              <a:spcAft>
+                <a:spcPts val="800"/>
+              </a:spcAft>
+              <a:buFont typeface="Arial" panose="020B0604020202020204" pitchFamily="34" charset="0"/>
+              <a:buChar char="•"/>
+            </a:pPr>
+            <a:r>
+              <a:rPr lang="en-US" sz="2800" dirty="0" err="1">
+                <a:latin typeface="Calibri" panose="020F0502020204030204" pitchFamily="34" charset="0"/>
+                <a:cs typeface="Calibri" panose="020F0502020204030204" pitchFamily="34" charset="0"/>
+              </a:rPr>
+              <a:t>Necesita</a:t>
+            </a:r>
+            <a:r>
+              <a:rPr lang="en-US" sz="2800" dirty="0">
+                <a:latin typeface="Calibri" panose="020F0502020204030204" pitchFamily="34" charset="0"/>
+                <a:cs typeface="Calibri" panose="020F0502020204030204" pitchFamily="34" charset="0"/>
+              </a:rPr>
+              <a:t> </a:t>
+            </a:r>
+            <a:r>
+              <a:rPr lang="en-US" sz="2800" dirty="0" err="1">
+                <a:latin typeface="Calibri" panose="020F0502020204030204" pitchFamily="34" charset="0"/>
+                <a:cs typeface="Calibri" panose="020F0502020204030204" pitchFamily="34" charset="0"/>
+              </a:rPr>
+              <a:t>integrarea</a:t>
+            </a:r>
+            <a:r>
+              <a:rPr lang="en-US" sz="2800" dirty="0">
+                <a:latin typeface="Calibri" panose="020F0502020204030204" pitchFamily="34" charset="0"/>
+                <a:cs typeface="Calibri" panose="020F0502020204030204" pitchFamily="34" charset="0"/>
+              </a:rPr>
+              <a:t> cu o </a:t>
+            </a:r>
+            <a:r>
+              <a:rPr lang="en-US" sz="2800" dirty="0" err="1">
+                <a:latin typeface="Calibri" panose="020F0502020204030204" pitchFamily="34" charset="0"/>
+                <a:cs typeface="Calibri" panose="020F0502020204030204" pitchFamily="34" charset="0"/>
+              </a:rPr>
+              <a:t>aplicatie</a:t>
+            </a:r>
+            <a:r>
+              <a:rPr lang="en-US" sz="2800" dirty="0">
+                <a:latin typeface="Calibri" panose="020F0502020204030204" pitchFamily="34" charset="0"/>
+                <a:cs typeface="Calibri" panose="020F0502020204030204" pitchFamily="34" charset="0"/>
+              </a:rPr>
+              <a:t> externa</a:t>
+            </a:r>
+          </a:p>
+          <a:p>
+            <a:pPr marL="971550" lvl="1" indent="-514350">
+              <a:spcAft>
+                <a:spcPts val="800"/>
+              </a:spcAft>
+              <a:buFont typeface="Arial" panose="020B0604020202020204" pitchFamily="34" charset="0"/>
+              <a:buChar char="•"/>
+            </a:pPr>
+            <a:r>
+              <a:rPr lang="en-US" sz="2800" dirty="0" err="1">
+                <a:latin typeface="Calibri" panose="020F0502020204030204" pitchFamily="34" charset="0"/>
+                <a:cs typeface="Calibri" panose="020F0502020204030204" pitchFamily="34" charset="0"/>
+              </a:rPr>
+              <a:t>Serverul</a:t>
+            </a:r>
+            <a:r>
+              <a:rPr lang="en-US" sz="2800" dirty="0">
+                <a:latin typeface="Calibri" panose="020F0502020204030204" pitchFamily="34" charset="0"/>
+                <a:cs typeface="Calibri" panose="020F0502020204030204" pitchFamily="34" charset="0"/>
+              </a:rPr>
+              <a:t> </a:t>
+            </a:r>
+            <a:r>
+              <a:rPr lang="en-US" sz="2800" dirty="0" err="1">
+                <a:latin typeface="Calibri" panose="020F0502020204030204" pitchFamily="34" charset="0"/>
+                <a:cs typeface="Calibri" panose="020F0502020204030204" pitchFamily="34" charset="0"/>
+              </a:rPr>
+              <a:t>retine</a:t>
+            </a:r>
+            <a:r>
+              <a:rPr lang="en-US" sz="2800" dirty="0">
+                <a:latin typeface="Calibri" panose="020F0502020204030204" pitchFamily="34" charset="0"/>
+                <a:cs typeface="Calibri" panose="020F0502020204030204" pitchFamily="34" charset="0"/>
+              </a:rPr>
+              <a:t> </a:t>
+            </a:r>
+            <a:r>
+              <a:rPr lang="en-US" sz="2800" dirty="0" err="1">
+                <a:latin typeface="Calibri" panose="020F0502020204030204" pitchFamily="34" charset="0"/>
+                <a:cs typeface="Calibri" panose="020F0502020204030204" pitchFamily="34" charset="0"/>
+              </a:rPr>
+              <a:t>sesiunea</a:t>
+            </a:r>
+            <a:r>
+              <a:rPr lang="en-US" sz="2800" dirty="0">
+                <a:latin typeface="Calibri" panose="020F0502020204030204" pitchFamily="34" charset="0"/>
+                <a:cs typeface="Calibri" panose="020F0502020204030204" pitchFamily="34" charset="0"/>
+              </a:rPr>
+              <a:t> </a:t>
+            </a:r>
+            <a:r>
+              <a:rPr lang="en-US" sz="2800" dirty="0" err="1">
+                <a:latin typeface="Calibri" panose="020F0502020204030204" pitchFamily="34" charset="0"/>
+                <a:cs typeface="Calibri" panose="020F0502020204030204" pitchFamily="34" charset="0"/>
+              </a:rPr>
+              <a:t>utilizatorului</a:t>
+            </a:r>
+            <a:endParaRPr lang="en-US" sz="2800" dirty="0">
+              <a:latin typeface="Calibri" panose="020F0502020204030204" pitchFamily="34" charset="0"/>
+              <a:cs typeface="Calibri" panose="020F0502020204030204" pitchFamily="34" charset="0"/>
+            </a:endParaRPr>
+          </a:p>
+          <a:p>
+            <a:pPr marL="971550" lvl="1" indent="-514350">
+              <a:spcAft>
+                <a:spcPts val="800"/>
+              </a:spcAft>
+              <a:buFont typeface="Arial" panose="020B0604020202020204" pitchFamily="34" charset="0"/>
+              <a:buChar char="•"/>
+            </a:pPr>
+            <a:r>
+              <a:rPr lang="en-US" sz="2800" dirty="0" err="1">
+                <a:latin typeface="Calibri" panose="020F0502020204030204" pitchFamily="34" charset="0"/>
+                <a:cs typeface="Calibri" panose="020F0502020204030204" pitchFamily="34" charset="0"/>
+              </a:rPr>
+              <a:t>Necesita</a:t>
+            </a:r>
+            <a:r>
+              <a:rPr lang="en-US" sz="2800" dirty="0">
+                <a:latin typeface="Calibri" panose="020F0502020204030204" pitchFamily="34" charset="0"/>
+                <a:cs typeface="Calibri" panose="020F0502020204030204" pitchFamily="34" charset="0"/>
+              </a:rPr>
+              <a:t> </a:t>
+            </a:r>
+            <a:r>
+              <a:rPr lang="en-US" sz="2800" dirty="0" err="1">
+                <a:latin typeface="Calibri" panose="020F0502020204030204" pitchFamily="34" charset="0"/>
+                <a:cs typeface="Calibri" panose="020F0502020204030204" pitchFamily="34" charset="0"/>
+              </a:rPr>
+              <a:t>asocierea</a:t>
+            </a:r>
+            <a:r>
+              <a:rPr lang="en-US" sz="2800" dirty="0">
+                <a:latin typeface="Calibri" panose="020F0502020204030204" pitchFamily="34" charset="0"/>
+                <a:cs typeface="Calibri" panose="020F0502020204030204" pitchFamily="34" charset="0"/>
+              </a:rPr>
+              <a:t> </a:t>
+            </a:r>
+            <a:r>
+              <a:rPr lang="en-US" sz="2800" dirty="0" err="1">
+                <a:latin typeface="Calibri" panose="020F0502020204030204" pitchFamily="34" charset="0"/>
+                <a:cs typeface="Calibri" panose="020F0502020204030204" pitchFamily="34" charset="0"/>
+              </a:rPr>
+              <a:t>utilizatorului</a:t>
+            </a:r>
+            <a:r>
+              <a:rPr lang="en-US" sz="2800" dirty="0">
+                <a:latin typeface="Calibri" panose="020F0502020204030204" pitchFamily="34" charset="0"/>
+                <a:cs typeface="Calibri" panose="020F0502020204030204" pitchFamily="34" charset="0"/>
+              </a:rPr>
+              <a:t> Oauth2 cu o </a:t>
+            </a:r>
+            <a:r>
+              <a:rPr lang="en-US" sz="2800" dirty="0" err="1">
+                <a:latin typeface="Calibri" panose="020F0502020204030204" pitchFamily="34" charset="0"/>
+                <a:cs typeface="Calibri" panose="020F0502020204030204" pitchFamily="34" charset="0"/>
+              </a:rPr>
+              <a:t>enitate</a:t>
+            </a:r>
+            <a:r>
+              <a:rPr lang="en-US" sz="2800" dirty="0">
+                <a:latin typeface="Calibri" panose="020F0502020204030204" pitchFamily="34" charset="0"/>
+                <a:cs typeface="Calibri" panose="020F0502020204030204" pitchFamily="34" charset="0"/>
+              </a:rPr>
+              <a:t> din </a:t>
+            </a:r>
+            <a:r>
+              <a:rPr lang="en-US" sz="2800" dirty="0" err="1">
+                <a:latin typeface="Calibri" panose="020F0502020204030204" pitchFamily="34" charset="0"/>
+                <a:cs typeface="Calibri" panose="020F0502020204030204" pitchFamily="34" charset="0"/>
+              </a:rPr>
+              <a:t>baza</a:t>
+            </a:r>
+            <a:r>
+              <a:rPr lang="en-US" sz="2800" dirty="0">
+                <a:latin typeface="Calibri" panose="020F0502020204030204" pitchFamily="34" charset="0"/>
+                <a:cs typeface="Calibri" panose="020F0502020204030204" pitchFamily="34" charset="0"/>
+              </a:rPr>
+              <a:t> de date</a:t>
+            </a:r>
+          </a:p>
+          <a:p>
+            <a:pPr>
+              <a:spcAft>
+                <a:spcPts val="800"/>
+              </a:spcAft>
+            </a:pPr>
+            <a:endParaRPr lang="en-US" sz="3200" dirty="0">
+              <a:latin typeface="Calibri" panose="020F0502020204030204" pitchFamily="34" charset="0"/>
+              <a:cs typeface="Calibri" panose="020F0502020204030204" pitchFamily="34" charset="0"/>
+            </a:endParaRPr>
+          </a:p>
+        </p:txBody>
+      </p:sp>
     </p:spTree>
     <p:extLst>
       <p:ext uri="{BB962C8B-B14F-4D97-AF65-F5344CB8AC3E}">

--- a/files/documentation/presentation/Final_Presentation_Alexandru_Olteanu.pptx
+++ b/files/documentation/presentation/Final_Presentation_Alexandru_Olteanu.pptx
@@ -5058,7 +5058,7 @@
           </a:ln>
           <a:extLst>
             <a:ext uri="{C572A759-6A51-4108-AA02-DFA0A04FC94B}">
-              <ma14:wrappingTextBoxFlag xmlns:ma14="http://schemas.microsoft.com/office/mac/drawingml/2011/main" xmlns="" val="1"/>
+              <ma14:wrappingTextBoxFlag xmlns="" xmlns:ma14="http://schemas.microsoft.com/office/mac/drawingml/2011/main" val="1"/>
             </a:ext>
           </a:extLst>
         </p:spPr>
@@ -5340,18 +5340,25 @@
           <a:p>
             <a:pPr algn="r"/>
             <a:r>
+              <a:rPr lang="en-US" sz="6000" dirty="0" err="1">
+                <a:latin typeface="Calibri" panose="020F0502020204030204" pitchFamily="34" charset="0"/>
+                <a:cs typeface="Calibri" panose="020F0502020204030204" pitchFamily="34" charset="0"/>
+              </a:rPr>
+              <a:t>Soluția</a:t>
+            </a:r>
+            <a:r>
               <a:rPr lang="en-US" sz="6000" dirty="0">
                 <a:latin typeface="Calibri" panose="020F0502020204030204" pitchFamily="34" charset="0"/>
                 <a:cs typeface="Calibri" panose="020F0502020204030204" pitchFamily="34" charset="0"/>
               </a:rPr>
-              <a:t>Solutia </a:t>
+              <a:t> </a:t>
             </a:r>
             <a:r>
               <a:rPr lang="en-US" sz="6000" dirty="0" err="1">
                 <a:latin typeface="Calibri" panose="020F0502020204030204" pitchFamily="34" charset="0"/>
                 <a:cs typeface="Calibri" panose="020F0502020204030204" pitchFamily="34" charset="0"/>
               </a:rPr>
-              <a:t>propusa</a:t>
+              <a:t>propusă</a:t>
             </a:r>
             <a:r>
               <a:rPr lang="en-US" sz="6000" dirty="0">
@@ -5378,7 +5385,7 @@
         <p:spPr>
           <a:xfrm>
             <a:off x="789140" y="2891641"/>
-            <a:ext cx="8229600" cy="3970318"/>
+            <a:ext cx="8686164" cy="3970318"/>
           </a:xfrm>
           <a:prstGeom prst="rect">
             <a:avLst/>
@@ -5442,21 +5449,35 @@
                 <a:latin typeface="Calibri" panose="020F0502020204030204" pitchFamily="34" charset="0"/>
                 <a:cs typeface="Calibri" panose="020F0502020204030204" pitchFamily="34" charset="0"/>
               </a:rPr>
-              <a:t>aplicatiei</a:t>
-            </a:r>
-            <a:r>
-              <a:rPr lang="en-US" sz="2800" dirty="0">
-                <a:latin typeface="Calibri" panose="020F0502020204030204" pitchFamily="34" charset="0"/>
-                <a:cs typeface="Calibri" panose="020F0502020204030204" pitchFamily="34" charset="0"/>
-              </a:rPr>
-              <a:t> pot fi </a:t>
-            </a:r>
-            <a:r>
-              <a:rPr lang="en-US" sz="2800" dirty="0" err="1">
-                <a:latin typeface="Calibri" panose="020F0502020204030204" pitchFamily="34" charset="0"/>
-                <a:cs typeface="Calibri" panose="020F0502020204030204" pitchFamily="34" charset="0"/>
-              </a:rPr>
-              <a:t>facute</a:t>
+              <a:t>aplicației</a:t>
+            </a:r>
+            <a:r>
+              <a:rPr lang="en-US" sz="2800" dirty="0">
+                <a:latin typeface="Calibri" panose="020F0502020204030204" pitchFamily="34" charset="0"/>
+                <a:cs typeface="Calibri" panose="020F0502020204030204" pitchFamily="34" charset="0"/>
+              </a:rPr>
+              <a:t> </a:t>
+            </a:r>
+            <a:r>
+              <a:rPr lang="en-US" sz="2800" dirty="0" err="1">
+                <a:latin typeface="Calibri" panose="020F0502020204030204" pitchFamily="34" charset="0"/>
+                <a:cs typeface="Calibri" panose="020F0502020204030204" pitchFamily="34" charset="0"/>
+              </a:rPr>
+              <a:t>poate</a:t>
+            </a:r>
+            <a:r>
+              <a:rPr lang="en-US" sz="2800" dirty="0">
+                <a:latin typeface="Calibri" panose="020F0502020204030204" pitchFamily="34" charset="0"/>
+                <a:cs typeface="Calibri" panose="020F0502020204030204" pitchFamily="34" charset="0"/>
+              </a:rPr>
+              <a:t> fi </a:t>
+            </a:r>
+            <a:r>
+              <a:rPr lang="en-US" sz="2800" dirty="0" err="1">
+                <a:latin typeface="Calibri" panose="020F0502020204030204" pitchFamily="34" charset="0"/>
+                <a:cs typeface="Calibri" panose="020F0502020204030204" pitchFamily="34" charset="0"/>
+              </a:rPr>
+              <a:t>făcut</a:t>
             </a:r>
             <a:r>
               <a:rPr lang="en-US" sz="2800" dirty="0">
@@ -5505,7 +5526,7 @@
                 <a:latin typeface="Calibri" panose="020F0502020204030204" pitchFamily="34" charset="0"/>
                 <a:cs typeface="Calibri" panose="020F0502020204030204" pitchFamily="34" charset="0"/>
               </a:rPr>
-              <a:t> specific</a:t>
+              <a:t> specific.  </a:t>
             </a:r>
           </a:p>
           <a:p>
@@ -5553,7 +5574,7 @@
                 <a:latin typeface="Calibri" panose="020F0502020204030204" pitchFamily="34" charset="0"/>
                 <a:cs typeface="Calibri" panose="020F0502020204030204" pitchFamily="34" charset="0"/>
               </a:rPr>
-              <a:t>hashuita</a:t>
+              <a:t>hashu-ită</a:t>
             </a:r>
             <a:r>
               <a:rPr lang="en-US" sz="2800" dirty="0">
@@ -5588,6 +5609,20 @@
                 <a:latin typeface="Calibri" panose="020F0502020204030204" pitchFamily="34" charset="0"/>
                 <a:cs typeface="Calibri" panose="020F0502020204030204" pitchFamily="34" charset="0"/>
               </a:rPr>
+              <a:t>, </a:t>
+            </a:r>
+            <a:r>
+              <a:rPr lang="en-US" sz="2800" dirty="0" err="1">
+                <a:latin typeface="Calibri" panose="020F0502020204030204" pitchFamily="34" charset="0"/>
+                <a:cs typeface="Calibri" panose="020F0502020204030204" pitchFamily="34" charset="0"/>
+              </a:rPr>
+              <a:t>ceea</a:t>
+            </a:r>
+            <a:r>
+              <a:rPr lang="en-US" sz="2800" dirty="0">
+                <a:latin typeface="Calibri" panose="020F0502020204030204" pitchFamily="34" charset="0"/>
+                <a:cs typeface="Calibri" panose="020F0502020204030204" pitchFamily="34" charset="0"/>
+              </a:rPr>
               <a:t> </a:t>
             </a:r>
             <a:r>
@@ -5653,10 +5688,13 @@
               </a:rPr>
               <a:t>neautorizat</a:t>
             </a:r>
-            <a:endParaRPr lang="en-US" sz="2800" dirty="0">
-              <a:latin typeface="Calibri" panose="020F0502020204030204" pitchFamily="34" charset="0"/>
-              <a:cs typeface="Calibri" panose="020F0502020204030204" pitchFamily="34" charset="0"/>
-            </a:endParaRPr>
+            <a:r>
+              <a:rPr lang="en-US" sz="2800" dirty="0">
+                <a:latin typeface="Calibri" panose="020F0502020204030204" pitchFamily="34" charset="0"/>
+                <a:cs typeface="Calibri" panose="020F0502020204030204" pitchFamily="34" charset="0"/>
+              </a:rPr>
+              <a:t>.  </a:t>
+            </a:r>
           </a:p>
           <a:p>
             <a:pPr marL="285750" indent="-285750">
@@ -5696,7 +5734,7 @@
                 <a:latin typeface="Calibri" panose="020F0502020204030204" pitchFamily="34" charset="0"/>
                 <a:cs typeface="Calibri" panose="020F0502020204030204" pitchFamily="34" charset="0"/>
               </a:rPr>
-              <a:t>si</a:t>
+              <a:t>și</a:t>
             </a:r>
             <a:r>
               <a:rPr lang="en-US" sz="2800" dirty="0">
@@ -5745,7 +5783,7 @@
                 <a:latin typeface="Calibri" panose="020F0502020204030204" pitchFamily="34" charset="0"/>
                 <a:cs typeface="Calibri" panose="020F0502020204030204" pitchFamily="34" charset="0"/>
               </a:rPr>
-              <a:t>.</a:t>
+              <a:t>.  </a:t>
             </a:r>
           </a:p>
           <a:p>
@@ -5754,11 +5792,18 @@
               <a:buChar char="•"/>
             </a:pPr>
             <a:r>
-              <a:rPr lang="en-US" sz="2800" dirty="0" err="1">
-                <a:latin typeface="Calibri" panose="020F0502020204030204" pitchFamily="34" charset="0"/>
-                <a:cs typeface="Calibri" panose="020F0502020204030204" pitchFamily="34" charset="0"/>
-              </a:rPr>
-              <a:t>Backendul</a:t>
+              <a:rPr lang="en-US" sz="2800" dirty="0">
+                <a:latin typeface="Calibri" panose="020F0502020204030204" pitchFamily="34" charset="0"/>
+                <a:cs typeface="Calibri" panose="020F0502020204030204" pitchFamily="34" charset="0"/>
+              </a:rPr>
+              <a:t>Backend-</a:t>
+            </a:r>
+            <a:r>
+              <a:rPr lang="en-US" sz="2800" dirty="0" err="1">
+                <a:latin typeface="Calibri" panose="020F0502020204030204" pitchFamily="34" charset="0"/>
+                <a:cs typeface="Calibri" panose="020F0502020204030204" pitchFamily="34" charset="0"/>
+              </a:rPr>
+              <a:t>ul</a:t>
             </a:r>
             <a:r>
               <a:rPr lang="en-US" sz="2800" dirty="0">
@@ -5775,42 +5820,49 @@
                 <a:latin typeface="Calibri" panose="020F0502020204030204" pitchFamily="34" charset="0"/>
                 <a:cs typeface="Calibri" panose="020F0502020204030204" pitchFamily="34" charset="0"/>
               </a:rPr>
-              <a:t>NU </a:t>
-            </a:r>
-            <a:r>
-              <a:rPr lang="en-US" sz="2800" dirty="0" err="1">
-                <a:latin typeface="Calibri" panose="020F0502020204030204" pitchFamily="34" charset="0"/>
-                <a:cs typeface="Calibri" panose="020F0502020204030204" pitchFamily="34" charset="0"/>
-              </a:rPr>
-              <a:t>ofera</a:t>
-            </a:r>
-            <a:r>
-              <a:rPr lang="en-US" sz="2800" dirty="0">
-                <a:latin typeface="Calibri" panose="020F0502020204030204" pitchFamily="34" charset="0"/>
-                <a:cs typeface="Calibri" panose="020F0502020204030204" pitchFamily="34" charset="0"/>
-              </a:rPr>
-              <a:t> </a:t>
-            </a:r>
-            <a:r>
-              <a:rPr lang="en-US" sz="2800" dirty="0" err="1">
-                <a:latin typeface="Calibri" panose="020F0502020204030204" pitchFamily="34" charset="0"/>
-                <a:cs typeface="Calibri" panose="020F0502020204030204" pitchFamily="34" charset="0"/>
-              </a:rPr>
-              <a:t>incredere</a:t>
-            </a:r>
-            <a:r>
-              <a:rPr lang="en-US" sz="2800" dirty="0">
-                <a:latin typeface="Calibri" panose="020F0502020204030204" pitchFamily="34" charset="0"/>
-                <a:cs typeface="Calibri" panose="020F0502020204030204" pitchFamily="34" charset="0"/>
-              </a:rPr>
-              <a:t> </a:t>
-            </a:r>
-            <a:r>
-              <a:rPr lang="en-US" sz="2800" dirty="0" err="1">
-                <a:latin typeface="Calibri" panose="020F0502020204030204" pitchFamily="34" charset="0"/>
-                <a:cs typeface="Calibri" panose="020F0502020204030204" pitchFamily="34" charset="0"/>
-              </a:rPr>
-              <a:t>clientilor</a:t>
+              <a:t>NU</a:t>
+            </a:r>
+            <a:r>
+              <a:rPr lang="en-US" sz="2800" dirty="0">
+                <a:latin typeface="Calibri" panose="020F0502020204030204" pitchFamily="34" charset="0"/>
+                <a:cs typeface="Calibri" panose="020F0502020204030204" pitchFamily="34" charset="0"/>
+              </a:rPr>
+              <a:t> </a:t>
+            </a:r>
+            <a:r>
+              <a:rPr lang="en-US" sz="2800" dirty="0" err="1">
+                <a:latin typeface="Calibri" panose="020F0502020204030204" pitchFamily="34" charset="0"/>
+                <a:cs typeface="Calibri" panose="020F0502020204030204" pitchFamily="34" charset="0"/>
+              </a:rPr>
+              <a:t>oferă</a:t>
+            </a:r>
+            <a:r>
+              <a:rPr lang="en-US" sz="2800" dirty="0">
+                <a:latin typeface="Calibri" panose="020F0502020204030204" pitchFamily="34" charset="0"/>
+                <a:cs typeface="Calibri" panose="020F0502020204030204" pitchFamily="34" charset="0"/>
+              </a:rPr>
+              <a:t> </a:t>
+            </a:r>
+            <a:r>
+              <a:rPr lang="en-US" sz="2800" dirty="0" err="1">
+                <a:latin typeface="Calibri" panose="020F0502020204030204" pitchFamily="34" charset="0"/>
+                <a:cs typeface="Calibri" panose="020F0502020204030204" pitchFamily="34" charset="0"/>
+              </a:rPr>
+              <a:t>încredere</a:t>
+            </a:r>
+            <a:r>
+              <a:rPr lang="en-US" sz="2800" dirty="0">
+                <a:latin typeface="Calibri" panose="020F0502020204030204" pitchFamily="34" charset="0"/>
+                <a:cs typeface="Calibri" panose="020F0502020204030204" pitchFamily="34" charset="0"/>
+              </a:rPr>
+              <a:t> </a:t>
+            </a:r>
+            <a:r>
+              <a:rPr lang="en-US" sz="2800" dirty="0" err="1">
+                <a:latin typeface="Calibri" panose="020F0502020204030204" pitchFamily="34" charset="0"/>
+                <a:cs typeface="Calibri" panose="020F0502020204030204" pitchFamily="34" charset="0"/>
+              </a:rPr>
+              <a:t>clienților</a:t>
             </a:r>
             <a:r>
               <a:rPr lang="en-US" sz="2800" dirty="0">
@@ -5866,7 +5918,7 @@
                 <a:latin typeface="Calibri" panose="020F0502020204030204" pitchFamily="34" charset="0"/>
                 <a:cs typeface="Calibri" panose="020F0502020204030204" pitchFamily="34" charset="0"/>
               </a:rPr>
-              <a:t>extrasa</a:t>
+              <a:t>extrasă</a:t>
             </a:r>
             <a:r>
               <a:rPr lang="en-US" sz="2800" dirty="0">
@@ -5943,7 +5995,21 @@
                 <a:latin typeface="Calibri" panose="020F0502020204030204" pitchFamily="34" charset="0"/>
                 <a:cs typeface="Calibri" panose="020F0502020204030204" pitchFamily="34" charset="0"/>
               </a:rPr>
-              <a:t> in </a:t>
+              <a:t> </a:t>
+            </a:r>
+            <a:r>
+              <a:rPr lang="en-US" sz="2800" dirty="0" err="1">
+                <a:latin typeface="Calibri" panose="020F0502020204030204" pitchFamily="34" charset="0"/>
+                <a:cs typeface="Calibri" panose="020F0502020204030204" pitchFamily="34" charset="0"/>
+              </a:rPr>
+              <a:t>în</a:t>
+            </a:r>
+            <a:r>
+              <a:rPr lang="en-US" sz="2800" dirty="0">
+                <a:latin typeface="Calibri" panose="020F0502020204030204" pitchFamily="34" charset="0"/>
+                <a:cs typeface="Calibri" panose="020F0502020204030204" pitchFamily="34" charset="0"/>
+              </a:rPr>
+              <a:t> </a:t>
             </a:r>
             <a:r>
               <a:rPr lang="en-US" sz="2800" dirty="0" err="1">
@@ -5964,7 +6030,7 @@
                 <a:latin typeface="Calibri" panose="020F0502020204030204" pitchFamily="34" charset="0"/>
                 <a:cs typeface="Calibri" panose="020F0502020204030204" pitchFamily="34" charset="0"/>
               </a:rPr>
-              <a:t>autentificarii</a:t>
+              <a:t>autentificării</a:t>
             </a:r>
             <a:r>
               <a:rPr lang="en-US" sz="2800" dirty="0">
@@ -5985,7 +6051,7 @@
                 <a:latin typeface="Calibri" panose="020F0502020204030204" pitchFamily="34" charset="0"/>
                 <a:cs typeface="Calibri" panose="020F0502020204030204" pitchFamily="34" charset="0"/>
               </a:rPr>
-              <a:t> Oauth2</a:t>
+              <a:t> Oauth2.</a:t>
             </a:r>
             <a:endParaRPr lang="en-US" sz="2800" dirty="0">
               <a:solidFill>
@@ -6149,7 +6215,7 @@
         </p:nvSpPr>
         <p:spPr>
           <a:xfrm>
-            <a:off x="789140" y="3729087"/>
+            <a:off x="789140" y="3517052"/>
             <a:ext cx="11022904" cy="3539430"/>
           </a:xfrm>
           <a:prstGeom prst="rect">
@@ -6189,13 +6255,27 @@
                 <a:latin typeface="Calibri" panose="020F0502020204030204" pitchFamily="34" charset="0"/>
                 <a:cs typeface="Calibri" panose="020F0502020204030204" pitchFamily="34" charset="0"/>
               </a:rPr>
-              <a:t> in </a:t>
+              <a:t> </a:t>
             </a:r>
             <a:r>
               <a:rPr lang="en-US" sz="3200" dirty="0" err="1">
                 <a:latin typeface="Calibri" panose="020F0502020204030204" pitchFamily="34" charset="0"/>
                 <a:cs typeface="Calibri" panose="020F0502020204030204" pitchFamily="34" charset="0"/>
               </a:rPr>
+              <a:t>în</a:t>
+            </a:r>
+            <a:r>
+              <a:rPr lang="en-US" sz="3200" dirty="0">
+                <a:latin typeface="Calibri" panose="020F0502020204030204" pitchFamily="34" charset="0"/>
+                <a:cs typeface="Calibri" panose="020F0502020204030204" pitchFamily="34" charset="0"/>
+              </a:rPr>
+              <a:t> </a:t>
+            </a:r>
+            <a:r>
+              <a:rPr lang="en-US" sz="3200" dirty="0" err="1">
+                <a:latin typeface="Calibri" panose="020F0502020204030204" pitchFamily="34" charset="0"/>
+                <a:cs typeface="Calibri" panose="020F0502020204030204" pitchFamily="34" charset="0"/>
+              </a:rPr>
               <a:t>toate</a:t>
             </a:r>
             <a:r>
@@ -6210,7 +6290,7 @@
                 <a:latin typeface="Calibri" panose="020F0502020204030204" pitchFamily="34" charset="0"/>
                 <a:cs typeface="Calibri" panose="020F0502020204030204" pitchFamily="34" charset="0"/>
               </a:rPr>
-              <a:t>aplicatiei</a:t>
+              <a:t>aplicației</a:t>
             </a:r>
             <a:r>
               <a:rPr lang="en-US" sz="3200" dirty="0">
@@ -6238,7 +6318,7 @@
                 <a:latin typeface="Calibri" panose="020F0502020204030204" pitchFamily="34" charset="0"/>
                 <a:cs typeface="Calibri" panose="020F0502020204030204" pitchFamily="34" charset="0"/>
               </a:rPr>
-              <a:t>realizata</a:t>
+              <a:t>realizată</a:t>
             </a:r>
             <a:r>
               <a:rPr lang="en-US" sz="3200" dirty="0">
@@ -6283,7 +6363,7 @@
                 <a:latin typeface="Calibri" panose="020F0502020204030204" pitchFamily="34" charset="0"/>
                 <a:cs typeface="Calibri" panose="020F0502020204030204" pitchFamily="34" charset="0"/>
               </a:rPr>
-              <a:t>si</a:t>
+              <a:t>și</a:t>
             </a:r>
             <a:r>
               <a:rPr lang="en-US" sz="3200" dirty="0">
@@ -6297,7 +6377,7 @@
                 <a:latin typeface="Calibri" panose="020F0502020204030204" pitchFamily="34" charset="0"/>
                 <a:cs typeface="Calibri" panose="020F0502020204030204" pitchFamily="34" charset="0"/>
               </a:rPr>
-              <a:t>urmatoarele</a:t>
+              <a:t>următoarele</a:t>
             </a:r>
             <a:r>
               <a:rPr lang="en-US" sz="3200" dirty="0">
@@ -6320,16 +6400,9 @@
               </a:rPr>
               <a:t>:</a:t>
             </a:r>
-            <a:endParaRPr lang="en-US" sz="3200" i="1" dirty="0">
-              <a:solidFill>
-                <a:srgbClr val="FF0000"/>
-              </a:solidFill>
-              <a:latin typeface="Calibri" panose="020F0502020204030204" pitchFamily="34" charset="0"/>
-              <a:cs typeface="Calibri" panose="020F0502020204030204" pitchFamily="34" charset="0"/>
-            </a:endParaRPr>
-          </a:p>
-          <a:p>
-            <a:pPr marL="285750" indent="-285750">
+          </a:p>
+          <a:p>
+            <a:pPr marL="457200" indent="-457200">
               <a:buFont typeface="Arial" panose="020B0604020202020204" pitchFamily="34" charset="0"/>
               <a:buChar char="•"/>
             </a:pPr>
@@ -6338,7 +6411,7 @@
                 <a:latin typeface="Calibri" panose="020F0502020204030204" pitchFamily="34" charset="0"/>
                 <a:cs typeface="Calibri" panose="020F0502020204030204" pitchFamily="34" charset="0"/>
               </a:rPr>
-              <a:t>Imbunatateste</a:t>
+              <a:t>Îmbunătățește</a:t>
             </a:r>
             <a:r>
               <a:rPr lang="en-US" sz="3200" dirty="0">
@@ -6366,7 +6439,7 @@
                 <a:latin typeface="Calibri" panose="020F0502020204030204" pitchFamily="34" charset="0"/>
                 <a:cs typeface="Calibri" panose="020F0502020204030204" pitchFamily="34" charset="0"/>
               </a:rPr>
-              <a:t>performanta</a:t>
+              <a:t>performanța</a:t>
             </a:r>
             <a:endParaRPr lang="en-US" sz="3200" dirty="0">
               <a:latin typeface="Calibri" panose="020F0502020204030204" pitchFamily="34" charset="0"/>
@@ -6374,7 +6447,7 @@
             </a:endParaRPr>
           </a:p>
           <a:p>
-            <a:pPr marL="285750" indent="-285750">
+            <a:pPr marL="457200" indent="-457200">
               <a:buFont typeface="Arial" panose="020B0604020202020204" pitchFamily="34" charset="0"/>
               <a:buChar char="•"/>
             </a:pPr>
@@ -6383,7 +6456,7 @@
                 <a:latin typeface="Calibri" panose="020F0502020204030204" pitchFamily="34" charset="0"/>
                 <a:cs typeface="Calibri" panose="020F0502020204030204" pitchFamily="34" charset="0"/>
               </a:rPr>
-              <a:t>Permiterea</a:t>
+              <a:t>Permite</a:t>
             </a:r>
             <a:r>
               <a:rPr lang="en-US" sz="3200" dirty="0">
@@ -6433,7 +6506,7 @@
             </a:endParaRPr>
           </a:p>
           <a:p>
-            <a:pPr marL="285750" indent="-285750">
+            <a:pPr marL="457200" indent="-457200">
               <a:buFont typeface="Arial" panose="020B0604020202020204" pitchFamily="34" charset="0"/>
               <a:buChar char="•"/>
             </a:pPr>
@@ -6470,11 +6543,25 @@
                 <a:latin typeface="Calibri" panose="020F0502020204030204" pitchFamily="34" charset="0"/>
                 <a:cs typeface="Calibri" panose="020F0502020204030204" pitchFamily="34" charset="0"/>
               </a:rPr>
-              <a:t> in frontend</a:t>
-            </a:r>
-          </a:p>
-          <a:p>
-            <a:pPr marL="285750" indent="-285750">
+              <a:t> </a:t>
+            </a:r>
+            <a:r>
+              <a:rPr lang="en-US" sz="3200" dirty="0" err="1">
+                <a:latin typeface="Calibri" panose="020F0502020204030204" pitchFamily="34" charset="0"/>
+                <a:cs typeface="Calibri" panose="020F0502020204030204" pitchFamily="34" charset="0"/>
+              </a:rPr>
+              <a:t>în</a:t>
+            </a:r>
+            <a:r>
+              <a:rPr lang="en-US" sz="3200" dirty="0">
+                <a:latin typeface="Calibri" panose="020F0502020204030204" pitchFamily="34" charset="0"/>
+                <a:cs typeface="Calibri" panose="020F0502020204030204" pitchFamily="34" charset="0"/>
+              </a:rPr>
+              <a:t> frontend</a:t>
+            </a:r>
+          </a:p>
+          <a:p>
+            <a:pPr marL="457200" indent="-457200">
               <a:buFont typeface="Arial" panose="020B0604020202020204" pitchFamily="34" charset="0"/>
               <a:buChar char="•"/>
             </a:pPr>
@@ -6483,20 +6570,34 @@
                 <a:latin typeface="Calibri" panose="020F0502020204030204" pitchFamily="34" charset="0"/>
                 <a:cs typeface="Calibri" panose="020F0502020204030204" pitchFamily="34" charset="0"/>
               </a:rPr>
-              <a:t>Usurinta</a:t>
+              <a:t>Ușurință</a:t>
             </a:r>
             <a:r>
               <a:rPr lang="en-US" sz="3200" dirty="0">
                 <a:latin typeface="Calibri" panose="020F0502020204030204" pitchFamily="34" charset="0"/>
                 <a:cs typeface="Calibri" panose="020F0502020204030204" pitchFamily="34" charset="0"/>
               </a:rPr>
-              <a:t> in </a:t>
+              <a:t> </a:t>
             </a:r>
             <a:r>
               <a:rPr lang="en-US" sz="3200" dirty="0" err="1">
                 <a:latin typeface="Calibri" panose="020F0502020204030204" pitchFamily="34" charset="0"/>
                 <a:cs typeface="Calibri" panose="020F0502020204030204" pitchFamily="34" charset="0"/>
               </a:rPr>
+              <a:t>în</a:t>
+            </a:r>
+            <a:r>
+              <a:rPr lang="en-US" sz="3200" dirty="0">
+                <a:latin typeface="Calibri" panose="020F0502020204030204" pitchFamily="34" charset="0"/>
+                <a:cs typeface="Calibri" panose="020F0502020204030204" pitchFamily="34" charset="0"/>
+              </a:rPr>
+              <a:t> </a:t>
+            </a:r>
+            <a:r>
+              <a:rPr lang="en-US" sz="3200" dirty="0" err="1">
+                <a:latin typeface="Calibri" panose="020F0502020204030204" pitchFamily="34" charset="0"/>
+                <a:cs typeface="Calibri" panose="020F0502020204030204" pitchFamily="34" charset="0"/>
+              </a:rPr>
               <a:t>implementare</a:t>
             </a:r>
             <a:r>
@@ -6511,7 +6612,7 @@
                 <a:latin typeface="Calibri" panose="020F0502020204030204" pitchFamily="34" charset="0"/>
                 <a:cs typeface="Calibri" panose="020F0502020204030204" pitchFamily="34" charset="0"/>
               </a:rPr>
-              <a:t>si</a:t>
+              <a:t>și</a:t>
             </a:r>
             <a:r>
               <a:rPr lang="en-US" sz="3200" dirty="0">
@@ -6567,23 +6668,14 @@
                 <a:latin typeface="Calibri" panose="020F0502020204030204" pitchFamily="34" charset="0"/>
                 <a:cs typeface="Calibri" panose="020F0502020204030204" pitchFamily="34" charset="0"/>
               </a:rPr>
-              <a:t>catre</a:t>
+              <a:t>către</a:t>
             </a:r>
             <a:r>
               <a:rPr lang="en-US" sz="3200" dirty="0">
                 <a:latin typeface="Calibri" panose="020F0502020204030204" pitchFamily="34" charset="0"/>
                 <a:cs typeface="Calibri" panose="020F0502020204030204" pitchFamily="34" charset="0"/>
               </a:rPr>
-              <a:t> </a:t>
-            </a:r>
-          </a:p>
-          <a:p>
-            <a:r>
-              <a:rPr lang="en-US" sz="3200" dirty="0">
-                <a:latin typeface="Calibri" panose="020F0502020204030204" pitchFamily="34" charset="0"/>
-                <a:cs typeface="Calibri" panose="020F0502020204030204" pitchFamily="34" charset="0"/>
-              </a:rPr>
-              <a:t>frontend</a:t>
+              <a:t> frontend</a:t>
             </a:r>
           </a:p>
         </p:txBody>
@@ -6667,7 +6759,7 @@
                 <a:latin typeface="Calibri" panose="020F0502020204030204" pitchFamily="34" charset="0"/>
                 <a:cs typeface="Calibri" panose="020F0502020204030204" pitchFamily="34" charset="0"/>
               </a:rPr>
-              <a:t>Cautarea</a:t>
+              <a:t>Căutarea</a:t>
             </a:r>
             <a:r>
               <a:rPr lang="en-US" sz="6000" dirty="0">
@@ -6741,7 +6833,7 @@
         <p:spPr>
           <a:xfrm>
             <a:off x="584230" y="3115311"/>
-            <a:ext cx="11022904" cy="4832092"/>
+            <a:ext cx="9646448" cy="4832092"/>
           </a:xfrm>
           <a:prstGeom prst="rect">
             <a:avLst/>
@@ -6759,7 +6851,7 @@
                 <a:latin typeface="Calibri" panose="020F0502020204030204" pitchFamily="34" charset="0"/>
                 <a:cs typeface="Calibri" panose="020F0502020204030204" pitchFamily="34" charset="0"/>
               </a:rPr>
-              <a:t>Functionalitatea</a:t>
+              <a:t>Funcționalitatea</a:t>
             </a:r>
             <a:r>
               <a:rPr lang="en-US" sz="2800" dirty="0">
@@ -6773,7 +6865,7 @@
                 <a:latin typeface="Calibri" panose="020F0502020204030204" pitchFamily="34" charset="0"/>
                 <a:cs typeface="Calibri" panose="020F0502020204030204" pitchFamily="34" charset="0"/>
               </a:rPr>
-              <a:t>cautare</a:t>
+              <a:t>căutare</a:t>
             </a:r>
             <a:r>
               <a:rPr lang="en-US" sz="2800" dirty="0">
@@ -6815,7 +6907,7 @@
                 <a:latin typeface="Calibri" panose="020F0502020204030204" pitchFamily="34" charset="0"/>
                 <a:cs typeface="Calibri" panose="020F0502020204030204" pitchFamily="34" charset="0"/>
               </a:rPr>
-              <a:t>implementata</a:t>
+              <a:t>implementată</a:t>
             </a:r>
             <a:r>
               <a:rPr lang="en-US" sz="2800" dirty="0">
@@ -6843,7 +6935,7 @@
                 <a:latin typeface="Calibri" panose="020F0502020204030204" pitchFamily="34" charset="0"/>
                 <a:cs typeface="Calibri" panose="020F0502020204030204" pitchFamily="34" charset="0"/>
               </a:rPr>
-              <a:t>libraria</a:t>
+              <a:t>librăria</a:t>
             </a:r>
             <a:r>
               <a:rPr lang="en-US" sz="2800" dirty="0">
@@ -6867,24 +6959,14 @@
                 <a:latin typeface="Calibri" panose="020F0502020204030204" pitchFamily="34" charset="0"/>
                 <a:cs typeface="Calibri" panose="020F0502020204030204" pitchFamily="34" charset="0"/>
               </a:rPr>
-              <a:t>,</a:t>
-            </a:r>
-            <a:r>
-              <a:rPr lang="en-US" sz="2800" i="1" dirty="0">
-                <a:solidFill>
-                  <a:srgbClr val="FF0000"/>
-                </a:solidFill>
-                <a:latin typeface="Calibri" panose="020F0502020204030204" pitchFamily="34" charset="0"/>
-                <a:cs typeface="Calibri" panose="020F0502020204030204" pitchFamily="34" charset="0"/>
-              </a:rPr>
-              <a:t> </a:t>
-            </a:r>
-            <a:r>
-              <a:rPr lang="en-US" sz="2800" dirty="0" err="1">
-                <a:latin typeface="Calibri" panose="020F0502020204030204" pitchFamily="34" charset="0"/>
-                <a:cs typeface="Calibri" panose="020F0502020204030204" pitchFamily="34" charset="0"/>
-              </a:rPr>
-              <a:t>bazata</a:t>
+              <a:t>, </a:t>
+            </a:r>
+            <a:r>
+              <a:rPr lang="en-US" sz="2800" dirty="0" err="1">
+                <a:latin typeface="Calibri" panose="020F0502020204030204" pitchFamily="34" charset="0"/>
+                <a:cs typeface="Calibri" panose="020F0502020204030204" pitchFamily="34" charset="0"/>
+              </a:rPr>
+              <a:t>bazată</a:t>
             </a:r>
             <a:r>
               <a:rPr lang="en-US" sz="2800" dirty="0">
@@ -6912,7 +6994,7 @@
                 <a:latin typeface="Calibri" panose="020F0502020204030204" pitchFamily="34" charset="0"/>
                 <a:cs typeface="Calibri" panose="020F0502020204030204" pitchFamily="34" charset="0"/>
               </a:rPr>
-              <a:t>distanta</a:t>
+              <a:t>distanță</a:t>
             </a:r>
             <a:r>
               <a:rPr lang="en-US" sz="2800" dirty="0">
@@ -6933,24 +7015,7 @@
                 <a:latin typeface="Calibri" panose="020F0502020204030204" pitchFamily="34" charset="0"/>
                 <a:cs typeface="Calibri" panose="020F0502020204030204" pitchFamily="34" charset="0"/>
               </a:rPr>
-              <a:t>.</a:t>
-            </a:r>
-            <a:r>
-              <a:rPr lang="en-US" sz="2800" i="1" dirty="0">
-                <a:solidFill>
-                  <a:srgbClr val="FF0000"/>
-                </a:solidFill>
-                <a:latin typeface="Calibri" panose="020F0502020204030204" pitchFamily="34" charset="0"/>
-                <a:cs typeface="Calibri" panose="020F0502020204030204" pitchFamily="34" charset="0"/>
-              </a:rPr>
-              <a:t> </a:t>
-            </a:r>
-            <a:r>
-              <a:rPr lang="en-US" sz="2800" dirty="0">
-                <a:latin typeface="Calibri" panose="020F0502020204030204" pitchFamily="34" charset="0"/>
-                <a:cs typeface="Calibri" panose="020F0502020204030204" pitchFamily="34" charset="0"/>
-              </a:rPr>
-              <a:t>Ce ne </a:t>
+              <a:t>. Ce ne </a:t>
             </a:r>
             <a:r>
               <a:rPr lang="en-US" sz="2800" dirty="0" err="1">
@@ -6998,35 +7063,35 @@
                 <a:latin typeface="Calibri" panose="020F0502020204030204" pitchFamily="34" charset="0"/>
                 <a:cs typeface="Calibri" panose="020F0502020204030204" pitchFamily="34" charset="0"/>
               </a:rPr>
-              <a:t>librarie</a:t>
-            </a:r>
-            <a:r>
-              <a:rPr lang="en-US" sz="2800" dirty="0">
-                <a:latin typeface="Calibri" panose="020F0502020204030204" pitchFamily="34" charset="0"/>
-                <a:cs typeface="Calibri" panose="020F0502020204030204" pitchFamily="34" charset="0"/>
-              </a:rPr>
-              <a:t> </a:t>
-            </a:r>
-            <a:r>
-              <a:rPr lang="en-US" sz="2800" dirty="0" err="1">
-                <a:latin typeface="Calibri" panose="020F0502020204030204" pitchFamily="34" charset="0"/>
-                <a:cs typeface="Calibri" panose="020F0502020204030204" pitchFamily="34" charset="0"/>
-              </a:rPr>
-              <a:t>actuala</a:t>
-            </a:r>
-            <a:r>
-              <a:rPr lang="en-US" sz="2800" dirty="0">
-                <a:latin typeface="Calibri" panose="020F0502020204030204" pitchFamily="34" charset="0"/>
-                <a:cs typeface="Calibri" panose="020F0502020204030204" pitchFamily="34" charset="0"/>
-              </a:rPr>
-              <a:t> </a:t>
-            </a:r>
-            <a:r>
-              <a:rPr lang="en-US" sz="2800" dirty="0" err="1">
-                <a:latin typeface="Calibri" panose="020F0502020204030204" pitchFamily="34" charset="0"/>
-                <a:cs typeface="Calibri" panose="020F0502020204030204" pitchFamily="34" charset="0"/>
-              </a:rPr>
-              <a:t>folosita</a:t>
+              <a:t>librărie</a:t>
+            </a:r>
+            <a:r>
+              <a:rPr lang="en-US" sz="2800" dirty="0">
+                <a:latin typeface="Calibri" panose="020F0502020204030204" pitchFamily="34" charset="0"/>
+                <a:cs typeface="Calibri" panose="020F0502020204030204" pitchFamily="34" charset="0"/>
+              </a:rPr>
+              <a:t> </a:t>
+            </a:r>
+            <a:r>
+              <a:rPr lang="en-US" sz="2800" dirty="0" err="1">
+                <a:latin typeface="Calibri" panose="020F0502020204030204" pitchFamily="34" charset="0"/>
+                <a:cs typeface="Calibri" panose="020F0502020204030204" pitchFamily="34" charset="0"/>
+              </a:rPr>
+              <a:t>actuală</a:t>
+            </a:r>
+            <a:r>
+              <a:rPr lang="en-US" sz="2800" dirty="0">
+                <a:latin typeface="Calibri" panose="020F0502020204030204" pitchFamily="34" charset="0"/>
+                <a:cs typeface="Calibri" panose="020F0502020204030204" pitchFamily="34" charset="0"/>
+              </a:rPr>
+              <a:t> </a:t>
+            </a:r>
+            <a:r>
+              <a:rPr lang="en-US" sz="2800" dirty="0" err="1">
+                <a:latin typeface="Calibri" panose="020F0502020204030204" pitchFamily="34" charset="0"/>
+                <a:cs typeface="Calibri" panose="020F0502020204030204" pitchFamily="34" charset="0"/>
+              </a:rPr>
+              <a:t>folosită</a:t>
             </a:r>
             <a:r>
               <a:rPr lang="en-US" sz="2800" dirty="0">
@@ -7054,7 +7119,7 @@
                 <a:latin typeface="Calibri" panose="020F0502020204030204" pitchFamily="34" charset="0"/>
                 <a:cs typeface="Calibri" panose="020F0502020204030204" pitchFamily="34" charset="0"/>
               </a:rPr>
-              <a:t>cautare</a:t>
+              <a:t>căutare</a:t>
             </a:r>
             <a:r>
               <a:rPr lang="en-US" sz="2800" dirty="0">
@@ -7075,23 +7140,14 @@
                 <a:latin typeface="Calibri" panose="020F0502020204030204" pitchFamily="34" charset="0"/>
                 <a:cs typeface="Calibri" panose="020F0502020204030204" pitchFamily="34" charset="0"/>
               </a:rPr>
-              <a:t> precum</a:t>
-            </a:r>
-          </a:p>
-          <a:p>
-            <a:r>
-              <a:rPr lang="en-US" sz="2800" dirty="0">
-                <a:latin typeface="Calibri" panose="020F0502020204030204" pitchFamily="34" charset="0"/>
-                <a:cs typeface="Calibri" panose="020F0502020204030204" pitchFamily="34" charset="0"/>
-              </a:rPr>
-              <a:t>Elasticsearch </a:t>
-            </a:r>
-            <a:r>
-              <a:rPr lang="en-US" sz="2800" dirty="0" err="1">
-                <a:latin typeface="Calibri" panose="020F0502020204030204" pitchFamily="34" charset="0"/>
-                <a:cs typeface="Calibri" panose="020F0502020204030204" pitchFamily="34" charset="0"/>
-              </a:rPr>
-              <a:t>si</a:t>
+              <a:t> precum Elasticsearch </a:t>
+            </a:r>
+            <a:r>
+              <a:rPr lang="en-US" sz="2800" dirty="0" err="1">
+                <a:latin typeface="Calibri" panose="020F0502020204030204" pitchFamily="34" charset="0"/>
+                <a:cs typeface="Calibri" panose="020F0502020204030204" pitchFamily="34" charset="0"/>
+              </a:rPr>
+              <a:t>și</a:t>
             </a:r>
             <a:r>
               <a:rPr lang="en-US" sz="2800" dirty="0">
@@ -7139,7 +7195,7 @@
                 <a:latin typeface="Calibri" panose="020F0502020204030204" pitchFamily="34" charset="0"/>
                 <a:cs typeface="Calibri" panose="020F0502020204030204" pitchFamily="34" charset="0"/>
               </a:rPr>
-              <a:t>mentine</a:t>
+              <a:t>menține</a:t>
             </a:r>
             <a:r>
               <a:rPr lang="en-US" sz="2800" dirty="0">
@@ -7176,8 +7232,6 @@
               </a:rPr>
               <a:t> sub forma </a:t>
             </a:r>
-          </a:p>
-          <a:p>
             <a:r>
               <a:rPr lang="en-US" sz="2800" dirty="0" err="1">
                 <a:latin typeface="Calibri" panose="020F0502020204030204" pitchFamily="34" charset="0"/>
@@ -7225,21 +7279,35 @@
                 <a:latin typeface="Calibri" panose="020F0502020204030204" pitchFamily="34" charset="0"/>
                 <a:cs typeface="Calibri" panose="020F0502020204030204" pitchFamily="34" charset="0"/>
               </a:rPr>
-              <a:t>cautare</a:t>
-            </a:r>
-            <a:r>
-              <a:rPr lang="en-US" sz="2800" dirty="0">
-                <a:latin typeface="Calibri" panose="020F0502020204030204" pitchFamily="34" charset="0"/>
-                <a:cs typeface="Calibri" panose="020F0502020204030204" pitchFamily="34" charset="0"/>
-              </a:rPr>
-              <a:t> in </a:t>
-            </a:r>
-            <a:r>
-              <a:rPr lang="en-US" sz="2800" dirty="0" err="1">
-                <a:latin typeface="Calibri" panose="020F0502020204030204" pitchFamily="34" charset="0"/>
-                <a:cs typeface="Calibri" panose="020F0502020204030204" pitchFamily="34" charset="0"/>
-              </a:rPr>
-              <a:t>functie</a:t>
+              <a:t>căutare</a:t>
+            </a:r>
+            <a:r>
+              <a:rPr lang="en-US" sz="2800" dirty="0">
+                <a:latin typeface="Calibri" panose="020F0502020204030204" pitchFamily="34" charset="0"/>
+                <a:cs typeface="Calibri" panose="020F0502020204030204" pitchFamily="34" charset="0"/>
+              </a:rPr>
+              <a:t> </a:t>
+            </a:r>
+            <a:r>
+              <a:rPr lang="en-US" sz="2800" dirty="0" err="1">
+                <a:latin typeface="Calibri" panose="020F0502020204030204" pitchFamily="34" charset="0"/>
+                <a:cs typeface="Calibri" panose="020F0502020204030204" pitchFamily="34" charset="0"/>
+              </a:rPr>
+              <a:t>în</a:t>
+            </a:r>
+            <a:r>
+              <a:rPr lang="en-US" sz="2800" dirty="0">
+                <a:latin typeface="Calibri" panose="020F0502020204030204" pitchFamily="34" charset="0"/>
+                <a:cs typeface="Calibri" panose="020F0502020204030204" pitchFamily="34" charset="0"/>
+              </a:rPr>
+              <a:t> </a:t>
+            </a:r>
+            <a:r>
+              <a:rPr lang="en-US" sz="2800" dirty="0" err="1">
+                <a:latin typeface="Calibri" panose="020F0502020204030204" pitchFamily="34" charset="0"/>
+                <a:cs typeface="Calibri" panose="020F0502020204030204" pitchFamily="34" charset="0"/>
+              </a:rPr>
+              <a:t>funcție</a:t>
             </a:r>
             <a:r>
               <a:rPr lang="en-US" sz="2800" dirty="0">
@@ -7253,7 +7321,7 @@
                 <a:latin typeface="Calibri" panose="020F0502020204030204" pitchFamily="34" charset="0"/>
                 <a:cs typeface="Calibri" panose="020F0502020204030204" pitchFamily="34" charset="0"/>
               </a:rPr>
-              <a:t>si</a:t>
+              <a:t>și</a:t>
             </a:r>
             <a:r>
               <a:rPr lang="en-US" sz="2800" dirty="0">
@@ -7269,10 +7337,13 @@
               </a:rPr>
               <a:t>scor</a:t>
             </a:r>
-            <a:endParaRPr lang="en-US" sz="2800" dirty="0">
-              <a:latin typeface="Calibri" panose="020F0502020204030204" pitchFamily="34" charset="0"/>
-              <a:cs typeface="Calibri" panose="020F0502020204030204" pitchFamily="34" charset="0"/>
-            </a:endParaRPr>
+            <a:r>
+              <a:rPr lang="en-US" sz="2800" dirty="0">
+                <a:latin typeface="Calibri" panose="020F0502020204030204" pitchFamily="34" charset="0"/>
+                <a:cs typeface="Calibri" panose="020F0502020204030204" pitchFamily="34" charset="0"/>
+              </a:rPr>
+              <a:t>.</a:t>
+            </a:r>
           </a:p>
           <a:p>
             <a:pPr marL="457200" indent="-457200">
@@ -7305,14 +7376,28 @@
                 <a:latin typeface="Calibri" panose="020F0502020204030204" pitchFamily="34" charset="0"/>
                 <a:cs typeface="Calibri" panose="020F0502020204030204" pitchFamily="34" charset="0"/>
               </a:rPr>
-              <a:t> in </a:t>
-            </a:r>
-            <a:r>
-              <a:rPr lang="en-US" sz="2800" dirty="0" err="1">
-                <a:latin typeface="Calibri" panose="020F0502020204030204" pitchFamily="34" charset="0"/>
-                <a:cs typeface="Calibri" panose="020F0502020204030204" pitchFamily="34" charset="0"/>
-              </a:rPr>
-              <a:t>functie</a:t>
+              <a:t> </a:t>
+            </a:r>
+            <a:r>
+              <a:rPr lang="en-US" sz="2800" dirty="0" err="1">
+                <a:latin typeface="Calibri" panose="020F0502020204030204" pitchFamily="34" charset="0"/>
+                <a:cs typeface="Calibri" panose="020F0502020204030204" pitchFamily="34" charset="0"/>
+              </a:rPr>
+              <a:t>în</a:t>
+            </a:r>
+            <a:r>
+              <a:rPr lang="en-US" sz="2800" dirty="0">
+                <a:latin typeface="Calibri" panose="020F0502020204030204" pitchFamily="34" charset="0"/>
+                <a:cs typeface="Calibri" panose="020F0502020204030204" pitchFamily="34" charset="0"/>
+              </a:rPr>
+              <a:t> </a:t>
+            </a:r>
+            <a:r>
+              <a:rPr lang="en-US" sz="2800" dirty="0" err="1">
+                <a:latin typeface="Calibri" panose="020F0502020204030204" pitchFamily="34" charset="0"/>
+                <a:cs typeface="Calibri" panose="020F0502020204030204" pitchFamily="34" charset="0"/>
+              </a:rPr>
+              <a:t>funcție</a:t>
             </a:r>
             <a:r>
               <a:rPr lang="en-US" sz="2800" dirty="0">
@@ -7328,10 +7413,13 @@
               </a:rPr>
               <a:t>criterii</a:t>
             </a:r>
-            <a:endParaRPr lang="en-US" sz="2800" dirty="0">
-              <a:latin typeface="Calibri" panose="020F0502020204030204" pitchFamily="34" charset="0"/>
-              <a:cs typeface="Calibri" panose="020F0502020204030204" pitchFamily="34" charset="0"/>
-            </a:endParaRPr>
+            <a:r>
+              <a:rPr lang="en-US" sz="2800" dirty="0">
+                <a:latin typeface="Calibri" panose="020F0502020204030204" pitchFamily="34" charset="0"/>
+                <a:cs typeface="Calibri" panose="020F0502020204030204" pitchFamily="34" charset="0"/>
+              </a:rPr>
+              <a:t>.</a:t>
+            </a:r>
           </a:p>
           <a:p>
             <a:pPr marL="457200" indent="-457200">
@@ -7399,7 +7487,7 @@
                 <a:latin typeface="Calibri" panose="020F0502020204030204" pitchFamily="34" charset="0"/>
                 <a:cs typeface="Calibri" panose="020F0502020204030204" pitchFamily="34" charset="0"/>
               </a:rPr>
-              <a:t>si</a:t>
+              <a:t>și</a:t>
             </a:r>
             <a:r>
               <a:rPr lang="en-US" sz="2800" dirty="0">
@@ -7427,20 +7515,14 @@
                 <a:latin typeface="Calibri" panose="020F0502020204030204" pitchFamily="34" charset="0"/>
                 <a:cs typeface="Calibri" panose="020F0502020204030204" pitchFamily="34" charset="0"/>
               </a:rPr>
-              <a:t>gresita</a:t>
-            </a:r>
-            <a:endParaRPr lang="en-US" sz="2800" dirty="0">
-              <a:latin typeface="Calibri" panose="020F0502020204030204" pitchFamily="34" charset="0"/>
-              <a:cs typeface="Calibri" panose="020F0502020204030204" pitchFamily="34" charset="0"/>
-            </a:endParaRPr>
-          </a:p>
-          <a:p>
-            <a:r>
-              <a:rPr lang="en-US" sz="2800" dirty="0">
-                <a:latin typeface="Calibri" panose="020F0502020204030204" pitchFamily="34" charset="0"/>
-                <a:cs typeface="Calibri" panose="020F0502020204030204" pitchFamily="34" charset="0"/>
-              </a:rPr>
-              <a:t>a </a:t>
+              <a:t>greșită</a:t>
+            </a:r>
+            <a:r>
+              <a:rPr lang="en-US" sz="2800" dirty="0">
+                <a:latin typeface="Calibri" panose="020F0502020204030204" pitchFamily="34" charset="0"/>
+                <a:cs typeface="Calibri" panose="020F0502020204030204" pitchFamily="34" charset="0"/>
+              </a:rPr>
+              <a:t> a </a:t>
             </a:r>
             <a:r>
               <a:rPr lang="en-US" sz="2800" dirty="0" err="1">
@@ -7475,12 +7557,15 @@
                 <a:latin typeface="Calibri" panose="020F0502020204030204" pitchFamily="34" charset="0"/>
                 <a:cs typeface="Calibri" panose="020F0502020204030204" pitchFamily="34" charset="0"/>
               </a:rPr>
-              <a:t>cautare</a:t>
-            </a:r>
-            <a:endParaRPr lang="en-US" sz="2800" dirty="0">
-              <a:latin typeface="Calibri" panose="020F0502020204030204" pitchFamily="34" charset="0"/>
-              <a:cs typeface="Calibri" panose="020F0502020204030204" pitchFamily="34" charset="0"/>
-            </a:endParaRPr>
+              <a:t>căutare</a:t>
+            </a:r>
+            <a:r>
+              <a:rPr lang="en-US" sz="2800" dirty="0">
+                <a:latin typeface="Calibri" panose="020F0502020204030204" pitchFamily="34" charset="0"/>
+                <a:cs typeface="Calibri" panose="020F0502020204030204" pitchFamily="34" charset="0"/>
+              </a:rPr>
+              <a:t>.</a:t>
+            </a:r>
           </a:p>
           <a:p>
             <a:pPr marL="457200" indent="-457200">
@@ -7492,7 +7577,7 @@
                 <a:latin typeface="Calibri" panose="020F0502020204030204" pitchFamily="34" charset="0"/>
                 <a:cs typeface="Calibri" panose="020F0502020204030204" pitchFamily="34" charset="0"/>
               </a:rPr>
-              <a:t>Suporta</a:t>
+              <a:t>Suportă</a:t>
             </a:r>
             <a:r>
               <a:rPr lang="en-US" sz="2800" dirty="0">
@@ -7522,10 +7607,13 @@
               </a:rPr>
               <a:t>rezultatelor</a:t>
             </a:r>
-            <a:endParaRPr lang="en-US" sz="2800" dirty="0">
-              <a:latin typeface="Calibri" panose="020F0502020204030204" pitchFamily="34" charset="0"/>
-              <a:cs typeface="Calibri" panose="020F0502020204030204" pitchFamily="34" charset="0"/>
-            </a:endParaRPr>
+            <a:r>
+              <a:rPr lang="en-US" sz="2800" dirty="0">
+                <a:latin typeface="Calibri" panose="020F0502020204030204" pitchFamily="34" charset="0"/>
+                <a:cs typeface="Calibri" panose="020F0502020204030204" pitchFamily="34" charset="0"/>
+              </a:rPr>
+              <a:t>.</a:t>
+            </a:r>
           </a:p>
         </p:txBody>
       </p:sp>
@@ -7574,8 +7662,8 @@
         </p:nvSpPr>
         <p:spPr>
           <a:xfrm>
-            <a:off x="300626" y="1070037"/>
-            <a:ext cx="12400768" cy="1015663"/>
+            <a:off x="0" y="1070037"/>
+            <a:ext cx="12701394" cy="1015663"/>
           </a:xfrm>
           <a:prstGeom prst="rect">
             <a:avLst/>
@@ -7622,7 +7710,7 @@
                 <a:latin typeface="Calibri" panose="020F0502020204030204" pitchFamily="34" charset="0"/>
                 <a:cs typeface="Calibri" panose="020F0502020204030204" pitchFamily="34" charset="0"/>
               </a:rPr>
-              <a:t>actiunior</a:t>
+              <a:t>acțiunilor</a:t>
             </a:r>
             <a:endParaRPr lang="en-US" sz="6000" dirty="0">
               <a:latin typeface="Calibri" panose="020F0502020204030204" pitchFamily="34" charset="0"/>
@@ -7631,6 +7719,655 @@
           </a:p>
         </p:txBody>
       </p:sp>
+      <p:sp>
+        <p:nvSpPr>
+          <p:cNvPr id="2" name="TextBox 1">
+            <a:extLst>
+              <a:ext uri="{FF2B5EF4-FFF2-40B4-BE49-F238E27FC236}">
+                <a16:creationId xmlns:a16="http://schemas.microsoft.com/office/drawing/2014/main" id="{F5F2003D-1636-D1E5-C572-8E9DD7F258BF}"/>
+              </a:ext>
+            </a:extLst>
+          </p:cNvPr>
+          <p:cNvSpPr txBox="1"/>
+          <p:nvPr/>
+        </p:nvSpPr>
+        <p:spPr>
+          <a:xfrm>
+            <a:off x="597483" y="3499624"/>
+            <a:ext cx="11022904" cy="3539430"/>
+          </a:xfrm>
+          <a:prstGeom prst="rect">
+            <a:avLst/>
+          </a:prstGeom>
+          <a:noFill/>
+        </p:spPr>
+        <p:txBody>
+          <a:bodyPr wrap="square" rtlCol="0">
+            <a:spAutoFit/>
+          </a:bodyPr>
+          <a:lstStyle/>
+          <a:p>
+            <a:r>
+              <a:rPr lang="en-US" sz="2800" dirty="0" err="1">
+                <a:latin typeface="Calibri" panose="020F0502020204030204" pitchFamily="34" charset="0"/>
+                <a:cs typeface="Calibri" panose="020F0502020204030204" pitchFamily="34" charset="0"/>
+              </a:rPr>
+              <a:t>Acțiunile</a:t>
+            </a:r>
+            <a:r>
+              <a:rPr lang="en-US" sz="2800" dirty="0">
+                <a:latin typeface="Calibri" panose="020F0502020204030204" pitchFamily="34" charset="0"/>
+                <a:cs typeface="Calibri" panose="020F0502020204030204" pitchFamily="34" charset="0"/>
+              </a:rPr>
+              <a:t> </a:t>
+            </a:r>
+            <a:r>
+              <a:rPr lang="en-US" sz="2800" dirty="0" err="1">
+                <a:latin typeface="Calibri" panose="020F0502020204030204" pitchFamily="34" charset="0"/>
+                <a:cs typeface="Calibri" panose="020F0502020204030204" pitchFamily="34" charset="0"/>
+              </a:rPr>
+              <a:t>realizate</a:t>
+            </a:r>
+            <a:r>
+              <a:rPr lang="en-US" sz="2800" dirty="0">
+                <a:latin typeface="Calibri" panose="020F0502020204030204" pitchFamily="34" charset="0"/>
+                <a:cs typeface="Calibri" panose="020F0502020204030204" pitchFamily="34" charset="0"/>
+              </a:rPr>
+              <a:t> de </a:t>
+            </a:r>
+            <a:r>
+              <a:rPr lang="en-US" sz="2800" dirty="0" err="1">
+                <a:latin typeface="Calibri" panose="020F0502020204030204" pitchFamily="34" charset="0"/>
+                <a:cs typeface="Calibri" panose="020F0502020204030204" pitchFamily="34" charset="0"/>
+              </a:rPr>
+              <a:t>utilizatori</a:t>
+            </a:r>
+            <a:r>
+              <a:rPr lang="en-US" sz="2800" dirty="0">
+                <a:latin typeface="Calibri" panose="020F0502020204030204" pitchFamily="34" charset="0"/>
+                <a:cs typeface="Calibri" panose="020F0502020204030204" pitchFamily="34" charset="0"/>
+              </a:rPr>
+              <a:t> sunt multiple </a:t>
+            </a:r>
+            <a:r>
+              <a:rPr lang="en-US" sz="2800" dirty="0" err="1">
+                <a:latin typeface="Calibri" panose="020F0502020204030204" pitchFamily="34" charset="0"/>
+                <a:cs typeface="Calibri" panose="020F0502020204030204" pitchFamily="34" charset="0"/>
+              </a:rPr>
+              <a:t>și</a:t>
+            </a:r>
+            <a:r>
+              <a:rPr lang="en-US" sz="2800" dirty="0">
+                <a:latin typeface="Calibri" panose="020F0502020204030204" pitchFamily="34" charset="0"/>
+                <a:cs typeface="Calibri" panose="020F0502020204030204" pitchFamily="34" charset="0"/>
+              </a:rPr>
+              <a:t> </a:t>
+            </a:r>
+            <a:r>
+              <a:rPr lang="en-US" sz="2800" dirty="0" err="1">
+                <a:latin typeface="Calibri" panose="020F0502020204030204" pitchFamily="34" charset="0"/>
+                <a:cs typeface="Calibri" panose="020F0502020204030204" pitchFamily="34" charset="0"/>
+              </a:rPr>
+              <a:t>necesită</a:t>
+            </a:r>
+            <a:r>
+              <a:rPr lang="en-US" sz="2800" dirty="0">
+                <a:latin typeface="Calibri" panose="020F0502020204030204" pitchFamily="34" charset="0"/>
+                <a:cs typeface="Calibri" panose="020F0502020204030204" pitchFamily="34" charset="0"/>
+              </a:rPr>
+              <a:t> date </a:t>
+            </a:r>
+            <a:r>
+              <a:rPr lang="en-US" sz="2800" dirty="0" err="1">
+                <a:latin typeface="Calibri" panose="020F0502020204030204" pitchFamily="34" charset="0"/>
+                <a:cs typeface="Calibri" panose="020F0502020204030204" pitchFamily="34" charset="0"/>
+              </a:rPr>
+              <a:t>diferite</a:t>
+            </a:r>
+            <a:r>
+              <a:rPr lang="en-US" sz="2800" dirty="0">
+                <a:latin typeface="Calibri" panose="020F0502020204030204" pitchFamily="34" charset="0"/>
+                <a:cs typeface="Calibri" panose="020F0502020204030204" pitchFamily="34" charset="0"/>
+              </a:rPr>
+              <a:t> </a:t>
+            </a:r>
+            <a:r>
+              <a:rPr lang="en-US" sz="2800" dirty="0" err="1">
+                <a:latin typeface="Calibri" panose="020F0502020204030204" pitchFamily="34" charset="0"/>
+                <a:cs typeface="Calibri" panose="020F0502020204030204" pitchFamily="34" charset="0"/>
+              </a:rPr>
+              <a:t>pentru</a:t>
+            </a:r>
+            <a:r>
+              <a:rPr lang="en-US" sz="2800" dirty="0">
+                <a:latin typeface="Calibri" panose="020F0502020204030204" pitchFamily="34" charset="0"/>
+                <a:cs typeface="Calibri" panose="020F0502020204030204" pitchFamily="34" charset="0"/>
+              </a:rPr>
+              <a:t> a </a:t>
+            </a:r>
+            <a:r>
+              <a:rPr lang="en-US" sz="2800" dirty="0" err="1">
+                <a:latin typeface="Calibri" panose="020F0502020204030204" pitchFamily="34" charset="0"/>
+                <a:cs typeface="Calibri" panose="020F0502020204030204" pitchFamily="34" charset="0"/>
+              </a:rPr>
+              <a:t>putea</a:t>
+            </a:r>
+            <a:r>
+              <a:rPr lang="en-US" sz="2800" dirty="0">
+                <a:latin typeface="Calibri" panose="020F0502020204030204" pitchFamily="34" charset="0"/>
+                <a:cs typeface="Calibri" panose="020F0502020204030204" pitchFamily="34" charset="0"/>
+              </a:rPr>
+              <a:t> fi </a:t>
+            </a:r>
+            <a:r>
+              <a:rPr lang="en-US" sz="2800" dirty="0" err="1">
+                <a:latin typeface="Calibri" panose="020F0502020204030204" pitchFamily="34" charset="0"/>
+                <a:cs typeface="Calibri" panose="020F0502020204030204" pitchFamily="34" charset="0"/>
+              </a:rPr>
+              <a:t>logate</a:t>
+            </a:r>
+            <a:r>
+              <a:rPr lang="en-US" sz="2800" dirty="0">
+                <a:latin typeface="Calibri" panose="020F0502020204030204" pitchFamily="34" charset="0"/>
+                <a:cs typeface="Calibri" panose="020F0502020204030204" pitchFamily="34" charset="0"/>
+              </a:rPr>
+              <a:t>. Se </a:t>
+            </a:r>
+            <a:r>
+              <a:rPr lang="en-US" sz="2800" dirty="0" err="1">
+                <a:latin typeface="Calibri" panose="020F0502020204030204" pitchFamily="34" charset="0"/>
+                <a:cs typeface="Calibri" panose="020F0502020204030204" pitchFamily="34" charset="0"/>
+              </a:rPr>
+              <a:t>prezintă</a:t>
+            </a:r>
+            <a:r>
+              <a:rPr lang="en-US" sz="2800" dirty="0">
+                <a:latin typeface="Calibri" panose="020F0502020204030204" pitchFamily="34" charset="0"/>
+                <a:cs typeface="Calibri" panose="020F0502020204030204" pitchFamily="34" charset="0"/>
+              </a:rPr>
+              <a:t> </a:t>
+            </a:r>
+            <a:r>
+              <a:rPr lang="en-US" sz="2800" dirty="0" err="1">
+                <a:latin typeface="Calibri" panose="020F0502020204030204" pitchFamily="34" charset="0"/>
+                <a:cs typeface="Calibri" panose="020F0502020204030204" pitchFamily="34" charset="0"/>
+              </a:rPr>
+              <a:t>următoarele</a:t>
+            </a:r>
+            <a:r>
+              <a:rPr lang="en-US" sz="2800" dirty="0">
+                <a:latin typeface="Calibri" panose="020F0502020204030204" pitchFamily="34" charset="0"/>
+                <a:cs typeface="Calibri" panose="020F0502020204030204" pitchFamily="34" charset="0"/>
+              </a:rPr>
+              <a:t> </a:t>
+            </a:r>
+            <a:r>
+              <a:rPr lang="en-US" sz="2800" dirty="0" err="1">
+                <a:latin typeface="Calibri" panose="020F0502020204030204" pitchFamily="34" charset="0"/>
+                <a:cs typeface="Calibri" panose="020F0502020204030204" pitchFamily="34" charset="0"/>
+              </a:rPr>
+              <a:t>soluții</a:t>
+            </a:r>
+            <a:r>
+              <a:rPr lang="en-US" sz="2800" dirty="0">
+                <a:latin typeface="Calibri" panose="020F0502020204030204" pitchFamily="34" charset="0"/>
+                <a:cs typeface="Calibri" panose="020F0502020204030204" pitchFamily="34" charset="0"/>
+              </a:rPr>
+              <a:t>:</a:t>
+            </a:r>
+          </a:p>
+          <a:p>
+            <a:endParaRPr lang="en-US" sz="2800" dirty="0">
+              <a:latin typeface="Calibri" panose="020F0502020204030204" pitchFamily="34" charset="0"/>
+              <a:cs typeface="Calibri" panose="020F0502020204030204" pitchFamily="34" charset="0"/>
+            </a:endParaRPr>
+          </a:p>
+          <a:p>
+            <a:r>
+              <a:rPr lang="en-US" sz="2800" dirty="0">
+                <a:latin typeface="Calibri" panose="020F0502020204030204" pitchFamily="34" charset="0"/>
+                <a:cs typeface="Calibri" panose="020F0502020204030204" pitchFamily="34" charset="0"/>
+              </a:rPr>
+              <a:t>1) </a:t>
+            </a:r>
+            <a:r>
+              <a:rPr lang="en-US" sz="2800" dirty="0" err="1">
+                <a:latin typeface="Calibri" panose="020F0502020204030204" pitchFamily="34" charset="0"/>
+                <a:cs typeface="Calibri" panose="020F0502020204030204" pitchFamily="34" charset="0"/>
+              </a:rPr>
+              <a:t>Realizarea</a:t>
+            </a:r>
+            <a:r>
+              <a:rPr lang="en-US" sz="2800" dirty="0">
+                <a:latin typeface="Calibri" panose="020F0502020204030204" pitchFamily="34" charset="0"/>
+                <a:cs typeface="Calibri" panose="020F0502020204030204" pitchFamily="34" charset="0"/>
+              </a:rPr>
+              <a:t> </a:t>
+            </a:r>
+            <a:r>
+              <a:rPr lang="en-US" sz="2800" dirty="0" err="1">
+                <a:latin typeface="Calibri" panose="020F0502020204030204" pitchFamily="34" charset="0"/>
+                <a:cs typeface="Calibri" panose="020F0502020204030204" pitchFamily="34" charset="0"/>
+              </a:rPr>
+              <a:t>unei</a:t>
+            </a:r>
+            <a:r>
+              <a:rPr lang="en-US" sz="2800" dirty="0">
+                <a:latin typeface="Calibri" panose="020F0502020204030204" pitchFamily="34" charset="0"/>
+                <a:cs typeface="Calibri" panose="020F0502020204030204" pitchFamily="34" charset="0"/>
+              </a:rPr>
+              <a:t> </a:t>
+            </a:r>
+            <a:r>
+              <a:rPr lang="en-US" sz="2800" dirty="0" err="1">
+                <a:latin typeface="Calibri" panose="020F0502020204030204" pitchFamily="34" charset="0"/>
+                <a:cs typeface="Calibri" panose="020F0502020204030204" pitchFamily="34" charset="0"/>
+              </a:rPr>
+              <a:t>tabele</a:t>
+            </a:r>
+            <a:r>
+              <a:rPr lang="en-US" sz="2800" dirty="0">
+                <a:latin typeface="Calibri" panose="020F0502020204030204" pitchFamily="34" charset="0"/>
+                <a:cs typeface="Calibri" panose="020F0502020204030204" pitchFamily="34" charset="0"/>
+              </a:rPr>
+              <a:t> cu un </a:t>
+            </a:r>
+            <a:r>
+              <a:rPr lang="en-US" sz="2800" dirty="0" err="1">
+                <a:latin typeface="Calibri" panose="020F0502020204030204" pitchFamily="34" charset="0"/>
+                <a:cs typeface="Calibri" panose="020F0502020204030204" pitchFamily="34" charset="0"/>
+              </a:rPr>
+              <a:t>număr</a:t>
+            </a:r>
+            <a:r>
+              <a:rPr lang="en-US" sz="2800" dirty="0">
+                <a:latin typeface="Calibri" panose="020F0502020204030204" pitchFamily="34" charset="0"/>
+                <a:cs typeface="Calibri" panose="020F0502020204030204" pitchFamily="34" charset="0"/>
+              </a:rPr>
+              <a:t> de </a:t>
+            </a:r>
+            <a:r>
+              <a:rPr lang="en-US" sz="2800" dirty="0" err="1">
+                <a:latin typeface="Calibri" panose="020F0502020204030204" pitchFamily="34" charset="0"/>
+                <a:cs typeface="Calibri" panose="020F0502020204030204" pitchFamily="34" charset="0"/>
+              </a:rPr>
+              <a:t>coloane</a:t>
+            </a:r>
+            <a:r>
+              <a:rPr lang="en-US" sz="2800" dirty="0">
+                <a:latin typeface="Calibri" panose="020F0502020204030204" pitchFamily="34" charset="0"/>
+                <a:cs typeface="Calibri" panose="020F0502020204030204" pitchFamily="34" charset="0"/>
+              </a:rPr>
+              <a:t> </a:t>
+            </a:r>
+            <a:r>
+              <a:rPr lang="en-US" sz="2800" dirty="0" err="1">
+                <a:latin typeface="Calibri" panose="020F0502020204030204" pitchFamily="34" charset="0"/>
+                <a:cs typeface="Calibri" panose="020F0502020204030204" pitchFamily="34" charset="0"/>
+              </a:rPr>
+              <a:t>ce</a:t>
+            </a:r>
+            <a:r>
+              <a:rPr lang="en-US" sz="2800" dirty="0">
+                <a:latin typeface="Calibri" panose="020F0502020204030204" pitchFamily="34" charset="0"/>
+                <a:cs typeface="Calibri" panose="020F0502020204030204" pitchFamily="34" charset="0"/>
+              </a:rPr>
+              <a:t> </a:t>
+            </a:r>
+            <a:r>
+              <a:rPr lang="en-US" sz="2800" dirty="0" err="1">
+                <a:latin typeface="Calibri" panose="020F0502020204030204" pitchFamily="34" charset="0"/>
+                <a:cs typeface="Calibri" panose="020F0502020204030204" pitchFamily="34" charset="0"/>
+              </a:rPr>
+              <a:t>va</a:t>
+            </a:r>
+            <a:r>
+              <a:rPr lang="en-US" sz="2800" dirty="0">
+                <a:latin typeface="Calibri" panose="020F0502020204030204" pitchFamily="34" charset="0"/>
+                <a:cs typeface="Calibri" panose="020F0502020204030204" pitchFamily="34" charset="0"/>
+              </a:rPr>
+              <a:t> </a:t>
+            </a:r>
+            <a:br>
+              <a:rPr lang="en-US" sz="2800" dirty="0">
+                <a:latin typeface="Calibri" panose="020F0502020204030204" pitchFamily="34" charset="0"/>
+                <a:cs typeface="Calibri" panose="020F0502020204030204" pitchFamily="34" charset="0"/>
+              </a:rPr>
+            </a:br>
+            <a:r>
+              <a:rPr lang="en-US" sz="2800" dirty="0">
+                <a:latin typeface="Calibri" panose="020F0502020204030204" pitchFamily="34" charset="0"/>
+                <a:cs typeface="Calibri" panose="020F0502020204030204" pitchFamily="34" charset="0"/>
+              </a:rPr>
+              <a:t>fi </a:t>
+            </a:r>
+            <a:r>
+              <a:rPr lang="en-US" sz="2800" dirty="0" err="1">
+                <a:latin typeface="Calibri" panose="020F0502020204030204" pitchFamily="34" charset="0"/>
+                <a:cs typeface="Calibri" panose="020F0502020204030204" pitchFamily="34" charset="0"/>
+              </a:rPr>
+              <a:t>mereu</a:t>
+            </a:r>
+            <a:r>
+              <a:rPr lang="en-US" sz="2800" dirty="0">
+                <a:latin typeface="Calibri" panose="020F0502020204030204" pitchFamily="34" charset="0"/>
+                <a:cs typeface="Calibri" panose="020F0502020204030204" pitchFamily="34" charset="0"/>
+              </a:rPr>
+              <a:t> </a:t>
+            </a:r>
+            <a:r>
+              <a:rPr lang="en-US" sz="2800" dirty="0" err="1">
+                <a:latin typeface="Calibri" panose="020F0502020204030204" pitchFamily="34" charset="0"/>
+                <a:cs typeface="Calibri" panose="020F0502020204030204" pitchFamily="34" charset="0"/>
+              </a:rPr>
+              <a:t>variabil</a:t>
+            </a:r>
+            <a:r>
+              <a:rPr lang="en-US" sz="2800" dirty="0">
+                <a:latin typeface="Calibri" panose="020F0502020204030204" pitchFamily="34" charset="0"/>
+                <a:cs typeface="Calibri" panose="020F0502020204030204" pitchFamily="34" charset="0"/>
+              </a:rPr>
+              <a:t> la </a:t>
+            </a:r>
+            <a:r>
+              <a:rPr lang="en-US" sz="2800" dirty="0" err="1">
+                <a:latin typeface="Calibri" panose="020F0502020204030204" pitchFamily="34" charset="0"/>
+                <a:cs typeface="Calibri" panose="020F0502020204030204" pitchFamily="34" charset="0"/>
+              </a:rPr>
+              <a:t>adăugarea</a:t>
+            </a:r>
+            <a:r>
+              <a:rPr lang="en-US" sz="2800" dirty="0">
+                <a:latin typeface="Calibri" panose="020F0502020204030204" pitchFamily="34" charset="0"/>
+                <a:cs typeface="Calibri" panose="020F0502020204030204" pitchFamily="34" charset="0"/>
+              </a:rPr>
+              <a:t> </a:t>
+            </a:r>
+            <a:r>
+              <a:rPr lang="en-US" sz="2800" dirty="0" err="1">
+                <a:latin typeface="Calibri" panose="020F0502020204030204" pitchFamily="34" charset="0"/>
+                <a:cs typeface="Calibri" panose="020F0502020204030204" pitchFamily="34" charset="0"/>
+              </a:rPr>
+              <a:t>unor</a:t>
+            </a:r>
+            <a:r>
+              <a:rPr lang="en-US" sz="2800" dirty="0">
+                <a:latin typeface="Calibri" panose="020F0502020204030204" pitchFamily="34" charset="0"/>
+                <a:cs typeface="Calibri" panose="020F0502020204030204" pitchFamily="34" charset="0"/>
+              </a:rPr>
+              <a:t> </a:t>
+            </a:r>
+            <a:r>
+              <a:rPr lang="en-US" sz="2800" dirty="0" err="1">
+                <a:latin typeface="Calibri" panose="020F0502020204030204" pitchFamily="34" charset="0"/>
+                <a:cs typeface="Calibri" panose="020F0502020204030204" pitchFamily="34" charset="0"/>
+              </a:rPr>
+              <a:t>noi</a:t>
+            </a:r>
+            <a:r>
+              <a:rPr lang="en-US" sz="2800" dirty="0">
+                <a:latin typeface="Calibri" panose="020F0502020204030204" pitchFamily="34" charset="0"/>
+                <a:cs typeface="Calibri" panose="020F0502020204030204" pitchFamily="34" charset="0"/>
+              </a:rPr>
+              <a:t> </a:t>
+            </a:r>
+            <a:r>
+              <a:rPr lang="en-US" sz="2800" dirty="0" err="1">
+                <a:latin typeface="Calibri" panose="020F0502020204030204" pitchFamily="34" charset="0"/>
+                <a:cs typeface="Calibri" panose="020F0502020204030204" pitchFamily="34" charset="0"/>
+              </a:rPr>
+              <a:t>acțiuni</a:t>
+            </a:r>
+            <a:r>
+              <a:rPr lang="en-US" sz="2800" dirty="0">
+                <a:latin typeface="Calibri" panose="020F0502020204030204" pitchFamily="34" charset="0"/>
+                <a:cs typeface="Calibri" panose="020F0502020204030204" pitchFamily="34" charset="0"/>
+              </a:rPr>
+              <a:t>.</a:t>
+            </a:r>
+          </a:p>
+          <a:p>
+            <a:endParaRPr lang="en-US" sz="2800" dirty="0">
+              <a:latin typeface="Calibri" panose="020F0502020204030204" pitchFamily="34" charset="0"/>
+              <a:cs typeface="Calibri" panose="020F0502020204030204" pitchFamily="34" charset="0"/>
+            </a:endParaRPr>
+          </a:p>
+          <a:p>
+            <a:r>
+              <a:rPr lang="en-US" sz="2800" dirty="0">
+                <a:latin typeface="Calibri" panose="020F0502020204030204" pitchFamily="34" charset="0"/>
+                <a:cs typeface="Calibri" panose="020F0502020204030204" pitchFamily="34" charset="0"/>
+              </a:rPr>
+              <a:t>2) </a:t>
+            </a:r>
+            <a:r>
+              <a:rPr lang="en-US" sz="2800" dirty="0" err="1">
+                <a:latin typeface="Calibri" panose="020F0502020204030204" pitchFamily="34" charset="0"/>
+                <a:cs typeface="Calibri" panose="020F0502020204030204" pitchFamily="34" charset="0"/>
+              </a:rPr>
+              <a:t>Utilizarea</a:t>
+            </a:r>
+            <a:r>
+              <a:rPr lang="en-US" sz="2800" dirty="0">
+                <a:latin typeface="Calibri" panose="020F0502020204030204" pitchFamily="34" charset="0"/>
+                <a:cs typeface="Calibri" panose="020F0502020204030204" pitchFamily="34" charset="0"/>
+              </a:rPr>
+              <a:t> </a:t>
+            </a:r>
+            <a:r>
+              <a:rPr lang="en-US" sz="2800" dirty="0" err="1">
+                <a:latin typeface="Calibri" panose="020F0502020204030204" pitchFamily="34" charset="0"/>
+                <a:cs typeface="Calibri" panose="020F0502020204030204" pitchFamily="34" charset="0"/>
+              </a:rPr>
+              <a:t>unei</a:t>
+            </a:r>
+            <a:r>
+              <a:rPr lang="en-US" sz="2800" dirty="0">
+                <a:latin typeface="Calibri" panose="020F0502020204030204" pitchFamily="34" charset="0"/>
+                <a:cs typeface="Calibri" panose="020F0502020204030204" pitchFamily="34" charset="0"/>
+              </a:rPr>
+              <a:t> </a:t>
+            </a:r>
+            <a:r>
+              <a:rPr lang="en-US" sz="2800" dirty="0" err="1">
+                <a:latin typeface="Calibri" panose="020F0502020204030204" pitchFamily="34" charset="0"/>
+                <a:cs typeface="Calibri" panose="020F0502020204030204" pitchFamily="34" charset="0"/>
+              </a:rPr>
+              <a:t>coloane</a:t>
+            </a:r>
+            <a:r>
+              <a:rPr lang="en-US" sz="2800" dirty="0">
+                <a:latin typeface="Calibri" panose="020F0502020204030204" pitchFamily="34" charset="0"/>
+                <a:cs typeface="Calibri" panose="020F0502020204030204" pitchFamily="34" charset="0"/>
+              </a:rPr>
+              <a:t> de tip </a:t>
+            </a:r>
+            <a:r>
+              <a:rPr lang="en-US" sz="2800" dirty="0" err="1">
+                <a:latin typeface="Calibri" panose="020F0502020204030204" pitchFamily="34" charset="0"/>
+                <a:cs typeface="Calibri" panose="020F0502020204030204" pitchFamily="34" charset="0"/>
+              </a:rPr>
+              <a:t>Jsonb</a:t>
+            </a:r>
+            <a:r>
+              <a:rPr lang="en-US" sz="2800" dirty="0">
+                <a:latin typeface="Calibri" panose="020F0502020204030204" pitchFamily="34" charset="0"/>
+                <a:cs typeface="Calibri" panose="020F0502020204030204" pitchFamily="34" charset="0"/>
+              </a:rPr>
+              <a:t> (JSON Binary) </a:t>
+            </a:r>
+            <a:br>
+              <a:rPr lang="en-US" sz="2800" dirty="0">
+                <a:latin typeface="Calibri" panose="020F0502020204030204" pitchFamily="34" charset="0"/>
+                <a:cs typeface="Calibri" panose="020F0502020204030204" pitchFamily="34" charset="0"/>
+              </a:rPr>
+            </a:br>
+            <a:r>
+              <a:rPr lang="en-US" sz="2800" dirty="0">
+                <a:latin typeface="Calibri" panose="020F0502020204030204" pitchFamily="34" charset="0"/>
+                <a:cs typeface="Calibri" panose="020F0502020204030204" pitchFamily="34" charset="0"/>
+              </a:rPr>
+              <a:t>care </a:t>
+            </a:r>
+            <a:r>
+              <a:rPr lang="en-US" sz="2800" dirty="0" err="1">
+                <a:latin typeface="Calibri" panose="020F0502020204030204" pitchFamily="34" charset="0"/>
+                <a:cs typeface="Calibri" panose="020F0502020204030204" pitchFamily="34" charset="0"/>
+              </a:rPr>
+              <a:t>să</a:t>
+            </a:r>
+            <a:r>
+              <a:rPr lang="en-US" sz="2800" dirty="0">
+                <a:latin typeface="Calibri" panose="020F0502020204030204" pitchFamily="34" charset="0"/>
+                <a:cs typeface="Calibri" panose="020F0502020204030204" pitchFamily="34" charset="0"/>
+              </a:rPr>
+              <a:t> </a:t>
+            </a:r>
+            <a:r>
+              <a:rPr lang="en-US" sz="2800" dirty="0" err="1">
+                <a:latin typeface="Calibri" panose="020F0502020204030204" pitchFamily="34" charset="0"/>
+                <a:cs typeface="Calibri" panose="020F0502020204030204" pitchFamily="34" charset="0"/>
+              </a:rPr>
+              <a:t>poată</a:t>
+            </a:r>
+            <a:r>
+              <a:rPr lang="en-US" sz="2800" dirty="0">
+                <a:latin typeface="Calibri" panose="020F0502020204030204" pitchFamily="34" charset="0"/>
+                <a:cs typeface="Calibri" panose="020F0502020204030204" pitchFamily="34" charset="0"/>
+              </a:rPr>
+              <a:t> </a:t>
+            </a:r>
+            <a:r>
+              <a:rPr lang="en-US" sz="2800" dirty="0" err="1">
+                <a:latin typeface="Calibri" panose="020F0502020204030204" pitchFamily="34" charset="0"/>
+                <a:cs typeface="Calibri" panose="020F0502020204030204" pitchFamily="34" charset="0"/>
+              </a:rPr>
+              <a:t>încorpora</a:t>
+            </a:r>
+            <a:r>
+              <a:rPr lang="en-US" sz="2800" dirty="0">
+                <a:latin typeface="Calibri" panose="020F0502020204030204" pitchFamily="34" charset="0"/>
+                <a:cs typeface="Calibri" panose="020F0502020204030204" pitchFamily="34" charset="0"/>
+              </a:rPr>
+              <a:t> </a:t>
+            </a:r>
+            <a:r>
+              <a:rPr lang="en-US" sz="2800" dirty="0" err="1">
+                <a:latin typeface="Calibri" panose="020F0502020204030204" pitchFamily="34" charset="0"/>
+                <a:cs typeface="Calibri" panose="020F0502020204030204" pitchFamily="34" charset="0"/>
+              </a:rPr>
+              <a:t>dinamic</a:t>
+            </a:r>
+            <a:r>
+              <a:rPr lang="en-US" sz="2800" dirty="0">
+                <a:latin typeface="Calibri" panose="020F0502020204030204" pitchFamily="34" charset="0"/>
+                <a:cs typeface="Calibri" panose="020F0502020204030204" pitchFamily="34" charset="0"/>
+              </a:rPr>
+              <a:t> </a:t>
+            </a:r>
+            <a:r>
+              <a:rPr lang="en-US" sz="2800" dirty="0" err="1">
+                <a:latin typeface="Calibri" panose="020F0502020204030204" pitchFamily="34" charset="0"/>
+                <a:cs typeface="Calibri" panose="020F0502020204030204" pitchFamily="34" charset="0"/>
+              </a:rPr>
+              <a:t>detaliile</a:t>
+            </a:r>
+            <a:r>
+              <a:rPr lang="en-US" sz="2800" dirty="0">
+                <a:latin typeface="Calibri" panose="020F0502020204030204" pitchFamily="34" charset="0"/>
+                <a:cs typeface="Calibri" panose="020F0502020204030204" pitchFamily="34" charset="0"/>
+              </a:rPr>
+              <a:t> </a:t>
+            </a:r>
+            <a:r>
+              <a:rPr lang="en-US" sz="2800" dirty="0" err="1">
+                <a:latin typeface="Calibri" panose="020F0502020204030204" pitchFamily="34" charset="0"/>
+                <a:cs typeface="Calibri" panose="020F0502020204030204" pitchFamily="34" charset="0"/>
+              </a:rPr>
+              <a:t>necesare</a:t>
+            </a:r>
+            <a:r>
+              <a:rPr lang="en-US" sz="2800" dirty="0">
+                <a:latin typeface="Calibri" panose="020F0502020204030204" pitchFamily="34" charset="0"/>
+                <a:cs typeface="Calibri" panose="020F0502020204030204" pitchFamily="34" charset="0"/>
+              </a:rPr>
+              <a:t>.</a:t>
+            </a:r>
+          </a:p>
+        </p:txBody>
+      </p:sp>
+      <p:pic>
+        <p:nvPicPr>
+          <p:cNvPr id="4" name="Picture 3">
+            <a:extLst>
+              <a:ext uri="{FF2B5EF4-FFF2-40B4-BE49-F238E27FC236}">
+                <a16:creationId xmlns:a16="http://schemas.microsoft.com/office/drawing/2014/main" id="{C6C5ACBA-4B6F-C109-D219-D0C86EF4C7C5}"/>
+              </a:ext>
+            </a:extLst>
+          </p:cNvPr>
+          <p:cNvPicPr>
+            <a:picLocks noChangeAspect="1"/>
+          </p:cNvPicPr>
+          <p:nvPr/>
+        </p:nvPicPr>
+        <p:blipFill>
+          <a:blip r:embed="rId3" cstate="print">
+            <a:extLst>
+              <a:ext uri="{28A0092B-C50C-407E-A947-70E740481C1C}">
+                <a14:useLocalDpi xmlns:a14="http://schemas.microsoft.com/office/drawing/2010/main" val="0"/>
+              </a:ext>
+            </a:extLst>
+          </a:blip>
+          <a:stretch>
+            <a:fillRect/>
+          </a:stretch>
+        </p:blipFill>
+        <p:spPr>
+          <a:xfrm>
+            <a:off x="8878955" y="4770783"/>
+            <a:ext cx="865810" cy="865810"/>
+          </a:xfrm>
+          <a:prstGeom prst="rect">
+            <a:avLst/>
+          </a:prstGeom>
+        </p:spPr>
+      </p:pic>
+      <p:pic>
+        <p:nvPicPr>
+          <p:cNvPr id="7" name="Picture 6">
+            <a:extLst>
+              <a:ext uri="{FF2B5EF4-FFF2-40B4-BE49-F238E27FC236}">
+                <a16:creationId xmlns:a16="http://schemas.microsoft.com/office/drawing/2014/main" id="{D63478EA-730B-4CF9-71D8-D9E78729696F}"/>
+              </a:ext>
+            </a:extLst>
+          </p:cNvPr>
+          <p:cNvPicPr>
+            <a:picLocks noChangeAspect="1"/>
+          </p:cNvPicPr>
+          <p:nvPr/>
+        </p:nvPicPr>
+        <p:blipFill>
+          <a:blip r:embed="rId4" cstate="print">
+            <a:extLst>
+              <a:ext uri="{28A0092B-C50C-407E-A947-70E740481C1C}">
+                <a14:useLocalDpi xmlns:a14="http://schemas.microsoft.com/office/drawing/2010/main" val="0"/>
+              </a:ext>
+            </a:extLst>
+          </a:blip>
+          <a:stretch>
+            <a:fillRect/>
+          </a:stretch>
+        </p:blipFill>
+        <p:spPr>
+          <a:xfrm>
+            <a:off x="8878955" y="6041942"/>
+            <a:ext cx="865810" cy="865810"/>
+          </a:xfrm>
+          <a:prstGeom prst="rect">
+            <a:avLst/>
+          </a:prstGeom>
+        </p:spPr>
+      </p:pic>
     </p:spTree>
     <p:extLst>
       <p:ext uri="{BB962C8B-B14F-4D97-AF65-F5344CB8AC3E}">
@@ -7761,14 +8498,584 @@
         </p:blipFill>
         <p:spPr>
           <a:xfrm>
-            <a:off x="9124512" y="5407066"/>
-            <a:ext cx="3048006" cy="3048006"/>
+            <a:off x="9432595" y="6252180"/>
+            <a:ext cx="3080740" cy="3080740"/>
           </a:xfrm>
           <a:prstGeom prst="rect">
             <a:avLst/>
           </a:prstGeom>
         </p:spPr>
       </p:pic>
+      <p:sp>
+        <p:nvSpPr>
+          <p:cNvPr id="2" name="TextBox 1">
+            <a:extLst>
+              <a:ext uri="{FF2B5EF4-FFF2-40B4-BE49-F238E27FC236}">
+                <a16:creationId xmlns:a16="http://schemas.microsoft.com/office/drawing/2014/main" id="{19830FDE-C16F-D91D-D3AF-FEA4F01C8D07}"/>
+              </a:ext>
+            </a:extLst>
+          </p:cNvPr>
+          <p:cNvSpPr txBox="1"/>
+          <p:nvPr/>
+        </p:nvSpPr>
+        <p:spPr>
+          <a:xfrm>
+            <a:off x="491465" y="3640285"/>
+            <a:ext cx="11766795" cy="3539430"/>
+          </a:xfrm>
+          <a:prstGeom prst="rect">
+            <a:avLst/>
+          </a:prstGeom>
+          <a:noFill/>
+        </p:spPr>
+        <p:txBody>
+          <a:bodyPr wrap="square" rtlCol="0">
+            <a:spAutoFit/>
+          </a:bodyPr>
+          <a:lstStyle/>
+          <a:p>
+            <a:r>
+              <a:rPr lang="en-US" sz="3200" dirty="0" err="1">
+                <a:latin typeface="Calibri" panose="020F0502020204030204" pitchFamily="34" charset="0"/>
+                <a:cs typeface="Calibri" panose="020F0502020204030204" pitchFamily="34" charset="0"/>
+              </a:rPr>
+              <a:t>Propagarea</a:t>
+            </a:r>
+            <a:r>
+              <a:rPr lang="en-US" sz="3200" dirty="0">
+                <a:latin typeface="Calibri" panose="020F0502020204030204" pitchFamily="34" charset="0"/>
+                <a:cs typeface="Calibri" panose="020F0502020204030204" pitchFamily="34" charset="0"/>
+              </a:rPr>
+              <a:t> </a:t>
+            </a:r>
+            <a:r>
+              <a:rPr lang="en-US" sz="3200" dirty="0" err="1">
+                <a:latin typeface="Calibri" panose="020F0502020204030204" pitchFamily="34" charset="0"/>
+                <a:cs typeface="Calibri" panose="020F0502020204030204" pitchFamily="34" charset="0"/>
+              </a:rPr>
+              <a:t>corectă</a:t>
+            </a:r>
+            <a:r>
+              <a:rPr lang="en-US" sz="3200" dirty="0">
+                <a:latin typeface="Calibri" panose="020F0502020204030204" pitchFamily="34" charset="0"/>
+                <a:cs typeface="Calibri" panose="020F0502020204030204" pitchFamily="34" charset="0"/>
+              </a:rPr>
+              <a:t> a </a:t>
+            </a:r>
+            <a:r>
+              <a:rPr lang="en-US" sz="3200" dirty="0" err="1">
+                <a:latin typeface="Calibri" panose="020F0502020204030204" pitchFamily="34" charset="0"/>
+                <a:cs typeface="Calibri" panose="020F0502020204030204" pitchFamily="34" charset="0"/>
+              </a:rPr>
+              <a:t>erorilor</a:t>
+            </a:r>
+            <a:r>
+              <a:rPr lang="en-US" sz="3200" dirty="0">
+                <a:latin typeface="Calibri" panose="020F0502020204030204" pitchFamily="34" charset="0"/>
+                <a:cs typeface="Calibri" panose="020F0502020204030204" pitchFamily="34" charset="0"/>
+              </a:rPr>
+              <a:t> </a:t>
+            </a:r>
+            <a:r>
+              <a:rPr lang="en-US" sz="3200" dirty="0" err="1">
+                <a:latin typeface="Calibri" panose="020F0502020204030204" pitchFamily="34" charset="0"/>
+                <a:cs typeface="Calibri" panose="020F0502020204030204" pitchFamily="34" charset="0"/>
+              </a:rPr>
+              <a:t>într</a:t>
+            </a:r>
+            <a:r>
+              <a:rPr lang="en-US" sz="3200" dirty="0">
+                <a:latin typeface="Calibri" panose="020F0502020204030204" pitchFamily="34" charset="0"/>
+                <a:cs typeface="Calibri" panose="020F0502020204030204" pitchFamily="34" charset="0"/>
+              </a:rPr>
+              <a:t>-o </a:t>
+            </a:r>
+            <a:r>
+              <a:rPr lang="en-US" sz="3200" dirty="0" err="1">
+                <a:latin typeface="Calibri" panose="020F0502020204030204" pitchFamily="34" charset="0"/>
+                <a:cs typeface="Calibri" panose="020F0502020204030204" pitchFamily="34" charset="0"/>
+              </a:rPr>
+              <a:t>aplicație</a:t>
+            </a:r>
+            <a:r>
+              <a:rPr lang="en-US" sz="3200" dirty="0">
+                <a:latin typeface="Calibri" panose="020F0502020204030204" pitchFamily="34" charset="0"/>
+                <a:cs typeface="Calibri" panose="020F0502020204030204" pitchFamily="34" charset="0"/>
+              </a:rPr>
+              <a:t> web </a:t>
+            </a:r>
+            <a:r>
+              <a:rPr lang="en-US" sz="3200" dirty="0" err="1">
+                <a:latin typeface="Calibri" panose="020F0502020204030204" pitchFamily="34" charset="0"/>
+                <a:cs typeface="Calibri" panose="020F0502020204030204" pitchFamily="34" charset="0"/>
+              </a:rPr>
+              <a:t>este</a:t>
+            </a:r>
+            <a:r>
+              <a:rPr lang="en-US" sz="3200" dirty="0">
+                <a:latin typeface="Calibri" panose="020F0502020204030204" pitchFamily="34" charset="0"/>
+                <a:cs typeface="Calibri" panose="020F0502020204030204" pitchFamily="34" charset="0"/>
+              </a:rPr>
+              <a:t> </a:t>
+            </a:r>
+            <a:r>
+              <a:rPr lang="en-US" sz="3200" dirty="0" err="1">
+                <a:latin typeface="Calibri" panose="020F0502020204030204" pitchFamily="34" charset="0"/>
+                <a:cs typeface="Calibri" panose="020F0502020204030204" pitchFamily="34" charset="0"/>
+              </a:rPr>
+              <a:t>critică</a:t>
+            </a:r>
+            <a:r>
+              <a:rPr lang="en-US" sz="3200" dirty="0">
+                <a:latin typeface="Calibri" panose="020F0502020204030204" pitchFamily="34" charset="0"/>
+                <a:cs typeface="Calibri" panose="020F0502020204030204" pitchFamily="34" charset="0"/>
+              </a:rPr>
+              <a:t> </a:t>
+            </a:r>
+            <a:r>
+              <a:rPr lang="en-US" sz="3200" dirty="0" err="1">
+                <a:latin typeface="Calibri" panose="020F0502020204030204" pitchFamily="34" charset="0"/>
+                <a:cs typeface="Calibri" panose="020F0502020204030204" pitchFamily="34" charset="0"/>
+              </a:rPr>
+              <a:t>pentru</a:t>
+            </a:r>
+            <a:r>
+              <a:rPr lang="en-US" sz="3200" dirty="0">
+                <a:latin typeface="Calibri" panose="020F0502020204030204" pitchFamily="34" charset="0"/>
+                <a:cs typeface="Calibri" panose="020F0502020204030204" pitchFamily="34" charset="0"/>
+              </a:rPr>
+              <a:t> a </a:t>
+            </a:r>
+            <a:r>
+              <a:rPr lang="en-US" sz="3200" dirty="0" err="1">
+                <a:latin typeface="Calibri" panose="020F0502020204030204" pitchFamily="34" charset="0"/>
+                <a:cs typeface="Calibri" panose="020F0502020204030204" pitchFamily="34" charset="0"/>
+              </a:rPr>
+              <a:t>reprezenta</a:t>
+            </a:r>
+            <a:r>
+              <a:rPr lang="en-US" sz="3200" dirty="0">
+                <a:latin typeface="Calibri" panose="020F0502020204030204" pitchFamily="34" charset="0"/>
+                <a:cs typeface="Calibri" panose="020F0502020204030204" pitchFamily="34" charset="0"/>
+              </a:rPr>
+              <a:t> </a:t>
+            </a:r>
+            <a:r>
+              <a:rPr lang="en-US" sz="3200" dirty="0" err="1">
+                <a:latin typeface="Calibri" panose="020F0502020204030204" pitchFamily="34" charset="0"/>
+                <a:cs typeface="Calibri" panose="020F0502020204030204" pitchFamily="34" charset="0"/>
+              </a:rPr>
+              <a:t>corect</a:t>
+            </a:r>
+            <a:r>
+              <a:rPr lang="en-US" sz="3200" dirty="0">
+                <a:latin typeface="Calibri" panose="020F0502020204030204" pitchFamily="34" charset="0"/>
+                <a:cs typeface="Calibri" panose="020F0502020204030204" pitchFamily="34" charset="0"/>
+              </a:rPr>
+              <a:t> </a:t>
+            </a:r>
+            <a:r>
+              <a:rPr lang="en-US" sz="3200" dirty="0" err="1">
+                <a:latin typeface="Calibri" panose="020F0502020204030204" pitchFamily="34" charset="0"/>
+                <a:cs typeface="Calibri" panose="020F0502020204030204" pitchFamily="34" charset="0"/>
+              </a:rPr>
+              <a:t>cazurile</a:t>
+            </a:r>
+            <a:r>
+              <a:rPr lang="en-US" sz="3200" dirty="0">
+                <a:latin typeface="Calibri" panose="020F0502020204030204" pitchFamily="34" charset="0"/>
+                <a:cs typeface="Calibri" panose="020F0502020204030204" pitchFamily="34" charset="0"/>
+              </a:rPr>
+              <a:t> de business. Se </a:t>
+            </a:r>
+            <a:r>
+              <a:rPr lang="en-US" sz="3200" dirty="0" err="1">
+                <a:latin typeface="Calibri" panose="020F0502020204030204" pitchFamily="34" charset="0"/>
+                <a:cs typeface="Calibri" panose="020F0502020204030204" pitchFamily="34" charset="0"/>
+              </a:rPr>
+              <a:t>prezintă</a:t>
+            </a:r>
+            <a:r>
+              <a:rPr lang="en-US" sz="3200" dirty="0">
+                <a:latin typeface="Calibri" panose="020F0502020204030204" pitchFamily="34" charset="0"/>
+                <a:cs typeface="Calibri" panose="020F0502020204030204" pitchFamily="34" charset="0"/>
+              </a:rPr>
+              <a:t> </a:t>
+            </a:r>
+            <a:r>
+              <a:rPr lang="en-US" sz="3200" dirty="0" err="1">
+                <a:latin typeface="Calibri" panose="020F0502020204030204" pitchFamily="34" charset="0"/>
+                <a:cs typeface="Calibri" panose="020F0502020204030204" pitchFamily="34" charset="0"/>
+              </a:rPr>
+              <a:t>următoarele</a:t>
+            </a:r>
+            <a:r>
+              <a:rPr lang="en-US" sz="3200" dirty="0">
+                <a:latin typeface="Calibri" panose="020F0502020204030204" pitchFamily="34" charset="0"/>
+                <a:cs typeface="Calibri" panose="020F0502020204030204" pitchFamily="34" charset="0"/>
+              </a:rPr>
+              <a:t> </a:t>
+            </a:r>
+            <a:r>
+              <a:rPr lang="en-US" sz="3200" dirty="0" err="1">
+                <a:latin typeface="Calibri" panose="020F0502020204030204" pitchFamily="34" charset="0"/>
+                <a:cs typeface="Calibri" panose="020F0502020204030204" pitchFamily="34" charset="0"/>
+              </a:rPr>
+              <a:t>tipuri</a:t>
+            </a:r>
+            <a:r>
+              <a:rPr lang="en-US" sz="3200" dirty="0">
+                <a:latin typeface="Calibri" panose="020F0502020204030204" pitchFamily="34" charset="0"/>
+                <a:cs typeface="Calibri" panose="020F0502020204030204" pitchFamily="34" charset="0"/>
+              </a:rPr>
+              <a:t> de </a:t>
+            </a:r>
+            <a:r>
+              <a:rPr lang="en-US" sz="3200" dirty="0" err="1">
+                <a:latin typeface="Calibri" panose="020F0502020204030204" pitchFamily="34" charset="0"/>
+                <a:cs typeface="Calibri" panose="020F0502020204030204" pitchFamily="34" charset="0"/>
+              </a:rPr>
+              <a:t>erori</a:t>
+            </a:r>
+            <a:r>
+              <a:rPr lang="en-US" sz="3200" dirty="0">
+                <a:latin typeface="Calibri" panose="020F0502020204030204" pitchFamily="34" charset="0"/>
+                <a:cs typeface="Calibri" panose="020F0502020204030204" pitchFamily="34" charset="0"/>
+              </a:rPr>
+              <a:t>:</a:t>
+            </a:r>
+          </a:p>
+          <a:p>
+            <a:pPr marL="457200" indent="-457200">
+              <a:buFont typeface="Arial" panose="020B0604020202020204" pitchFamily="34" charset="0"/>
+              <a:buChar char="•"/>
+            </a:pPr>
+            <a:r>
+              <a:rPr lang="en-US" sz="3200" dirty="0" err="1">
+                <a:latin typeface="Calibri" panose="020F0502020204030204" pitchFamily="34" charset="0"/>
+                <a:cs typeface="Calibri" panose="020F0502020204030204" pitchFamily="34" charset="0"/>
+              </a:rPr>
+              <a:t>Erori</a:t>
+            </a:r>
+            <a:r>
+              <a:rPr lang="en-US" sz="3200" dirty="0">
+                <a:latin typeface="Calibri" panose="020F0502020204030204" pitchFamily="34" charset="0"/>
+                <a:cs typeface="Calibri" panose="020F0502020204030204" pitchFamily="34" charset="0"/>
+              </a:rPr>
+              <a:t> create </a:t>
+            </a:r>
+            <a:r>
+              <a:rPr lang="en-US" sz="3200" dirty="0" err="1">
+                <a:latin typeface="Calibri" panose="020F0502020204030204" pitchFamily="34" charset="0"/>
+                <a:cs typeface="Calibri" panose="020F0502020204030204" pitchFamily="34" charset="0"/>
+              </a:rPr>
+              <a:t>în</a:t>
+            </a:r>
+            <a:r>
+              <a:rPr lang="en-US" sz="3200" dirty="0">
+                <a:latin typeface="Calibri" panose="020F0502020204030204" pitchFamily="34" charset="0"/>
+                <a:cs typeface="Calibri" panose="020F0502020204030204" pitchFamily="34" charset="0"/>
+              </a:rPr>
+              <a:t> </a:t>
+            </a:r>
+            <a:r>
+              <a:rPr lang="en-US" sz="3200" dirty="0" err="1">
+                <a:latin typeface="Calibri" panose="020F0502020204030204" pitchFamily="34" charset="0"/>
+                <a:cs typeface="Calibri" panose="020F0502020204030204" pitchFamily="34" charset="0"/>
+              </a:rPr>
+              <a:t>microserviciul</a:t>
+            </a:r>
+            <a:r>
+              <a:rPr lang="en-US" sz="3200" dirty="0">
+                <a:latin typeface="Calibri" panose="020F0502020204030204" pitchFamily="34" charset="0"/>
+                <a:cs typeface="Calibri" panose="020F0502020204030204" pitchFamily="34" charset="0"/>
+              </a:rPr>
+              <a:t> </a:t>
+            </a:r>
+            <a:r>
+              <a:rPr lang="en-US" sz="3200" dirty="0" err="1">
+                <a:latin typeface="Calibri" panose="020F0502020204030204" pitchFamily="34" charset="0"/>
+                <a:cs typeface="Calibri" panose="020F0502020204030204" pitchFamily="34" charset="0"/>
+              </a:rPr>
+              <a:t>curent</a:t>
+            </a:r>
+            <a:endParaRPr lang="en-US" sz="3200" dirty="0">
+              <a:latin typeface="Calibri" panose="020F0502020204030204" pitchFamily="34" charset="0"/>
+              <a:cs typeface="Calibri" panose="020F0502020204030204" pitchFamily="34" charset="0"/>
+            </a:endParaRPr>
+          </a:p>
+          <a:p>
+            <a:pPr marL="457200" indent="-457200">
+              <a:buFont typeface="Arial" panose="020B0604020202020204" pitchFamily="34" charset="0"/>
+              <a:buChar char="•"/>
+            </a:pPr>
+            <a:r>
+              <a:rPr lang="en-US" sz="3200" dirty="0" err="1">
+                <a:latin typeface="Calibri" panose="020F0502020204030204" pitchFamily="34" charset="0"/>
+                <a:cs typeface="Calibri" panose="020F0502020204030204" pitchFamily="34" charset="0"/>
+              </a:rPr>
+              <a:t>Erori</a:t>
+            </a:r>
+            <a:r>
+              <a:rPr lang="en-US" sz="3200" dirty="0">
+                <a:latin typeface="Calibri" panose="020F0502020204030204" pitchFamily="34" charset="0"/>
+                <a:cs typeface="Calibri" panose="020F0502020204030204" pitchFamily="34" charset="0"/>
+              </a:rPr>
+              <a:t> create </a:t>
+            </a:r>
+            <a:r>
+              <a:rPr lang="en-US" sz="3200" dirty="0" err="1">
+                <a:latin typeface="Calibri" panose="020F0502020204030204" pitchFamily="34" charset="0"/>
+                <a:cs typeface="Calibri" panose="020F0502020204030204" pitchFamily="34" charset="0"/>
+              </a:rPr>
+              <a:t>în</a:t>
+            </a:r>
+            <a:r>
+              <a:rPr lang="en-US" sz="3200" dirty="0">
+                <a:latin typeface="Calibri" panose="020F0502020204030204" pitchFamily="34" charset="0"/>
+                <a:cs typeface="Calibri" panose="020F0502020204030204" pitchFamily="34" charset="0"/>
+              </a:rPr>
+              <a:t> </a:t>
+            </a:r>
+            <a:r>
+              <a:rPr lang="en-US" sz="3200" dirty="0" err="1">
+                <a:latin typeface="Calibri" panose="020F0502020204030204" pitchFamily="34" charset="0"/>
+                <a:cs typeface="Calibri" panose="020F0502020204030204" pitchFamily="34" charset="0"/>
+              </a:rPr>
+              <a:t>urma</a:t>
+            </a:r>
+            <a:r>
+              <a:rPr lang="en-US" sz="3200" dirty="0">
+                <a:latin typeface="Calibri" panose="020F0502020204030204" pitchFamily="34" charset="0"/>
+                <a:cs typeface="Calibri" panose="020F0502020204030204" pitchFamily="34" charset="0"/>
+              </a:rPr>
+              <a:t> </a:t>
+            </a:r>
+            <a:r>
+              <a:rPr lang="en-US" sz="3200" dirty="0" err="1">
+                <a:latin typeface="Calibri" panose="020F0502020204030204" pitchFamily="34" charset="0"/>
+                <a:cs typeface="Calibri" panose="020F0502020204030204" pitchFamily="34" charset="0"/>
+              </a:rPr>
+              <a:t>eșuării</a:t>
+            </a:r>
+            <a:r>
+              <a:rPr lang="en-US" sz="3200" dirty="0">
+                <a:latin typeface="Calibri" panose="020F0502020204030204" pitchFamily="34" charset="0"/>
+                <a:cs typeface="Calibri" panose="020F0502020204030204" pitchFamily="34" charset="0"/>
+              </a:rPr>
+              <a:t> </a:t>
+            </a:r>
+            <a:r>
+              <a:rPr lang="en-US" sz="3200" dirty="0" err="1">
+                <a:latin typeface="Calibri" panose="020F0502020204030204" pitchFamily="34" charset="0"/>
+                <a:cs typeface="Calibri" panose="020F0502020204030204" pitchFamily="34" charset="0"/>
+              </a:rPr>
+              <a:t>unui</a:t>
+            </a:r>
+            <a:r>
+              <a:rPr lang="en-US" sz="3200" dirty="0">
+                <a:latin typeface="Calibri" panose="020F0502020204030204" pitchFamily="34" charset="0"/>
+                <a:cs typeface="Calibri" panose="020F0502020204030204" pitchFamily="34" charset="0"/>
+              </a:rPr>
+              <a:t> </a:t>
+            </a:r>
+            <a:r>
+              <a:rPr lang="en-US" sz="3200" dirty="0" err="1">
+                <a:latin typeface="Calibri" panose="020F0502020204030204" pitchFamily="34" charset="0"/>
+                <a:cs typeface="Calibri" panose="020F0502020204030204" pitchFamily="34" charset="0"/>
+              </a:rPr>
+              <a:t>proces</a:t>
+            </a:r>
+            <a:r>
+              <a:rPr lang="en-US" sz="3200" dirty="0">
+                <a:latin typeface="Calibri" panose="020F0502020204030204" pitchFamily="34" charset="0"/>
+                <a:cs typeface="Calibri" panose="020F0502020204030204" pitchFamily="34" charset="0"/>
+              </a:rPr>
+              <a:t> multithreading</a:t>
+            </a:r>
+          </a:p>
+          <a:p>
+            <a:pPr marL="457200" indent="-457200">
+              <a:buFont typeface="Arial" panose="020B0604020202020204" pitchFamily="34" charset="0"/>
+              <a:buChar char="•"/>
+            </a:pPr>
+            <a:r>
+              <a:rPr lang="en-US" sz="3200" dirty="0" err="1">
+                <a:latin typeface="Calibri" panose="020F0502020204030204" pitchFamily="34" charset="0"/>
+                <a:cs typeface="Calibri" panose="020F0502020204030204" pitchFamily="34" charset="0"/>
+              </a:rPr>
+              <a:t>Eroare</a:t>
+            </a:r>
+            <a:r>
+              <a:rPr lang="en-US" sz="3200" dirty="0">
+                <a:latin typeface="Calibri" panose="020F0502020204030204" pitchFamily="34" charset="0"/>
+                <a:cs typeface="Calibri" panose="020F0502020204030204" pitchFamily="34" charset="0"/>
+              </a:rPr>
+              <a:t> </a:t>
+            </a:r>
+            <a:r>
+              <a:rPr lang="en-US" sz="3200" dirty="0" err="1">
+                <a:latin typeface="Calibri" panose="020F0502020204030204" pitchFamily="34" charset="0"/>
+                <a:cs typeface="Calibri" panose="020F0502020204030204" pitchFamily="34" charset="0"/>
+              </a:rPr>
+              <a:t>provenită</a:t>
+            </a:r>
+            <a:r>
+              <a:rPr lang="en-US" sz="3200" dirty="0">
+                <a:latin typeface="Calibri" panose="020F0502020204030204" pitchFamily="34" charset="0"/>
+                <a:cs typeface="Calibri" panose="020F0502020204030204" pitchFamily="34" charset="0"/>
+              </a:rPr>
+              <a:t> </a:t>
+            </a:r>
+            <a:r>
+              <a:rPr lang="en-US" sz="3200" dirty="0" err="1">
+                <a:latin typeface="Calibri" panose="020F0502020204030204" pitchFamily="34" charset="0"/>
+                <a:cs typeface="Calibri" panose="020F0502020204030204" pitchFamily="34" charset="0"/>
+              </a:rPr>
+              <a:t>în</a:t>
+            </a:r>
+            <a:r>
+              <a:rPr lang="en-US" sz="3200" dirty="0">
+                <a:latin typeface="Calibri" panose="020F0502020204030204" pitchFamily="34" charset="0"/>
+                <a:cs typeface="Calibri" panose="020F0502020204030204" pitchFamily="34" charset="0"/>
+              </a:rPr>
+              <a:t> </a:t>
+            </a:r>
+            <a:r>
+              <a:rPr lang="en-US" sz="3200" dirty="0" err="1">
+                <a:latin typeface="Calibri" panose="020F0502020204030204" pitchFamily="34" charset="0"/>
+                <a:cs typeface="Calibri" panose="020F0502020204030204" pitchFamily="34" charset="0"/>
+              </a:rPr>
+              <a:t>urma</a:t>
+            </a:r>
+            <a:r>
+              <a:rPr lang="en-US" sz="3200" dirty="0">
+                <a:latin typeface="Calibri" panose="020F0502020204030204" pitchFamily="34" charset="0"/>
+                <a:cs typeface="Calibri" panose="020F0502020204030204" pitchFamily="34" charset="0"/>
+              </a:rPr>
+              <a:t> </a:t>
+            </a:r>
+            <a:r>
+              <a:rPr lang="en-US" sz="3200" dirty="0" err="1">
+                <a:latin typeface="Calibri" panose="020F0502020204030204" pitchFamily="34" charset="0"/>
+                <a:cs typeface="Calibri" panose="020F0502020204030204" pitchFamily="34" charset="0"/>
+              </a:rPr>
+              <a:t>unui</a:t>
+            </a:r>
+            <a:r>
+              <a:rPr lang="en-US" sz="3200" dirty="0">
+                <a:latin typeface="Calibri" panose="020F0502020204030204" pitchFamily="34" charset="0"/>
+                <a:cs typeface="Calibri" panose="020F0502020204030204" pitchFamily="34" charset="0"/>
+              </a:rPr>
+              <a:t> </a:t>
+            </a:r>
+            <a:r>
+              <a:rPr lang="en-US" sz="3200" dirty="0" err="1">
+                <a:latin typeface="Calibri" panose="020F0502020204030204" pitchFamily="34" charset="0"/>
+                <a:cs typeface="Calibri" panose="020F0502020204030204" pitchFamily="34" charset="0"/>
+              </a:rPr>
+              <a:t>apel</a:t>
+            </a:r>
+            <a:r>
+              <a:rPr lang="en-US" sz="3200" dirty="0">
+                <a:latin typeface="Calibri" panose="020F0502020204030204" pitchFamily="34" charset="0"/>
+                <a:cs typeface="Calibri" panose="020F0502020204030204" pitchFamily="34" charset="0"/>
+              </a:rPr>
+              <a:t> Feign</a:t>
+            </a:r>
+          </a:p>
+          <a:p>
+            <a:pPr marL="457200" indent="-457200">
+              <a:buFont typeface="Arial" panose="020B0604020202020204" pitchFamily="34" charset="0"/>
+              <a:buChar char="•"/>
+            </a:pPr>
+            <a:r>
+              <a:rPr lang="en-US" sz="3200" dirty="0" err="1">
+                <a:latin typeface="Calibri" panose="020F0502020204030204" pitchFamily="34" charset="0"/>
+                <a:cs typeface="Calibri" panose="020F0502020204030204" pitchFamily="34" charset="0"/>
+              </a:rPr>
+              <a:t>Eroare</a:t>
+            </a:r>
+            <a:r>
+              <a:rPr lang="en-US" sz="3200" dirty="0">
+                <a:latin typeface="Calibri" panose="020F0502020204030204" pitchFamily="34" charset="0"/>
+                <a:cs typeface="Calibri" panose="020F0502020204030204" pitchFamily="34" charset="0"/>
+              </a:rPr>
+              <a:t> </a:t>
+            </a:r>
+            <a:r>
+              <a:rPr lang="en-US" sz="3200" dirty="0" err="1">
+                <a:latin typeface="Calibri" panose="020F0502020204030204" pitchFamily="34" charset="0"/>
+                <a:cs typeface="Calibri" panose="020F0502020204030204" pitchFamily="34" charset="0"/>
+              </a:rPr>
+              <a:t>provenită</a:t>
+            </a:r>
+            <a:r>
+              <a:rPr lang="en-US" sz="3200" dirty="0">
+                <a:latin typeface="Calibri" panose="020F0502020204030204" pitchFamily="34" charset="0"/>
+                <a:cs typeface="Calibri" panose="020F0502020204030204" pitchFamily="34" charset="0"/>
+              </a:rPr>
+              <a:t> </a:t>
+            </a:r>
+            <a:r>
+              <a:rPr lang="en-US" sz="3200" dirty="0" err="1">
+                <a:latin typeface="Calibri" panose="020F0502020204030204" pitchFamily="34" charset="0"/>
+                <a:cs typeface="Calibri" panose="020F0502020204030204" pitchFamily="34" charset="0"/>
+              </a:rPr>
+              <a:t>în</a:t>
+            </a:r>
+            <a:r>
+              <a:rPr lang="en-US" sz="3200" dirty="0">
+                <a:latin typeface="Calibri" panose="020F0502020204030204" pitchFamily="34" charset="0"/>
+                <a:cs typeface="Calibri" panose="020F0502020204030204" pitchFamily="34" charset="0"/>
+              </a:rPr>
+              <a:t> </a:t>
+            </a:r>
+            <a:r>
+              <a:rPr lang="en-US" sz="3200" dirty="0" err="1">
+                <a:latin typeface="Calibri" panose="020F0502020204030204" pitchFamily="34" charset="0"/>
+                <a:cs typeface="Calibri" panose="020F0502020204030204" pitchFamily="34" charset="0"/>
+              </a:rPr>
+              <a:t>urma</a:t>
+            </a:r>
+            <a:r>
+              <a:rPr lang="en-US" sz="3200" dirty="0">
+                <a:latin typeface="Calibri" panose="020F0502020204030204" pitchFamily="34" charset="0"/>
+                <a:cs typeface="Calibri" panose="020F0502020204030204" pitchFamily="34" charset="0"/>
+              </a:rPr>
+              <a:t> </a:t>
+            </a:r>
+            <a:r>
+              <a:rPr lang="en-US" sz="3200" dirty="0" err="1">
+                <a:latin typeface="Calibri" panose="020F0502020204030204" pitchFamily="34" charset="0"/>
+                <a:cs typeface="Calibri" panose="020F0502020204030204" pitchFamily="34" charset="0"/>
+              </a:rPr>
+              <a:t>unui</a:t>
+            </a:r>
+            <a:r>
+              <a:rPr lang="en-US" sz="3200" dirty="0">
+                <a:latin typeface="Calibri" panose="020F0502020204030204" pitchFamily="34" charset="0"/>
+                <a:cs typeface="Calibri" panose="020F0502020204030204" pitchFamily="34" charset="0"/>
+              </a:rPr>
+              <a:t> </a:t>
+            </a:r>
+            <a:r>
+              <a:rPr lang="en-US" sz="3200" dirty="0" err="1">
+                <a:latin typeface="Calibri" panose="020F0502020204030204" pitchFamily="34" charset="0"/>
+                <a:cs typeface="Calibri" panose="020F0502020204030204" pitchFamily="34" charset="0"/>
+              </a:rPr>
+              <a:t>apel</a:t>
+            </a:r>
+            <a:r>
+              <a:rPr lang="en-US" sz="3200" dirty="0">
+                <a:latin typeface="Calibri" panose="020F0502020204030204" pitchFamily="34" charset="0"/>
+                <a:cs typeface="Calibri" panose="020F0502020204030204" pitchFamily="34" charset="0"/>
+              </a:rPr>
+              <a:t> Rest</a:t>
+            </a:r>
+          </a:p>
+        </p:txBody>
+      </p:sp>
     </p:spTree>
     <p:extLst>
       <p:ext uri="{BB962C8B-B14F-4D97-AF65-F5344CB8AC3E}">
@@ -7834,7 +9141,7 @@
                 <a:latin typeface="Calibri" panose="020F0502020204030204" pitchFamily="34" charset="0"/>
                 <a:cs typeface="Calibri" panose="020F0502020204030204" pitchFamily="34" charset="0"/>
               </a:rPr>
-              <a:t>Performanta</a:t>
+              <a:t>Performanța</a:t>
             </a:r>
             <a:endParaRPr lang="en-US" sz="6000" dirty="0">
               <a:latin typeface="Calibri" panose="020F0502020204030204" pitchFamily="34" charset="0"/>
@@ -7857,8 +9164,8 @@
         </p:nvSpPr>
         <p:spPr>
           <a:xfrm>
-            <a:off x="989558" y="3090259"/>
-            <a:ext cx="11022904" cy="2062103"/>
+            <a:off x="989558" y="2643292"/>
+            <a:ext cx="11711836" cy="1815882"/>
           </a:xfrm>
           <a:prstGeom prst="rect">
             <a:avLst/>
@@ -7872,235 +9179,414 @@
           <a:lstStyle/>
           <a:p>
             <a:r>
-              <a:rPr lang="en-US" sz="3200" dirty="0" err="1">
-                <a:latin typeface="Calibri" panose="020F0502020204030204" pitchFamily="34" charset="0"/>
-                <a:cs typeface="Calibri" panose="020F0502020204030204" pitchFamily="34" charset="0"/>
-              </a:rPr>
-              <a:t>Pentru</a:t>
-            </a:r>
-            <a:r>
-              <a:rPr lang="en-US" sz="3200" dirty="0">
+              <a:rPr lang="en-US" sz="2800" dirty="0">
+                <a:latin typeface="Calibri" panose="020F0502020204030204" pitchFamily="34" charset="0"/>
+                <a:cs typeface="Calibri" panose="020F0502020204030204" pitchFamily="34" charset="0"/>
+              </a:rPr>
+              <a:t>Un aspect important </a:t>
+            </a:r>
+            <a:r>
+              <a:rPr lang="en-US" sz="2800" dirty="0" err="1">
+                <a:latin typeface="Calibri" panose="020F0502020204030204" pitchFamily="34" charset="0"/>
+                <a:cs typeface="Calibri" panose="020F0502020204030204" pitchFamily="34" charset="0"/>
+              </a:rPr>
+              <a:t>în</a:t>
+            </a:r>
+            <a:r>
+              <a:rPr lang="en-US" sz="2800" dirty="0">
+                <a:latin typeface="Calibri" panose="020F0502020204030204" pitchFamily="34" charset="0"/>
+                <a:cs typeface="Calibri" panose="020F0502020204030204" pitchFamily="34" charset="0"/>
+              </a:rPr>
+              <a:t> </a:t>
+            </a:r>
+            <a:r>
+              <a:rPr lang="en-US" sz="2800" dirty="0" err="1">
+                <a:latin typeface="Calibri" panose="020F0502020204030204" pitchFamily="34" charset="0"/>
+                <a:cs typeface="Calibri" panose="020F0502020204030204" pitchFamily="34" charset="0"/>
+              </a:rPr>
+              <a:t>performanța</a:t>
+            </a:r>
+            <a:r>
+              <a:rPr lang="en-US" sz="2800" dirty="0">
+                <a:latin typeface="Calibri" panose="020F0502020204030204" pitchFamily="34" charset="0"/>
+                <a:cs typeface="Calibri" panose="020F0502020204030204" pitchFamily="34" charset="0"/>
+              </a:rPr>
+              <a:t> </a:t>
+            </a:r>
+            <a:r>
+              <a:rPr lang="en-US" sz="2800" dirty="0" err="1">
+                <a:latin typeface="Calibri" panose="020F0502020204030204" pitchFamily="34" charset="0"/>
+                <a:cs typeface="Calibri" panose="020F0502020204030204" pitchFamily="34" charset="0"/>
+              </a:rPr>
+              <a:t>aplicației</a:t>
+            </a:r>
+            <a:r>
+              <a:rPr lang="en-US" sz="2800" dirty="0">
+                <a:latin typeface="Calibri" panose="020F0502020204030204" pitchFamily="34" charset="0"/>
+                <a:cs typeface="Calibri" panose="020F0502020204030204" pitchFamily="34" charset="0"/>
+              </a:rPr>
+              <a:t> </a:t>
+            </a:r>
+            <a:r>
+              <a:rPr lang="en-US" sz="2800" dirty="0" err="1">
+                <a:latin typeface="Calibri" panose="020F0502020204030204" pitchFamily="34" charset="0"/>
+                <a:cs typeface="Calibri" panose="020F0502020204030204" pitchFamily="34" charset="0"/>
+              </a:rPr>
+              <a:t>este</a:t>
+            </a:r>
+            <a:r>
+              <a:rPr lang="en-US" sz="2800" dirty="0">
+                <a:latin typeface="Calibri" panose="020F0502020204030204" pitchFamily="34" charset="0"/>
+                <a:cs typeface="Calibri" panose="020F0502020204030204" pitchFamily="34" charset="0"/>
+              </a:rPr>
+              <a:t> </a:t>
+            </a:r>
+            <a:r>
+              <a:rPr lang="en-US" sz="2800" dirty="0" err="1">
+                <a:latin typeface="Calibri" panose="020F0502020204030204" pitchFamily="34" charset="0"/>
+                <a:cs typeface="Calibri" panose="020F0502020204030204" pitchFamily="34" charset="0"/>
+              </a:rPr>
+              <a:t>implementarea</a:t>
+            </a:r>
+            <a:r>
+              <a:rPr lang="en-US" sz="2800" dirty="0">
+                <a:latin typeface="Calibri" panose="020F0502020204030204" pitchFamily="34" charset="0"/>
+                <a:cs typeface="Calibri" panose="020F0502020204030204" pitchFamily="34" charset="0"/>
+              </a:rPr>
+              <a:t> </a:t>
+            </a:r>
+            <a:r>
+              <a:rPr lang="en-US" sz="2800" i="1" dirty="0">
+                <a:solidFill>
+                  <a:srgbClr val="FF0000"/>
+                </a:solidFill>
+                <a:latin typeface="Calibri" panose="020F0502020204030204" pitchFamily="34" charset="0"/>
+                <a:cs typeface="Calibri" panose="020F0502020204030204" pitchFamily="34" charset="0"/>
+              </a:rPr>
+              <a:t>cache-</a:t>
+            </a:r>
+            <a:r>
+              <a:rPr lang="en-US" sz="2800" i="1" dirty="0" err="1">
+                <a:solidFill>
+                  <a:srgbClr val="FF0000"/>
+                </a:solidFill>
+                <a:latin typeface="Calibri" panose="020F0502020204030204" pitchFamily="34" charset="0"/>
+                <a:cs typeface="Calibri" panose="020F0502020204030204" pitchFamily="34" charset="0"/>
+              </a:rPr>
+              <a:t>ului</a:t>
+            </a:r>
+            <a:r>
+              <a:rPr lang="en-US" sz="2800" i="1" dirty="0">
+                <a:solidFill>
+                  <a:srgbClr val="FF0000"/>
+                </a:solidFill>
+                <a:latin typeface="Calibri" panose="020F0502020204030204" pitchFamily="34" charset="0"/>
+                <a:cs typeface="Calibri" panose="020F0502020204030204" pitchFamily="34" charset="0"/>
+              </a:rPr>
+              <a:t> de </a:t>
+            </a:r>
+            <a:r>
+              <a:rPr lang="en-US" sz="2800" i="1" dirty="0" err="1">
+                <a:solidFill>
+                  <a:srgbClr val="FF0000"/>
+                </a:solidFill>
+                <a:latin typeface="Calibri" panose="020F0502020204030204" pitchFamily="34" charset="0"/>
+                <a:cs typeface="Calibri" panose="020F0502020204030204" pitchFamily="34" charset="0"/>
+              </a:rPr>
+              <a:t>nivel</a:t>
+            </a:r>
+            <a:r>
+              <a:rPr lang="en-US" sz="2800" i="1" dirty="0">
+                <a:solidFill>
+                  <a:srgbClr val="FF0000"/>
+                </a:solidFill>
+                <a:latin typeface="Calibri" panose="020F0502020204030204" pitchFamily="34" charset="0"/>
+                <a:cs typeface="Calibri" panose="020F0502020204030204" pitchFamily="34" charset="0"/>
+              </a:rPr>
+              <a:t> </a:t>
+            </a:r>
+            <a:r>
+              <a:rPr lang="en-US" sz="2800" i="1" dirty="0" err="1">
+                <a:solidFill>
+                  <a:srgbClr val="FF0000"/>
+                </a:solidFill>
+                <a:latin typeface="Calibri" panose="020F0502020204030204" pitchFamily="34" charset="0"/>
+                <a:cs typeface="Calibri" panose="020F0502020204030204" pitchFamily="34" charset="0"/>
+              </a:rPr>
+              <a:t>doi</a:t>
+            </a:r>
+            <a:r>
+              <a:rPr lang="en-US" sz="2800" i="1" dirty="0">
+                <a:solidFill>
+                  <a:srgbClr val="FF0000"/>
+                </a:solidFill>
+                <a:latin typeface="Calibri" panose="020F0502020204030204" pitchFamily="34" charset="0"/>
+                <a:cs typeface="Calibri" panose="020F0502020204030204" pitchFamily="34" charset="0"/>
+              </a:rPr>
+              <a:t> </a:t>
+            </a:r>
+            <a:r>
+              <a:rPr lang="en-US" sz="2800" dirty="0">
+                <a:latin typeface="Calibri" panose="020F0502020204030204" pitchFamily="34" charset="0"/>
+                <a:cs typeface="Calibri" panose="020F0502020204030204" pitchFamily="34" charset="0"/>
+              </a:rPr>
+              <a:t>(la </a:t>
+            </a:r>
+            <a:r>
+              <a:rPr lang="en-US" sz="2800" dirty="0" err="1">
+                <a:latin typeface="Calibri" panose="020F0502020204030204" pitchFamily="34" charset="0"/>
+                <a:cs typeface="Calibri" panose="020F0502020204030204" pitchFamily="34" charset="0"/>
+              </a:rPr>
+              <a:t>nivelul</a:t>
+            </a:r>
+            <a:r>
+              <a:rPr lang="en-US" sz="2800" dirty="0">
+                <a:latin typeface="Calibri" panose="020F0502020204030204" pitchFamily="34" charset="0"/>
+                <a:cs typeface="Calibri" panose="020F0502020204030204" pitchFamily="34" charset="0"/>
+              </a:rPr>
+              <a:t> </a:t>
+            </a:r>
+            <a:r>
+              <a:rPr lang="en-US" sz="2800" dirty="0" err="1">
+                <a:latin typeface="Calibri" panose="020F0502020204030204" pitchFamily="34" charset="0"/>
+                <a:cs typeface="Calibri" panose="020F0502020204030204" pitchFamily="34" charset="0"/>
+              </a:rPr>
+              <a:t>accesului</a:t>
+            </a:r>
+            <a:r>
+              <a:rPr lang="en-US" sz="2800" dirty="0">
+                <a:latin typeface="Calibri" panose="020F0502020204030204" pitchFamily="34" charset="0"/>
+                <a:cs typeface="Calibri" panose="020F0502020204030204" pitchFamily="34" charset="0"/>
+              </a:rPr>
+              <a:t> </a:t>
+            </a:r>
+            <a:r>
+              <a:rPr lang="en-US" sz="2800" dirty="0" err="1">
+                <a:latin typeface="Calibri" panose="020F0502020204030204" pitchFamily="34" charset="0"/>
+                <a:cs typeface="Calibri" panose="020F0502020204030204" pitchFamily="34" charset="0"/>
+              </a:rPr>
+              <a:t>bazei</a:t>
+            </a:r>
+            <a:r>
+              <a:rPr lang="en-US" sz="2800" dirty="0">
+                <a:latin typeface="Calibri" panose="020F0502020204030204" pitchFamily="34" charset="0"/>
+                <a:cs typeface="Calibri" panose="020F0502020204030204" pitchFamily="34" charset="0"/>
+              </a:rPr>
+              <a:t> de date).  </a:t>
+            </a:r>
+          </a:p>
+          <a:p>
+            <a:r>
+              <a:rPr lang="en-US" sz="2800" dirty="0" err="1">
+                <a:latin typeface="Calibri" panose="020F0502020204030204" pitchFamily="34" charset="0"/>
+                <a:cs typeface="Calibri" panose="020F0502020204030204" pitchFamily="34" charset="0"/>
+              </a:rPr>
+              <a:t>Aplicația</a:t>
+            </a:r>
+            <a:r>
+              <a:rPr lang="en-US" sz="2800" dirty="0">
                 <a:latin typeface="Calibri" panose="020F0502020204030204" pitchFamily="34" charset="0"/>
                 <a:cs typeface="Calibri" panose="020F0502020204030204" pitchFamily="34" charset="0"/>
               </a:rPr>
               <a:t> a </a:t>
             </a:r>
             <a:r>
-              <a:rPr lang="en-US" sz="3200" dirty="0" err="1">
-                <a:latin typeface="Calibri" panose="020F0502020204030204" pitchFamily="34" charset="0"/>
-                <a:cs typeface="Calibri" panose="020F0502020204030204" pitchFamily="34" charset="0"/>
-              </a:rPr>
-              <a:t>testa</a:t>
-            </a:r>
-            <a:r>
-              <a:rPr lang="en-US" sz="3200" dirty="0">
-                <a:latin typeface="Calibri" panose="020F0502020204030204" pitchFamily="34" charset="0"/>
-                <a:cs typeface="Calibri" panose="020F0502020204030204" pitchFamily="34" charset="0"/>
-              </a:rPr>
-              <a:t> </a:t>
-            </a:r>
-            <a:r>
-              <a:rPr lang="en-US" sz="3200" dirty="0" err="1">
-                <a:latin typeface="Calibri" panose="020F0502020204030204" pitchFamily="34" charset="0"/>
-                <a:cs typeface="Calibri" panose="020F0502020204030204" pitchFamily="34" charset="0"/>
-              </a:rPr>
-              <a:t>performanta</a:t>
-            </a:r>
-            <a:r>
-              <a:rPr lang="en-US" sz="3200" dirty="0">
-                <a:latin typeface="Calibri" panose="020F0502020204030204" pitchFamily="34" charset="0"/>
-                <a:cs typeface="Calibri" panose="020F0502020204030204" pitchFamily="34" charset="0"/>
-              </a:rPr>
-              <a:t> </a:t>
-            </a:r>
-            <a:r>
-              <a:rPr lang="en-US" sz="3200" dirty="0" err="1">
-                <a:latin typeface="Calibri" panose="020F0502020204030204" pitchFamily="34" charset="0"/>
-                <a:cs typeface="Calibri" panose="020F0502020204030204" pitchFamily="34" charset="0"/>
-              </a:rPr>
-              <a:t>aplicatiei</a:t>
-            </a:r>
-            <a:r>
-              <a:rPr lang="en-US" sz="3200" dirty="0">
-                <a:latin typeface="Calibri" panose="020F0502020204030204" pitchFamily="34" charset="0"/>
-                <a:cs typeface="Calibri" panose="020F0502020204030204" pitchFamily="34" charset="0"/>
-              </a:rPr>
-              <a:t> am </a:t>
-            </a:r>
-            <a:r>
-              <a:rPr lang="en-US" sz="3200" dirty="0" err="1">
-                <a:latin typeface="Calibri" panose="020F0502020204030204" pitchFamily="34" charset="0"/>
-                <a:cs typeface="Calibri" panose="020F0502020204030204" pitchFamily="34" charset="0"/>
-              </a:rPr>
-              <a:t>utilizat</a:t>
-            </a:r>
-            <a:r>
-              <a:rPr lang="en-US" sz="3200" dirty="0">
-                <a:latin typeface="Calibri" panose="020F0502020204030204" pitchFamily="34" charset="0"/>
-                <a:cs typeface="Calibri" panose="020F0502020204030204" pitchFamily="34" charset="0"/>
-              </a:rPr>
-              <a:t> Postman </a:t>
-            </a:r>
-            <a:r>
-              <a:rPr lang="en-US" sz="3200" dirty="0" err="1">
-                <a:latin typeface="Calibri" panose="020F0502020204030204" pitchFamily="34" charset="0"/>
-                <a:cs typeface="Calibri" panose="020F0502020204030204" pitchFamily="34" charset="0"/>
-              </a:rPr>
-              <a:t>si</a:t>
-            </a:r>
-            <a:r>
-              <a:rPr lang="en-US" sz="3200" dirty="0">
-                <a:latin typeface="Calibri" panose="020F0502020204030204" pitchFamily="34" charset="0"/>
-                <a:cs typeface="Calibri" panose="020F0502020204030204" pitchFamily="34" charset="0"/>
-              </a:rPr>
-              <a:t> de </a:t>
-            </a:r>
-            <a:r>
-              <a:rPr lang="en-US" sz="3200" dirty="0" err="1">
-                <a:latin typeface="Calibri" panose="020F0502020204030204" pitchFamily="34" charset="0"/>
-                <a:cs typeface="Calibri" panose="020F0502020204030204" pitchFamily="34" charset="0"/>
-              </a:rPr>
-              <a:t>asemnea</a:t>
-            </a:r>
-            <a:r>
-              <a:rPr lang="en-US" sz="3200" dirty="0">
-                <a:latin typeface="Calibri" panose="020F0502020204030204" pitchFamily="34" charset="0"/>
-                <a:cs typeface="Calibri" panose="020F0502020204030204" pitchFamily="34" charset="0"/>
-              </a:rPr>
-              <a:t> </a:t>
-            </a:r>
-            <a:r>
-              <a:rPr lang="en-US" sz="3200" dirty="0" err="1">
-                <a:latin typeface="Calibri" panose="020F0502020204030204" pitchFamily="34" charset="0"/>
-                <a:cs typeface="Calibri" panose="020F0502020204030204" pitchFamily="34" charset="0"/>
-              </a:rPr>
-              <a:t>monitorizare</a:t>
-            </a:r>
-            <a:r>
-              <a:rPr lang="en-US" sz="3200" dirty="0">
-                <a:latin typeface="Calibri" panose="020F0502020204030204" pitchFamily="34" charset="0"/>
-                <a:cs typeface="Calibri" panose="020F0502020204030204" pitchFamily="34" charset="0"/>
-              </a:rPr>
-              <a:t> din frontend. In </a:t>
-            </a:r>
-            <a:r>
-              <a:rPr lang="en-US" sz="3200" dirty="0" err="1">
-                <a:latin typeface="Calibri" panose="020F0502020204030204" pitchFamily="34" charset="0"/>
-                <a:cs typeface="Calibri" panose="020F0502020204030204" pitchFamily="34" charset="0"/>
-              </a:rPr>
-              <a:t>utilizarea</a:t>
-            </a:r>
-            <a:r>
-              <a:rPr lang="en-US" sz="3200" dirty="0">
-                <a:latin typeface="Calibri" panose="020F0502020204030204" pitchFamily="34" charset="0"/>
-                <a:cs typeface="Calibri" panose="020F0502020204030204" pitchFamily="34" charset="0"/>
-              </a:rPr>
-              <a:t> </a:t>
-            </a:r>
-            <a:r>
-              <a:rPr lang="en-US" sz="3200" dirty="0" err="1">
-                <a:latin typeface="Calibri" panose="020F0502020204030204" pitchFamily="34" charset="0"/>
-                <a:cs typeface="Calibri" panose="020F0502020204030204" pitchFamily="34" charset="0"/>
-              </a:rPr>
-              <a:t>paralela</a:t>
-            </a:r>
-            <a:r>
-              <a:rPr lang="en-US" sz="3200" dirty="0">
-                <a:latin typeface="Calibri" panose="020F0502020204030204" pitchFamily="34" charset="0"/>
-                <a:cs typeface="Calibri" panose="020F0502020204030204" pitchFamily="34" charset="0"/>
-              </a:rPr>
-              <a:t> am </a:t>
-            </a:r>
-            <a:r>
-              <a:rPr lang="en-US" sz="3200" dirty="0" err="1">
-                <a:latin typeface="Calibri" panose="020F0502020204030204" pitchFamily="34" charset="0"/>
-                <a:cs typeface="Calibri" panose="020F0502020204030204" pitchFamily="34" charset="0"/>
-              </a:rPr>
-              <a:t>folosit</a:t>
-            </a:r>
-            <a:r>
-              <a:rPr lang="en-US" sz="3200" dirty="0">
-                <a:latin typeface="Calibri" panose="020F0502020204030204" pitchFamily="34" charset="0"/>
-                <a:cs typeface="Calibri" panose="020F0502020204030204" pitchFamily="34" charset="0"/>
-              </a:rPr>
-              <a:t> </a:t>
-            </a:r>
-            <a:r>
-              <a:rPr lang="en-US" sz="3200" dirty="0" err="1">
-                <a:latin typeface="Calibri" panose="020F0502020204030204" pitchFamily="34" charset="0"/>
-                <a:cs typeface="Calibri" panose="020F0502020204030204" pitchFamily="34" charset="0"/>
-              </a:rPr>
-              <a:t>Jmeter</a:t>
-            </a:r>
-            <a:r>
-              <a:rPr lang="en-US" sz="3200" dirty="0">
-                <a:latin typeface="Calibri" panose="020F0502020204030204" pitchFamily="34" charset="0"/>
-                <a:cs typeface="Calibri" panose="020F0502020204030204" pitchFamily="34" charset="0"/>
-              </a:rPr>
-              <a:t> </a:t>
-            </a:r>
-            <a:r>
-              <a:rPr lang="en-US" sz="3200" dirty="0" err="1">
+              <a:rPr lang="en-US" sz="2800" dirty="0" err="1">
+                <a:latin typeface="Calibri" panose="020F0502020204030204" pitchFamily="34" charset="0"/>
+                <a:cs typeface="Calibri" panose="020F0502020204030204" pitchFamily="34" charset="0"/>
+              </a:rPr>
+              <a:t>fost</a:t>
+            </a:r>
+            <a:r>
+              <a:rPr lang="en-US" sz="2800" dirty="0">
+                <a:latin typeface="Calibri" panose="020F0502020204030204" pitchFamily="34" charset="0"/>
+                <a:cs typeface="Calibri" panose="020F0502020204030204" pitchFamily="34" charset="0"/>
+              </a:rPr>
+              <a:t> </a:t>
+            </a:r>
+            <a:r>
+              <a:rPr lang="en-US" sz="2800" dirty="0" err="1">
+                <a:latin typeface="Calibri" panose="020F0502020204030204" pitchFamily="34" charset="0"/>
+                <a:cs typeface="Calibri" panose="020F0502020204030204" pitchFamily="34" charset="0"/>
+              </a:rPr>
+              <a:t>apoi</a:t>
+            </a:r>
+            <a:r>
+              <a:rPr lang="en-US" sz="2800" dirty="0">
+                <a:latin typeface="Calibri" panose="020F0502020204030204" pitchFamily="34" charset="0"/>
+                <a:cs typeface="Calibri" panose="020F0502020204030204" pitchFamily="34" charset="0"/>
+              </a:rPr>
+              <a:t> </a:t>
+            </a:r>
+            <a:r>
+              <a:rPr lang="en-US" sz="2800" dirty="0" err="1">
+                <a:latin typeface="Calibri" panose="020F0502020204030204" pitchFamily="34" charset="0"/>
+                <a:cs typeface="Calibri" panose="020F0502020204030204" pitchFamily="34" charset="0"/>
+              </a:rPr>
+              <a:t>testată</a:t>
+            </a:r>
+            <a:r>
+              <a:rPr lang="en-US" sz="2800" dirty="0">
+                <a:latin typeface="Calibri" panose="020F0502020204030204" pitchFamily="34" charset="0"/>
+                <a:cs typeface="Calibri" panose="020F0502020204030204" pitchFamily="34" charset="0"/>
+              </a:rPr>
+              <a:t> cu Postman </a:t>
+            </a:r>
+            <a:r>
+              <a:rPr lang="en-US" sz="2800" dirty="0" err="1">
+                <a:latin typeface="Calibri" panose="020F0502020204030204" pitchFamily="34" charset="0"/>
+                <a:cs typeface="Calibri" panose="020F0502020204030204" pitchFamily="34" charset="0"/>
+              </a:rPr>
+              <a:t>și</a:t>
+            </a:r>
+            <a:r>
+              <a:rPr lang="en-US" sz="2800" dirty="0">
+                <a:latin typeface="Calibri" panose="020F0502020204030204" pitchFamily="34" charset="0"/>
+                <a:cs typeface="Calibri" panose="020F0502020204030204" pitchFamily="34" charset="0"/>
+              </a:rPr>
+              <a:t> la </a:t>
+            </a:r>
+            <a:r>
+              <a:rPr lang="en-US" sz="2800" dirty="0" err="1">
+                <a:latin typeface="Calibri" panose="020F0502020204030204" pitchFamily="34" charset="0"/>
+                <a:cs typeface="Calibri" panose="020F0502020204030204" pitchFamily="34" charset="0"/>
+              </a:rPr>
+              <a:t>nivel</a:t>
+            </a:r>
+            <a:r>
+              <a:rPr lang="en-US" sz="2800" dirty="0">
+                <a:latin typeface="Calibri" panose="020F0502020204030204" pitchFamily="34" charset="0"/>
+                <a:cs typeface="Calibri" panose="020F0502020204030204" pitchFamily="34" charset="0"/>
+              </a:rPr>
+              <a:t> de frontend </a:t>
+            </a:r>
+            <a:r>
+              <a:rPr lang="en-US" sz="2800" dirty="0" err="1">
                 <a:latin typeface="Calibri" panose="020F0502020204030204" pitchFamily="34" charset="0"/>
                 <a:cs typeface="Calibri" panose="020F0502020204030204" pitchFamily="34" charset="0"/>
               </a:rPr>
               <a:t>pentru</a:t>
             </a:r>
             <a:r>
-              <a:rPr lang="en-US" sz="3200" dirty="0">
-                <a:latin typeface="Calibri" panose="020F0502020204030204" pitchFamily="34" charset="0"/>
-                <a:cs typeface="Calibri" panose="020F0502020204030204" pitchFamily="34" charset="0"/>
-              </a:rPr>
-              <a:t> a </a:t>
-            </a:r>
-            <a:r>
-              <a:rPr lang="en-US" sz="3200" dirty="0" err="1">
-                <a:latin typeface="Calibri" panose="020F0502020204030204" pitchFamily="34" charset="0"/>
-                <a:cs typeface="Calibri" panose="020F0502020204030204" pitchFamily="34" charset="0"/>
-              </a:rPr>
-              <a:t>porni</a:t>
-            </a:r>
-            <a:r>
-              <a:rPr lang="en-US" sz="3200" dirty="0">
-                <a:latin typeface="Calibri" panose="020F0502020204030204" pitchFamily="34" charset="0"/>
-                <a:cs typeface="Calibri" panose="020F0502020204030204" pitchFamily="34" charset="0"/>
-              </a:rPr>
-              <a:t> </a:t>
-            </a:r>
-            <a:r>
-              <a:rPr lang="en-US" sz="3200" dirty="0" err="1">
-                <a:latin typeface="Calibri" panose="020F0502020204030204" pitchFamily="34" charset="0"/>
-                <a:cs typeface="Calibri" panose="020F0502020204030204" pitchFamily="34" charset="0"/>
-              </a:rPr>
-              <a:t>apeluri</a:t>
-            </a:r>
-            <a:r>
-              <a:rPr lang="en-US" sz="3200" dirty="0">
-                <a:latin typeface="Calibri" panose="020F0502020204030204" pitchFamily="34" charset="0"/>
-                <a:cs typeface="Calibri" panose="020F0502020204030204" pitchFamily="34" charset="0"/>
-              </a:rPr>
-              <a:t> </a:t>
-            </a:r>
-            <a:r>
-              <a:rPr lang="en-US" sz="3200" dirty="0" err="1">
-                <a:latin typeface="Calibri" panose="020F0502020204030204" pitchFamily="34" charset="0"/>
-                <a:cs typeface="Calibri" panose="020F0502020204030204" pitchFamily="34" charset="0"/>
-              </a:rPr>
-              <a:t>simultane</a:t>
-            </a:r>
-            <a:r>
-              <a:rPr lang="en-US" sz="3200" dirty="0">
+              <a:rPr lang="en-US" sz="2800" dirty="0">
+                <a:latin typeface="Calibri" panose="020F0502020204030204" pitchFamily="34" charset="0"/>
+                <a:cs typeface="Calibri" panose="020F0502020204030204" pitchFamily="34" charset="0"/>
+              </a:rPr>
+              <a:t> </a:t>
+            </a:r>
+            <a:r>
+              <a:rPr lang="en-US" sz="2800" dirty="0" err="1">
+                <a:latin typeface="Calibri" panose="020F0502020204030204" pitchFamily="34" charset="0"/>
+                <a:cs typeface="Calibri" panose="020F0502020204030204" pitchFamily="34" charset="0"/>
+              </a:rPr>
+              <a:t>performanța</a:t>
+            </a:r>
+            <a:r>
+              <a:rPr lang="en-US" sz="2800" dirty="0">
+                <a:latin typeface="Calibri" panose="020F0502020204030204" pitchFamily="34" charset="0"/>
+                <a:cs typeface="Calibri" panose="020F0502020204030204" pitchFamily="34" charset="0"/>
+              </a:rPr>
+              <a:t> </a:t>
+            </a:r>
+            <a:r>
+              <a:rPr lang="en-US" sz="2800" dirty="0" err="1">
+                <a:latin typeface="Calibri" panose="020F0502020204030204" pitchFamily="34" charset="0"/>
+                <a:cs typeface="Calibri" panose="020F0502020204030204" pitchFamily="34" charset="0"/>
+              </a:rPr>
+              <a:t>unei</a:t>
+            </a:r>
+            <a:r>
+              <a:rPr lang="en-US" sz="2800" dirty="0">
+                <a:latin typeface="Calibri" panose="020F0502020204030204" pitchFamily="34" charset="0"/>
+                <a:cs typeface="Calibri" panose="020F0502020204030204" pitchFamily="34" charset="0"/>
+              </a:rPr>
+              <a:t> </a:t>
+            </a:r>
+            <a:r>
+              <a:rPr lang="en-US" sz="2800" dirty="0" err="1">
+                <a:latin typeface="Calibri" panose="020F0502020204030204" pitchFamily="34" charset="0"/>
+                <a:cs typeface="Calibri" panose="020F0502020204030204" pitchFamily="34" charset="0"/>
+              </a:rPr>
+              <a:t>sesiuni</a:t>
+            </a:r>
+            <a:r>
+              <a:rPr lang="en-US" sz="2800" dirty="0">
+                <a:latin typeface="Calibri" panose="020F0502020204030204" pitchFamily="34" charset="0"/>
+                <a:cs typeface="Calibri" panose="020F0502020204030204" pitchFamily="34" charset="0"/>
+              </a:rPr>
+              <a:t> </a:t>
+            </a:r>
+            <a:r>
+              <a:rPr lang="en-US" sz="2800" dirty="0" err="1">
+                <a:latin typeface="Calibri" panose="020F0502020204030204" pitchFamily="34" charset="0"/>
+                <a:cs typeface="Calibri" panose="020F0502020204030204" pitchFamily="34" charset="0"/>
+              </a:rPr>
+              <a:t>singulare</a:t>
+            </a:r>
+            <a:r>
+              <a:rPr lang="en-US" sz="2800" dirty="0">
+                <a:latin typeface="Calibri" panose="020F0502020204030204" pitchFamily="34" charset="0"/>
+                <a:cs typeface="Calibri" panose="020F0502020204030204" pitchFamily="34" charset="0"/>
+              </a:rPr>
+              <a:t> </a:t>
+            </a:r>
+            <a:r>
+              <a:rPr lang="en-US" sz="2800" dirty="0" err="1">
+                <a:latin typeface="Calibri" panose="020F0502020204030204" pitchFamily="34" charset="0"/>
+                <a:cs typeface="Calibri" panose="020F0502020204030204" pitchFamily="34" charset="0"/>
+              </a:rPr>
+              <a:t>și</a:t>
+            </a:r>
+            <a:r>
+              <a:rPr lang="en-US" sz="2800" dirty="0">
+                <a:latin typeface="Calibri" panose="020F0502020204030204" pitchFamily="34" charset="0"/>
+                <a:cs typeface="Calibri" panose="020F0502020204030204" pitchFamily="34" charset="0"/>
+              </a:rPr>
+              <a:t> cu JMeter </a:t>
+            </a:r>
+            <a:r>
+              <a:rPr lang="en-US" sz="2800" dirty="0" err="1">
+                <a:latin typeface="Calibri" panose="020F0502020204030204" pitchFamily="34" charset="0"/>
+                <a:cs typeface="Calibri" panose="020F0502020204030204" pitchFamily="34" charset="0"/>
+              </a:rPr>
+              <a:t>pentru</a:t>
+            </a:r>
+            <a:r>
+              <a:rPr lang="en-US" sz="2800" dirty="0">
+                <a:latin typeface="Calibri" panose="020F0502020204030204" pitchFamily="34" charset="0"/>
+                <a:cs typeface="Calibri" panose="020F0502020204030204" pitchFamily="34" charset="0"/>
+              </a:rPr>
+              <a:t> </a:t>
+            </a:r>
+            <a:r>
+              <a:rPr lang="en-US" sz="2800" dirty="0" err="1">
+                <a:latin typeface="Calibri" panose="020F0502020204030204" pitchFamily="34" charset="0"/>
+                <a:cs typeface="Calibri" panose="020F0502020204030204" pitchFamily="34" charset="0"/>
+              </a:rPr>
+              <a:t>accesul</a:t>
+            </a:r>
+            <a:r>
+              <a:rPr lang="en-US" sz="2800" dirty="0">
+                <a:latin typeface="Calibri" panose="020F0502020204030204" pitchFamily="34" charset="0"/>
+                <a:cs typeface="Calibri" panose="020F0502020204030204" pitchFamily="34" charset="0"/>
+              </a:rPr>
+              <a:t> </a:t>
+            </a:r>
+            <a:r>
+              <a:rPr lang="en-US" sz="2800" dirty="0" err="1">
+                <a:latin typeface="Calibri" panose="020F0502020204030204" pitchFamily="34" charset="0"/>
+                <a:cs typeface="Calibri" panose="020F0502020204030204" pitchFamily="34" charset="0"/>
+              </a:rPr>
+              <a:t>paralel</a:t>
+            </a:r>
+            <a:r>
+              <a:rPr lang="en-US" sz="2800" dirty="0">
                 <a:latin typeface="Calibri" panose="020F0502020204030204" pitchFamily="34" charset="0"/>
                 <a:cs typeface="Calibri" panose="020F0502020204030204" pitchFamily="34" charset="0"/>
               </a:rPr>
               <a:t>.</a:t>
             </a:r>
-          </a:p>
-          <a:p>
-            <a:endParaRPr lang="en-US" sz="3200" dirty="0">
-              <a:latin typeface="Calibri" panose="020F0502020204030204" pitchFamily="34" charset="0"/>
-              <a:cs typeface="Calibri" panose="020F0502020204030204" pitchFamily="34" charset="0"/>
-            </a:endParaRPr>
+            <a:endParaRPr lang="en-US" sz="2800" dirty="0"/>
           </a:p>
         </p:txBody>
       </p:sp>
@@ -8118,7 +9604,7 @@
         </p:nvSpPr>
         <p:spPr>
           <a:xfrm>
-            <a:off x="1436000" y="6650287"/>
+            <a:off x="989558" y="6721404"/>
             <a:ext cx="5209952" cy="1384995"/>
           </a:xfrm>
           <a:prstGeom prst="rect">
@@ -8217,7 +9703,7 @@
         </p:nvSpPr>
         <p:spPr>
           <a:xfrm>
-            <a:off x="1436000" y="5152362"/>
+            <a:off x="989558" y="5152362"/>
             <a:ext cx="3344449" cy="1384995"/>
           </a:xfrm>
           <a:prstGeom prst="rect">
@@ -8338,8 +9824,8 @@
         </p:blipFill>
         <p:spPr>
           <a:xfrm>
-            <a:off x="8752044" y="5152362"/>
-            <a:ext cx="3535987" cy="3138084"/>
+            <a:off x="8274966" y="4948320"/>
+            <a:ext cx="3995815" cy="3546168"/>
           </a:xfrm>
           <a:prstGeom prst="rect">
             <a:avLst/>
@@ -8425,7 +9911,7 @@
                 <a:latin typeface="Calibri" panose="020F0502020204030204" pitchFamily="34" charset="0"/>
                 <a:cs typeface="Calibri" panose="020F0502020204030204" pitchFamily="34" charset="0"/>
               </a:rPr>
-              <a:t>si</a:t>
+              <a:t>și</a:t>
             </a:r>
             <a:r>
               <a:rPr lang="en-US" sz="6000" dirty="0">
@@ -8439,7 +9925,7 @@
                 <a:latin typeface="Calibri" panose="020F0502020204030204" pitchFamily="34" charset="0"/>
                 <a:cs typeface="Calibri" panose="020F0502020204030204" pitchFamily="34" charset="0"/>
               </a:rPr>
-              <a:t>dezvoltari</a:t>
+              <a:t>dezvoltări</a:t>
             </a:r>
             <a:r>
               <a:rPr lang="en-US" sz="6000" dirty="0">
@@ -8456,6 +9942,1115 @@
               <a:t>ulterioare</a:t>
             </a:r>
             <a:endParaRPr lang="en-US" sz="6000" dirty="0">
+              <a:latin typeface="Calibri" panose="020F0502020204030204" pitchFamily="34" charset="0"/>
+              <a:cs typeface="Calibri" panose="020F0502020204030204" pitchFamily="34" charset="0"/>
+            </a:endParaRPr>
+          </a:p>
+        </p:txBody>
+      </p:sp>
+      <p:sp>
+        <p:nvSpPr>
+          <p:cNvPr id="3" name="TextBox 2">
+            <a:extLst>
+              <a:ext uri="{FF2B5EF4-FFF2-40B4-BE49-F238E27FC236}">
+                <a16:creationId xmlns:a16="http://schemas.microsoft.com/office/drawing/2014/main" id="{0D706C96-25C5-0CE2-6F37-1921E96D2415}"/>
+              </a:ext>
+            </a:extLst>
+          </p:cNvPr>
+          <p:cNvSpPr txBox="1"/>
+          <p:nvPr/>
+        </p:nvSpPr>
+        <p:spPr>
+          <a:xfrm>
+            <a:off x="822187" y="2475638"/>
+            <a:ext cx="11360425" cy="1815882"/>
+          </a:xfrm>
+          <a:prstGeom prst="rect">
+            <a:avLst/>
+          </a:prstGeom>
+          <a:noFill/>
+        </p:spPr>
+        <p:txBody>
+          <a:bodyPr wrap="square">
+            <a:spAutoFit/>
+          </a:bodyPr>
+          <a:lstStyle/>
+          <a:p>
+            <a:r>
+              <a:rPr lang="en-US" sz="2800" dirty="0">
+                <a:latin typeface="Calibri" panose="020F0502020204030204" pitchFamily="34" charset="0"/>
+                <a:cs typeface="Calibri" panose="020F0502020204030204" pitchFamily="34" charset="0"/>
+              </a:rPr>
+              <a:t>Consider </a:t>
+            </a:r>
+            <a:r>
+              <a:rPr lang="en-US" sz="2800" dirty="0" err="1">
+                <a:latin typeface="Calibri" panose="020F0502020204030204" pitchFamily="34" charset="0"/>
+                <a:cs typeface="Calibri" panose="020F0502020204030204" pitchFamily="34" charset="0"/>
+              </a:rPr>
+              <a:t>că</a:t>
+            </a:r>
+            <a:r>
+              <a:rPr lang="en-US" sz="2800" dirty="0">
+                <a:latin typeface="Calibri" panose="020F0502020204030204" pitchFamily="34" charset="0"/>
+                <a:cs typeface="Calibri" panose="020F0502020204030204" pitchFamily="34" charset="0"/>
+              </a:rPr>
+              <a:t> </a:t>
+            </a:r>
+            <a:r>
+              <a:rPr lang="en-US" sz="2800" dirty="0" err="1">
+                <a:latin typeface="Calibri" panose="020F0502020204030204" pitchFamily="34" charset="0"/>
+                <a:cs typeface="Calibri" panose="020F0502020204030204" pitchFamily="34" charset="0"/>
+              </a:rPr>
+              <a:t>aplicația</a:t>
+            </a:r>
+            <a:r>
+              <a:rPr lang="en-US" sz="2800" dirty="0">
+                <a:latin typeface="Calibri" panose="020F0502020204030204" pitchFamily="34" charset="0"/>
+                <a:cs typeface="Calibri" panose="020F0502020204030204" pitchFamily="34" charset="0"/>
+              </a:rPr>
+              <a:t> </a:t>
+            </a:r>
+            <a:r>
+              <a:rPr lang="en-US" sz="2800" dirty="0" err="1">
+                <a:latin typeface="Calibri" panose="020F0502020204030204" pitchFamily="34" charset="0"/>
+                <a:cs typeface="Calibri" panose="020F0502020204030204" pitchFamily="34" charset="0"/>
+              </a:rPr>
+              <a:t>SwapIt</a:t>
+            </a:r>
+            <a:r>
+              <a:rPr lang="en-US" sz="2800" dirty="0">
+                <a:latin typeface="Calibri" panose="020F0502020204030204" pitchFamily="34" charset="0"/>
+                <a:cs typeface="Calibri" panose="020F0502020204030204" pitchFamily="34" charset="0"/>
+              </a:rPr>
+              <a:t> </a:t>
+            </a:r>
+            <a:r>
+              <a:rPr lang="en-US" sz="2800" dirty="0" err="1">
+                <a:latin typeface="Calibri" panose="020F0502020204030204" pitchFamily="34" charset="0"/>
+                <a:cs typeface="Calibri" panose="020F0502020204030204" pitchFamily="34" charset="0"/>
+              </a:rPr>
+              <a:t>reușește</a:t>
+            </a:r>
+            <a:r>
+              <a:rPr lang="en-US" sz="2800" dirty="0">
+                <a:latin typeface="Calibri" panose="020F0502020204030204" pitchFamily="34" charset="0"/>
+                <a:cs typeface="Calibri" panose="020F0502020204030204" pitchFamily="34" charset="0"/>
+              </a:rPr>
+              <a:t> </a:t>
+            </a:r>
+            <a:r>
+              <a:rPr lang="en-US" sz="2800" dirty="0" err="1">
+                <a:latin typeface="Calibri" panose="020F0502020204030204" pitchFamily="34" charset="0"/>
+                <a:cs typeface="Calibri" panose="020F0502020204030204" pitchFamily="34" charset="0"/>
+              </a:rPr>
+              <a:t>să</a:t>
+            </a:r>
+            <a:r>
+              <a:rPr lang="en-US" sz="2800" dirty="0">
+                <a:latin typeface="Calibri" panose="020F0502020204030204" pitchFamily="34" charset="0"/>
+                <a:cs typeface="Calibri" panose="020F0502020204030204" pitchFamily="34" charset="0"/>
+              </a:rPr>
+              <a:t> </a:t>
+            </a:r>
+            <a:r>
+              <a:rPr lang="en-US" sz="2800" dirty="0" err="1">
+                <a:latin typeface="Calibri" panose="020F0502020204030204" pitchFamily="34" charset="0"/>
+                <a:cs typeface="Calibri" panose="020F0502020204030204" pitchFamily="34" charset="0"/>
+              </a:rPr>
+              <a:t>își</a:t>
+            </a:r>
+            <a:r>
+              <a:rPr lang="en-US" sz="2800" dirty="0">
+                <a:latin typeface="Calibri" panose="020F0502020204030204" pitchFamily="34" charset="0"/>
+                <a:cs typeface="Calibri" panose="020F0502020204030204" pitchFamily="34" charset="0"/>
+              </a:rPr>
+              <a:t> </a:t>
+            </a:r>
+            <a:r>
+              <a:rPr lang="en-US" sz="2800" dirty="0" err="1">
+                <a:latin typeface="Calibri" panose="020F0502020204030204" pitchFamily="34" charset="0"/>
+                <a:cs typeface="Calibri" panose="020F0502020204030204" pitchFamily="34" charset="0"/>
+              </a:rPr>
+              <a:t>atingă</a:t>
+            </a:r>
+            <a:r>
+              <a:rPr lang="en-US" sz="2800" dirty="0">
+                <a:latin typeface="Calibri" panose="020F0502020204030204" pitchFamily="34" charset="0"/>
+                <a:cs typeface="Calibri" panose="020F0502020204030204" pitchFamily="34" charset="0"/>
+              </a:rPr>
+              <a:t> </a:t>
+            </a:r>
+            <a:r>
+              <a:rPr lang="en-US" sz="2800" dirty="0" err="1">
+                <a:latin typeface="Calibri" panose="020F0502020204030204" pitchFamily="34" charset="0"/>
+                <a:cs typeface="Calibri" panose="020F0502020204030204" pitchFamily="34" charset="0"/>
+              </a:rPr>
+              <a:t>scopul</a:t>
+            </a:r>
+            <a:r>
+              <a:rPr lang="en-US" sz="2800" dirty="0">
+                <a:latin typeface="Calibri" panose="020F0502020204030204" pitchFamily="34" charset="0"/>
+                <a:cs typeface="Calibri" panose="020F0502020204030204" pitchFamily="34" charset="0"/>
+              </a:rPr>
+              <a:t> de a </a:t>
+            </a:r>
+            <a:r>
+              <a:rPr lang="en-US" sz="2800" dirty="0" err="1">
+                <a:latin typeface="Calibri" panose="020F0502020204030204" pitchFamily="34" charset="0"/>
+                <a:cs typeface="Calibri" panose="020F0502020204030204" pitchFamily="34" charset="0"/>
+              </a:rPr>
+              <a:t>promova</a:t>
+            </a:r>
+            <a:r>
+              <a:rPr lang="en-US" sz="2800" dirty="0">
+                <a:latin typeface="Calibri" panose="020F0502020204030204" pitchFamily="34" charset="0"/>
+                <a:cs typeface="Calibri" panose="020F0502020204030204" pitchFamily="34" charset="0"/>
+              </a:rPr>
+              <a:t> o </a:t>
+            </a:r>
+            <a:r>
+              <a:rPr lang="en-US" sz="2800" dirty="0" err="1">
+                <a:latin typeface="Calibri" panose="020F0502020204030204" pitchFamily="34" charset="0"/>
+                <a:cs typeface="Calibri" panose="020F0502020204030204" pitchFamily="34" charset="0"/>
+              </a:rPr>
+              <a:t>economie</a:t>
+            </a:r>
+            <a:r>
+              <a:rPr lang="en-US" sz="2800" dirty="0">
+                <a:latin typeface="Calibri" panose="020F0502020204030204" pitchFamily="34" charset="0"/>
+                <a:cs typeface="Calibri" panose="020F0502020204030204" pitchFamily="34" charset="0"/>
+              </a:rPr>
+              <a:t> </a:t>
+            </a:r>
+            <a:r>
+              <a:rPr lang="en-US" sz="2800" dirty="0" err="1">
+                <a:latin typeface="Calibri" panose="020F0502020204030204" pitchFamily="34" charset="0"/>
+                <a:cs typeface="Calibri" panose="020F0502020204030204" pitchFamily="34" charset="0"/>
+              </a:rPr>
+              <a:t>circulară</a:t>
+            </a:r>
+            <a:r>
+              <a:rPr lang="en-US" sz="2800" dirty="0">
+                <a:latin typeface="Calibri" panose="020F0502020204030204" pitchFamily="34" charset="0"/>
+                <a:cs typeface="Calibri" panose="020F0502020204030204" pitchFamily="34" charset="0"/>
+              </a:rPr>
+              <a:t>, </a:t>
+            </a:r>
+            <a:r>
+              <a:rPr lang="en-US" sz="2800" dirty="0" err="1">
+                <a:latin typeface="Calibri" panose="020F0502020204030204" pitchFamily="34" charset="0"/>
+                <a:cs typeface="Calibri" panose="020F0502020204030204" pitchFamily="34" charset="0"/>
+              </a:rPr>
+              <a:t>cât</a:t>
+            </a:r>
+            <a:r>
+              <a:rPr lang="en-US" sz="2800" dirty="0">
+                <a:latin typeface="Calibri" panose="020F0502020204030204" pitchFamily="34" charset="0"/>
+                <a:cs typeface="Calibri" panose="020F0502020204030204" pitchFamily="34" charset="0"/>
+              </a:rPr>
+              <a:t> </a:t>
+            </a:r>
+            <a:r>
+              <a:rPr lang="en-US" sz="2800" dirty="0" err="1">
+                <a:latin typeface="Calibri" panose="020F0502020204030204" pitchFamily="34" charset="0"/>
+                <a:cs typeface="Calibri" panose="020F0502020204030204" pitchFamily="34" charset="0"/>
+              </a:rPr>
+              <a:t>și</a:t>
+            </a:r>
+            <a:r>
+              <a:rPr lang="en-US" sz="2800" dirty="0">
+                <a:latin typeface="Calibri" panose="020F0502020204030204" pitchFamily="34" charset="0"/>
+                <a:cs typeface="Calibri" panose="020F0502020204030204" pitchFamily="34" charset="0"/>
+              </a:rPr>
+              <a:t> </a:t>
+            </a:r>
+            <a:r>
+              <a:rPr lang="en-US" sz="2800" dirty="0" err="1">
+                <a:latin typeface="Calibri" panose="020F0502020204030204" pitchFamily="34" charset="0"/>
+                <a:cs typeface="Calibri" panose="020F0502020204030204" pitchFamily="34" charset="0"/>
+              </a:rPr>
+              <a:t>atingerea</a:t>
+            </a:r>
+            <a:r>
+              <a:rPr lang="en-US" sz="2800" dirty="0">
+                <a:latin typeface="Calibri" panose="020F0502020204030204" pitchFamily="34" charset="0"/>
+                <a:cs typeface="Calibri" panose="020F0502020204030204" pitchFamily="34" charset="0"/>
+              </a:rPr>
+              <a:t> </a:t>
+            </a:r>
+            <a:r>
+              <a:rPr lang="en-US" sz="2800" dirty="0" err="1">
+                <a:latin typeface="Calibri" panose="020F0502020204030204" pitchFamily="34" charset="0"/>
+                <a:cs typeface="Calibri" panose="020F0502020204030204" pitchFamily="34" charset="0"/>
+              </a:rPr>
+              <a:t>tuturor</a:t>
+            </a:r>
+            <a:r>
+              <a:rPr lang="en-US" sz="2800" dirty="0">
+                <a:latin typeface="Calibri" panose="020F0502020204030204" pitchFamily="34" charset="0"/>
+                <a:cs typeface="Calibri" panose="020F0502020204030204" pitchFamily="34" charset="0"/>
+              </a:rPr>
+              <a:t> </a:t>
+            </a:r>
+            <a:r>
+              <a:rPr lang="en-US" sz="2800" dirty="0" err="1">
+                <a:latin typeface="Calibri" panose="020F0502020204030204" pitchFamily="34" charset="0"/>
+                <a:cs typeface="Calibri" panose="020F0502020204030204" pitchFamily="34" charset="0"/>
+              </a:rPr>
+              <a:t>obiectivelor</a:t>
+            </a:r>
+            <a:r>
+              <a:rPr lang="en-US" sz="2800" dirty="0">
+                <a:latin typeface="Calibri" panose="020F0502020204030204" pitchFamily="34" charset="0"/>
+                <a:cs typeface="Calibri" panose="020F0502020204030204" pitchFamily="34" charset="0"/>
+              </a:rPr>
+              <a:t> </a:t>
+            </a:r>
+            <a:r>
+              <a:rPr lang="en-US" sz="2800" dirty="0" err="1">
+                <a:latin typeface="Calibri" panose="020F0502020204030204" pitchFamily="34" charset="0"/>
+                <a:cs typeface="Calibri" panose="020F0502020204030204" pitchFamily="34" charset="0"/>
+              </a:rPr>
+              <a:t>propuse</a:t>
+            </a:r>
+            <a:r>
+              <a:rPr lang="en-US" sz="2800" dirty="0">
+                <a:latin typeface="Calibri" panose="020F0502020204030204" pitchFamily="34" charset="0"/>
+                <a:cs typeface="Calibri" panose="020F0502020204030204" pitchFamily="34" charset="0"/>
+              </a:rPr>
+              <a:t>. </a:t>
+            </a:r>
+            <a:r>
+              <a:rPr lang="en-US" sz="2800" dirty="0" err="1">
+                <a:latin typeface="Calibri" panose="020F0502020204030204" pitchFamily="34" charset="0"/>
+                <a:cs typeface="Calibri" panose="020F0502020204030204" pitchFamily="34" charset="0"/>
+              </a:rPr>
+              <a:t>În</a:t>
+            </a:r>
+            <a:r>
+              <a:rPr lang="en-US" sz="2800" dirty="0">
+                <a:latin typeface="Calibri" panose="020F0502020204030204" pitchFamily="34" charset="0"/>
+                <a:cs typeface="Calibri" panose="020F0502020204030204" pitchFamily="34" charset="0"/>
+              </a:rPr>
+              <a:t> </a:t>
+            </a:r>
+            <a:r>
+              <a:rPr lang="en-US" sz="2800" dirty="0" err="1">
+                <a:latin typeface="Calibri" panose="020F0502020204030204" pitchFamily="34" charset="0"/>
+                <a:cs typeface="Calibri" panose="020F0502020204030204" pitchFamily="34" charset="0"/>
+              </a:rPr>
+              <a:t>continuare</a:t>
+            </a:r>
+            <a:r>
+              <a:rPr lang="en-US" sz="2800" dirty="0">
+                <a:latin typeface="Calibri" panose="020F0502020204030204" pitchFamily="34" charset="0"/>
+                <a:cs typeface="Calibri" panose="020F0502020204030204" pitchFamily="34" charset="0"/>
+              </a:rPr>
+              <a:t>, </a:t>
+            </a:r>
+            <a:r>
+              <a:rPr lang="en-US" sz="2800" dirty="0" err="1">
+                <a:latin typeface="Calibri" panose="020F0502020204030204" pitchFamily="34" charset="0"/>
+                <a:cs typeface="Calibri" panose="020F0502020204030204" pitchFamily="34" charset="0"/>
+              </a:rPr>
+              <a:t>aplicația</a:t>
+            </a:r>
+            <a:r>
+              <a:rPr lang="en-US" sz="2800" dirty="0">
+                <a:latin typeface="Calibri" panose="020F0502020204030204" pitchFamily="34" charset="0"/>
+                <a:cs typeface="Calibri" panose="020F0502020204030204" pitchFamily="34" charset="0"/>
+              </a:rPr>
+              <a:t> </a:t>
+            </a:r>
+            <a:r>
+              <a:rPr lang="en-US" sz="2800" dirty="0" err="1">
+                <a:latin typeface="Calibri" panose="020F0502020204030204" pitchFamily="34" charset="0"/>
+                <a:cs typeface="Calibri" panose="020F0502020204030204" pitchFamily="34" charset="0"/>
+              </a:rPr>
+              <a:t>este</a:t>
+            </a:r>
+            <a:r>
+              <a:rPr lang="en-US" sz="2800" dirty="0">
+                <a:latin typeface="Calibri" panose="020F0502020204030204" pitchFamily="34" charset="0"/>
+                <a:cs typeface="Calibri" panose="020F0502020204030204" pitchFamily="34" charset="0"/>
+              </a:rPr>
+              <a:t> </a:t>
+            </a:r>
+            <a:r>
+              <a:rPr lang="en-US" sz="2800" dirty="0" err="1">
+                <a:latin typeface="Calibri" panose="020F0502020204030204" pitchFamily="34" charset="0"/>
+                <a:cs typeface="Calibri" panose="020F0502020204030204" pitchFamily="34" charset="0"/>
+              </a:rPr>
+              <a:t>în</a:t>
+            </a:r>
+            <a:r>
+              <a:rPr lang="en-US" sz="2800" dirty="0">
+                <a:latin typeface="Calibri" panose="020F0502020204030204" pitchFamily="34" charset="0"/>
+                <a:cs typeface="Calibri" panose="020F0502020204030204" pitchFamily="34" charset="0"/>
+              </a:rPr>
+              <a:t> </a:t>
+            </a:r>
+            <a:r>
+              <a:rPr lang="en-US" sz="2800" dirty="0" err="1">
+                <a:latin typeface="Calibri" panose="020F0502020204030204" pitchFamily="34" charset="0"/>
+                <a:cs typeface="Calibri" panose="020F0502020204030204" pitchFamily="34" charset="0"/>
+              </a:rPr>
+              <a:t>continuă</a:t>
+            </a:r>
+            <a:r>
+              <a:rPr lang="en-US" sz="2800" dirty="0">
+                <a:latin typeface="Calibri" panose="020F0502020204030204" pitchFamily="34" charset="0"/>
+                <a:cs typeface="Calibri" panose="020F0502020204030204" pitchFamily="34" charset="0"/>
+              </a:rPr>
+              <a:t> </a:t>
+            </a:r>
+            <a:r>
+              <a:rPr lang="en-US" sz="2800" dirty="0" err="1">
+                <a:latin typeface="Calibri" panose="020F0502020204030204" pitchFamily="34" charset="0"/>
+                <a:cs typeface="Calibri" panose="020F0502020204030204" pitchFamily="34" charset="0"/>
+              </a:rPr>
+              <a:t>dezvoltare</a:t>
+            </a:r>
+            <a:r>
+              <a:rPr lang="en-US" sz="2800" dirty="0">
+                <a:latin typeface="Calibri" panose="020F0502020204030204" pitchFamily="34" charset="0"/>
+                <a:cs typeface="Calibri" panose="020F0502020204030204" pitchFamily="34" charset="0"/>
+              </a:rPr>
+              <a:t>, </a:t>
+            </a:r>
+            <a:r>
+              <a:rPr lang="en-US" sz="2800" dirty="0" err="1">
+                <a:latin typeface="Calibri" panose="020F0502020204030204" pitchFamily="34" charset="0"/>
+                <a:cs typeface="Calibri" panose="020F0502020204030204" pitchFamily="34" charset="0"/>
+              </a:rPr>
+              <a:t>următoarele</a:t>
+            </a:r>
+            <a:r>
+              <a:rPr lang="en-US" sz="2800" dirty="0">
+                <a:latin typeface="Calibri" panose="020F0502020204030204" pitchFamily="34" charset="0"/>
+                <a:cs typeface="Calibri" panose="020F0502020204030204" pitchFamily="34" charset="0"/>
+              </a:rPr>
+              <a:t> </a:t>
+            </a:r>
+            <a:r>
+              <a:rPr lang="en-US" sz="2800" dirty="0" err="1">
+                <a:latin typeface="Calibri" panose="020F0502020204030204" pitchFamily="34" charset="0"/>
+                <a:cs typeface="Calibri" panose="020F0502020204030204" pitchFamily="34" charset="0"/>
+              </a:rPr>
+              <a:t>funcționalități</a:t>
+            </a:r>
+            <a:r>
+              <a:rPr lang="en-US" sz="2800" dirty="0">
+                <a:latin typeface="Calibri" panose="020F0502020204030204" pitchFamily="34" charset="0"/>
+                <a:cs typeface="Calibri" panose="020F0502020204030204" pitchFamily="34" charset="0"/>
+              </a:rPr>
+              <a:t> </a:t>
+            </a:r>
+            <a:r>
+              <a:rPr lang="en-US" sz="2800" dirty="0" err="1">
+                <a:latin typeface="Calibri" panose="020F0502020204030204" pitchFamily="34" charset="0"/>
+                <a:cs typeface="Calibri" panose="020F0502020204030204" pitchFamily="34" charset="0"/>
+              </a:rPr>
+              <a:t>propuse</a:t>
+            </a:r>
+            <a:r>
+              <a:rPr lang="en-US" sz="2800" dirty="0">
+                <a:latin typeface="Calibri" panose="020F0502020204030204" pitchFamily="34" charset="0"/>
+                <a:cs typeface="Calibri" panose="020F0502020204030204" pitchFamily="34" charset="0"/>
+              </a:rPr>
+              <a:t> </a:t>
+            </a:r>
+            <a:r>
+              <a:rPr lang="en-US" sz="2800" dirty="0" err="1">
+                <a:latin typeface="Calibri" panose="020F0502020204030204" pitchFamily="34" charset="0"/>
+                <a:cs typeface="Calibri" panose="020F0502020204030204" pitchFamily="34" charset="0"/>
+              </a:rPr>
+              <a:t>fiind</a:t>
+            </a:r>
+            <a:r>
+              <a:rPr lang="en-US" sz="2800" dirty="0">
+                <a:latin typeface="Calibri" panose="020F0502020204030204" pitchFamily="34" charset="0"/>
+                <a:cs typeface="Calibri" panose="020F0502020204030204" pitchFamily="34" charset="0"/>
+              </a:rPr>
+              <a:t>:</a:t>
+            </a:r>
+          </a:p>
+        </p:txBody>
+      </p:sp>
+      <p:sp>
+        <p:nvSpPr>
+          <p:cNvPr id="8" name="TextBox 7">
+            <a:extLst>
+              <a:ext uri="{FF2B5EF4-FFF2-40B4-BE49-F238E27FC236}">
+                <a16:creationId xmlns:a16="http://schemas.microsoft.com/office/drawing/2014/main" id="{5BFDEBA8-3B19-3838-ACC9-07F273DE0DE2}"/>
+              </a:ext>
+            </a:extLst>
+          </p:cNvPr>
+          <p:cNvSpPr txBox="1"/>
+          <p:nvPr/>
+        </p:nvSpPr>
+        <p:spPr>
+          <a:xfrm>
+            <a:off x="822188" y="4416938"/>
+            <a:ext cx="12058926" cy="3970318"/>
+          </a:xfrm>
+          <a:prstGeom prst="rect">
+            <a:avLst/>
+          </a:prstGeom>
+          <a:noFill/>
+        </p:spPr>
+        <p:txBody>
+          <a:bodyPr wrap="square">
+            <a:spAutoFit/>
+          </a:bodyPr>
+          <a:lstStyle/>
+          <a:p>
+            <a:r>
+              <a:rPr lang="en-US" sz="2800" dirty="0">
+                <a:latin typeface="Calibri" panose="020F0502020204030204" pitchFamily="34" charset="0"/>
+                <a:cs typeface="Calibri" panose="020F0502020204030204" pitchFamily="34" charset="0"/>
+              </a:rPr>
+              <a:t>• </a:t>
+            </a:r>
+            <a:r>
+              <a:rPr lang="en-US" sz="2800" dirty="0" err="1">
+                <a:latin typeface="Calibri" panose="020F0502020204030204" pitchFamily="34" charset="0"/>
+                <a:cs typeface="Calibri" panose="020F0502020204030204" pitchFamily="34" charset="0"/>
+              </a:rPr>
+              <a:t>Implementarea</a:t>
+            </a:r>
+            <a:r>
+              <a:rPr lang="en-US" sz="2800" dirty="0">
+                <a:latin typeface="Calibri" panose="020F0502020204030204" pitchFamily="34" charset="0"/>
+                <a:cs typeface="Calibri" panose="020F0502020204030204" pitchFamily="34" charset="0"/>
+              </a:rPr>
+              <a:t> </a:t>
+            </a:r>
+            <a:r>
+              <a:rPr lang="en-US" sz="2800" dirty="0" err="1">
+                <a:latin typeface="Calibri" panose="020F0502020204030204" pitchFamily="34" charset="0"/>
+                <a:cs typeface="Calibri" panose="020F0502020204030204" pitchFamily="34" charset="0"/>
+              </a:rPr>
+              <a:t>funcționalității</a:t>
+            </a:r>
+            <a:r>
+              <a:rPr lang="en-US" sz="2800" dirty="0">
+                <a:latin typeface="Calibri" panose="020F0502020204030204" pitchFamily="34" charset="0"/>
+                <a:cs typeface="Calibri" panose="020F0502020204030204" pitchFamily="34" charset="0"/>
+              </a:rPr>
+              <a:t> de live chat </a:t>
+            </a:r>
+            <a:r>
+              <a:rPr lang="en-US" sz="2800" dirty="0" err="1">
+                <a:latin typeface="Calibri" panose="020F0502020204030204" pitchFamily="34" charset="0"/>
+                <a:cs typeface="Calibri" panose="020F0502020204030204" pitchFamily="34" charset="0"/>
+              </a:rPr>
+              <a:t>între</a:t>
+            </a:r>
+            <a:r>
+              <a:rPr lang="en-US" sz="2800" dirty="0">
+                <a:latin typeface="Calibri" panose="020F0502020204030204" pitchFamily="34" charset="0"/>
+                <a:cs typeface="Calibri" panose="020F0502020204030204" pitchFamily="34" charset="0"/>
+              </a:rPr>
+              <a:t> </a:t>
+            </a:r>
+            <a:r>
+              <a:rPr lang="en-US" sz="2800" dirty="0" err="1">
+                <a:latin typeface="Calibri" panose="020F0502020204030204" pitchFamily="34" charset="0"/>
+                <a:cs typeface="Calibri" panose="020F0502020204030204" pitchFamily="34" charset="0"/>
+              </a:rPr>
+              <a:t>utilizatori</a:t>
+            </a:r>
+            <a:r>
+              <a:rPr lang="en-US" sz="2800" dirty="0">
+                <a:latin typeface="Calibri" panose="020F0502020204030204" pitchFamily="34" charset="0"/>
+                <a:cs typeface="Calibri" panose="020F0502020204030204" pitchFamily="34" charset="0"/>
+              </a:rPr>
+              <a:t> </a:t>
+            </a:r>
+            <a:r>
+              <a:rPr lang="en-US" sz="2800" dirty="0" err="1">
+                <a:latin typeface="Calibri" panose="020F0502020204030204" pitchFamily="34" charset="0"/>
+                <a:cs typeface="Calibri" panose="020F0502020204030204" pitchFamily="34" charset="0"/>
+              </a:rPr>
+              <a:t>în</a:t>
+            </a:r>
+            <a:r>
+              <a:rPr lang="en-US" sz="2800" dirty="0">
+                <a:latin typeface="Calibri" panose="020F0502020204030204" pitchFamily="34" charset="0"/>
+                <a:cs typeface="Calibri" panose="020F0502020204030204" pitchFamily="34" charset="0"/>
+              </a:rPr>
+              <a:t> frontend </a:t>
+            </a:r>
+          </a:p>
+          <a:p>
+            <a:r>
+              <a:rPr lang="en-US" sz="2800" dirty="0">
+                <a:latin typeface="Calibri" panose="020F0502020204030204" pitchFamily="34" charset="0"/>
+                <a:cs typeface="Calibri" panose="020F0502020204030204" pitchFamily="34" charset="0"/>
+              </a:rPr>
+              <a:t>• </a:t>
+            </a:r>
+            <a:r>
+              <a:rPr lang="en-US" sz="2800" dirty="0" err="1">
+                <a:latin typeface="Calibri" panose="020F0502020204030204" pitchFamily="34" charset="0"/>
+                <a:cs typeface="Calibri" panose="020F0502020204030204" pitchFamily="34" charset="0"/>
+              </a:rPr>
+              <a:t>Implementarea</a:t>
+            </a:r>
+            <a:r>
+              <a:rPr lang="en-US" sz="2800" dirty="0">
+                <a:latin typeface="Calibri" panose="020F0502020204030204" pitchFamily="34" charset="0"/>
+                <a:cs typeface="Calibri" panose="020F0502020204030204" pitchFamily="34" charset="0"/>
+              </a:rPr>
+              <a:t> </a:t>
+            </a:r>
+            <a:r>
+              <a:rPr lang="en-US" sz="2800" dirty="0" err="1">
+                <a:latin typeface="Calibri" panose="020F0502020204030204" pitchFamily="34" charset="0"/>
+                <a:cs typeface="Calibri" panose="020F0502020204030204" pitchFamily="34" charset="0"/>
+              </a:rPr>
+              <a:t>unei</a:t>
+            </a:r>
+            <a:r>
+              <a:rPr lang="en-US" sz="2800" dirty="0">
+                <a:latin typeface="Calibri" panose="020F0502020204030204" pitchFamily="34" charset="0"/>
+                <a:cs typeface="Calibri" panose="020F0502020204030204" pitchFamily="34" charset="0"/>
+              </a:rPr>
+              <a:t> </a:t>
+            </a:r>
+            <a:r>
+              <a:rPr lang="en-US" sz="2800" dirty="0" err="1">
+                <a:latin typeface="Calibri" panose="020F0502020204030204" pitchFamily="34" charset="0"/>
+                <a:cs typeface="Calibri" panose="020F0502020204030204" pitchFamily="34" charset="0"/>
+              </a:rPr>
+              <a:t>metodologii</a:t>
+            </a:r>
+            <a:r>
+              <a:rPr lang="en-US" sz="2800" dirty="0">
+                <a:latin typeface="Calibri" panose="020F0502020204030204" pitchFamily="34" charset="0"/>
+                <a:cs typeface="Calibri" panose="020F0502020204030204" pitchFamily="34" charset="0"/>
+              </a:rPr>
+              <a:t> de </a:t>
+            </a:r>
+            <a:r>
+              <a:rPr lang="en-US" sz="2800" dirty="0" err="1">
+                <a:latin typeface="Calibri" panose="020F0502020204030204" pitchFamily="34" charset="0"/>
+                <a:cs typeface="Calibri" panose="020F0502020204030204" pitchFamily="34" charset="0"/>
+              </a:rPr>
+              <a:t>tranzacționare</a:t>
+            </a:r>
+            <a:r>
+              <a:rPr lang="en-US" sz="2800" dirty="0">
+                <a:latin typeface="Calibri" panose="020F0502020204030204" pitchFamily="34" charset="0"/>
+                <a:cs typeface="Calibri" panose="020F0502020204030204" pitchFamily="34" charset="0"/>
+              </a:rPr>
+              <a:t> care </a:t>
+            </a:r>
+            <a:r>
+              <a:rPr lang="en-US" sz="2800" dirty="0" err="1">
+                <a:latin typeface="Calibri" panose="020F0502020204030204" pitchFamily="34" charset="0"/>
+                <a:cs typeface="Calibri" panose="020F0502020204030204" pitchFamily="34" charset="0"/>
+              </a:rPr>
+              <a:t>să</a:t>
+            </a:r>
+            <a:r>
+              <a:rPr lang="en-US" sz="2800" dirty="0">
+                <a:latin typeface="Calibri" panose="020F0502020204030204" pitchFamily="34" charset="0"/>
+                <a:cs typeface="Calibri" panose="020F0502020204030204" pitchFamily="34" charset="0"/>
+              </a:rPr>
+              <a:t> nu </a:t>
+            </a:r>
+            <a:r>
+              <a:rPr lang="en-US" sz="2800" dirty="0" err="1">
+                <a:latin typeface="Calibri" panose="020F0502020204030204" pitchFamily="34" charset="0"/>
+                <a:cs typeface="Calibri" panose="020F0502020204030204" pitchFamily="34" charset="0"/>
+              </a:rPr>
+              <a:t>implice</a:t>
+            </a:r>
+            <a:r>
+              <a:rPr lang="en-US" sz="2800" dirty="0">
+                <a:latin typeface="Calibri" panose="020F0502020204030204" pitchFamily="34" charset="0"/>
+                <a:cs typeface="Calibri" panose="020F0502020204030204" pitchFamily="34" charset="0"/>
+              </a:rPr>
+              <a:t> </a:t>
+            </a:r>
+            <a:r>
+              <a:rPr lang="en-US" sz="2800" dirty="0" err="1">
+                <a:latin typeface="Calibri" panose="020F0502020204030204" pitchFamily="34" charset="0"/>
+                <a:cs typeface="Calibri" panose="020F0502020204030204" pitchFamily="34" charset="0"/>
+              </a:rPr>
+              <a:t>utilizatorii</a:t>
+            </a:r>
+            <a:r>
+              <a:rPr lang="en-US" sz="2800" dirty="0">
+                <a:latin typeface="Calibri" panose="020F0502020204030204" pitchFamily="34" charset="0"/>
+                <a:cs typeface="Calibri" panose="020F0502020204030204" pitchFamily="34" charset="0"/>
+              </a:rPr>
+              <a:t> </a:t>
+            </a:r>
+          </a:p>
+          <a:p>
+            <a:r>
+              <a:rPr lang="en-US" sz="2800" dirty="0" err="1">
+                <a:latin typeface="Calibri" panose="020F0502020204030204" pitchFamily="34" charset="0"/>
+                <a:cs typeface="Calibri" panose="020F0502020204030204" pitchFamily="34" charset="0"/>
+              </a:rPr>
+              <a:t>în</a:t>
+            </a:r>
+            <a:r>
+              <a:rPr lang="en-US" sz="2800" dirty="0">
+                <a:latin typeface="Calibri" panose="020F0502020204030204" pitchFamily="34" charset="0"/>
+                <a:cs typeface="Calibri" panose="020F0502020204030204" pitchFamily="34" charset="0"/>
+              </a:rPr>
+              <a:t> mod direct </a:t>
+            </a:r>
+            <a:r>
+              <a:rPr lang="en-US" sz="2800" dirty="0" err="1">
+                <a:latin typeface="Calibri" panose="020F0502020204030204" pitchFamily="34" charset="0"/>
+                <a:cs typeface="Calibri" panose="020F0502020204030204" pitchFamily="34" charset="0"/>
+              </a:rPr>
+              <a:t>printr</a:t>
+            </a:r>
+            <a:r>
+              <a:rPr lang="en-US" sz="2800" dirty="0">
+                <a:latin typeface="Calibri" panose="020F0502020204030204" pitchFamily="34" charset="0"/>
+                <a:cs typeface="Calibri" panose="020F0502020204030204" pitchFamily="34" charset="0"/>
+              </a:rPr>
+              <a:t>-un </a:t>
+            </a:r>
+            <a:r>
+              <a:rPr lang="en-US" sz="2800" dirty="0" err="1">
+                <a:latin typeface="Calibri" panose="020F0502020204030204" pitchFamily="34" charset="0"/>
+                <a:cs typeface="Calibri" panose="020F0502020204030204" pitchFamily="34" charset="0"/>
+              </a:rPr>
+              <a:t>acord</a:t>
+            </a:r>
+            <a:r>
+              <a:rPr lang="en-US" sz="2800" dirty="0">
+                <a:latin typeface="Calibri" panose="020F0502020204030204" pitchFamily="34" charset="0"/>
+                <a:cs typeface="Calibri" panose="020F0502020204030204" pitchFamily="34" charset="0"/>
+              </a:rPr>
+              <a:t> de </a:t>
+            </a:r>
+            <a:r>
+              <a:rPr lang="en-US" sz="2800" dirty="0" err="1">
+                <a:latin typeface="Calibri" panose="020F0502020204030204" pitchFamily="34" charset="0"/>
+                <a:cs typeface="Calibri" panose="020F0502020204030204" pitchFamily="34" charset="0"/>
+              </a:rPr>
+              <a:t>schimb</a:t>
+            </a:r>
+            <a:r>
+              <a:rPr lang="en-US" sz="2800" dirty="0">
+                <a:latin typeface="Calibri" panose="020F0502020204030204" pitchFamily="34" charset="0"/>
+                <a:cs typeface="Calibri" panose="020F0502020204030204" pitchFamily="34" charset="0"/>
+              </a:rPr>
+              <a:t> </a:t>
+            </a:r>
+            <a:r>
+              <a:rPr lang="en-US" sz="2800" dirty="0" err="1">
+                <a:latin typeface="Calibri" panose="020F0502020204030204" pitchFamily="34" charset="0"/>
+                <a:cs typeface="Calibri" panose="020F0502020204030204" pitchFamily="34" charset="0"/>
+              </a:rPr>
+              <a:t>în</a:t>
+            </a:r>
+            <a:r>
+              <a:rPr lang="en-US" sz="2800" dirty="0">
+                <a:latin typeface="Calibri" panose="020F0502020204030204" pitchFamily="34" charset="0"/>
+                <a:cs typeface="Calibri" panose="020F0502020204030204" pitchFamily="34" charset="0"/>
+              </a:rPr>
+              <a:t> </a:t>
+            </a:r>
+            <a:r>
+              <a:rPr lang="en-US" sz="2800" dirty="0" err="1">
+                <a:latin typeface="Calibri" panose="020F0502020204030204" pitchFamily="34" charset="0"/>
+                <a:cs typeface="Calibri" panose="020F0502020204030204" pitchFamily="34" charset="0"/>
+              </a:rPr>
+              <a:t>platformă</a:t>
+            </a:r>
+            <a:r>
+              <a:rPr lang="en-US" sz="2800" dirty="0">
+                <a:latin typeface="Calibri" panose="020F0502020204030204" pitchFamily="34" charset="0"/>
+                <a:cs typeface="Calibri" panose="020F0502020204030204" pitchFamily="34" charset="0"/>
+              </a:rPr>
+              <a:t> </a:t>
+            </a:r>
+            <a:r>
+              <a:rPr lang="en-US" sz="2800" dirty="0" err="1">
+                <a:latin typeface="Calibri" panose="020F0502020204030204" pitchFamily="34" charset="0"/>
+                <a:cs typeface="Calibri" panose="020F0502020204030204" pitchFamily="34" charset="0"/>
+              </a:rPr>
+              <a:t>și</a:t>
+            </a:r>
+            <a:r>
+              <a:rPr lang="en-US" sz="2800" dirty="0">
+                <a:latin typeface="Calibri" panose="020F0502020204030204" pitchFamily="34" charset="0"/>
+                <a:cs typeface="Calibri" panose="020F0502020204030204" pitchFamily="34" charset="0"/>
+              </a:rPr>
+              <a:t>, de </a:t>
+            </a:r>
+            <a:r>
+              <a:rPr lang="en-US" sz="2800" dirty="0" err="1">
+                <a:latin typeface="Calibri" panose="020F0502020204030204" pitchFamily="34" charset="0"/>
+                <a:cs typeface="Calibri" panose="020F0502020204030204" pitchFamily="34" charset="0"/>
+              </a:rPr>
+              <a:t>asemenea</a:t>
+            </a:r>
+            <a:r>
+              <a:rPr lang="en-US" sz="2800" dirty="0">
+                <a:latin typeface="Calibri" panose="020F0502020204030204" pitchFamily="34" charset="0"/>
+                <a:cs typeface="Calibri" panose="020F0502020204030204" pitchFamily="34" charset="0"/>
+              </a:rPr>
+              <a:t>, un </a:t>
+            </a:r>
+            <a:r>
+              <a:rPr lang="en-US" sz="2800" dirty="0" err="1">
+                <a:latin typeface="Calibri" panose="020F0502020204030204" pitchFamily="34" charset="0"/>
+                <a:cs typeface="Calibri" panose="020F0502020204030204" pitchFamily="34" charset="0"/>
+              </a:rPr>
+              <a:t>proces</a:t>
+            </a:r>
+            <a:r>
+              <a:rPr lang="en-US" sz="2800" dirty="0">
+                <a:latin typeface="Calibri" panose="020F0502020204030204" pitchFamily="34" charset="0"/>
+                <a:cs typeface="Calibri" panose="020F0502020204030204" pitchFamily="34" charset="0"/>
+              </a:rPr>
+              <a:t> </a:t>
+            </a:r>
+          </a:p>
+          <a:p>
+            <a:r>
+              <a:rPr lang="en-US" sz="2800" dirty="0">
+                <a:latin typeface="Calibri" panose="020F0502020204030204" pitchFamily="34" charset="0"/>
+                <a:cs typeface="Calibri" panose="020F0502020204030204" pitchFamily="34" charset="0"/>
+              </a:rPr>
+              <a:t>de </a:t>
+            </a:r>
+            <a:r>
+              <a:rPr lang="en-US" sz="2800" dirty="0" err="1">
+                <a:latin typeface="Calibri" panose="020F0502020204030204" pitchFamily="34" charset="0"/>
+                <a:cs typeface="Calibri" panose="020F0502020204030204" pitchFamily="34" charset="0"/>
+              </a:rPr>
+              <a:t>livrare</a:t>
+            </a:r>
+            <a:r>
+              <a:rPr lang="en-US" sz="2800" dirty="0">
+                <a:latin typeface="Calibri" panose="020F0502020204030204" pitchFamily="34" charset="0"/>
+                <a:cs typeface="Calibri" panose="020F0502020204030204" pitchFamily="34" charset="0"/>
+              </a:rPr>
+              <a:t> </a:t>
+            </a:r>
+          </a:p>
+          <a:p>
+            <a:r>
+              <a:rPr lang="en-US" sz="2800" dirty="0">
+                <a:latin typeface="Calibri" panose="020F0502020204030204" pitchFamily="34" charset="0"/>
+                <a:cs typeface="Calibri" panose="020F0502020204030204" pitchFamily="34" charset="0"/>
+              </a:rPr>
+              <a:t>• </a:t>
+            </a:r>
+            <a:r>
+              <a:rPr lang="en-US" sz="2800" dirty="0" err="1">
+                <a:latin typeface="Calibri" panose="020F0502020204030204" pitchFamily="34" charset="0"/>
+                <a:cs typeface="Calibri" panose="020F0502020204030204" pitchFamily="34" charset="0"/>
+              </a:rPr>
+              <a:t>Filtrarea</a:t>
+            </a:r>
+            <a:r>
+              <a:rPr lang="en-US" sz="2800" dirty="0">
+                <a:latin typeface="Calibri" panose="020F0502020204030204" pitchFamily="34" charset="0"/>
+                <a:cs typeface="Calibri" panose="020F0502020204030204" pitchFamily="34" charset="0"/>
+              </a:rPr>
+              <a:t> </a:t>
+            </a:r>
+            <a:r>
+              <a:rPr lang="en-US" sz="2800" dirty="0" err="1">
+                <a:latin typeface="Calibri" panose="020F0502020204030204" pitchFamily="34" charset="0"/>
+                <a:cs typeface="Calibri" panose="020F0502020204030204" pitchFamily="34" charset="0"/>
+              </a:rPr>
+              <a:t>produselor</a:t>
+            </a:r>
+            <a:r>
+              <a:rPr lang="en-US" sz="2800" dirty="0">
+                <a:latin typeface="Calibri" panose="020F0502020204030204" pitchFamily="34" charset="0"/>
+                <a:cs typeface="Calibri" panose="020F0502020204030204" pitchFamily="34" charset="0"/>
+              </a:rPr>
+              <a:t> </a:t>
+            </a:r>
+            <a:r>
+              <a:rPr lang="en-US" sz="2800" dirty="0" err="1">
+                <a:latin typeface="Calibri" panose="020F0502020204030204" pitchFamily="34" charset="0"/>
+                <a:cs typeface="Calibri" panose="020F0502020204030204" pitchFamily="34" charset="0"/>
+              </a:rPr>
+              <a:t>după</a:t>
+            </a:r>
+            <a:r>
+              <a:rPr lang="en-US" sz="2800" dirty="0">
+                <a:latin typeface="Calibri" panose="020F0502020204030204" pitchFamily="34" charset="0"/>
+                <a:cs typeface="Calibri" panose="020F0502020204030204" pitchFamily="34" charset="0"/>
+              </a:rPr>
+              <a:t> </a:t>
+            </a:r>
+            <a:r>
+              <a:rPr lang="en-US" sz="2800" dirty="0" err="1">
+                <a:latin typeface="Calibri" panose="020F0502020204030204" pitchFamily="34" charset="0"/>
+                <a:cs typeface="Calibri" panose="020F0502020204030204" pitchFamily="34" charset="0"/>
+              </a:rPr>
+              <a:t>oraș</a:t>
+            </a:r>
+            <a:r>
+              <a:rPr lang="en-US" sz="2800" dirty="0">
+                <a:latin typeface="Calibri" panose="020F0502020204030204" pitchFamily="34" charset="0"/>
+                <a:cs typeface="Calibri" panose="020F0502020204030204" pitchFamily="34" charset="0"/>
+              </a:rPr>
+              <a:t> </a:t>
+            </a:r>
+            <a:r>
+              <a:rPr lang="en-US" sz="2800" dirty="0" err="1">
+                <a:latin typeface="Calibri" panose="020F0502020204030204" pitchFamily="34" charset="0"/>
+                <a:cs typeface="Calibri" panose="020F0502020204030204" pitchFamily="34" charset="0"/>
+              </a:rPr>
+              <a:t>și</a:t>
+            </a:r>
+            <a:r>
+              <a:rPr lang="en-US" sz="2800" dirty="0">
+                <a:latin typeface="Calibri" panose="020F0502020204030204" pitchFamily="34" charset="0"/>
+                <a:cs typeface="Calibri" panose="020F0502020204030204" pitchFamily="34" charset="0"/>
+              </a:rPr>
+              <a:t> </a:t>
+            </a:r>
+            <a:r>
+              <a:rPr lang="en-US" sz="2800" dirty="0" err="1">
+                <a:latin typeface="Calibri" panose="020F0502020204030204" pitchFamily="34" charset="0"/>
+                <a:cs typeface="Calibri" panose="020F0502020204030204" pitchFamily="34" charset="0"/>
+              </a:rPr>
+              <a:t>distanță</a:t>
+            </a:r>
+            <a:r>
+              <a:rPr lang="en-US" sz="2800" dirty="0">
+                <a:latin typeface="Calibri" panose="020F0502020204030204" pitchFamily="34" charset="0"/>
+                <a:cs typeface="Calibri" panose="020F0502020204030204" pitchFamily="34" charset="0"/>
+              </a:rPr>
+              <a:t> </a:t>
+            </a:r>
+          </a:p>
+          <a:p>
+            <a:r>
+              <a:rPr lang="en-US" sz="2800" dirty="0">
+                <a:latin typeface="Calibri" panose="020F0502020204030204" pitchFamily="34" charset="0"/>
+                <a:cs typeface="Calibri" panose="020F0502020204030204" pitchFamily="34" charset="0"/>
+              </a:rPr>
+              <a:t>• </a:t>
+            </a:r>
+            <a:r>
+              <a:rPr lang="en-US" sz="2800" dirty="0" err="1">
+                <a:latin typeface="Calibri" panose="020F0502020204030204" pitchFamily="34" charset="0"/>
+                <a:cs typeface="Calibri" panose="020F0502020204030204" pitchFamily="34" charset="0"/>
+              </a:rPr>
+              <a:t>Îmbunătățirea</a:t>
+            </a:r>
+            <a:r>
+              <a:rPr lang="en-US" sz="2800" dirty="0">
+                <a:latin typeface="Calibri" panose="020F0502020204030204" pitchFamily="34" charset="0"/>
+                <a:cs typeface="Calibri" panose="020F0502020204030204" pitchFamily="34" charset="0"/>
+              </a:rPr>
+              <a:t> </a:t>
+            </a:r>
+            <a:r>
+              <a:rPr lang="en-US" sz="2800" dirty="0" err="1">
+                <a:latin typeface="Calibri" panose="020F0502020204030204" pitchFamily="34" charset="0"/>
+                <a:cs typeface="Calibri" panose="020F0502020204030204" pitchFamily="34" charset="0"/>
+              </a:rPr>
+              <a:t>rezultatelor</a:t>
+            </a:r>
+            <a:r>
+              <a:rPr lang="en-US" sz="2800" dirty="0">
+                <a:latin typeface="Calibri" panose="020F0502020204030204" pitchFamily="34" charset="0"/>
+                <a:cs typeface="Calibri" panose="020F0502020204030204" pitchFamily="34" charset="0"/>
+              </a:rPr>
+              <a:t> </a:t>
+            </a:r>
+            <a:r>
+              <a:rPr lang="en-US" sz="2800" dirty="0" err="1">
+                <a:latin typeface="Calibri" panose="020F0502020204030204" pitchFamily="34" charset="0"/>
+                <a:cs typeface="Calibri" panose="020F0502020204030204" pitchFamily="34" charset="0"/>
+              </a:rPr>
+              <a:t>relevante</a:t>
+            </a:r>
+            <a:r>
+              <a:rPr lang="en-US" sz="2800" dirty="0">
+                <a:latin typeface="Calibri" panose="020F0502020204030204" pitchFamily="34" charset="0"/>
+                <a:cs typeface="Calibri" panose="020F0502020204030204" pitchFamily="34" charset="0"/>
+              </a:rPr>
+              <a:t> ale </a:t>
+            </a:r>
+            <a:r>
+              <a:rPr lang="en-US" sz="2800" dirty="0" err="1">
+                <a:latin typeface="Calibri" panose="020F0502020204030204" pitchFamily="34" charset="0"/>
+                <a:cs typeface="Calibri" panose="020F0502020204030204" pitchFamily="34" charset="0"/>
+              </a:rPr>
+              <a:t>produselor</a:t>
+            </a:r>
+            <a:r>
+              <a:rPr lang="en-US" sz="2800" dirty="0">
+                <a:latin typeface="Calibri" panose="020F0502020204030204" pitchFamily="34" charset="0"/>
+                <a:cs typeface="Calibri" panose="020F0502020204030204" pitchFamily="34" charset="0"/>
+              </a:rPr>
+              <a:t> </a:t>
+            </a:r>
+            <a:r>
+              <a:rPr lang="en-US" sz="2800" dirty="0" err="1">
+                <a:latin typeface="Calibri" panose="020F0502020204030204" pitchFamily="34" charset="0"/>
+                <a:cs typeface="Calibri" panose="020F0502020204030204" pitchFamily="34" charset="0"/>
+              </a:rPr>
+              <a:t>după</a:t>
+            </a:r>
+            <a:r>
+              <a:rPr lang="en-US" sz="2800" dirty="0">
+                <a:latin typeface="Calibri" panose="020F0502020204030204" pitchFamily="34" charset="0"/>
+                <a:cs typeface="Calibri" panose="020F0502020204030204" pitchFamily="34" charset="0"/>
+              </a:rPr>
+              <a:t> </a:t>
+            </a:r>
+            <a:r>
+              <a:rPr lang="en-US" sz="2800" dirty="0" err="1">
+                <a:latin typeface="Calibri" panose="020F0502020204030204" pitchFamily="34" charset="0"/>
+                <a:cs typeface="Calibri" panose="020F0502020204030204" pitchFamily="34" charset="0"/>
+              </a:rPr>
+              <a:t>criterii</a:t>
+            </a:r>
+            <a:r>
+              <a:rPr lang="en-US" sz="2800" dirty="0">
+                <a:latin typeface="Calibri" panose="020F0502020204030204" pitchFamily="34" charset="0"/>
+                <a:cs typeface="Calibri" panose="020F0502020204030204" pitchFamily="34" charset="0"/>
+              </a:rPr>
+              <a:t> precum </a:t>
+            </a:r>
+            <a:r>
+              <a:rPr lang="en-US" sz="2800" dirty="0" err="1">
+                <a:latin typeface="Calibri" panose="020F0502020204030204" pitchFamily="34" charset="0"/>
+                <a:cs typeface="Calibri" panose="020F0502020204030204" pitchFamily="34" charset="0"/>
+              </a:rPr>
+              <a:t>istoricul</a:t>
+            </a:r>
+            <a:r>
+              <a:rPr lang="en-US" sz="2800" dirty="0">
+                <a:latin typeface="Calibri" panose="020F0502020204030204" pitchFamily="34" charset="0"/>
+                <a:cs typeface="Calibri" panose="020F0502020204030204" pitchFamily="34" charset="0"/>
+              </a:rPr>
+              <a:t> </a:t>
+            </a:r>
+          </a:p>
+          <a:p>
+            <a:r>
+              <a:rPr lang="en-US" sz="2800" dirty="0">
+                <a:latin typeface="Calibri" panose="020F0502020204030204" pitchFamily="34" charset="0"/>
+                <a:cs typeface="Calibri" panose="020F0502020204030204" pitchFamily="34" charset="0"/>
+              </a:rPr>
+              <a:t>de </a:t>
+            </a:r>
+            <a:r>
+              <a:rPr lang="en-US" sz="2800" dirty="0" err="1">
+                <a:latin typeface="Calibri" panose="020F0502020204030204" pitchFamily="34" charset="0"/>
+                <a:cs typeface="Calibri" panose="020F0502020204030204" pitchFamily="34" charset="0"/>
+              </a:rPr>
+              <a:t>schimb</a:t>
+            </a:r>
+            <a:r>
+              <a:rPr lang="en-US" sz="2800" dirty="0">
+                <a:latin typeface="Calibri" panose="020F0502020204030204" pitchFamily="34" charset="0"/>
+                <a:cs typeface="Calibri" panose="020F0502020204030204" pitchFamily="34" charset="0"/>
+              </a:rPr>
+              <a:t> al </a:t>
+            </a:r>
+            <a:r>
+              <a:rPr lang="en-US" sz="2800" dirty="0" err="1">
+                <a:latin typeface="Calibri" panose="020F0502020204030204" pitchFamily="34" charset="0"/>
+                <a:cs typeface="Calibri" panose="020F0502020204030204" pitchFamily="34" charset="0"/>
+              </a:rPr>
+              <a:t>utilizatorului</a:t>
+            </a:r>
+            <a:r>
+              <a:rPr lang="en-US" sz="2800" dirty="0">
+                <a:latin typeface="Calibri" panose="020F0502020204030204" pitchFamily="34" charset="0"/>
+                <a:cs typeface="Calibri" panose="020F0502020204030204" pitchFamily="34" charset="0"/>
+              </a:rPr>
+              <a:t> </a:t>
+            </a:r>
+          </a:p>
+          <a:p>
+            <a:r>
+              <a:rPr lang="en-US" sz="2800" dirty="0">
+                <a:latin typeface="Calibri" panose="020F0502020204030204" pitchFamily="34" charset="0"/>
+                <a:cs typeface="Calibri" panose="020F0502020204030204" pitchFamily="34" charset="0"/>
+              </a:rPr>
+              <a:t>• </a:t>
+            </a:r>
+            <a:r>
+              <a:rPr lang="en-US" sz="2800" dirty="0" err="1">
+                <a:latin typeface="Calibri" panose="020F0502020204030204" pitchFamily="34" charset="0"/>
+                <a:cs typeface="Calibri" panose="020F0502020204030204" pitchFamily="34" charset="0"/>
+              </a:rPr>
+              <a:t>Integrarea</a:t>
+            </a:r>
+            <a:r>
+              <a:rPr lang="en-US" sz="2800" dirty="0">
+                <a:latin typeface="Calibri" panose="020F0502020204030204" pitchFamily="34" charset="0"/>
+                <a:cs typeface="Calibri" panose="020F0502020204030204" pitchFamily="34" charset="0"/>
+              </a:rPr>
+              <a:t> </a:t>
+            </a:r>
+            <a:r>
+              <a:rPr lang="en-US" sz="2800" dirty="0" err="1">
+                <a:latin typeface="Calibri" panose="020F0502020204030204" pitchFamily="34" charset="0"/>
+                <a:cs typeface="Calibri" panose="020F0502020204030204" pitchFamily="34" charset="0"/>
+              </a:rPr>
+              <a:t>unui</a:t>
+            </a:r>
+            <a:r>
+              <a:rPr lang="en-US" sz="2800" dirty="0">
+                <a:latin typeface="Calibri" panose="020F0502020204030204" pitchFamily="34" charset="0"/>
+                <a:cs typeface="Calibri" panose="020F0502020204030204" pitchFamily="34" charset="0"/>
+              </a:rPr>
+              <a:t> </a:t>
+            </a:r>
+            <a:r>
+              <a:rPr lang="en-US" sz="2800" dirty="0" err="1">
+                <a:latin typeface="Calibri" panose="020F0502020204030204" pitchFamily="34" charset="0"/>
+                <a:cs typeface="Calibri" panose="020F0502020204030204" pitchFamily="34" charset="0"/>
+              </a:rPr>
+              <a:t>sistem</a:t>
+            </a:r>
+            <a:r>
+              <a:rPr lang="en-US" sz="2800" dirty="0">
+                <a:latin typeface="Calibri" panose="020F0502020204030204" pitchFamily="34" charset="0"/>
+                <a:cs typeface="Calibri" panose="020F0502020204030204" pitchFamily="34" charset="0"/>
+              </a:rPr>
+              <a:t> de </a:t>
+            </a:r>
+            <a:r>
+              <a:rPr lang="en-US" sz="2800" dirty="0" err="1">
+                <a:latin typeface="Calibri" panose="020F0502020204030204" pitchFamily="34" charset="0"/>
+                <a:cs typeface="Calibri" panose="020F0502020204030204" pitchFamily="34" charset="0"/>
+              </a:rPr>
+              <a:t>raportare</a:t>
+            </a:r>
+            <a:r>
+              <a:rPr lang="en-US" sz="2800" dirty="0">
+                <a:latin typeface="Calibri" panose="020F0502020204030204" pitchFamily="34" charset="0"/>
+                <a:cs typeface="Calibri" panose="020F0502020204030204" pitchFamily="34" charset="0"/>
+              </a:rPr>
+              <a:t> a </a:t>
+            </a:r>
+            <a:r>
+              <a:rPr lang="en-US" sz="2800" dirty="0" err="1">
+                <a:latin typeface="Calibri" panose="020F0502020204030204" pitchFamily="34" charset="0"/>
+                <a:cs typeface="Calibri" panose="020F0502020204030204" pitchFamily="34" charset="0"/>
+              </a:rPr>
+              <a:t>utilizatorilor</a:t>
+            </a:r>
+            <a:endParaRPr lang="en-US" sz="2800" dirty="0">
               <a:latin typeface="Calibri" panose="020F0502020204030204" pitchFamily="34" charset="0"/>
               <a:cs typeface="Calibri" panose="020F0502020204030204" pitchFamily="34" charset="0"/>
             </a:endParaRPr>
@@ -8518,7 +11113,7 @@
           </a:ln>
           <a:extLst>
             <a:ext uri="{C572A759-6A51-4108-AA02-DFA0A04FC94B}">
-              <ma14:wrappingTextBoxFlag xmlns="" xmlns:ma14="http://schemas.microsoft.com/office/mac/drawingml/2011/main" val="1"/>
+              <ma14:wrappingTextBoxFlag xmlns:ma14="http://schemas.microsoft.com/office/mac/drawingml/2011/main" xmlns="" val="1"/>
             </a:ext>
           </a:extLst>
         </p:spPr>
@@ -8616,7 +11211,7 @@
           </a:ln>
           <a:extLst>
             <a:ext uri="{C572A759-6A51-4108-AA02-DFA0A04FC94B}">
-              <ma14:wrappingTextBoxFlag xmlns="" xmlns:ma14="http://schemas.microsoft.com/office/mac/drawingml/2011/main" val="1"/>
+              <ma14:wrappingTextBoxFlag xmlns:ma14="http://schemas.microsoft.com/office/mac/drawingml/2011/main" xmlns="" val="1"/>
             </a:ext>
           </a:extLst>
         </p:spPr>
@@ -9787,7 +12382,7 @@
                 <a:latin typeface="Calibri" panose="020F0502020204030204" pitchFamily="34" charset="0"/>
                 <a:cs typeface="Calibri" panose="020F0502020204030204" pitchFamily="34" charset="0"/>
               </a:rPr>
-              <a:t>functionale</a:t>
+              <a:t>funcționale</a:t>
             </a:r>
             <a:endParaRPr lang="en-US" sz="6000" dirty="0">
               <a:latin typeface="Calibri" panose="020F0502020204030204" pitchFamily="34" charset="0"/>
@@ -9811,7 +12406,7 @@
         <p:spPr>
           <a:xfrm>
             <a:off x="416412" y="2791590"/>
-            <a:ext cx="8893629" cy="5755422"/>
+            <a:ext cx="8893629" cy="4688463"/>
           </a:xfrm>
           <a:prstGeom prst="rect">
             <a:avLst/>
@@ -9878,7 +12473,7 @@
                 <a:latin typeface="Calibri" panose="020F0502020204030204" pitchFamily="34" charset="0"/>
                 <a:cs typeface="Calibri" panose="020F0502020204030204" pitchFamily="34" charset="0"/>
               </a:rPr>
-              <a:t>dupa</a:t>
+              <a:t>după</a:t>
             </a:r>
             <a:r>
               <a:rPr lang="en-US" sz="2800" dirty="0">
@@ -9894,10 +12489,13 @@
               </a:rPr>
               <a:t>criterii</a:t>
             </a:r>
-            <a:endParaRPr lang="en-US" sz="2800" dirty="0">
-              <a:latin typeface="Calibri" panose="020F0502020204030204" pitchFamily="34" charset="0"/>
-              <a:cs typeface="Calibri" panose="020F0502020204030204" pitchFamily="34" charset="0"/>
-            </a:endParaRPr>
+            <a:r>
+              <a:rPr lang="en-US" sz="2800" dirty="0">
+                <a:latin typeface="Calibri" panose="020F0502020204030204" pitchFamily="34" charset="0"/>
+                <a:cs typeface="Calibri" panose="020F0502020204030204" pitchFamily="34" charset="0"/>
+              </a:rPr>
+              <a:t>  </a:t>
+            </a:r>
           </a:p>
           <a:p>
             <a:pPr marL="457200" indent="-457200">
@@ -9912,7 +12510,7 @@
                 <a:latin typeface="Calibri" panose="020F0502020204030204" pitchFamily="34" charset="0"/>
                 <a:cs typeface="Calibri" panose="020F0502020204030204" pitchFamily="34" charset="0"/>
               </a:rPr>
-              <a:t>Adaugare</a:t>
+              <a:t>Adăugare</a:t>
             </a:r>
             <a:r>
               <a:rPr lang="en-US" sz="2800" dirty="0">
@@ -9933,7 +12531,7 @@
                 <a:latin typeface="Calibri" panose="020F0502020204030204" pitchFamily="34" charset="0"/>
                 <a:cs typeface="Calibri" panose="020F0502020204030204" pitchFamily="34" charset="0"/>
               </a:rPr>
-              <a:t> la favorite</a:t>
+              <a:t> la favorite  </a:t>
             </a:r>
           </a:p>
           <a:p>
@@ -9970,7 +12568,21 @@
                 <a:latin typeface="Calibri" panose="020F0502020204030204" pitchFamily="34" charset="0"/>
                 <a:cs typeface="Calibri" panose="020F0502020204030204" pitchFamily="34" charset="0"/>
               </a:rPr>
-              <a:t> in </a:t>
+              <a:t> </a:t>
+            </a:r>
+            <a:r>
+              <a:rPr lang="en-US" sz="2800" dirty="0" err="1">
+                <a:latin typeface="Calibri" panose="020F0502020204030204" pitchFamily="34" charset="0"/>
+                <a:cs typeface="Calibri" panose="020F0502020204030204" pitchFamily="34" charset="0"/>
+              </a:rPr>
+              <a:t>în</a:t>
+            </a:r>
+            <a:r>
+              <a:rPr lang="en-US" sz="2800" dirty="0">
+                <a:latin typeface="Calibri" panose="020F0502020204030204" pitchFamily="34" charset="0"/>
+                <a:cs typeface="Calibri" panose="020F0502020204030204" pitchFamily="34" charset="0"/>
+              </a:rPr>
+              <a:t> </a:t>
             </a:r>
             <a:r>
               <a:rPr lang="en-US" sz="2800" dirty="0" err="1">
@@ -9979,10 +12591,13 @@
               </a:rPr>
               <a:t>subcategorii</a:t>
             </a:r>
-            <a:endParaRPr lang="en-US" sz="2800" dirty="0">
-              <a:latin typeface="Calibri" panose="020F0502020204030204" pitchFamily="34" charset="0"/>
-              <a:cs typeface="Calibri" panose="020F0502020204030204" pitchFamily="34" charset="0"/>
-            </a:endParaRPr>
+            <a:r>
+              <a:rPr lang="en-US" sz="2800" dirty="0">
+                <a:latin typeface="Calibri" panose="020F0502020204030204" pitchFamily="34" charset="0"/>
+                <a:cs typeface="Calibri" panose="020F0502020204030204" pitchFamily="34" charset="0"/>
+              </a:rPr>
+              <a:t>  </a:t>
+            </a:r>
           </a:p>
           <a:p>
             <a:pPr marL="457200" indent="-457200">
@@ -9997,7 +12612,7 @@
                 <a:latin typeface="Calibri" panose="020F0502020204030204" pitchFamily="34" charset="0"/>
                 <a:cs typeface="Calibri" panose="020F0502020204030204" pitchFamily="34" charset="0"/>
               </a:rPr>
-              <a:t>Obtinerea</a:t>
+              <a:t>Obținerea</a:t>
             </a:r>
             <a:r>
               <a:rPr lang="en-US" sz="2800" dirty="0">
@@ -10053,12 +12668,15 @@
                 <a:latin typeface="Calibri" panose="020F0502020204030204" pitchFamily="34" charset="0"/>
                 <a:cs typeface="Calibri" panose="020F0502020204030204" pitchFamily="34" charset="0"/>
               </a:rPr>
-              <a:t>cautare</a:t>
-            </a:r>
-            <a:endParaRPr lang="en-US" sz="2800" dirty="0">
-              <a:latin typeface="Calibri" panose="020F0502020204030204" pitchFamily="34" charset="0"/>
-              <a:cs typeface="Calibri" panose="020F0502020204030204" pitchFamily="34" charset="0"/>
-            </a:endParaRPr>
+              <a:t>căutare</a:t>
+            </a:r>
+            <a:r>
+              <a:rPr lang="en-US" sz="2800" dirty="0">
+                <a:latin typeface="Calibri" panose="020F0502020204030204" pitchFamily="34" charset="0"/>
+                <a:cs typeface="Calibri" panose="020F0502020204030204" pitchFamily="34" charset="0"/>
+              </a:rPr>
+              <a:t>  </a:t>
+            </a:r>
           </a:p>
           <a:p>
             <a:pPr marL="457200" indent="-457200">
@@ -10094,7 +12712,21 @@
                 <a:latin typeface="Calibri" panose="020F0502020204030204" pitchFamily="34" charset="0"/>
                 <a:cs typeface="Calibri" panose="020F0502020204030204" pitchFamily="34" charset="0"/>
               </a:rPr>
-              <a:t> de support</a:t>
+              <a:t> de </a:t>
+            </a:r>
+            <a:r>
+              <a:rPr lang="en-US" sz="2800" dirty="0" err="1">
+                <a:latin typeface="Calibri" panose="020F0502020204030204" pitchFamily="34" charset="0"/>
+                <a:cs typeface="Calibri" panose="020F0502020204030204" pitchFamily="34" charset="0"/>
+              </a:rPr>
+              <a:t>suport</a:t>
+            </a:r>
+            <a:r>
+              <a:rPr lang="en-US" sz="2800" dirty="0">
+                <a:latin typeface="Calibri" panose="020F0502020204030204" pitchFamily="34" charset="0"/>
+                <a:cs typeface="Calibri" panose="020F0502020204030204" pitchFamily="34" charset="0"/>
+              </a:rPr>
+              <a:t>  </a:t>
             </a:r>
           </a:p>
           <a:p>
@@ -10140,10 +12772,13 @@
               </a:rPr>
               <a:t>personale</a:t>
             </a:r>
-            <a:endParaRPr lang="en-US" sz="2800" dirty="0">
-              <a:latin typeface="Calibri" panose="020F0502020204030204" pitchFamily="34" charset="0"/>
-              <a:cs typeface="Calibri" panose="020F0502020204030204" pitchFamily="34" charset="0"/>
-            </a:endParaRPr>
+            <a:r>
+              <a:rPr lang="en-US" sz="2800" dirty="0">
+                <a:latin typeface="Calibri" panose="020F0502020204030204" pitchFamily="34" charset="0"/>
+                <a:cs typeface="Calibri" panose="020F0502020204030204" pitchFamily="34" charset="0"/>
+              </a:rPr>
+              <a:t>  </a:t>
+            </a:r>
           </a:p>
           <a:p>
             <a:pPr marL="457200" indent="-457200">
@@ -10202,10 +12837,13 @@
               </a:rPr>
               <a:t>utilizatori</a:t>
             </a:r>
-            <a:endParaRPr lang="en-US" sz="2800" dirty="0">
-              <a:latin typeface="Calibri" panose="020F0502020204030204" pitchFamily="34" charset="0"/>
-              <a:cs typeface="Calibri" panose="020F0502020204030204" pitchFamily="34" charset="0"/>
-            </a:endParaRPr>
+            <a:r>
+              <a:rPr lang="en-US" sz="2800" dirty="0">
+                <a:latin typeface="Calibri" panose="020F0502020204030204" pitchFamily="34" charset="0"/>
+                <a:cs typeface="Calibri" panose="020F0502020204030204" pitchFamily="34" charset="0"/>
+              </a:rPr>
+              <a:t>  </a:t>
+            </a:r>
           </a:p>
           <a:p>
             <a:pPr marL="457200" indent="-457200">
@@ -10216,18 +12854,25 @@
               <a:buChar char="•"/>
             </a:pPr>
             <a:r>
-              <a:rPr lang="en-US" sz="2800" dirty="0">
-                <a:latin typeface="Calibri" panose="020F0502020204030204" pitchFamily="34" charset="0"/>
-                <a:cs typeface="Calibri" panose="020F0502020204030204" pitchFamily="34" charset="0"/>
-              </a:rPr>
-              <a:t>Logistica </a:t>
-            </a:r>
-            <a:r>
-              <a:rPr lang="en-US" sz="2800" dirty="0" err="1">
-                <a:latin typeface="Calibri" panose="020F0502020204030204" pitchFamily="34" charset="0"/>
-                <a:cs typeface="Calibri" panose="020F0502020204030204" pitchFamily="34" charset="0"/>
-              </a:rPr>
-              <a:t>si</a:t>
+              <a:rPr lang="en-US" sz="2800" dirty="0" err="1">
+                <a:latin typeface="Calibri" panose="020F0502020204030204" pitchFamily="34" charset="0"/>
+                <a:cs typeface="Calibri" panose="020F0502020204030204" pitchFamily="34" charset="0"/>
+              </a:rPr>
+              <a:t>Logistică</a:t>
+            </a:r>
+            <a:r>
+              <a:rPr lang="en-US" sz="2800" dirty="0">
+                <a:latin typeface="Calibri" panose="020F0502020204030204" pitchFamily="34" charset="0"/>
+                <a:cs typeface="Calibri" panose="020F0502020204030204" pitchFamily="34" charset="0"/>
+              </a:rPr>
+              <a:t> </a:t>
+            </a:r>
+            <a:r>
+              <a:rPr lang="en-US" sz="2800" dirty="0" err="1">
+                <a:latin typeface="Calibri" panose="020F0502020204030204" pitchFamily="34" charset="0"/>
+                <a:cs typeface="Calibri" panose="020F0502020204030204" pitchFamily="34" charset="0"/>
+              </a:rPr>
+              <a:t>și</a:t>
             </a:r>
             <a:r>
               <a:rPr lang="en-US" sz="2800" dirty="0">
@@ -10255,7 +12900,7 @@
                 <a:latin typeface="Calibri" panose="020F0502020204030204" pitchFamily="34" charset="0"/>
                 <a:cs typeface="Calibri" panose="020F0502020204030204" pitchFamily="34" charset="0"/>
               </a:rPr>
-              <a:t>restrictionare</a:t>
+              <a:t>restricționare</a:t>
             </a:r>
             <a:r>
               <a:rPr lang="en-US" sz="2800" dirty="0">
@@ -10285,32 +12930,6 @@
               </a:rPr>
               <a:t>administratori</a:t>
             </a:r>
-            <a:endParaRPr lang="en-US" sz="2800" dirty="0">
-              <a:latin typeface="Calibri" panose="020F0502020204030204" pitchFamily="34" charset="0"/>
-              <a:cs typeface="Calibri" panose="020F0502020204030204" pitchFamily="34" charset="0"/>
-            </a:endParaRPr>
-          </a:p>
-          <a:p>
-            <a:pPr marL="457200" indent="-457200">
-              <a:spcAft>
-                <a:spcPts val="800"/>
-              </a:spcAft>
-              <a:buFont typeface="Arial" panose="020B0604020202020204" pitchFamily="34" charset="0"/>
-              <a:buChar char="•"/>
-            </a:pPr>
-            <a:endParaRPr lang="en-US" sz="2800" dirty="0">
-              <a:latin typeface="Calibri" panose="020F0502020204030204" pitchFamily="34" charset="0"/>
-              <a:cs typeface="Calibri" panose="020F0502020204030204" pitchFamily="34" charset="0"/>
-            </a:endParaRPr>
-          </a:p>
-          <a:p>
-            <a:pPr marL="457200" indent="-457200">
-              <a:spcAft>
-                <a:spcPts val="800"/>
-              </a:spcAft>
-              <a:buFont typeface="Arial" panose="020B0604020202020204" pitchFamily="34" charset="0"/>
-              <a:buChar char="•"/>
-            </a:pPr>
             <a:endParaRPr lang="en-US" sz="2800" dirty="0">
               <a:latin typeface="Calibri" panose="020F0502020204030204" pitchFamily="34" charset="0"/>
               <a:cs typeface="Calibri" panose="020F0502020204030204" pitchFamily="34" charset="0"/>
@@ -10347,6 +12966,16 @@
           <a:lstStyle/>
           <a:p>
             <a:r>
+              <a:rPr lang="en-US" sz="2800" i="1" dirty="0" err="1">
+                <a:solidFill>
+                  <a:srgbClr val="FF0000"/>
+                </a:solidFill>
+                <a:latin typeface="Calibri" panose="020F0502020204030204" pitchFamily="34" charset="0"/>
+                <a:cs typeface="Calibri" panose="020F0502020204030204" pitchFamily="34" charset="0"/>
+              </a:rPr>
+              <a:t>În</a:t>
+            </a:r>
+            <a:r>
               <a:rPr lang="en-US" sz="2800" i="1" dirty="0">
                 <a:solidFill>
                   <a:srgbClr val="FF0000"/>
@@ -10354,7 +12983,7 @@
                 <a:latin typeface="Calibri" panose="020F0502020204030204" pitchFamily="34" charset="0"/>
                 <a:cs typeface="Calibri" panose="020F0502020204030204" pitchFamily="34" charset="0"/>
               </a:rPr>
-              <a:t>In </a:t>
+              <a:t> </a:t>
             </a:r>
             <a:r>
               <a:rPr lang="en-US" sz="2800" i="1" dirty="0" err="1">
@@ -10364,7 +12993,7 @@
                 <a:latin typeface="Calibri" panose="020F0502020204030204" pitchFamily="34" charset="0"/>
                 <a:cs typeface="Calibri" panose="020F0502020204030204" pitchFamily="34" charset="0"/>
               </a:rPr>
-              <a:t>curand</a:t>
+              <a:t>curând</a:t>
             </a:r>
             <a:r>
               <a:rPr lang="en-US" sz="2800" i="1" dirty="0">
@@ -10409,7 +13038,7 @@
                 <a:latin typeface="Calibri" panose="020F0502020204030204" pitchFamily="34" charset="0"/>
                 <a:cs typeface="Calibri" panose="020F0502020204030204" pitchFamily="34" charset="0"/>
               </a:rPr>
-              <a:t>intre</a:t>
+              <a:t>între</a:t>
             </a:r>
             <a:r>
               <a:rPr lang="en-US" sz="2800" dirty="0">
@@ -10639,10 +13268,13 @@
               </a:rPr>
               <a:t>sigură</a:t>
             </a:r>
-            <a:endParaRPr lang="en-US" sz="3200" dirty="0">
-              <a:latin typeface="Calibri" panose="020F0502020204030204" pitchFamily="34" charset="0"/>
-              <a:cs typeface="Calibri" panose="020F0502020204030204" pitchFamily="34" charset="0"/>
-            </a:endParaRPr>
+            <a:r>
+              <a:rPr lang="en-US" sz="3200" dirty="0">
+                <a:latin typeface="Calibri" panose="020F0502020204030204" pitchFamily="34" charset="0"/>
+                <a:cs typeface="Calibri" panose="020F0502020204030204" pitchFamily="34" charset="0"/>
+              </a:rPr>
+              <a:t>  </a:t>
+            </a:r>
           </a:p>
           <a:p>
             <a:pPr marL="457200" indent="-457200">
@@ -10687,10 +13319,13 @@
               </a:rPr>
               <a:t>utilizatorilor</a:t>
             </a:r>
-            <a:endParaRPr lang="en-US" sz="3200" dirty="0">
-              <a:latin typeface="Calibri" panose="020F0502020204030204" pitchFamily="34" charset="0"/>
-              <a:cs typeface="Calibri" panose="020F0502020204030204" pitchFamily="34" charset="0"/>
-            </a:endParaRPr>
+            <a:r>
+              <a:rPr lang="en-US" sz="3200" dirty="0">
+                <a:latin typeface="Calibri" panose="020F0502020204030204" pitchFamily="34" charset="0"/>
+                <a:cs typeface="Calibri" panose="020F0502020204030204" pitchFamily="34" charset="0"/>
+              </a:rPr>
+              <a:t>  </a:t>
+            </a:r>
           </a:p>
           <a:p>
             <a:pPr marL="457200" indent="-457200">
@@ -10705,7 +13340,7 @@
                 <a:latin typeface="Calibri" panose="020F0502020204030204" pitchFamily="34" charset="0"/>
                 <a:cs typeface="Calibri" panose="020F0502020204030204" pitchFamily="34" charset="0"/>
               </a:rPr>
-              <a:t>Performanta</a:t>
+              <a:t>Performanță</a:t>
             </a:r>
             <a:r>
               <a:rPr lang="en-US" sz="3200" dirty="0">
@@ -10719,7 +13354,7 @@
                 <a:latin typeface="Calibri" panose="020F0502020204030204" pitchFamily="34" charset="0"/>
                 <a:cs typeface="Calibri" panose="020F0502020204030204" pitchFamily="34" charset="0"/>
               </a:rPr>
-              <a:t>si</a:t>
+              <a:t>și</a:t>
             </a:r>
             <a:r>
               <a:rPr lang="en-US" sz="3200" dirty="0">
@@ -10733,7 +13368,7 @@
                 <a:latin typeface="Calibri" panose="020F0502020204030204" pitchFamily="34" charset="0"/>
                 <a:cs typeface="Calibri" panose="020F0502020204030204" pitchFamily="34" charset="0"/>
               </a:rPr>
-              <a:t>incarcarea</a:t>
+              <a:t>încărcarea</a:t>
             </a:r>
             <a:r>
               <a:rPr lang="en-US" sz="3200" dirty="0">
@@ -10747,7 +13382,7 @@
                 <a:latin typeface="Calibri" panose="020F0502020204030204" pitchFamily="34" charset="0"/>
                 <a:cs typeface="Calibri" panose="020F0502020204030204" pitchFamily="34" charset="0"/>
               </a:rPr>
-              <a:t>rapida</a:t>
+              <a:t>rapidă</a:t>
             </a:r>
             <a:r>
               <a:rPr lang="en-US" sz="3200" dirty="0">
@@ -10763,10 +13398,13 @@
               </a:rPr>
               <a:t>rezultatelor</a:t>
             </a:r>
-            <a:endParaRPr lang="en-US" sz="3200" dirty="0">
-              <a:latin typeface="Calibri" panose="020F0502020204030204" pitchFamily="34" charset="0"/>
-              <a:cs typeface="Calibri" panose="020F0502020204030204" pitchFamily="34" charset="0"/>
-            </a:endParaRPr>
+            <a:r>
+              <a:rPr lang="en-US" sz="3200" dirty="0">
+                <a:latin typeface="Calibri" panose="020F0502020204030204" pitchFamily="34" charset="0"/>
+                <a:cs typeface="Calibri" panose="020F0502020204030204" pitchFamily="34" charset="0"/>
+              </a:rPr>
+              <a:t>  </a:t>
+            </a:r>
           </a:p>
           <a:p>
             <a:pPr marL="457200" indent="-457200">
@@ -10777,11 +13415,18 @@
               <a:buChar char="•"/>
             </a:pPr>
             <a:r>
+              <a:rPr lang="en-US" sz="3200" dirty="0" err="1">
+                <a:latin typeface="Calibri" panose="020F0502020204030204" pitchFamily="34" charset="0"/>
+                <a:cs typeface="Calibri" panose="020F0502020204030204" pitchFamily="34" charset="0"/>
+              </a:rPr>
+              <a:t>Potențial</a:t>
+            </a:r>
+            <a:r>
               <a:rPr lang="en-US" sz="3200" dirty="0">
                 <a:latin typeface="Calibri" panose="020F0502020204030204" pitchFamily="34" charset="0"/>
                 <a:cs typeface="Calibri" panose="020F0502020204030204" pitchFamily="34" charset="0"/>
               </a:rPr>
-              <a:t>Potential de </a:t>
+              <a:t> de </a:t>
             </a:r>
             <a:r>
               <a:rPr lang="en-US" sz="3200" dirty="0" err="1">
@@ -10790,10 +13435,13 @@
               </a:rPr>
               <a:t>scalabilitate</a:t>
             </a:r>
-            <a:endParaRPr lang="en-US" sz="3200" dirty="0">
-              <a:latin typeface="Calibri" panose="020F0502020204030204" pitchFamily="34" charset="0"/>
-              <a:cs typeface="Calibri" panose="020F0502020204030204" pitchFamily="34" charset="0"/>
-            </a:endParaRPr>
+            <a:r>
+              <a:rPr lang="en-US" sz="3200" dirty="0">
+                <a:latin typeface="Calibri" panose="020F0502020204030204" pitchFamily="34" charset="0"/>
+                <a:cs typeface="Calibri" panose="020F0502020204030204" pitchFamily="34" charset="0"/>
+              </a:rPr>
+              <a:t>  </a:t>
+            </a:r>
           </a:p>
           <a:p>
             <a:pPr marL="457200" indent="-457200">
@@ -10822,7 +13470,7 @@
                 <a:latin typeface="Calibri" panose="020F0502020204030204" pitchFamily="34" charset="0"/>
                 <a:cs typeface="Calibri" panose="020F0502020204030204" pitchFamily="34" charset="0"/>
               </a:rPr>
-              <a:t>progresiva</a:t>
+              <a:t>progresivă</a:t>
             </a:r>
             <a:r>
               <a:rPr lang="en-US" sz="3200" dirty="0">
@@ -10836,27 +13484,14 @@
                 <a:latin typeface="Calibri" panose="020F0502020204030204" pitchFamily="34" charset="0"/>
                 <a:cs typeface="Calibri" panose="020F0502020204030204" pitchFamily="34" charset="0"/>
               </a:rPr>
-              <a:t>functionalitatilor</a:t>
+              <a:t>funcționalităților</a:t>
             </a:r>
             <a:r>
               <a:rPr lang="en-US" sz="3200" dirty="0">
                 <a:latin typeface="Calibri" panose="020F0502020204030204" pitchFamily="34" charset="0"/>
                 <a:cs typeface="Calibri" panose="020F0502020204030204" pitchFamily="34" charset="0"/>
               </a:rPr>
-              <a:t> de </a:t>
-            </a:r>
-            <a:br>
-              <a:rPr lang="en-US" sz="3200" dirty="0">
-                <a:latin typeface="Calibri" panose="020F0502020204030204" pitchFamily="34" charset="0"/>
-                <a:cs typeface="Calibri" panose="020F0502020204030204" pitchFamily="34" charset="0"/>
-              </a:rPr>
-            </a:br>
-            <a:r>
-              <a:rPr lang="en-US" sz="3200" dirty="0">
-                <a:latin typeface="Calibri" panose="020F0502020204030204" pitchFamily="34" charset="0"/>
-                <a:cs typeface="Calibri" panose="020F0502020204030204" pitchFamily="34" charset="0"/>
-              </a:rPr>
-              <a:t>business</a:t>
+              <a:t> de business</a:t>
             </a:r>
           </a:p>
         </p:txBody>
@@ -10957,18 +13592,25 @@
           <a:lstStyle/>
           <a:p>
             <a:r>
+              <a:rPr lang="en-US" sz="6000" dirty="0" err="1">
+                <a:latin typeface="Calibri" panose="020F0502020204030204" pitchFamily="34" charset="0"/>
+                <a:cs typeface="Calibri" panose="020F0502020204030204" pitchFamily="34" charset="0"/>
+              </a:rPr>
+              <a:t>Soluția</a:t>
+            </a:r>
+            <a:r>
               <a:rPr lang="en-US" sz="6000" dirty="0">
                 <a:latin typeface="Calibri" panose="020F0502020204030204" pitchFamily="34" charset="0"/>
                 <a:cs typeface="Calibri" panose="020F0502020204030204" pitchFamily="34" charset="0"/>
               </a:rPr>
-              <a:t>Solutia </a:t>
+              <a:t> </a:t>
             </a:r>
             <a:r>
               <a:rPr lang="en-US" sz="6000" dirty="0" err="1">
                 <a:latin typeface="Calibri" panose="020F0502020204030204" pitchFamily="34" charset="0"/>
                 <a:cs typeface="Calibri" panose="020F0502020204030204" pitchFamily="34" charset="0"/>
               </a:rPr>
-              <a:t>propusa</a:t>
+              <a:t>propusă</a:t>
             </a:r>
             <a:r>
               <a:rPr lang="en-US" sz="6000" dirty="0">
@@ -11294,18 +13936,25 @@
           <a:lstStyle/>
           <a:p>
             <a:r>
+              <a:rPr lang="en-US" sz="6000" dirty="0" err="1">
+                <a:latin typeface="Calibri" panose="020F0502020204030204" pitchFamily="34" charset="0"/>
+                <a:cs typeface="Calibri" panose="020F0502020204030204" pitchFamily="34" charset="0"/>
+              </a:rPr>
+              <a:t>Soluția</a:t>
+            </a:r>
+            <a:r>
               <a:rPr lang="en-US" sz="6000" dirty="0">
                 <a:latin typeface="Calibri" panose="020F0502020204030204" pitchFamily="34" charset="0"/>
                 <a:cs typeface="Calibri" panose="020F0502020204030204" pitchFamily="34" charset="0"/>
               </a:rPr>
-              <a:t>Solutia </a:t>
+              <a:t> </a:t>
             </a:r>
             <a:r>
               <a:rPr lang="en-US" sz="6000" dirty="0" err="1">
                 <a:latin typeface="Calibri" panose="020F0502020204030204" pitchFamily="34" charset="0"/>
                 <a:cs typeface="Calibri" panose="020F0502020204030204" pitchFamily="34" charset="0"/>
               </a:rPr>
-              <a:t>propusa</a:t>
+              <a:t>propusă</a:t>
             </a:r>
             <a:r>
               <a:rPr lang="en-US" sz="6000" dirty="0">
@@ -11379,7 +14028,7 @@
         <p:spPr>
           <a:xfrm>
             <a:off x="316203" y="2610900"/>
-            <a:ext cx="8893629" cy="6781344"/>
+            <a:ext cx="8893629" cy="6186309"/>
           </a:xfrm>
           <a:prstGeom prst="rect">
             <a:avLst/>
@@ -11409,14 +14058,28 @@
                 <a:latin typeface="Calibri" panose="020F0502020204030204" pitchFamily="34" charset="0"/>
                 <a:cs typeface="Calibri" panose="020F0502020204030204" pitchFamily="34" charset="0"/>
               </a:rPr>
-              <a:t> in </a:t>
-            </a:r>
-            <a:r>
-              <a:rPr lang="en-US" sz="2800" dirty="0" err="1">
-                <a:latin typeface="Calibri" panose="020F0502020204030204" pitchFamily="34" charset="0"/>
-                <a:cs typeface="Calibri" panose="020F0502020204030204" pitchFamily="34" charset="0"/>
-              </a:rPr>
-              <a:t>aplicatie</a:t>
+              <a:t> </a:t>
+            </a:r>
+            <a:r>
+              <a:rPr lang="en-US" sz="2800" dirty="0" err="1">
+                <a:latin typeface="Calibri" panose="020F0502020204030204" pitchFamily="34" charset="0"/>
+                <a:cs typeface="Calibri" panose="020F0502020204030204" pitchFamily="34" charset="0"/>
+              </a:rPr>
+              <a:t>în</a:t>
+            </a:r>
+            <a:r>
+              <a:rPr lang="en-US" sz="2800" dirty="0">
+                <a:latin typeface="Calibri" panose="020F0502020204030204" pitchFamily="34" charset="0"/>
+                <a:cs typeface="Calibri" panose="020F0502020204030204" pitchFamily="34" charset="0"/>
+              </a:rPr>
+              <a:t> </a:t>
+            </a:r>
+            <a:r>
+              <a:rPr lang="en-US" sz="2800" dirty="0" err="1">
+                <a:latin typeface="Calibri" panose="020F0502020204030204" pitchFamily="34" charset="0"/>
+                <a:cs typeface="Calibri" panose="020F0502020204030204" pitchFamily="34" charset="0"/>
+              </a:rPr>
+              <a:t>aplicație</a:t>
             </a:r>
             <a:r>
               <a:rPr lang="en-US" sz="2800" dirty="0">
@@ -11451,14 +14114,28 @@
                 <a:latin typeface="Calibri" panose="020F0502020204030204" pitchFamily="34" charset="0"/>
                 <a:cs typeface="Calibri" panose="020F0502020204030204" pitchFamily="34" charset="0"/>
               </a:rPr>
-              <a:t> in </a:t>
-            </a:r>
-            <a:r>
-              <a:rPr lang="en-US" sz="2800" dirty="0" err="1">
-                <a:latin typeface="Calibri" panose="020F0502020204030204" pitchFamily="34" charset="0"/>
-                <a:cs typeface="Calibri" panose="020F0502020204030204" pitchFamily="34" charset="0"/>
-              </a:rPr>
-              <a:t>doua</a:t>
+              <a:t> </a:t>
+            </a:r>
+            <a:r>
+              <a:rPr lang="en-US" sz="2800" dirty="0" err="1">
+                <a:latin typeface="Calibri" panose="020F0502020204030204" pitchFamily="34" charset="0"/>
+                <a:cs typeface="Calibri" panose="020F0502020204030204" pitchFamily="34" charset="0"/>
+              </a:rPr>
+              <a:t>în</a:t>
+            </a:r>
+            <a:r>
+              <a:rPr lang="en-US" sz="2800" dirty="0">
+                <a:latin typeface="Calibri" panose="020F0502020204030204" pitchFamily="34" charset="0"/>
+                <a:cs typeface="Calibri" panose="020F0502020204030204" pitchFamily="34" charset="0"/>
+              </a:rPr>
+              <a:t> </a:t>
+            </a:r>
+            <a:r>
+              <a:rPr lang="en-US" sz="2800" dirty="0" err="1">
+                <a:latin typeface="Calibri" panose="020F0502020204030204" pitchFamily="34" charset="0"/>
+                <a:cs typeface="Calibri" panose="020F0502020204030204" pitchFamily="34" charset="0"/>
+              </a:rPr>
+              <a:t>două</a:t>
             </a:r>
             <a:r>
               <a:rPr lang="en-US" sz="2800" dirty="0">
@@ -11511,21 +14188,35 @@
                 <a:latin typeface="Calibri" panose="020F0502020204030204" pitchFamily="34" charset="0"/>
                 <a:cs typeface="Calibri" panose="020F0502020204030204" pitchFamily="34" charset="0"/>
               </a:rPr>
-              <a:t>Administrata</a:t>
-            </a:r>
-            <a:r>
-              <a:rPr lang="en-US" sz="2800" dirty="0">
-                <a:latin typeface="Calibri" panose="020F0502020204030204" pitchFamily="34" charset="0"/>
-                <a:cs typeface="Calibri" panose="020F0502020204030204" pitchFamily="34" charset="0"/>
-              </a:rPr>
-              <a:t> in </a:t>
-            </a:r>
-            <a:r>
-              <a:rPr lang="en-US" sz="2800" dirty="0" err="1">
-                <a:latin typeface="Calibri" panose="020F0502020204030204" pitchFamily="34" charset="0"/>
-                <a:cs typeface="Calibri" panose="020F0502020204030204" pitchFamily="34" charset="0"/>
-              </a:rPr>
-              <a:t>intregime</a:t>
+              <a:t>Administrată</a:t>
+            </a:r>
+            <a:r>
+              <a:rPr lang="en-US" sz="2800" dirty="0">
+                <a:latin typeface="Calibri" panose="020F0502020204030204" pitchFamily="34" charset="0"/>
+                <a:cs typeface="Calibri" panose="020F0502020204030204" pitchFamily="34" charset="0"/>
+              </a:rPr>
+              <a:t> </a:t>
+            </a:r>
+            <a:r>
+              <a:rPr lang="en-US" sz="2800" dirty="0" err="1">
+                <a:latin typeface="Calibri" panose="020F0502020204030204" pitchFamily="34" charset="0"/>
+                <a:cs typeface="Calibri" panose="020F0502020204030204" pitchFamily="34" charset="0"/>
+              </a:rPr>
+              <a:t>în</a:t>
+            </a:r>
+            <a:r>
+              <a:rPr lang="en-US" sz="2800" dirty="0">
+                <a:latin typeface="Calibri" panose="020F0502020204030204" pitchFamily="34" charset="0"/>
+                <a:cs typeface="Calibri" panose="020F0502020204030204" pitchFamily="34" charset="0"/>
+              </a:rPr>
+              <a:t> </a:t>
+            </a:r>
+            <a:r>
+              <a:rPr lang="en-US" sz="2800" dirty="0" err="1">
+                <a:latin typeface="Calibri" panose="020F0502020204030204" pitchFamily="34" charset="0"/>
+                <a:cs typeface="Calibri" panose="020F0502020204030204" pitchFamily="34" charset="0"/>
+              </a:rPr>
+              <a:t>întregime</a:t>
             </a:r>
             <a:r>
               <a:rPr lang="en-US" sz="2800" dirty="0">
@@ -11539,7 +14230,7 @@
                 <a:latin typeface="Calibri" panose="020F0502020204030204" pitchFamily="34" charset="0"/>
                 <a:cs typeface="Calibri" panose="020F0502020204030204" pitchFamily="34" charset="0"/>
               </a:rPr>
-              <a:t>aplicatie</a:t>
+              <a:t>aplicație</a:t>
             </a:r>
             <a:endParaRPr lang="en-US" sz="2800" dirty="0">
               <a:latin typeface="Calibri" panose="020F0502020204030204" pitchFamily="34" charset="0"/>
@@ -11615,7 +14306,7 @@
                 <a:latin typeface="Calibri" panose="020F0502020204030204" pitchFamily="34" charset="0"/>
                 <a:cs typeface="Calibri" panose="020F0502020204030204" pitchFamily="34" charset="0"/>
               </a:rPr>
-              <a:t>autentificari</a:t>
+              <a:t>autentificări</a:t>
             </a:r>
             <a:r>
               <a:rPr lang="en-US" sz="2800" dirty="0">
@@ -11663,7 +14354,7 @@
                 <a:latin typeface="Calibri" panose="020F0502020204030204" pitchFamily="34" charset="0"/>
                 <a:cs typeface="Calibri" panose="020F0502020204030204" pitchFamily="34" charset="0"/>
               </a:rPr>
-              <a:t>usoara</a:t>
+              <a:t>ușoară</a:t>
             </a:r>
             <a:endParaRPr lang="en-US" sz="2800" dirty="0">
               <a:latin typeface="Calibri" panose="020F0502020204030204" pitchFamily="34" charset="0"/>
@@ -11727,7 +14418,7 @@
                 <a:latin typeface="Calibri" panose="020F0502020204030204" pitchFamily="34" charset="0"/>
                 <a:cs typeface="Calibri" panose="020F0502020204030204" pitchFamily="34" charset="0"/>
               </a:rPr>
-              <a:t>usor</a:t>
+              <a:t>ușor</a:t>
             </a:r>
             <a:r>
               <a:rPr lang="en-US" sz="2800" dirty="0">
@@ -11741,14 +14432,14 @@
                 <a:latin typeface="Calibri" panose="020F0502020204030204" pitchFamily="34" charset="0"/>
                 <a:cs typeface="Calibri" panose="020F0502020204030204" pitchFamily="34" charset="0"/>
               </a:rPr>
-              <a:t>inregistrare</a:t>
-            </a:r>
-            <a:r>
-              <a:rPr lang="en-US" sz="2800" dirty="0">
-                <a:latin typeface="Calibri" panose="020F0502020204030204" pitchFamily="34" charset="0"/>
-                <a:cs typeface="Calibri" panose="020F0502020204030204" pitchFamily="34" charset="0"/>
-              </a:rPr>
-              <a:t> / </a:t>
+              <a:t>înregistrare</a:t>
+            </a:r>
+            <a:r>
+              <a:rPr lang="en-US" sz="2800" dirty="0">
+                <a:latin typeface="Calibri" panose="020F0502020204030204" pitchFamily="34" charset="0"/>
+                <a:cs typeface="Calibri" panose="020F0502020204030204" pitchFamily="34" charset="0"/>
+              </a:rPr>
+              <a:t>/</a:t>
             </a:r>
             <a:r>
               <a:rPr lang="en-US" sz="2800" dirty="0" err="1">
@@ -11775,7 +14466,7 @@
                 <a:latin typeface="Calibri" panose="020F0502020204030204" pitchFamily="34" charset="0"/>
                 <a:cs typeface="Calibri" panose="020F0502020204030204" pitchFamily="34" charset="0"/>
               </a:rPr>
-              <a:t>Necesita</a:t>
+              <a:t>Necesită</a:t>
             </a:r>
             <a:r>
               <a:rPr lang="en-US" sz="2800" dirty="0">
@@ -11803,15 +14494,26 @@
                 <a:latin typeface="Calibri" panose="020F0502020204030204" pitchFamily="34" charset="0"/>
                 <a:cs typeface="Calibri" panose="020F0502020204030204" pitchFamily="34" charset="0"/>
               </a:rPr>
-              <a:t>aplicatie</a:t>
-            </a:r>
-            <a:r>
-              <a:rPr lang="en-US" sz="2800" dirty="0">
-                <a:latin typeface="Calibri" panose="020F0502020204030204" pitchFamily="34" charset="0"/>
-                <a:cs typeface="Calibri" panose="020F0502020204030204" pitchFamily="34" charset="0"/>
-              </a:rPr>
-              <a:t> externa</a:t>
-            </a:r>
+              <a:t>aplicație</a:t>
+            </a:r>
+            <a:r>
+              <a:rPr lang="en-US" sz="2800" dirty="0">
+                <a:latin typeface="Calibri" panose="020F0502020204030204" pitchFamily="34" charset="0"/>
+                <a:cs typeface="Calibri" panose="020F0502020204030204" pitchFamily="34" charset="0"/>
+              </a:rPr>
+              <a:t> </a:t>
+            </a:r>
+            <a:r>
+              <a:rPr lang="en-US" sz="2800" dirty="0" err="1">
+                <a:latin typeface="Calibri" panose="020F0502020204030204" pitchFamily="34" charset="0"/>
+                <a:cs typeface="Calibri" panose="020F0502020204030204" pitchFamily="34" charset="0"/>
+              </a:rPr>
+              <a:t>externă</a:t>
+            </a:r>
+            <a:endParaRPr lang="en-US" sz="2800" dirty="0">
+              <a:latin typeface="Calibri" panose="020F0502020204030204" pitchFamily="34" charset="0"/>
+              <a:cs typeface="Calibri" panose="020F0502020204030204" pitchFamily="34" charset="0"/>
+            </a:endParaRPr>
           </a:p>
           <a:p>
             <a:pPr marL="971550" lvl="1" indent="-514350">
@@ -11840,7 +14542,7 @@
                 <a:latin typeface="Calibri" panose="020F0502020204030204" pitchFamily="34" charset="0"/>
                 <a:cs typeface="Calibri" panose="020F0502020204030204" pitchFamily="34" charset="0"/>
               </a:rPr>
-              <a:t>retine</a:t>
+              <a:t>reține</a:t>
             </a:r>
             <a:r>
               <a:rPr lang="en-US" sz="2800" dirty="0">
@@ -11888,7 +14590,7 @@
                 <a:latin typeface="Calibri" panose="020F0502020204030204" pitchFamily="34" charset="0"/>
                 <a:cs typeface="Calibri" panose="020F0502020204030204" pitchFamily="34" charset="0"/>
               </a:rPr>
-              <a:t>Necesita</a:t>
+              <a:t>Necesită</a:t>
             </a:r>
             <a:r>
               <a:rPr lang="en-US" sz="2800" dirty="0">
@@ -11930,7 +14632,7 @@
                 <a:latin typeface="Calibri" panose="020F0502020204030204" pitchFamily="34" charset="0"/>
                 <a:cs typeface="Calibri" panose="020F0502020204030204" pitchFamily="34" charset="0"/>
               </a:rPr>
-              <a:t>enitate</a:t>
+              <a:t>entitate</a:t>
             </a:r>
             <a:r>
               <a:rPr lang="en-US" sz="2800" dirty="0">
@@ -11953,13 +14655,6 @@
               </a:rPr>
               <a:t> de date</a:t>
             </a:r>
-          </a:p>
-          <a:p>
-            <a:pPr>
-              <a:spcAft>
-                <a:spcPts val="800"/>
-              </a:spcAft>
-            </a:pPr>
             <a:endParaRPr lang="en-US" sz="3200" dirty="0">
               <a:latin typeface="Calibri" panose="020F0502020204030204" pitchFamily="34" charset="0"/>
               <a:cs typeface="Calibri" panose="020F0502020204030204" pitchFamily="34" charset="0"/>
@@ -12027,18 +14722,25 @@
           <a:lstStyle/>
           <a:p>
             <a:r>
+              <a:rPr lang="en-US" sz="6000" dirty="0" err="1">
+                <a:latin typeface="Calibri" panose="020F0502020204030204" pitchFamily="34" charset="0"/>
+                <a:cs typeface="Calibri" panose="020F0502020204030204" pitchFamily="34" charset="0"/>
+              </a:rPr>
+              <a:t>Soluția</a:t>
+            </a:r>
+            <a:r>
               <a:rPr lang="en-US" sz="6000" dirty="0">
                 <a:latin typeface="Calibri" panose="020F0502020204030204" pitchFamily="34" charset="0"/>
                 <a:cs typeface="Calibri" panose="020F0502020204030204" pitchFamily="34" charset="0"/>
               </a:rPr>
-              <a:t>Solutia </a:t>
+              <a:t> </a:t>
             </a:r>
             <a:r>
               <a:rPr lang="en-US" sz="6000" dirty="0" err="1">
                 <a:latin typeface="Calibri" panose="020F0502020204030204" pitchFamily="34" charset="0"/>
                 <a:cs typeface="Calibri" panose="020F0502020204030204" pitchFamily="34" charset="0"/>
               </a:rPr>
-              <a:t>propusa</a:t>
+              <a:t>propusă</a:t>
             </a:r>
             <a:r>
               <a:rPr lang="en-US" sz="6000" dirty="0">
@@ -12348,7 +15050,7 @@
                 <a:latin typeface="Calibri" panose="020F0502020204030204" pitchFamily="34" charset="0"/>
                 <a:cs typeface="Calibri" panose="020F0502020204030204" pitchFamily="34" charset="0"/>
               </a:rPr>
-              <a:t>Cateva</a:t>
+              <a:t>Câteva</a:t>
             </a:r>
             <a:r>
               <a:rPr lang="en-US" sz="2800" dirty="0">
@@ -12458,7 +15160,7 @@
                 <a:latin typeface="Calibri" panose="020F0502020204030204" pitchFamily="34" charset="0"/>
                 <a:cs typeface="Calibri" panose="020F0502020204030204" pitchFamily="34" charset="0"/>
               </a:rPr>
-              <a:t>eficienta</a:t>
+              <a:t>eficientă</a:t>
             </a:r>
             <a:r>
               <a:rPr lang="en-US" sz="2800" dirty="0">
@@ -12486,7 +15188,7 @@
                 <a:latin typeface="Calibri" panose="020F0502020204030204" pitchFamily="34" charset="0"/>
                 <a:cs typeface="Calibri" panose="020F0502020204030204" pitchFamily="34" charset="0"/>
               </a:rPr>
-              <a:t>evitand</a:t>
+              <a:t>evitând</a:t>
             </a:r>
             <a:r>
               <a:rPr lang="en-US" sz="2800" dirty="0">
@@ -12601,7 +15303,7 @@
                 <a:latin typeface="Calibri" panose="020F0502020204030204" pitchFamily="34" charset="0"/>
                 <a:cs typeface="Calibri" panose="020F0502020204030204" pitchFamily="34" charset="0"/>
               </a:rPr>
-              <a:t>potrivita</a:t>
+              <a:t>potrivită</a:t>
             </a:r>
             <a:r>
               <a:rPr lang="en-US" sz="2800" dirty="0">
@@ -12657,7 +15359,7 @@
                 <a:latin typeface="Calibri" panose="020F0502020204030204" pitchFamily="34" charset="0"/>
                 <a:cs typeface="Calibri" panose="020F0502020204030204" pitchFamily="34" charset="0"/>
               </a:rPr>
-              <a:t>functionalitate</a:t>
+              <a:t>funcționalitate</a:t>
             </a:r>
             <a:endParaRPr lang="en-US" sz="2800" dirty="0">
               <a:latin typeface="Calibri" panose="020F0502020204030204" pitchFamily="34" charset="0"/>
@@ -12708,7 +15410,7 @@
                 <a:latin typeface="Calibri" panose="020F0502020204030204" pitchFamily="34" charset="0"/>
                 <a:cs typeface="Calibri" panose="020F0502020204030204" pitchFamily="34" charset="0"/>
               </a:rPr>
-              <a:t>Usor</a:t>
+              <a:t>Ușor</a:t>
             </a:r>
             <a:r>
               <a:rPr lang="en-US" sz="2800" dirty="0">
@@ -12805,18 +15507,25 @@
           <a:lstStyle/>
           <a:p>
             <a:r>
+              <a:rPr lang="en-US" sz="6000" dirty="0" err="1">
+                <a:latin typeface="Calibri" panose="020F0502020204030204" pitchFamily="34" charset="0"/>
+                <a:cs typeface="Calibri" panose="020F0502020204030204" pitchFamily="34" charset="0"/>
+              </a:rPr>
+              <a:t>Soluția</a:t>
+            </a:r>
+            <a:r>
               <a:rPr lang="en-US" sz="6000" dirty="0">
                 <a:latin typeface="Calibri" panose="020F0502020204030204" pitchFamily="34" charset="0"/>
                 <a:cs typeface="Calibri" panose="020F0502020204030204" pitchFamily="34" charset="0"/>
               </a:rPr>
-              <a:t>Solutia </a:t>
+              <a:t> </a:t>
             </a:r>
             <a:r>
               <a:rPr lang="en-US" sz="6000" dirty="0" err="1">
                 <a:latin typeface="Calibri" panose="020F0502020204030204" pitchFamily="34" charset="0"/>
                 <a:cs typeface="Calibri" panose="020F0502020204030204" pitchFamily="34" charset="0"/>
               </a:rPr>
-              <a:t>propusa</a:t>
+              <a:t>propusă</a:t>
             </a:r>
             <a:r>
               <a:rPr lang="en-US" sz="6000" dirty="0">
@@ -12844,7 +15553,7 @@
                 <a:latin typeface="Calibri" panose="020F0502020204030204" pitchFamily="34" charset="0"/>
                 <a:cs typeface="Calibri" panose="020F0502020204030204" pitchFamily="34" charset="0"/>
               </a:rPr>
-              <a:t>aplicatiei</a:t>
+              <a:t>aplicației</a:t>
             </a:r>
             <a:endParaRPr lang="en-US" sz="6000" dirty="0">
               <a:latin typeface="Calibri" panose="020F0502020204030204" pitchFamily="34" charset="0"/>
